--- a/Web/Electron-Notes.pptx
+++ b/Web/Electron-Notes.pptx
@@ -5,15 +5,35 @@
     <p:sldMasterId id="2147483648" r:id="rId1"/>
   </p:sldMasterIdLst>
   <p:notesMasterIdLst>
-    <p:notesMasterId r:id="rId9"/>
+    <p:notesMasterId r:id="rId26"/>
   </p:notesMasterIdLst>
+  <p:handoutMasterIdLst>
+    <p:handoutMasterId r:id="rId27"/>
+  </p:handoutMasterIdLst>
   <p:sldIdLst>
     <p:sldId id="256" r:id="rId3"/>
     <p:sldId id="262" r:id="rId4"/>
     <p:sldId id="263" r:id="rId5"/>
     <p:sldId id="264" r:id="rId6"/>
     <p:sldId id="265" r:id="rId7"/>
-    <p:sldId id="261" r:id="rId8"/>
+    <p:sldId id="267" r:id="rId8"/>
+    <p:sldId id="296" r:id="rId9"/>
+    <p:sldId id="298" r:id="rId10"/>
+    <p:sldId id="269" r:id="rId11"/>
+    <p:sldId id="268" r:id="rId12"/>
+    <p:sldId id="284" r:id="rId13"/>
+    <p:sldId id="270" r:id="rId14"/>
+    <p:sldId id="272" r:id="rId15"/>
+    <p:sldId id="273" r:id="rId16"/>
+    <p:sldId id="274" r:id="rId17"/>
+    <p:sldId id="278" r:id="rId18"/>
+    <p:sldId id="276" r:id="rId19"/>
+    <p:sldId id="279" r:id="rId20"/>
+    <p:sldId id="271" r:id="rId21"/>
+    <p:sldId id="283" r:id="rId22"/>
+    <p:sldId id="295" r:id="rId23"/>
+    <p:sldId id="297" r:id="rId24"/>
+    <p:sldId id="261" r:id="rId25"/>
   </p:sldIdLst>
   <p:sldSz cx="12192000" cy="6858000"/>
   <p:notesSz cx="6858000" cy="9144000"/>
@@ -113,6 +133,164 @@
     </a:lvl9pPr>
   </p:defaultTextStyle>
 </p:presentation>
+</file>
+
+<file path=ppt/handoutMasters/handoutMaster1.xml><?xml version="1.0" encoding="utf-8"?>
+<p:handoutMaster xmlns:a="http://schemas.openxmlformats.org/drawingml/2006/main" xmlns:r="http://schemas.openxmlformats.org/officeDocument/2006/relationships" xmlns:p="http://schemas.openxmlformats.org/presentationml/2006/main">
+  <p:cSld>
+    <p:bg>
+      <p:bgRef idx="1001">
+        <a:schemeClr val="bg1"/>
+      </p:bgRef>
+    </p:bg>
+    <p:spTree>
+      <p:nvGrpSpPr>
+        <p:cNvPr id="1" name=""/>
+        <p:cNvGrpSpPr/>
+        <p:nvPr/>
+      </p:nvGrpSpPr>
+      <p:grpSpPr>
+        <a:xfrm>
+          <a:off x="0" y="0"/>
+          <a:ext cx="0" cy="0"/>
+          <a:chOff x="0" y="0"/>
+          <a:chExt cx="0" cy="0"/>
+        </a:xfrm>
+      </p:grpSpPr>
+      <p:sp>
+        <p:nvSpPr>
+          <p:cNvPr id="2" name="页眉占位符 1"/>
+          <p:cNvSpPr>
+            <a:spLocks noGrp="1"/>
+          </p:cNvSpPr>
+          <p:nvPr>
+            <p:ph type="hdr" sz="quarter"/>
+          </p:nvPr>
+        </p:nvSpPr>
+        <p:spPr>
+          <a:xfrm>
+            <a:off x="0" y="0"/>
+            <a:ext cx="2971800" cy="458788"/>
+          </a:xfrm>
+          <a:prstGeom prst="rect">
+            <a:avLst/>
+          </a:prstGeom>
+        </p:spPr>
+        <p:txBody>
+          <a:bodyPr vert="horz" lIns="91440" tIns="45720" rIns="91440" bIns="45720" rtlCol="0"/>
+          <a:lstStyle>
+            <a:lvl1pPr algn="l">
+              <a:defRPr sz="1200"/>
+            </a:lvl1pPr>
+          </a:lstStyle>
+          <a:p>
+            <a:endParaRPr lang="zh-CN" altLang="en-US"/>
+          </a:p>
+        </p:txBody>
+      </p:sp>
+      <p:sp>
+        <p:nvSpPr>
+          <p:cNvPr id="3" name="日期占位符 2"/>
+          <p:cNvSpPr>
+            <a:spLocks noGrp="1"/>
+          </p:cNvSpPr>
+          <p:nvPr>
+            <p:ph type="dt" sz="quarter" idx="1"/>
+          </p:nvPr>
+        </p:nvSpPr>
+        <p:spPr>
+          <a:xfrm>
+            <a:off x="3884613" y="0"/>
+            <a:ext cx="2971800" cy="458788"/>
+          </a:xfrm>
+          <a:prstGeom prst="rect">
+            <a:avLst/>
+          </a:prstGeom>
+        </p:spPr>
+        <p:txBody>
+          <a:bodyPr vert="horz" lIns="91440" tIns="45720" rIns="91440" bIns="45720" rtlCol="0"/>
+          <a:lstStyle>
+            <a:lvl1pPr algn="r">
+              <a:defRPr sz="1200"/>
+            </a:lvl1pPr>
+          </a:lstStyle>
+          <a:p>
+            <a:fld id="{0F9B84EA-7D68-4D60-9CB1-D50884785D1C}" type="datetimeFigureOut">
+              <a:rPr lang="zh-CN" altLang="en-US" smtClean="0"/>
+            </a:fld>
+            <a:endParaRPr lang="zh-CN" altLang="en-US"/>
+          </a:p>
+        </p:txBody>
+      </p:sp>
+      <p:sp>
+        <p:nvSpPr>
+          <p:cNvPr id="4" name="页脚占位符 3"/>
+          <p:cNvSpPr>
+            <a:spLocks noGrp="1"/>
+          </p:cNvSpPr>
+          <p:nvPr>
+            <p:ph type="ftr" sz="quarter" idx="2"/>
+          </p:nvPr>
+        </p:nvSpPr>
+        <p:spPr>
+          <a:xfrm>
+            <a:off x="0" y="8685213"/>
+            <a:ext cx="2971800" cy="458787"/>
+          </a:xfrm>
+          <a:prstGeom prst="rect">
+            <a:avLst/>
+          </a:prstGeom>
+        </p:spPr>
+        <p:txBody>
+          <a:bodyPr vert="horz" lIns="91440" tIns="45720" rIns="91440" bIns="45720" rtlCol="0" anchor="b"/>
+          <a:lstStyle>
+            <a:lvl1pPr algn="l">
+              <a:defRPr sz="1200"/>
+            </a:lvl1pPr>
+          </a:lstStyle>
+          <a:p>
+            <a:endParaRPr lang="zh-CN" altLang="en-US"/>
+          </a:p>
+        </p:txBody>
+      </p:sp>
+      <p:sp>
+        <p:nvSpPr>
+          <p:cNvPr id="5" name="灯片编号占位符 4"/>
+          <p:cNvSpPr>
+            <a:spLocks noGrp="1"/>
+          </p:cNvSpPr>
+          <p:nvPr>
+            <p:ph type="sldNum" sz="quarter" idx="3"/>
+          </p:nvPr>
+        </p:nvSpPr>
+        <p:spPr>
+          <a:xfrm>
+            <a:off x="3884613" y="8685213"/>
+            <a:ext cx="2971800" cy="458787"/>
+          </a:xfrm>
+          <a:prstGeom prst="rect">
+            <a:avLst/>
+          </a:prstGeom>
+        </p:spPr>
+        <p:txBody>
+          <a:bodyPr vert="horz" lIns="91440" tIns="45720" rIns="91440" bIns="45720" rtlCol="0" anchor="b"/>
+          <a:lstStyle>
+            <a:lvl1pPr algn="r">
+              <a:defRPr sz="1200"/>
+            </a:lvl1pPr>
+          </a:lstStyle>
+          <a:p>
+            <a:fld id="{8D4E0FC9-F1F8-4FAE-9988-3BA365CFD46F}" type="slidenum">
+              <a:rPr lang="zh-CN" altLang="en-US" smtClean="0"/>
+            </a:fld>
+            <a:endParaRPr lang="zh-CN" altLang="en-US"/>
+          </a:p>
+        </p:txBody>
+      </p:sp>
+    </p:spTree>
+  </p:cSld>
+  <p:clrMap bg1="lt1" tx1="dk1" bg2="lt2" tx2="dk2" accent1="accent1" accent2="accent2" accent3="accent3" accent4="accent4" accent5="accent5" accent6="accent6" hlink="hlink" folHlink="folHlink"/>
+</p:handoutMaster>
 </file>
 
 <file path=ppt/notesMasters/notesMaster1.xml><?xml version="1.0" encoding="utf-8"?>
@@ -3564,7 +3742,7 @@
             <a:pPr algn="ctr"/>
             <a:r>
               <a:rPr lang="en-US" altLang="zh-CN" smtClean="0"/>
-              <a:t>Last updated: 9/25/2018</a:t>
+              <a:t>Last updated: 10/5/2020</a:t>
             </a:r>
             <a:endParaRPr lang="en-US" altLang="zh-CN" smtClean="0"/>
           </a:p>
@@ -3573,6 +3751,1926 @@
     </p:spTree>
     <p:custDataLst>
       <p:tags r:id="rId3"/>
+    </p:custDataLst>
+  </p:cSld>
+  <p:clrMapOvr>
+    <a:masterClrMapping/>
+  </p:clrMapOvr>
+</p:sld>
+</file>
+
+<file path=ppt/slides/slide10.xml><?xml version="1.0" encoding="utf-8"?>
+<p:sld xmlns:a="http://schemas.openxmlformats.org/drawingml/2006/main" xmlns:r="http://schemas.openxmlformats.org/officeDocument/2006/relationships" xmlns:p="http://schemas.openxmlformats.org/presentationml/2006/main">
+  <p:cSld>
+    <p:spTree>
+      <p:nvGrpSpPr>
+        <p:cNvPr id="1" name=""/>
+        <p:cNvGrpSpPr/>
+        <p:nvPr/>
+      </p:nvGrpSpPr>
+      <p:grpSpPr/>
+      <p:sp>
+        <p:nvSpPr>
+          <p:cNvPr id="2" name="标题 1"/>
+          <p:cNvSpPr>
+            <a:spLocks noGrp="1"/>
+          </p:cNvSpPr>
+          <p:nvPr>
+            <p:ph type="title"/>
+          </p:nvPr>
+        </p:nvSpPr>
+        <p:spPr/>
+        <p:txBody>
+          <a:bodyPr/>
+          <a:p>
+            <a:r>
+              <a:rPr lang="en-US" altLang="zh-CN"/>
+              <a:t>Intro</a:t>
+            </a:r>
+            <a:endParaRPr lang="en-US" altLang="zh-CN"/>
+          </a:p>
+        </p:txBody>
+      </p:sp>
+      <p:sp>
+        <p:nvSpPr>
+          <p:cNvPr id="5" name="内容占位符 4"/>
+          <p:cNvSpPr>
+            <a:spLocks noGrp="1"/>
+          </p:cNvSpPr>
+          <p:nvPr>
+            <p:ph idx="1"/>
+          </p:nvPr>
+        </p:nvSpPr>
+        <p:spPr>
+          <a:xfrm>
+            <a:off x="838200" y="1211580"/>
+            <a:ext cx="5182870" cy="4549140"/>
+          </a:xfrm>
+        </p:spPr>
+        <p:txBody>
+          <a:bodyPr/>
+          <a:p>
+            <a:r>
+              <a:rPr lang="zh-CN" altLang="en-US"/>
+              <a:t>https://github.com/SimulatedGREG/electron-vue</a:t>
+            </a:r>
+            <a:endParaRPr lang="zh-CN" altLang="en-US"/>
+          </a:p>
+        </p:txBody>
+      </p:sp>
+      <p:sp>
+        <p:nvSpPr>
+          <p:cNvPr id="4" name="文本框 3"/>
+          <p:cNvSpPr txBox="1"/>
+          <p:nvPr/>
+        </p:nvSpPr>
+        <p:spPr>
+          <a:xfrm>
+            <a:off x="718185" y="3027680"/>
+            <a:ext cx="5422900" cy="2584450"/>
+          </a:xfrm>
+          <a:prstGeom prst="rect">
+            <a:avLst/>
+          </a:prstGeom>
+          <a:noFill/>
+          <a:ln>
+            <a:solidFill>
+              <a:srgbClr val="0070C0"/>
+            </a:solidFill>
+          </a:ln>
+        </p:spPr>
+        <p:txBody>
+          <a:bodyPr wrap="square" rtlCol="0">
+            <a:spAutoFit/>
+          </a:bodyPr>
+          <a:p>
+            <a:r>
+              <a:rPr lang="zh-CN" altLang="en-US"/>
+              <a:t># Install vue-cli and scaffold boilerplate</a:t>
+            </a:r>
+            <a:endParaRPr lang="zh-CN" altLang="en-US"/>
+          </a:p>
+          <a:p>
+            <a:r>
+              <a:rPr lang="zh-CN" altLang="en-US"/>
+              <a:t>npm install -g vue-cli</a:t>
+            </a:r>
+            <a:endParaRPr lang="zh-CN" altLang="en-US"/>
+          </a:p>
+          <a:p>
+            <a:r>
+              <a:rPr lang="zh-CN" altLang="en-US"/>
+              <a:t>vue init simulatedgreg/electron-vue my-project</a:t>
+            </a:r>
+            <a:endParaRPr lang="zh-CN" altLang="en-US"/>
+          </a:p>
+          <a:p>
+            <a:endParaRPr lang="zh-CN" altLang="en-US"/>
+          </a:p>
+          <a:p>
+            <a:r>
+              <a:rPr lang="zh-CN" altLang="en-US"/>
+              <a:t># Install dependencies and run your app</a:t>
+            </a:r>
+            <a:endParaRPr lang="zh-CN" altLang="en-US"/>
+          </a:p>
+          <a:p>
+            <a:r>
+              <a:rPr lang="zh-CN" altLang="en-US"/>
+              <a:t>cd my-project</a:t>
+            </a:r>
+            <a:endParaRPr lang="zh-CN" altLang="en-US"/>
+          </a:p>
+          <a:p>
+            <a:r>
+              <a:rPr lang="en-US" altLang="zh-CN"/>
+              <a:t>cnpm i</a:t>
+            </a:r>
+            <a:endParaRPr lang="en-US" altLang="zh-CN"/>
+          </a:p>
+          <a:p>
+            <a:r>
+              <a:rPr lang="en-US" altLang="zh-CN"/>
+              <a:t>npm run dev</a:t>
+            </a:r>
+            <a:endParaRPr lang="en-US" altLang="zh-CN"/>
+          </a:p>
+          <a:p>
+            <a:r>
+              <a:rPr lang="en-US" altLang="zh-CN">
+                <a:sym typeface="+mn-ea"/>
+              </a:rPr>
+              <a:t># FAQ “process is not defined”</a:t>
+            </a:r>
+            <a:endParaRPr lang="en-US" altLang="zh-CN"/>
+          </a:p>
+        </p:txBody>
+      </p:sp>
+      <p:sp>
+        <p:nvSpPr>
+          <p:cNvPr id="6" name="文本框 5"/>
+          <p:cNvSpPr txBox="1"/>
+          <p:nvPr/>
+        </p:nvSpPr>
+        <p:spPr>
+          <a:xfrm>
+            <a:off x="7385050" y="1117600"/>
+            <a:ext cx="4089400" cy="5215890"/>
+          </a:xfrm>
+          <a:prstGeom prst="rect">
+            <a:avLst/>
+          </a:prstGeom>
+          <a:noFill/>
+          <a:ln>
+            <a:solidFill>
+              <a:schemeClr val="accent1"/>
+            </a:solidFill>
+          </a:ln>
+        </p:spPr>
+        <p:txBody>
+          <a:bodyPr wrap="square" rtlCol="0">
+            <a:spAutoFit/>
+          </a:bodyPr>
+          <a:p>
+            <a:r>
+              <a:rPr lang="zh-CN" altLang="en-US" sz="900"/>
+              <a:t>my-project</a:t>
+            </a:r>
+            <a:endParaRPr lang="zh-CN" altLang="en-US" sz="900"/>
+          </a:p>
+          <a:p>
+            <a:r>
+              <a:rPr lang="zh-CN" altLang="en-US" sz="900"/>
+              <a:t>├─ .electron-vue</a:t>
+            </a:r>
+            <a:endParaRPr lang="zh-CN" altLang="en-US" sz="900"/>
+          </a:p>
+          <a:p>
+            <a:r>
+              <a:rPr lang="zh-CN" altLang="en-US" sz="900"/>
+              <a:t>│  └─ &lt;build/development&gt;.js files</a:t>
+            </a:r>
+            <a:endParaRPr lang="zh-CN" altLang="en-US" sz="900"/>
+          </a:p>
+          <a:p>
+            <a:r>
+              <a:rPr lang="zh-CN" altLang="en-US" sz="900"/>
+              <a:t>├─ build</a:t>
+            </a:r>
+            <a:endParaRPr lang="zh-CN" altLang="en-US" sz="900"/>
+          </a:p>
+          <a:p>
+            <a:r>
+              <a:rPr lang="zh-CN" altLang="en-US" sz="900"/>
+              <a:t>│  └─ icons/</a:t>
+            </a:r>
+            <a:endParaRPr lang="zh-CN" altLang="en-US" sz="900"/>
+          </a:p>
+          <a:p>
+            <a:r>
+              <a:rPr lang="zh-CN" altLang="en-US" sz="900"/>
+              <a:t>├─ dist</a:t>
+            </a:r>
+            <a:endParaRPr lang="zh-CN" altLang="en-US" sz="900"/>
+          </a:p>
+          <a:p>
+            <a:r>
+              <a:rPr lang="zh-CN" altLang="en-US" sz="900"/>
+              <a:t>│  ├─ electron/</a:t>
+            </a:r>
+            <a:endParaRPr lang="zh-CN" altLang="en-US" sz="900"/>
+          </a:p>
+          <a:p>
+            <a:r>
+              <a:rPr lang="zh-CN" altLang="en-US" sz="900"/>
+              <a:t>│  └─ web/</a:t>
+            </a:r>
+            <a:endParaRPr lang="zh-CN" altLang="en-US" sz="900"/>
+          </a:p>
+          <a:p>
+            <a:r>
+              <a:rPr lang="zh-CN" altLang="en-US" sz="900"/>
+              <a:t>├─ node_modules/</a:t>
+            </a:r>
+            <a:endParaRPr lang="zh-CN" altLang="en-US" sz="900"/>
+          </a:p>
+          <a:p>
+            <a:r>
+              <a:rPr lang="zh-CN" altLang="en-US" sz="900"/>
+              <a:t>├─ src</a:t>
+            </a:r>
+            <a:endParaRPr lang="zh-CN" altLang="en-US" sz="900"/>
+          </a:p>
+          <a:p>
+            <a:r>
+              <a:rPr lang="zh-CN" altLang="en-US" sz="900"/>
+              <a:t>│  ├─ main</a:t>
+            </a:r>
+            <a:endParaRPr lang="zh-CN" altLang="en-US" sz="900"/>
+          </a:p>
+          <a:p>
+            <a:r>
+              <a:rPr lang="zh-CN" altLang="en-US" sz="900"/>
+              <a:t>│  │  ├─ index.dev.js</a:t>
+            </a:r>
+            <a:endParaRPr lang="zh-CN" altLang="en-US" sz="900"/>
+          </a:p>
+          <a:p>
+            <a:r>
+              <a:rPr lang="zh-CN" altLang="en-US" sz="900"/>
+              <a:t>│  │  └─ index.js</a:t>
+            </a:r>
+            <a:endParaRPr lang="zh-CN" altLang="en-US" sz="900"/>
+          </a:p>
+          <a:p>
+            <a:r>
+              <a:rPr lang="zh-CN" altLang="en-US" sz="900"/>
+              <a:t>│  ├─ renderer</a:t>
+            </a:r>
+            <a:endParaRPr lang="zh-CN" altLang="en-US" sz="900"/>
+          </a:p>
+          <a:p>
+            <a:r>
+              <a:rPr lang="zh-CN" altLang="en-US" sz="900"/>
+              <a:t>│  │  ├─ components/</a:t>
+            </a:r>
+            <a:endParaRPr lang="zh-CN" altLang="en-US" sz="900"/>
+          </a:p>
+          <a:p>
+            <a:r>
+              <a:rPr lang="zh-CN" altLang="en-US" sz="900"/>
+              <a:t>│  │  ├─ router/</a:t>
+            </a:r>
+            <a:endParaRPr lang="zh-CN" altLang="en-US" sz="900"/>
+          </a:p>
+          <a:p>
+            <a:r>
+              <a:rPr lang="zh-CN" altLang="en-US" sz="900"/>
+              <a:t>│  │  ├─ store/</a:t>
+            </a:r>
+            <a:endParaRPr lang="zh-CN" altLang="en-US" sz="900"/>
+          </a:p>
+          <a:p>
+            <a:r>
+              <a:rPr lang="zh-CN" altLang="en-US" sz="900"/>
+              <a:t>│  │  ├─ App.vue</a:t>
+            </a:r>
+            <a:endParaRPr lang="zh-CN" altLang="en-US" sz="900"/>
+          </a:p>
+          <a:p>
+            <a:r>
+              <a:rPr lang="zh-CN" altLang="en-US" sz="900"/>
+              <a:t>│  │  └─ main.js</a:t>
+            </a:r>
+            <a:endParaRPr lang="zh-CN" altLang="en-US" sz="900"/>
+          </a:p>
+          <a:p>
+            <a:r>
+              <a:rPr lang="zh-CN" altLang="en-US" sz="900"/>
+              <a:t>│  └─ index.ejs</a:t>
+            </a:r>
+            <a:endParaRPr lang="zh-CN" altLang="en-US" sz="900"/>
+          </a:p>
+          <a:p>
+            <a:r>
+              <a:rPr lang="zh-CN" altLang="en-US" sz="900"/>
+              <a:t>├─ static/</a:t>
+            </a:r>
+            <a:endParaRPr lang="zh-CN" altLang="en-US" sz="900"/>
+          </a:p>
+          <a:p>
+            <a:r>
+              <a:rPr lang="zh-CN" altLang="en-US" sz="900"/>
+              <a:t>├─ test</a:t>
+            </a:r>
+            <a:endParaRPr lang="zh-CN" altLang="en-US" sz="900"/>
+          </a:p>
+          <a:p>
+            <a:r>
+              <a:rPr lang="zh-CN" altLang="en-US" sz="900"/>
+              <a:t>│  ├─ e2e</a:t>
+            </a:r>
+            <a:endParaRPr lang="zh-CN" altLang="en-US" sz="900"/>
+          </a:p>
+          <a:p>
+            <a:r>
+              <a:rPr lang="zh-CN" altLang="en-US" sz="900"/>
+              <a:t>│  │  ├─ specs/</a:t>
+            </a:r>
+            <a:endParaRPr lang="zh-CN" altLang="en-US" sz="900"/>
+          </a:p>
+          <a:p>
+            <a:r>
+              <a:rPr lang="zh-CN" altLang="en-US" sz="900"/>
+              <a:t>│  │  ├─ index.js</a:t>
+            </a:r>
+            <a:endParaRPr lang="zh-CN" altLang="en-US" sz="900"/>
+          </a:p>
+          <a:p>
+            <a:r>
+              <a:rPr lang="zh-CN" altLang="en-US" sz="900"/>
+              <a:t>│  │  └─ utils.js</a:t>
+            </a:r>
+            <a:endParaRPr lang="zh-CN" altLang="en-US" sz="900"/>
+          </a:p>
+          <a:p>
+            <a:r>
+              <a:rPr lang="zh-CN" altLang="en-US" sz="900"/>
+              <a:t>│  ├─ unit</a:t>
+            </a:r>
+            <a:endParaRPr lang="zh-CN" altLang="en-US" sz="900"/>
+          </a:p>
+          <a:p>
+            <a:r>
+              <a:rPr lang="zh-CN" altLang="en-US" sz="900"/>
+              <a:t>│  │  ├─ specs/</a:t>
+            </a:r>
+            <a:endParaRPr lang="zh-CN" altLang="en-US" sz="900"/>
+          </a:p>
+          <a:p>
+            <a:r>
+              <a:rPr lang="zh-CN" altLang="en-US" sz="900"/>
+              <a:t>│  │  ├─ index.js</a:t>
+            </a:r>
+            <a:endParaRPr lang="zh-CN" altLang="en-US" sz="900"/>
+          </a:p>
+          <a:p>
+            <a:r>
+              <a:rPr lang="zh-CN" altLang="en-US" sz="900"/>
+              <a:t>│  │  └─ karma.config.js</a:t>
+            </a:r>
+            <a:endParaRPr lang="zh-CN" altLang="en-US" sz="900"/>
+          </a:p>
+          <a:p>
+            <a:r>
+              <a:rPr lang="zh-CN" altLang="en-US" sz="900"/>
+              <a:t>│  └─ .eslintrc</a:t>
+            </a:r>
+            <a:endParaRPr lang="zh-CN" altLang="en-US" sz="900"/>
+          </a:p>
+          <a:p>
+            <a:r>
+              <a:rPr lang="zh-CN" altLang="en-US" sz="900"/>
+              <a:t>├─ .babelrc</a:t>
+            </a:r>
+            <a:endParaRPr lang="zh-CN" altLang="en-US" sz="900"/>
+          </a:p>
+          <a:p>
+            <a:r>
+              <a:rPr lang="zh-CN" altLang="en-US" sz="900"/>
+              <a:t>├─ .eslintignore</a:t>
+            </a:r>
+            <a:endParaRPr lang="zh-CN" altLang="en-US" sz="900"/>
+          </a:p>
+          <a:p>
+            <a:r>
+              <a:rPr lang="zh-CN" altLang="en-US" sz="900"/>
+              <a:t>├─ .eslintrc.js</a:t>
+            </a:r>
+            <a:endParaRPr lang="zh-CN" altLang="en-US" sz="900"/>
+          </a:p>
+          <a:p>
+            <a:r>
+              <a:rPr lang="zh-CN" altLang="en-US" sz="900"/>
+              <a:t>├─ .gitignore</a:t>
+            </a:r>
+            <a:endParaRPr lang="zh-CN" altLang="en-US" sz="900"/>
+          </a:p>
+          <a:p>
+            <a:r>
+              <a:rPr lang="zh-CN" altLang="en-US" sz="900"/>
+              <a:t>├─ package.json</a:t>
+            </a:r>
+            <a:endParaRPr lang="zh-CN" altLang="en-US" sz="900"/>
+          </a:p>
+          <a:p>
+            <a:r>
+              <a:rPr lang="zh-CN" altLang="en-US" sz="900"/>
+              <a:t>└─ README.md</a:t>
+            </a:r>
+            <a:endParaRPr lang="zh-CN" altLang="en-US" sz="900"/>
+          </a:p>
+        </p:txBody>
+      </p:sp>
+      <p:sp>
+        <p:nvSpPr>
+          <p:cNvPr id="7" name="矩形 6"/>
+          <p:cNvSpPr/>
+          <p:nvPr/>
+        </p:nvSpPr>
+        <p:spPr>
+          <a:xfrm>
+            <a:off x="7473950" y="2666365"/>
+            <a:ext cx="1511300" cy="267970"/>
+          </a:xfrm>
+          <a:prstGeom prst="rect">
+            <a:avLst/>
+          </a:prstGeom>
+          <a:noFill/>
+          <a:ln w="22225">
+            <a:solidFill>
+              <a:srgbClr val="FF0000"/>
+            </a:solidFill>
+          </a:ln>
+        </p:spPr>
+        <p:style>
+          <a:lnRef idx="2">
+            <a:schemeClr val="accent1">
+              <a:shade val="50000"/>
+            </a:schemeClr>
+          </a:lnRef>
+          <a:fillRef idx="1">
+            <a:schemeClr val="accent1"/>
+          </a:fillRef>
+          <a:effectRef idx="0">
+            <a:schemeClr val="accent1"/>
+          </a:effectRef>
+          <a:fontRef idx="minor">
+            <a:schemeClr val="lt1"/>
+          </a:fontRef>
+        </p:style>
+        <p:txBody>
+          <a:bodyPr rtlCol="0" anchor="ctr"/>
+          <a:p>
+            <a:pPr algn="ctr"/>
+            <a:endParaRPr lang="zh-CN" altLang="en-US"/>
+          </a:p>
+        </p:txBody>
+      </p:sp>
+      <p:sp>
+        <p:nvSpPr>
+          <p:cNvPr id="8" name="矩形 7"/>
+          <p:cNvSpPr/>
+          <p:nvPr/>
+        </p:nvSpPr>
+        <p:spPr>
+          <a:xfrm>
+            <a:off x="7473950" y="3103880"/>
+            <a:ext cx="2501900" cy="660400"/>
+          </a:xfrm>
+          <a:prstGeom prst="rect">
+            <a:avLst/>
+          </a:prstGeom>
+          <a:noFill/>
+          <a:ln w="22225">
+            <a:solidFill>
+              <a:srgbClr val="FF0000"/>
+            </a:solidFill>
+          </a:ln>
+        </p:spPr>
+        <p:style>
+          <a:lnRef idx="2">
+            <a:schemeClr val="accent1">
+              <a:shade val="50000"/>
+            </a:schemeClr>
+          </a:lnRef>
+          <a:fillRef idx="1">
+            <a:schemeClr val="accent1"/>
+          </a:fillRef>
+          <a:effectRef idx="0">
+            <a:schemeClr val="accent1"/>
+          </a:effectRef>
+          <a:fontRef idx="minor">
+            <a:schemeClr val="lt1"/>
+          </a:fontRef>
+        </p:style>
+        <p:txBody>
+          <a:bodyPr rtlCol="0" anchor="ctr"/>
+          <a:p>
+            <a:pPr algn="ctr"/>
+            <a:r>
+              <a:rPr lang="en-US" altLang="zh-CN">
+                <a:solidFill>
+                  <a:srgbClr val="FF0000"/>
+                </a:solidFill>
+              </a:rPr>
+              <a:t>VUE</a:t>
+            </a:r>
+            <a:endParaRPr lang="en-US" altLang="zh-CN">
+              <a:solidFill>
+                <a:srgbClr val="FF0000"/>
+              </a:solidFill>
+            </a:endParaRPr>
+          </a:p>
+        </p:txBody>
+      </p:sp>
+    </p:spTree>
+    <p:custDataLst>
+      <p:tags r:id="rId1"/>
+    </p:custDataLst>
+  </p:cSld>
+  <p:clrMapOvr>
+    <a:masterClrMapping/>
+  </p:clrMapOvr>
+</p:sld>
+</file>
+
+<file path=ppt/slides/slide11.xml><?xml version="1.0" encoding="utf-8"?>
+<p:sld xmlns:a="http://schemas.openxmlformats.org/drawingml/2006/main" xmlns:r="http://schemas.openxmlformats.org/officeDocument/2006/relationships" xmlns:p="http://schemas.openxmlformats.org/presentationml/2006/main">
+  <p:cSld>
+    <p:spTree>
+      <p:nvGrpSpPr>
+        <p:cNvPr id="1" name=""/>
+        <p:cNvGrpSpPr/>
+        <p:nvPr/>
+      </p:nvGrpSpPr>
+      <p:grpSpPr/>
+      <p:sp>
+        <p:nvSpPr>
+          <p:cNvPr id="2" name="标题 1"/>
+          <p:cNvSpPr>
+            <a:spLocks noGrp="1"/>
+          </p:cNvSpPr>
+          <p:nvPr>
+            <p:ph type="title"/>
+          </p:nvPr>
+        </p:nvSpPr>
+        <p:spPr/>
+        <p:txBody>
+          <a:bodyPr>
+            <a:normAutofit/>
+          </a:bodyPr>
+          <a:p>
+            <a:r>
+              <a:rPr lang="en-US" altLang="zh-CN"/>
+              <a:t>Processes</a:t>
+            </a:r>
+            <a:endParaRPr lang="en-US" altLang="zh-CN"/>
+          </a:p>
+        </p:txBody>
+      </p:sp>
+      <p:sp>
+        <p:nvSpPr>
+          <p:cNvPr id="3" name="内容占位符 2"/>
+          <p:cNvSpPr>
+            <a:spLocks noGrp="1"/>
+          </p:cNvSpPr>
+          <p:nvPr>
+            <p:ph idx="1"/>
+          </p:nvPr>
+        </p:nvSpPr>
+        <p:spPr/>
+        <p:txBody>
+          <a:bodyPr/>
+          <a:p>
+            <a:r>
+              <a:rPr lang="en-US" altLang="zh-CN"/>
+              <a:t>Main process</a:t>
+            </a:r>
+            <a:endParaRPr lang="en-US" altLang="zh-CN"/>
+          </a:p>
+          <a:p>
+            <a:pPr lvl="1"/>
+            <a:r>
+              <a:rPr lang="en-US" altLang="zh-CN" sz="2000"/>
+              <a:t>Entry: src/main/index.js</a:t>
+            </a:r>
+            <a:endParaRPr lang="en-US" altLang="zh-CN"/>
+          </a:p>
+          <a:p>
+            <a:r>
+              <a:rPr lang="en-US" altLang="zh-CN"/>
+              <a:t>Renderer process</a:t>
+            </a:r>
+            <a:endParaRPr lang="en-US" altLang="zh-CN"/>
+          </a:p>
+          <a:p>
+            <a:r>
+              <a:rPr lang="en-US" altLang="zh-CN"/>
+              <a:t>IPC</a:t>
+            </a:r>
+            <a:endParaRPr lang="en-US" altLang="zh-CN"/>
+          </a:p>
+          <a:p>
+            <a:pPr lvl="1"/>
+            <a:r>
+              <a:rPr lang="en-US" altLang="zh-CN"/>
+              <a:t>ipcMain, ipcRenderer</a:t>
+            </a:r>
+            <a:endParaRPr lang="en-US" altLang="zh-CN"/>
+          </a:p>
+        </p:txBody>
+      </p:sp>
+    </p:spTree>
+    <p:custDataLst>
+      <p:tags r:id="rId1"/>
+    </p:custDataLst>
+  </p:cSld>
+  <p:clrMapOvr>
+    <a:masterClrMapping/>
+  </p:clrMapOvr>
+</p:sld>
+</file>
+
+<file path=ppt/slides/slide12.xml><?xml version="1.0" encoding="utf-8"?>
+<p:sld xmlns:a="http://schemas.openxmlformats.org/drawingml/2006/main" xmlns:r="http://schemas.openxmlformats.org/officeDocument/2006/relationships" xmlns:p="http://schemas.openxmlformats.org/presentationml/2006/main">
+  <p:cSld>
+    <p:spTree>
+      <p:nvGrpSpPr>
+        <p:cNvPr id="1" name=""/>
+        <p:cNvGrpSpPr/>
+        <p:nvPr/>
+      </p:nvGrpSpPr>
+      <p:grpSpPr/>
+      <p:sp>
+        <p:nvSpPr>
+          <p:cNvPr id="2" name="标题 1"/>
+          <p:cNvSpPr>
+            <a:spLocks noGrp="1"/>
+          </p:cNvSpPr>
+          <p:nvPr>
+            <p:ph type="title"/>
+          </p:nvPr>
+        </p:nvSpPr>
+        <p:spPr/>
+        <p:txBody>
+          <a:bodyPr/>
+          <a:p>
+            <a:r>
+              <a:rPr lang="en-US" altLang="zh-CN"/>
+              <a:t>Modules</a:t>
+            </a:r>
+            <a:endParaRPr lang="en-US" altLang="zh-CN"/>
+          </a:p>
+        </p:txBody>
+      </p:sp>
+      <p:pic>
+        <p:nvPicPr>
+          <p:cNvPr id="4" name="内容占位符 3"/>
+          <p:cNvPicPr>
+            <a:picLocks noChangeAspect="1"/>
+          </p:cNvPicPr>
+          <p:nvPr>
+            <p:ph idx="1"/>
+            <p:custDataLst>
+              <p:tags r:id="rId1"/>
+            </p:custDataLst>
+          </p:nvPr>
+        </p:nvPicPr>
+        <p:blipFill>
+          <a:blip r:embed="rId2"/>
+          <a:stretch>
+            <a:fillRect/>
+          </a:stretch>
+        </p:blipFill>
+        <p:spPr>
+          <a:xfrm>
+            <a:off x="2896870" y="1224280"/>
+            <a:ext cx="7094220" cy="5319395"/>
+          </a:xfrm>
+          <a:prstGeom prst="rect">
+            <a:avLst/>
+          </a:prstGeom>
+        </p:spPr>
+      </p:pic>
+    </p:spTree>
+    <p:custDataLst>
+      <p:tags r:id="rId3"/>
+    </p:custDataLst>
+  </p:cSld>
+  <p:clrMapOvr>
+    <a:masterClrMapping/>
+  </p:clrMapOvr>
+</p:sld>
+</file>
+
+<file path=ppt/slides/slide13.xml><?xml version="1.0" encoding="utf-8"?>
+<p:sld xmlns:a="http://schemas.openxmlformats.org/drawingml/2006/main" xmlns:r="http://schemas.openxmlformats.org/officeDocument/2006/relationships" xmlns:p="http://schemas.openxmlformats.org/presentationml/2006/main">
+  <p:cSld>
+    <p:spTree>
+      <p:nvGrpSpPr>
+        <p:cNvPr id="1" name=""/>
+        <p:cNvGrpSpPr/>
+        <p:nvPr/>
+      </p:nvGrpSpPr>
+      <p:grpSpPr/>
+      <p:sp>
+        <p:nvSpPr>
+          <p:cNvPr id="2" name="标题 1"/>
+          <p:cNvSpPr>
+            <a:spLocks noGrp="1"/>
+          </p:cNvSpPr>
+          <p:nvPr>
+            <p:ph type="title"/>
+          </p:nvPr>
+        </p:nvSpPr>
+        <p:spPr/>
+        <p:txBody>
+          <a:bodyPr/>
+          <a:p>
+            <a:r>
+              <a:rPr lang="en-US" altLang="zh-CN"/>
+              <a:t>app</a:t>
+            </a:r>
+            <a:endParaRPr lang="en-US" altLang="zh-CN"/>
+          </a:p>
+        </p:txBody>
+      </p:sp>
+      <p:sp>
+        <p:nvSpPr>
+          <p:cNvPr id="3" name="内容占位符 2"/>
+          <p:cNvSpPr>
+            <a:spLocks noGrp="1"/>
+          </p:cNvSpPr>
+          <p:nvPr>
+            <p:ph idx="1"/>
+          </p:nvPr>
+        </p:nvSpPr>
+        <p:spPr/>
+        <p:txBody>
+          <a:bodyPr>
+            <a:normAutofit lnSpcReduction="10000"/>
+          </a:bodyPr>
+          <a:p>
+            <a:r>
+              <a:rPr lang="en-US" altLang="zh-CN"/>
+              <a:t>Hooks</a:t>
+            </a:r>
+            <a:endParaRPr lang="en-US" altLang="zh-CN"/>
+          </a:p>
+          <a:p>
+            <a:pPr lvl="1"/>
+            <a:r>
+              <a:rPr lang="en-US" altLang="zh-CN"/>
+              <a:t>will-finish-launching</a:t>
+            </a:r>
+            <a:endParaRPr lang="en-US" altLang="zh-CN"/>
+          </a:p>
+          <a:p>
+            <a:pPr lvl="1"/>
+            <a:r>
+              <a:rPr lang="en-US" altLang="zh-CN"/>
+              <a:t>ready</a:t>
+            </a:r>
+            <a:endParaRPr lang="en-US" altLang="zh-CN"/>
+          </a:p>
+          <a:p>
+            <a:pPr lvl="1"/>
+            <a:r>
+              <a:rPr lang="en-US" altLang="zh-CN"/>
+              <a:t>window-all-closed</a:t>
+            </a:r>
+            <a:endParaRPr lang="en-US" altLang="zh-CN"/>
+          </a:p>
+          <a:p>
+            <a:pPr lvl="1"/>
+            <a:r>
+              <a:rPr lang="en-US" altLang="zh-CN"/>
+              <a:t>before-quit</a:t>
+            </a:r>
+            <a:endParaRPr lang="en-US" altLang="zh-CN"/>
+          </a:p>
+          <a:p>
+            <a:pPr lvl="1"/>
+            <a:r>
+              <a:rPr lang="en-US" altLang="zh-CN"/>
+              <a:t>will-quit</a:t>
+            </a:r>
+            <a:endParaRPr lang="en-US" altLang="zh-CN"/>
+          </a:p>
+          <a:p>
+            <a:pPr lvl="1"/>
+            <a:r>
+              <a:rPr lang="en-US" altLang="zh-CN"/>
+              <a:t>quit</a:t>
+            </a:r>
+            <a:endParaRPr lang="en-US" altLang="zh-CN"/>
+          </a:p>
+          <a:p>
+            <a:pPr lvl="1"/>
+            <a:r>
+              <a:rPr lang="en-US" altLang="zh-CN"/>
+              <a:t>active</a:t>
+            </a:r>
+            <a:endParaRPr lang="en-US" altLang="zh-CN"/>
+          </a:p>
+          <a:p>
+            <a:pPr lvl="1"/>
+            <a:r>
+              <a:rPr lang="en-US" altLang="zh-CN"/>
+              <a:t>browser-window-created</a:t>
+            </a:r>
+            <a:endParaRPr lang="en-US" altLang="zh-CN"/>
+          </a:p>
+          <a:p>
+            <a:pPr lvl="1"/>
+            <a:r>
+              <a:rPr lang="en-US" altLang="zh-CN"/>
+              <a:t>browser-window-focus</a:t>
+            </a:r>
+            <a:endParaRPr lang="en-US" altLang="zh-CN"/>
+          </a:p>
+          <a:p>
+            <a:pPr lvl="0"/>
+            <a:r>
+              <a:rPr lang="en-US" altLang="zh-CN"/>
+              <a:t>Methods</a:t>
+            </a:r>
+            <a:endParaRPr lang="en-US" altLang="zh-CN"/>
+          </a:p>
+          <a:p>
+            <a:pPr lvl="1"/>
+            <a:r>
+              <a:rPr lang="en-US" altLang="zh-CN"/>
+              <a:t>quit()</a:t>
+            </a:r>
+            <a:endParaRPr lang="en-US" altLang="zh-CN"/>
+          </a:p>
+          <a:p>
+            <a:pPr lvl="1"/>
+            <a:r>
+              <a:rPr lang="en-US" altLang="zh-CN"/>
+              <a:t>getPath(name)</a:t>
+            </a:r>
+            <a:endParaRPr lang="en-US" altLang="zh-CN"/>
+          </a:p>
+          <a:p>
+            <a:pPr lvl="1"/>
+            <a:r>
+              <a:rPr lang="en-US" altLang="zh-CN"/>
+              <a:t>focus()</a:t>
+            </a:r>
+            <a:endParaRPr lang="en-US" altLang="zh-CN"/>
+          </a:p>
+        </p:txBody>
+      </p:sp>
+    </p:spTree>
+    <p:custDataLst>
+      <p:tags r:id="rId1"/>
+    </p:custDataLst>
+  </p:cSld>
+  <p:clrMapOvr>
+    <a:masterClrMapping/>
+  </p:clrMapOvr>
+</p:sld>
+</file>
+
+<file path=ppt/slides/slide14.xml><?xml version="1.0" encoding="utf-8"?>
+<p:sld xmlns:a="http://schemas.openxmlformats.org/drawingml/2006/main" xmlns:r="http://schemas.openxmlformats.org/officeDocument/2006/relationships" xmlns:p="http://schemas.openxmlformats.org/presentationml/2006/main">
+  <p:cSld>
+    <p:spTree>
+      <p:nvGrpSpPr>
+        <p:cNvPr id="1" name=""/>
+        <p:cNvGrpSpPr/>
+        <p:nvPr/>
+      </p:nvGrpSpPr>
+      <p:grpSpPr/>
+      <p:sp>
+        <p:nvSpPr>
+          <p:cNvPr id="2" name="标题 1"/>
+          <p:cNvSpPr>
+            <a:spLocks noGrp="1"/>
+          </p:cNvSpPr>
+          <p:nvPr>
+            <p:ph type="title"/>
+          </p:nvPr>
+        </p:nvSpPr>
+        <p:spPr/>
+        <p:txBody>
+          <a:bodyPr/>
+          <a:p>
+            <a:r>
+              <a:rPr lang="en-US" altLang="zh-CN"/>
+              <a:t>BrowserWindow</a:t>
+            </a:r>
+            <a:endParaRPr lang="en-US" altLang="zh-CN"/>
+          </a:p>
+        </p:txBody>
+      </p:sp>
+      <p:sp>
+        <p:nvSpPr>
+          <p:cNvPr id="3" name="内容占位符 2"/>
+          <p:cNvSpPr>
+            <a:spLocks noGrp="1"/>
+          </p:cNvSpPr>
+          <p:nvPr>
+            <p:ph idx="1"/>
+          </p:nvPr>
+        </p:nvSpPr>
+        <p:spPr/>
+        <p:txBody>
+          <a:bodyPr/>
+          <a:p>
+            <a:r>
+              <a:rPr lang="en-US" altLang="zh-CN"/>
+              <a:t>Hooks</a:t>
+            </a:r>
+            <a:endParaRPr lang="en-US" altLang="zh-CN"/>
+          </a:p>
+          <a:p>
+            <a:pPr lvl="1"/>
+            <a:r>
+              <a:rPr lang="en-US" altLang="zh-CN"/>
+              <a:t>closed</a:t>
+            </a:r>
+            <a:endParaRPr lang="en-US" altLang="zh-CN"/>
+          </a:p>
+          <a:p>
+            <a:pPr lvl="1"/>
+            <a:r>
+              <a:rPr lang="en-US" altLang="zh-CN"/>
+              <a:t>focus</a:t>
+            </a:r>
+            <a:endParaRPr lang="en-US" altLang="zh-CN"/>
+          </a:p>
+          <a:p>
+            <a:pPr lvl="1"/>
+            <a:r>
+              <a:rPr lang="en-US" altLang="zh-CN"/>
+              <a:t>show, hide</a:t>
+            </a:r>
+            <a:endParaRPr lang="en-US" altLang="zh-CN"/>
+          </a:p>
+          <a:p>
+            <a:pPr lvl="1"/>
+            <a:r>
+              <a:rPr lang="en-US" altLang="zh-CN"/>
+              <a:t>maximize, minimize</a:t>
+            </a:r>
+            <a:endParaRPr lang="en-US" altLang="zh-CN"/>
+          </a:p>
+          <a:p>
+            <a:pPr lvl="0"/>
+            <a:r>
+              <a:rPr lang="en-US" altLang="zh-CN"/>
+              <a:t>Methods</a:t>
+            </a:r>
+            <a:endParaRPr lang="en-US" altLang="zh-CN"/>
+          </a:p>
+          <a:p>
+            <a:pPr lvl="1"/>
+            <a:r>
+              <a:rPr lang="en-US" altLang="zh-CN"/>
+              <a:t>getFocusedWindow()</a:t>
+            </a:r>
+            <a:endParaRPr lang="en-US" altLang="zh-CN"/>
+          </a:p>
+          <a:p>
+            <a:pPr lvl="1"/>
+            <a:r>
+              <a:rPr lang="en-US" altLang="zh-CN"/>
+              <a:t>close()</a:t>
+            </a:r>
+            <a:endParaRPr lang="en-US" altLang="zh-CN"/>
+          </a:p>
+          <a:p>
+            <a:pPr lvl="1"/>
+            <a:r>
+              <a:rPr lang="en-US" altLang="zh-CN"/>
+              <a:t>focus()</a:t>
+            </a:r>
+            <a:endParaRPr lang="en-US" altLang="zh-CN"/>
+          </a:p>
+          <a:p>
+            <a:pPr lvl="1"/>
+            <a:r>
+              <a:rPr lang="en-US" altLang="zh-CN"/>
+              <a:t>show(), hide()</a:t>
+            </a:r>
+            <a:endParaRPr lang="en-US" altLang="zh-CN"/>
+          </a:p>
+          <a:p>
+            <a:pPr lvl="1"/>
+            <a:r>
+              <a:rPr lang="en-US" altLang="zh-CN"/>
+              <a:t>maximize(), minimize(), restore()</a:t>
+            </a:r>
+            <a:endParaRPr lang="en-US" altLang="zh-CN"/>
+          </a:p>
+        </p:txBody>
+      </p:sp>
+    </p:spTree>
+    <p:custDataLst>
+      <p:tags r:id="rId1"/>
+    </p:custDataLst>
+  </p:cSld>
+  <p:clrMapOvr>
+    <a:masterClrMapping/>
+  </p:clrMapOvr>
+</p:sld>
+</file>
+
+<file path=ppt/slides/slide15.xml><?xml version="1.0" encoding="utf-8"?>
+<p:sld xmlns:a="http://schemas.openxmlformats.org/drawingml/2006/main" xmlns:r="http://schemas.openxmlformats.org/officeDocument/2006/relationships" xmlns:p="http://schemas.openxmlformats.org/presentationml/2006/main">
+  <p:cSld>
+    <p:spTree>
+      <p:nvGrpSpPr>
+        <p:cNvPr id="1" name=""/>
+        <p:cNvGrpSpPr/>
+        <p:nvPr/>
+      </p:nvGrpSpPr>
+      <p:grpSpPr/>
+      <p:sp>
+        <p:nvSpPr>
+          <p:cNvPr id="2" name="标题 1"/>
+          <p:cNvSpPr>
+            <a:spLocks noGrp="1"/>
+          </p:cNvSpPr>
+          <p:nvPr>
+            <p:ph type="title"/>
+          </p:nvPr>
+        </p:nvSpPr>
+        <p:spPr/>
+        <p:txBody>
+          <a:bodyPr/>
+          <a:p>
+            <a:r>
+              <a:rPr lang="en-US" altLang="zh-CN"/>
+              <a:t>remote Module</a:t>
+            </a:r>
+            <a:endParaRPr lang="en-US" altLang="zh-CN"/>
+          </a:p>
+        </p:txBody>
+      </p:sp>
+      <p:sp>
+        <p:nvSpPr>
+          <p:cNvPr id="3" name="内容占位符 2"/>
+          <p:cNvSpPr>
+            <a:spLocks noGrp="1"/>
+          </p:cNvSpPr>
+          <p:nvPr>
+            <p:ph idx="1"/>
+          </p:nvPr>
+        </p:nvSpPr>
+        <p:spPr/>
+        <p:txBody>
+          <a:bodyPr/>
+          <a:p>
+            <a:r>
+              <a:rPr lang="en-US" altLang="zh-CN"/>
+              <a:t>shell</a:t>
+            </a:r>
+            <a:endParaRPr lang="en-US" altLang="zh-CN"/>
+          </a:p>
+          <a:p>
+            <a:pPr lvl="1"/>
+            <a:r>
+              <a:rPr lang="en-US" altLang="zh-CN"/>
+              <a:t>this.$electron.remote.shell.openExternal('url')</a:t>
+            </a:r>
+            <a:endParaRPr lang="en-US" altLang="zh-CN"/>
+          </a:p>
+          <a:p>
+            <a:pPr lvl="0"/>
+            <a:r>
+              <a:rPr lang="en-US" altLang="zh-CN"/>
+              <a:t>dialog</a:t>
+            </a:r>
+            <a:endParaRPr lang="en-US" altLang="zh-CN"/>
+          </a:p>
+          <a:p>
+            <a:pPr lvl="1"/>
+            <a:r>
+              <a:rPr lang="en-US" altLang="zh-CN"/>
+              <a:t>this.$electron.remote.dialog.showMessageBox({</a:t>
+            </a:r>
+            <a:endParaRPr lang="en-US" altLang="zh-CN"/>
+          </a:p>
+          <a:p>
+            <a:pPr lvl="2"/>
+            <a:r>
+              <a:rPr lang="en-US" altLang="zh-CN"/>
+              <a:t>title: 'title',</a:t>
+            </a:r>
+            <a:endParaRPr lang="en-US" altLang="zh-CN"/>
+          </a:p>
+          <a:p>
+            <a:pPr lvl="2"/>
+            <a:r>
+              <a:rPr lang="en-US" altLang="zh-CN"/>
+              <a:t>message: 'message',</a:t>
+            </a:r>
+            <a:endParaRPr lang="en-US" altLang="zh-CN"/>
+          </a:p>
+          <a:p>
+            <a:pPr lvl="2"/>
+            <a:r>
+              <a:rPr lang="en-US" altLang="zh-CN"/>
+              <a:t>detail: 'detail',</a:t>
+            </a:r>
+            <a:endParaRPr lang="en-US" altLang="zh-CN"/>
+          </a:p>
+          <a:p>
+            <a:pPr lvl="1"/>
+            <a:r>
+              <a:rPr lang="en-US" altLang="zh-CN"/>
+              <a:t>})</a:t>
+            </a:r>
+            <a:endParaRPr lang="en-US" altLang="zh-CN"/>
+          </a:p>
+        </p:txBody>
+      </p:sp>
+    </p:spTree>
+    <p:custDataLst>
+      <p:tags r:id="rId1"/>
+    </p:custDataLst>
+  </p:cSld>
+  <p:clrMapOvr>
+    <a:masterClrMapping/>
+  </p:clrMapOvr>
+</p:sld>
+</file>
+
+<file path=ppt/slides/slide16.xml><?xml version="1.0" encoding="utf-8"?>
+<p:sld xmlns:a="http://schemas.openxmlformats.org/drawingml/2006/main" xmlns:r="http://schemas.openxmlformats.org/officeDocument/2006/relationships" xmlns:p="http://schemas.openxmlformats.org/presentationml/2006/main">
+  <p:cSld>
+    <p:spTree>
+      <p:nvGrpSpPr>
+        <p:cNvPr id="1" name=""/>
+        <p:cNvGrpSpPr/>
+        <p:nvPr/>
+      </p:nvGrpSpPr>
+      <p:grpSpPr/>
+      <p:sp>
+        <p:nvSpPr>
+          <p:cNvPr id="2" name="标题 1"/>
+          <p:cNvSpPr>
+            <a:spLocks noGrp="1"/>
+          </p:cNvSpPr>
+          <p:nvPr>
+            <p:ph type="title"/>
+          </p:nvPr>
+        </p:nvSpPr>
+        <p:spPr/>
+        <p:txBody>
+          <a:bodyPr/>
+          <a:p>
+            <a:r>
+              <a:rPr lang="en-US" altLang="zh-CN"/>
+              <a:t>Call Function in C++ DLL</a:t>
+            </a:r>
+            <a:endParaRPr lang="en-US" altLang="zh-CN"/>
+          </a:p>
+        </p:txBody>
+      </p:sp>
+      <p:sp>
+        <p:nvSpPr>
+          <p:cNvPr id="3" name="内容占位符 2"/>
+          <p:cNvSpPr>
+            <a:spLocks noGrp="1"/>
+          </p:cNvSpPr>
+          <p:nvPr>
+            <p:ph idx="1"/>
+          </p:nvPr>
+        </p:nvSpPr>
+        <p:spPr>
+          <a:xfrm>
+            <a:off x="838200" y="1211580"/>
+            <a:ext cx="5741035" cy="4955540"/>
+          </a:xfrm>
+        </p:spPr>
+        <p:txBody>
+          <a:bodyPr>
+            <a:normAutofit fontScale="90000" lnSpcReduction="20000"/>
+          </a:bodyPr>
+          <a:p>
+            <a:pPr lvl="0"/>
+            <a:r>
+              <a:rPr lang="en-US" altLang="zh-CN" sz="2400">
+                <a:sym typeface="+mn-ea"/>
+              </a:rPr>
+              <a:t>node-ffi-napi</a:t>
+            </a:r>
+            <a:endParaRPr lang="en-US" altLang="zh-CN" sz="2400"/>
+          </a:p>
+          <a:p>
+            <a:pPr lvl="1"/>
+            <a:r>
+              <a:rPr lang="en-US" altLang="zh-CN">
+                <a:sym typeface="+mn-ea"/>
+              </a:rPr>
+              <a:t>https://github.com/node-ffi-napi/node-ffi-napi</a:t>
+            </a:r>
+            <a:endParaRPr lang="en-US" altLang="zh-CN"/>
+          </a:p>
+          <a:p>
+            <a:pPr lvl="1"/>
+            <a:r>
+              <a:rPr lang="en-US" altLang="zh-CN">
+                <a:sym typeface="+mn-ea"/>
+              </a:rPr>
+              <a:t>Install</a:t>
+            </a:r>
+            <a:endParaRPr lang="en-US" altLang="zh-CN">
+              <a:sym typeface="+mn-ea"/>
+            </a:endParaRPr>
+          </a:p>
+          <a:p>
+            <a:pPr lvl="2"/>
+            <a:r>
+              <a:rPr lang="en-US" altLang="zh-CN">
+                <a:sym typeface="+mn-ea"/>
+              </a:rPr>
+              <a:t>npm i ffi-napi ref-napi</a:t>
+            </a:r>
+            <a:endParaRPr lang="en-US" altLang="zh-CN">
+              <a:sym typeface="+mn-ea"/>
+            </a:endParaRPr>
+          </a:p>
+          <a:p>
+            <a:pPr lvl="1"/>
+            <a:r>
+              <a:rPr lang="en-US" altLang="zh-CN">
+                <a:sym typeface="+mn-ea"/>
+              </a:rPr>
+              <a:t>Issue</a:t>
+            </a:r>
+            <a:endParaRPr lang="en-US" altLang="zh-CN">
+              <a:sym typeface="+mn-ea"/>
+            </a:endParaRPr>
+          </a:p>
+          <a:p>
+            <a:pPr lvl="2"/>
+            <a:r>
+              <a:rPr lang="en-US" altLang="zh-CN" sz="1800">
+                <a:sym typeface="+mn-ea"/>
+              </a:rPr>
+              <a:t>dependent ref cannot be installed</a:t>
+            </a:r>
+            <a:endParaRPr lang="en-US" altLang="zh-CN" sz="1800">
+              <a:sym typeface="+mn-ea"/>
+            </a:endParaRPr>
+          </a:p>
+          <a:p>
+            <a:pPr lvl="2"/>
+            <a:r>
+              <a:rPr lang="en-US" altLang="zh-CN" sz="1800">
+                <a:sym typeface="+mn-ea"/>
+              </a:rPr>
+              <a:t>If use @saleae/ref, runtime error because of version match</a:t>
+            </a:r>
+            <a:endParaRPr lang="en-US" altLang="zh-CN" sz="2155"/>
+          </a:p>
+          <a:p>
+            <a:r>
+              <a:rPr lang="en-US" altLang="zh-CN"/>
+              <a:t>node-ffi</a:t>
+            </a:r>
+            <a:endParaRPr lang="en-US" altLang="zh-CN"/>
+          </a:p>
+          <a:p>
+            <a:pPr lvl="1"/>
+            <a:r>
+              <a:rPr lang="en-US" altLang="zh-CN" sz="2000"/>
+              <a:t>Node.js addon for loading and calling dynamic libraries using pure js</a:t>
+            </a:r>
+            <a:endParaRPr lang="en-US" altLang="zh-CN" sz="2000"/>
+          </a:p>
+          <a:p>
+            <a:pPr lvl="1"/>
+            <a:r>
+              <a:rPr lang="en-US" altLang="zh-CN" sz="2000"/>
+              <a:t>Install (support Node v12)</a:t>
+            </a:r>
+            <a:endParaRPr lang="en-US" altLang="zh-CN" sz="2000"/>
+          </a:p>
+          <a:p>
+            <a:pPr lvl="2"/>
+            <a:r>
+              <a:rPr lang="en-US" altLang="zh-CN" sz="1800"/>
+              <a:t>npm i -g node-gyp</a:t>
+            </a:r>
+            <a:endParaRPr lang="en-US" altLang="zh-CN" sz="1800"/>
+          </a:p>
+          <a:p>
+            <a:pPr lvl="2"/>
+            <a:r>
+              <a:rPr lang="en-US" altLang="zh-CN" sz="1800"/>
+              <a:t>https://github.com/lxe/node-ffi/tree/node-12</a:t>
+            </a:r>
+            <a:endParaRPr lang="en-US" altLang="zh-CN" sz="1800"/>
+          </a:p>
+          <a:p>
+            <a:pPr lvl="2"/>
+            <a:r>
+              <a:rPr lang="en-US" altLang="zh-CN" sz="1800"/>
+              <a:t>npm install @saleae/ffi</a:t>
+            </a:r>
+            <a:endParaRPr lang="en-US" altLang="zh-CN" sz="1800"/>
+          </a:p>
+          <a:p>
+            <a:pPr lvl="2"/>
+            <a:r>
+              <a:rPr lang="en-US" altLang="zh-CN" sz="1800"/>
+              <a:t>npm install -S lxe/node-ffi#node-12 lxe/ref#node-12 lxe/ref-struct#node-12</a:t>
+            </a:r>
+            <a:endParaRPr lang="en-US" altLang="zh-CN" sz="1800"/>
+          </a:p>
+          <a:p>
+            <a:pPr lvl="2"/>
+            <a:r>
+              <a:rPr lang="en-US" altLang="zh-CN" sz="1800"/>
+              <a:t>runtime error because of version match of ref</a:t>
+            </a:r>
+            <a:endParaRPr lang="en-US" altLang="zh-CN" sz="1800"/>
+          </a:p>
+          <a:p>
+            <a:r>
+              <a:rPr lang="en-US" altLang="zh-CN"/>
+              <a:t>Native node addons</a:t>
+            </a:r>
+            <a:endParaRPr lang="en-US" altLang="zh-CN"/>
+          </a:p>
+        </p:txBody>
+      </p:sp>
+      <p:sp>
+        <p:nvSpPr>
+          <p:cNvPr id="4" name="文本框 3"/>
+          <p:cNvSpPr txBox="1"/>
+          <p:nvPr/>
+        </p:nvSpPr>
+        <p:spPr>
+          <a:xfrm>
+            <a:off x="6775450" y="1211580"/>
+            <a:ext cx="4953000" cy="3692525"/>
+          </a:xfrm>
+          <a:prstGeom prst="rect">
+            <a:avLst/>
+          </a:prstGeom>
+          <a:noFill/>
+          <a:ln>
+            <a:solidFill>
+              <a:schemeClr val="accent1"/>
+            </a:solidFill>
+          </a:ln>
+        </p:spPr>
+        <p:txBody>
+          <a:bodyPr wrap="square" rtlCol="0">
+            <a:spAutoFit/>
+          </a:bodyPr>
+          <a:p>
+            <a:r>
+              <a:rPr lang="zh-CN" altLang="en-US"/>
+              <a:t>var ffi = require('ffi</a:t>
+            </a:r>
+            <a:r>
+              <a:rPr lang="en-US" altLang="zh-CN"/>
+              <a:t>-napi</a:t>
+            </a:r>
+            <a:r>
+              <a:rPr lang="zh-CN" altLang="en-US"/>
+              <a:t>');</a:t>
+            </a:r>
+            <a:endParaRPr lang="zh-CN" altLang="en-US"/>
+          </a:p>
+          <a:p>
+            <a:endParaRPr lang="zh-CN" altLang="en-US"/>
+          </a:p>
+          <a:p>
+            <a:r>
+              <a:rPr lang="zh-CN" altLang="en-US"/>
+              <a:t>var libm = ffi.Library('libm', {</a:t>
+            </a:r>
+            <a:endParaRPr lang="zh-CN" altLang="en-US"/>
+          </a:p>
+          <a:p>
+            <a:r>
+              <a:rPr lang="zh-CN" altLang="en-US"/>
+              <a:t>  'ceil': [ 'double', [ 'double' ] ]</a:t>
+            </a:r>
+            <a:endParaRPr lang="zh-CN" altLang="en-US"/>
+          </a:p>
+          <a:p>
+            <a:r>
+              <a:rPr lang="zh-CN" altLang="en-US"/>
+              <a:t>});</a:t>
+            </a:r>
+            <a:endParaRPr lang="zh-CN" altLang="en-US"/>
+          </a:p>
+          <a:p>
+            <a:r>
+              <a:rPr lang="zh-CN" altLang="en-US"/>
+              <a:t>libm.ceil(1.5); // 2</a:t>
+            </a:r>
+            <a:endParaRPr lang="zh-CN" altLang="en-US"/>
+          </a:p>
+          <a:p>
+            <a:endParaRPr lang="zh-CN" altLang="en-US"/>
+          </a:p>
+          <a:p>
+            <a:r>
+              <a:rPr lang="zh-CN" altLang="en-US"/>
+              <a:t>// You can also access just functions in the current process by passing a null</a:t>
+            </a:r>
+            <a:endParaRPr lang="zh-CN" altLang="en-US"/>
+          </a:p>
+          <a:p>
+            <a:r>
+              <a:rPr lang="zh-CN" altLang="en-US"/>
+              <a:t>var current = ffi.Library(null, {</a:t>
+            </a:r>
+            <a:endParaRPr lang="zh-CN" altLang="en-US"/>
+          </a:p>
+          <a:p>
+            <a:r>
+              <a:rPr lang="zh-CN" altLang="en-US"/>
+              <a:t>  'atoi': [ 'int', [ 'string' ] ]</a:t>
+            </a:r>
+            <a:endParaRPr lang="zh-CN" altLang="en-US"/>
+          </a:p>
+          <a:p>
+            <a:r>
+              <a:rPr lang="zh-CN" altLang="en-US"/>
+              <a:t>});</a:t>
+            </a:r>
+            <a:endParaRPr lang="zh-CN" altLang="en-US"/>
+          </a:p>
+          <a:p>
+            <a:r>
+              <a:rPr lang="zh-CN" altLang="en-US"/>
+              <a:t>current.atoi('1234'); // 1234</a:t>
+            </a:r>
+            <a:endParaRPr lang="zh-CN" altLang="en-US"/>
+          </a:p>
+        </p:txBody>
+      </p:sp>
+    </p:spTree>
+    <p:custDataLst>
+      <p:tags r:id="rId1"/>
+    </p:custDataLst>
+  </p:cSld>
+  <p:clrMapOvr>
+    <a:masterClrMapping/>
+  </p:clrMapOvr>
+</p:sld>
+</file>
+
+<file path=ppt/slides/slide17.xml><?xml version="1.0" encoding="utf-8"?>
+<p:sld xmlns:a="http://schemas.openxmlformats.org/drawingml/2006/main" xmlns:r="http://schemas.openxmlformats.org/officeDocument/2006/relationships" xmlns:p="http://schemas.openxmlformats.org/presentationml/2006/main">
+  <p:cSld>
+    <p:spTree>
+      <p:nvGrpSpPr>
+        <p:cNvPr id="1" name=""/>
+        <p:cNvGrpSpPr/>
+        <p:nvPr/>
+      </p:nvGrpSpPr>
+      <p:grpSpPr/>
+      <p:sp>
+        <p:nvSpPr>
+          <p:cNvPr id="2" name="标题 1"/>
+          <p:cNvSpPr>
+            <a:spLocks noGrp="1"/>
+          </p:cNvSpPr>
+          <p:nvPr>
+            <p:ph type="title"/>
+          </p:nvPr>
+        </p:nvSpPr>
+        <p:spPr/>
+        <p:txBody>
+          <a:bodyPr/>
+          <a:p>
+            <a:r>
+              <a:rPr lang="en-US" altLang="zh-CN"/>
+              <a:t>Call C++ interface - NBind</a:t>
+            </a:r>
+            <a:endParaRPr lang="en-US" altLang="zh-CN"/>
+          </a:p>
+        </p:txBody>
+      </p:sp>
+      <p:sp>
+        <p:nvSpPr>
+          <p:cNvPr id="3" name="内容占位符 2"/>
+          <p:cNvSpPr>
+            <a:spLocks noGrp="1"/>
+          </p:cNvSpPr>
+          <p:nvPr>
+            <p:ph idx="1"/>
+          </p:nvPr>
+        </p:nvSpPr>
+        <p:spPr>
+          <a:xfrm>
+            <a:off x="838200" y="1211580"/>
+            <a:ext cx="4711700" cy="4549140"/>
+          </a:xfrm>
+        </p:spPr>
+        <p:txBody>
+          <a:bodyPr/>
+          <a:p>
+            <a:r>
+              <a:rPr lang="zh-CN" altLang="en-US"/>
+              <a:t>https://github.com/charto/nbind</a:t>
+            </a:r>
+            <a:endParaRPr lang="zh-CN" altLang="en-US"/>
+          </a:p>
+          <a:p>
+            <a:pPr lvl="1"/>
+            <a:endParaRPr lang="zh-CN" altLang="en-US"/>
+          </a:p>
+        </p:txBody>
+      </p:sp>
+      <p:pic>
+        <p:nvPicPr>
+          <p:cNvPr id="5" name="图片 4"/>
+          <p:cNvPicPr>
+            <a:picLocks noChangeAspect="1"/>
+          </p:cNvPicPr>
+          <p:nvPr/>
+        </p:nvPicPr>
+        <p:blipFill>
+          <a:blip r:embed="rId1"/>
+          <a:stretch>
+            <a:fillRect/>
+          </a:stretch>
+        </p:blipFill>
+        <p:spPr>
+          <a:xfrm>
+            <a:off x="5800090" y="1211580"/>
+            <a:ext cx="5901690" cy="5301615"/>
+          </a:xfrm>
+          <a:prstGeom prst="rect">
+            <a:avLst/>
+          </a:prstGeom>
+        </p:spPr>
+      </p:pic>
+    </p:spTree>
+    <p:custDataLst>
+      <p:tags r:id="rId2"/>
+    </p:custDataLst>
+  </p:cSld>
+  <p:clrMapOvr>
+    <a:masterClrMapping/>
+  </p:clrMapOvr>
+</p:sld>
+</file>
+
+<file path=ppt/slides/slide18.xml><?xml version="1.0" encoding="utf-8"?>
+<p:sld xmlns:a="http://schemas.openxmlformats.org/drawingml/2006/main" xmlns:r="http://schemas.openxmlformats.org/officeDocument/2006/relationships" xmlns:p="http://schemas.openxmlformats.org/presentationml/2006/main">
+  <p:cSld>
+    <p:spTree>
+      <p:nvGrpSpPr>
+        <p:cNvPr id="1" name=""/>
+        <p:cNvGrpSpPr/>
+        <p:nvPr/>
+      </p:nvGrpSpPr>
+      <p:grpSpPr/>
+      <p:sp>
+        <p:nvSpPr>
+          <p:cNvPr id="2" name="标题 1"/>
+          <p:cNvSpPr>
+            <a:spLocks noGrp="1"/>
+          </p:cNvSpPr>
+          <p:nvPr>
+            <p:ph type="title"/>
+          </p:nvPr>
+        </p:nvSpPr>
+        <p:spPr/>
+        <p:txBody>
+          <a:bodyPr/>
+          <a:p>
+            <a:r>
+              <a:rPr lang="en-US" altLang="zh-CN">
+                <a:sym typeface="+mn-ea"/>
+              </a:rPr>
+              <a:t>Call C++ interface - NBind</a:t>
+            </a:r>
+            <a:endParaRPr lang="zh-CN" altLang="en-US"/>
+          </a:p>
+        </p:txBody>
+      </p:sp>
+      <p:pic>
+        <p:nvPicPr>
+          <p:cNvPr id="5" name="内容占位符 4"/>
+          <p:cNvPicPr>
+            <a:picLocks noChangeAspect="1"/>
+          </p:cNvPicPr>
+          <p:nvPr>
+            <p:ph idx="1"/>
+          </p:nvPr>
+        </p:nvPicPr>
+        <p:blipFill>
+          <a:blip r:embed="rId1"/>
+          <a:stretch>
+            <a:fillRect/>
+          </a:stretch>
+        </p:blipFill>
+        <p:spPr>
+          <a:xfrm>
+            <a:off x="3284220" y="1211580"/>
+            <a:ext cx="6816090" cy="5514975"/>
+          </a:xfrm>
+          <a:prstGeom prst="rect">
+            <a:avLst/>
+          </a:prstGeom>
+        </p:spPr>
+      </p:pic>
+    </p:spTree>
+    <p:custDataLst>
+      <p:tags r:id="rId2"/>
+    </p:custDataLst>
+  </p:cSld>
+  <p:clrMapOvr>
+    <a:masterClrMapping/>
+  </p:clrMapOvr>
+</p:sld>
+</file>
+
+<file path=ppt/slides/slide19.xml><?xml version="1.0" encoding="utf-8"?>
+<p:sld xmlns:a="http://schemas.openxmlformats.org/drawingml/2006/main" xmlns:r="http://schemas.openxmlformats.org/officeDocument/2006/relationships" xmlns:p="http://schemas.openxmlformats.org/presentationml/2006/main">
+  <p:cSld>
+    <p:spTree>
+      <p:nvGrpSpPr>
+        <p:cNvPr id="1" name=""/>
+        <p:cNvGrpSpPr/>
+        <p:nvPr/>
+      </p:nvGrpSpPr>
+      <p:grpSpPr/>
+      <p:sp>
+        <p:nvSpPr>
+          <p:cNvPr id="2" name="标题 1"/>
+          <p:cNvSpPr>
+            <a:spLocks noGrp="1"/>
+          </p:cNvSpPr>
+          <p:nvPr>
+            <p:ph type="title"/>
+          </p:nvPr>
+        </p:nvSpPr>
+        <p:spPr/>
+        <p:txBody>
+          <a:bodyPr/>
+          <a:p>
+            <a:r>
+              <a:rPr lang="en-US" altLang="zh-CN"/>
+              <a:t>FAQ 1</a:t>
+            </a:r>
+            <a:endParaRPr lang="en-US" altLang="zh-CN"/>
+          </a:p>
+        </p:txBody>
+      </p:sp>
+      <p:sp>
+        <p:nvSpPr>
+          <p:cNvPr id="3" name="内容占位符 2"/>
+          <p:cNvSpPr>
+            <a:spLocks noGrp="1"/>
+          </p:cNvSpPr>
+          <p:nvPr>
+            <p:ph idx="1"/>
+          </p:nvPr>
+        </p:nvSpPr>
+        <p:spPr>
+          <a:xfrm>
+            <a:off x="838200" y="1211580"/>
+            <a:ext cx="6645910" cy="5516880"/>
+          </a:xfrm>
+        </p:spPr>
+        <p:txBody>
+          <a:bodyPr>
+            <a:normAutofit/>
+          </a:bodyPr>
+          <a:p>
+            <a:r>
+              <a:rPr lang="en-US" altLang="zh-CN"/>
+              <a:t>sandbox (Electron 10.x, no solution yet)</a:t>
+            </a:r>
+            <a:endParaRPr lang="en-US" altLang="zh-CN"/>
+          </a:p>
+          <a:p>
+            <a:pPr lvl="1"/>
+            <a:r>
+              <a:rPr lang="en-US" altLang="zh-CN"/>
+              <a:t>Issue</a:t>
+            </a:r>
+            <a:endParaRPr lang="en-US" altLang="zh-CN"/>
+          </a:p>
+          <a:p>
+            <a:pPr lvl="2"/>
+            <a:r>
+              <a:rPr lang="en-US" altLang="zh-CN"/>
+              <a:t>The SUID sandbox helper binary was found</a:t>
+            </a:r>
+            <a:endParaRPr lang="en-US" altLang="zh-CN"/>
+          </a:p>
+          <a:p>
+            <a:pPr lvl="1"/>
+            <a:r>
+              <a:rPr lang="en-US" altLang="zh-CN" sz="2000"/>
+              <a:t>Solution</a:t>
+            </a:r>
+            <a:endParaRPr lang="en-US" altLang="zh-CN" sz="2000"/>
+          </a:p>
+          <a:p>
+            <a:pPr lvl="2"/>
+            <a:r>
+              <a:rPr lang="en-US" altLang="zh-CN"/>
+              <a:t>Make sure chromium-browser can work first</a:t>
+            </a:r>
+            <a:endParaRPr lang="en-US" altLang="zh-CN"/>
+          </a:p>
+          <a:p>
+            <a:pPr lvl="2"/>
+            <a:r>
+              <a:rPr lang="en-US" altLang="zh-CN"/>
+              <a:t>Make sure electron-quick-start-typescript can work by “npm start”</a:t>
+            </a:r>
+            <a:endParaRPr lang="en-US" altLang="zh-CN"/>
+          </a:p>
+          <a:p>
+            <a:pPr lvl="0"/>
+            <a:r>
+              <a:rPr lang="en-US" altLang="zh-CN"/>
+              <a:t>process is not defined</a:t>
+            </a:r>
+            <a:endParaRPr lang="en-US" altLang="zh-CN"/>
+          </a:p>
+          <a:p>
+            <a:pPr lvl="1"/>
+            <a:r>
+              <a:rPr lang="en-US" altLang="zh-CN"/>
+              <a:t> Issue</a:t>
+            </a:r>
+            <a:endParaRPr lang="en-US" altLang="zh-CN"/>
+          </a:p>
+          <a:p>
+            <a:pPr lvl="2"/>
+            <a:r>
+              <a:rPr lang="en-US" altLang="zh-CN"/>
+              <a:t>ERROR in Template execution failed: ReferenceError: process is not defined</a:t>
+            </a:r>
+            <a:endParaRPr lang="en-US" altLang="zh-CN"/>
+          </a:p>
+          <a:p>
+            <a:pPr lvl="1"/>
+            <a:r>
+              <a:rPr lang="en-US" altLang="zh-CN"/>
+              <a:t>Solution</a:t>
+            </a:r>
+            <a:endParaRPr lang="en-US" altLang="zh-CN"/>
+          </a:p>
+          <a:p>
+            <a:pPr lvl="2"/>
+            <a:r>
+              <a:rPr lang="en-US" altLang="zh-CN"/>
+              <a:t>Modify .electron-vue/webpack.web.config.js and .electron-vue/webpack.renderer.config.js, add templateParameters to HtmlWebpackPlugin</a:t>
+            </a:r>
+            <a:endParaRPr lang="en-US" altLang="zh-CN"/>
+          </a:p>
+        </p:txBody>
+      </p:sp>
+      <p:sp>
+        <p:nvSpPr>
+          <p:cNvPr id="4" name="文本框 3"/>
+          <p:cNvSpPr txBox="1"/>
+          <p:nvPr/>
+        </p:nvSpPr>
+        <p:spPr>
+          <a:xfrm>
+            <a:off x="8172450" y="1524000"/>
+            <a:ext cx="3872865" cy="2306955"/>
+          </a:xfrm>
+          <a:prstGeom prst="rect">
+            <a:avLst/>
+          </a:prstGeom>
+          <a:noFill/>
+          <a:ln>
+            <a:solidFill>
+              <a:schemeClr val="accent1"/>
+            </a:solidFill>
+          </a:ln>
+        </p:spPr>
+        <p:txBody>
+          <a:bodyPr wrap="none" rtlCol="0">
+            <a:spAutoFit/>
+          </a:bodyPr>
+          <a:p>
+            <a:pPr algn="l"/>
+            <a:r>
+              <a:rPr lang="zh-CN" altLang="en-US" sz="1200"/>
+              <a:t>      templateParameters(compilation, assets, options) {</a:t>
+            </a:r>
+            <a:endParaRPr lang="zh-CN" altLang="en-US" sz="1200"/>
+          </a:p>
+          <a:p>
+            <a:pPr algn="l"/>
+            <a:r>
+              <a:rPr lang="zh-CN" altLang="en-US" sz="1200"/>
+              <a:t>        return {</a:t>
+            </a:r>
+            <a:endParaRPr lang="zh-CN" altLang="en-US" sz="1200"/>
+          </a:p>
+          <a:p>
+            <a:pPr algn="l"/>
+            <a:r>
+              <a:rPr lang="zh-CN" altLang="en-US" sz="1200"/>
+              <a:t>          compilation: compilation,</a:t>
+            </a:r>
+            <a:endParaRPr lang="zh-CN" altLang="en-US" sz="1200"/>
+          </a:p>
+          <a:p>
+            <a:pPr algn="l"/>
+            <a:r>
+              <a:rPr lang="zh-CN" altLang="en-US" sz="1200"/>
+              <a:t>          webpack: compilation.getStats().toJson(),</a:t>
+            </a:r>
+            <a:endParaRPr lang="zh-CN" altLang="en-US" sz="1200"/>
+          </a:p>
+          <a:p>
+            <a:pPr algn="l"/>
+            <a:r>
+              <a:rPr lang="zh-CN" altLang="en-US" sz="1200"/>
+              <a:t>          webpackConfig: compilation.options,</a:t>
+            </a:r>
+            <a:endParaRPr lang="zh-CN" altLang="en-US" sz="1200"/>
+          </a:p>
+          <a:p>
+            <a:pPr algn="l"/>
+            <a:r>
+              <a:rPr lang="zh-CN" altLang="en-US" sz="1200"/>
+              <a:t>          htmlWebpackPlugin: {</a:t>
+            </a:r>
+            <a:endParaRPr lang="zh-CN" altLang="en-US" sz="1200"/>
+          </a:p>
+          <a:p>
+            <a:pPr algn="l"/>
+            <a:r>
+              <a:rPr lang="zh-CN" altLang="en-US" sz="1200"/>
+              <a:t>            files: assets,</a:t>
+            </a:r>
+            <a:endParaRPr lang="zh-CN" altLang="en-US" sz="1200"/>
+          </a:p>
+          <a:p>
+            <a:pPr algn="l"/>
+            <a:r>
+              <a:rPr lang="zh-CN" altLang="en-US" sz="1200"/>
+              <a:t>            options: options</a:t>
+            </a:r>
+            <a:endParaRPr lang="zh-CN" altLang="en-US" sz="1200"/>
+          </a:p>
+          <a:p>
+            <a:pPr algn="l"/>
+            <a:r>
+              <a:rPr lang="zh-CN" altLang="en-US" sz="1200"/>
+              <a:t>          },</a:t>
+            </a:r>
+            <a:endParaRPr lang="zh-CN" altLang="en-US" sz="1200"/>
+          </a:p>
+          <a:p>
+            <a:pPr algn="l"/>
+            <a:r>
+              <a:rPr lang="zh-CN" altLang="en-US" sz="1200"/>
+              <a:t>          process,</a:t>
+            </a:r>
+            <a:endParaRPr lang="zh-CN" altLang="en-US" sz="1200"/>
+          </a:p>
+          <a:p>
+            <a:pPr algn="l"/>
+            <a:r>
+              <a:rPr lang="zh-CN" altLang="en-US" sz="1200"/>
+              <a:t>        };</a:t>
+            </a:r>
+            <a:endParaRPr lang="zh-CN" altLang="en-US" sz="1200"/>
+          </a:p>
+          <a:p>
+            <a:pPr algn="l"/>
+            <a:r>
+              <a:rPr lang="zh-CN" altLang="en-US" sz="1200"/>
+              <a:t>      },</a:t>
+            </a:r>
+            <a:endParaRPr lang="zh-CN" altLang="en-US" sz="1200"/>
+          </a:p>
+        </p:txBody>
+      </p:sp>
+    </p:spTree>
+    <p:custDataLst>
+      <p:tags r:id="rId1"/>
     </p:custDataLst>
   </p:cSld>
   <p:clrMapOvr>
@@ -3649,6 +5747,68 @@
             </a:r>
             <a:endParaRPr lang="en-US" altLang="zh-CN"/>
           </a:p>
+          <a:p>
+            <a:pPr lvl="1"/>
+            <a:r>
+              <a:rPr lang="en-US" altLang="zh-CN"/>
+              <a:t>Embeds Node</a:t>
+            </a:r>
+            <a:endParaRPr lang="en-US" altLang="zh-CN"/>
+          </a:p>
+          <a:p>
+            <a:pPr lvl="1"/>
+            <a:r>
+              <a:rPr lang="en-US" altLang="zh-CN"/>
+              <a:t>node_modules/.bin/electron --version</a:t>
+            </a:r>
+            <a:endParaRPr lang="en-US" altLang="zh-CN"/>
+          </a:p>
+          <a:p>
+            <a:pPr lvl="0"/>
+            <a:r>
+              <a:rPr lang="en-US" altLang="zh-CN"/>
+              <a:t>References</a:t>
+            </a:r>
+            <a:endParaRPr lang="en-US" altLang="zh-CN"/>
+          </a:p>
+          <a:p>
+            <a:pPr lvl="1"/>
+            <a:r>
+              <a:rPr lang="en-US" altLang="zh-CN"/>
+              <a:t>https://auth0.com/blog/electron-tutorial-building-modern-desktop-apps-with-vue-js/</a:t>
+            </a:r>
+            <a:endParaRPr lang="en-US" altLang="zh-CN"/>
+          </a:p>
+          <a:p>
+            <a:pPr lvl="1"/>
+            <a:r>
+              <a:rPr lang="en-US" altLang="zh-CN"/>
+              <a:t>https://nklayman.github.io/vue-cli-plugin-electron-builder/guide/commonIssues.html#blank-screen-on-builds-but-works-fine-on-serve</a:t>
+            </a:r>
+            <a:endParaRPr lang="en-US" altLang="zh-CN"/>
+          </a:p>
+          <a:p>
+            <a:pPr lvl="1"/>
+            <a:r>
+              <a:rPr lang="en-US" altLang="zh-CN"/>
+              <a:t>https://github.com/node-ffi/node-ffi/wiki/Node-FFI-Tutorial</a:t>
+            </a:r>
+            <a:endParaRPr lang="en-US" altLang="zh-CN"/>
+          </a:p>
+          <a:p>
+            <a:pPr lvl="1"/>
+            <a:r>
+              <a:rPr lang="en-US" altLang="zh-CN">
+                <a:sym typeface="+mn-ea"/>
+              </a:rPr>
+              <a:t>https://www.cnblogs.com/silenzio/p/11580104.html</a:t>
+            </a:r>
+            <a:endParaRPr lang="en-US" altLang="zh-CN"/>
+          </a:p>
+          <a:p>
+            <a:pPr lvl="1"/>
+            <a:endParaRPr lang="en-US" altLang="zh-CN"/>
+          </a:p>
         </p:txBody>
       </p:sp>
     </p:spTree>
@@ -3659,6 +5819,745 @@
   <p:clrMapOvr>
     <a:masterClrMapping/>
   </p:clrMapOvr>
+</p:sld>
+</file>
+
+<file path=ppt/slides/slide20.xml><?xml version="1.0" encoding="utf-8"?>
+<p:sld xmlns:a="http://schemas.openxmlformats.org/drawingml/2006/main" xmlns:r="http://schemas.openxmlformats.org/officeDocument/2006/relationships" xmlns:p="http://schemas.openxmlformats.org/presentationml/2006/main">
+  <p:cSld>
+    <p:spTree>
+      <p:nvGrpSpPr>
+        <p:cNvPr id="1" name=""/>
+        <p:cNvGrpSpPr/>
+        <p:nvPr/>
+      </p:nvGrpSpPr>
+      <p:grpSpPr/>
+      <p:sp>
+        <p:nvSpPr>
+          <p:cNvPr id="2" name="标题 1"/>
+          <p:cNvSpPr>
+            <a:spLocks noGrp="1"/>
+          </p:cNvSpPr>
+          <p:nvPr>
+            <p:ph type="title"/>
+          </p:nvPr>
+        </p:nvSpPr>
+        <p:spPr/>
+        <p:txBody>
+          <a:bodyPr/>
+          <a:p>
+            <a:r>
+              <a:rPr lang="en-US" altLang="zh-CN"/>
+              <a:t>FAQ 2</a:t>
+            </a:r>
+            <a:endParaRPr lang="en-US" altLang="zh-CN"/>
+          </a:p>
+        </p:txBody>
+      </p:sp>
+      <p:sp>
+        <p:nvSpPr>
+          <p:cNvPr id="3" name="内容占位符 2"/>
+          <p:cNvSpPr>
+            <a:spLocks noGrp="1"/>
+          </p:cNvSpPr>
+          <p:nvPr>
+            <p:ph idx="1"/>
+          </p:nvPr>
+        </p:nvSpPr>
+        <p:spPr>
+          <a:xfrm>
+            <a:off x="838200" y="1211580"/>
+            <a:ext cx="10515600" cy="5057140"/>
+          </a:xfrm>
+        </p:spPr>
+        <p:txBody>
+          <a:bodyPr>
+            <a:normAutofit fontScale="70000"/>
+          </a:bodyPr>
+          <a:p>
+            <a:r>
+              <a:rPr lang="zh-CN" altLang="en-US"/>
+              <a:t>Critical dependency: the request of a dependency is an expression</a:t>
+            </a:r>
+            <a:endParaRPr lang="zh-CN" altLang="en-US"/>
+          </a:p>
+          <a:p>
+            <a:pPr lvl="1"/>
+            <a:r>
+              <a:rPr lang="en-US" altLang="zh-CN"/>
+              <a:t>Modify .electron-vue/webpack.main.config.js</a:t>
+            </a:r>
+            <a:endParaRPr lang="en-US" altLang="zh-CN"/>
+          </a:p>
+          <a:p>
+            <a:pPr lvl="2"/>
+            <a:r>
+              <a:rPr lang="en-US" altLang="zh-CN"/>
+              <a:t>externals: [</a:t>
+            </a:r>
+            <a:endParaRPr lang="en-US" altLang="zh-CN"/>
+          </a:p>
+          <a:p>
+            <a:pPr lvl="2"/>
+            <a:r>
+              <a:rPr lang="en-US" altLang="zh-CN"/>
+              <a:t>  ...Object.keys(dependencies || {}),</a:t>
+            </a:r>
+            <a:endParaRPr lang="en-US" altLang="zh-CN"/>
+          </a:p>
+          <a:p>
+            <a:pPr lvl="2"/>
+            <a:r>
+              <a:rPr lang="en-US" altLang="zh-CN"/>
+              <a:t>  {'electron-debug': 'electron-debug'}</a:t>
+            </a:r>
+            <a:endParaRPr lang="en-US" altLang="zh-CN"/>
+          </a:p>
+          <a:p>
+            <a:pPr lvl="2"/>
+            <a:r>
+              <a:rPr lang="en-US" altLang="zh-CN"/>
+              <a:t>],</a:t>
+            </a:r>
+            <a:endParaRPr lang="en-US" altLang="zh-CN"/>
+          </a:p>
+          <a:p>
+            <a:pPr lvl="0"/>
+            <a:r>
+              <a:rPr lang="en-US" altLang="zh-CN" sz="2400">
+                <a:sym typeface="+mn-ea"/>
+              </a:rPr>
+              <a:t>Couldn't find preset "es2015"</a:t>
+            </a:r>
+            <a:endParaRPr lang="en-US" altLang="zh-CN" sz="2400"/>
+          </a:p>
+          <a:p>
+            <a:pPr lvl="1"/>
+            <a:r>
+              <a:rPr lang="en-US" altLang="zh-CN">
+                <a:sym typeface="+mn-ea"/>
+              </a:rPr>
+              <a:t>npm i -S babel-preset-es2015</a:t>
+            </a:r>
+            <a:endParaRPr lang="en-US" altLang="zh-CN"/>
+          </a:p>
+          <a:p>
+            <a:pPr lvl="0"/>
+            <a:r>
+              <a:rPr lang="en-US" altLang="zh-CN"/>
+              <a:t>Error: Cannot find module 'chalk'</a:t>
+            </a:r>
+            <a:endParaRPr lang="en-US" altLang="zh-CN"/>
+          </a:p>
+          <a:p>
+            <a:pPr lvl="1"/>
+            <a:r>
+              <a:rPr lang="en-US" altLang="zh-CN"/>
+              <a:t>cnpm i -S chalk</a:t>
+            </a:r>
+            <a:endParaRPr lang="en-US" altLang="zh-CN"/>
+          </a:p>
+          <a:p>
+            <a:pPr lvl="0"/>
+            <a:r>
+              <a:rPr lang="en-US" altLang="zh-CN" sz="2400">
+                <a:sym typeface="+mn-ea"/>
+              </a:rPr>
+              <a:t>libgconf</a:t>
+            </a:r>
+            <a:endParaRPr lang="en-US" altLang="zh-CN" sz="2400"/>
+          </a:p>
+          <a:p>
+            <a:pPr lvl="1"/>
+            <a:r>
+              <a:rPr lang="en-US" altLang="zh-CN" sz="2400">
+                <a:sym typeface="+mn-ea"/>
+              </a:rPr>
+              <a:t>Issue</a:t>
+            </a:r>
+            <a:endParaRPr lang="en-US" altLang="zh-CN" sz="2400"/>
+          </a:p>
+          <a:p>
+            <a:pPr lvl="2"/>
+            <a:r>
+              <a:rPr lang="zh-CN" altLang="en-US" sz="2400">
+                <a:sym typeface="+mn-ea"/>
+              </a:rPr>
+              <a:t>/mnt/c/Projects/FingerprintWinAPP/src/fingerprint-win-app/node_modules/_electron@2.0.18@electron/dist/electron: error while loading shared libraries: libgconf-2.so.4: cannot open shared object file: No such file or directory</a:t>
+            </a:r>
+            <a:endParaRPr lang="zh-CN" altLang="en-US" sz="2400"/>
+          </a:p>
+          <a:p>
+            <a:pPr lvl="1"/>
+            <a:r>
+              <a:rPr lang="en-US" altLang="zh-CN" sz="2400">
+                <a:sym typeface="+mn-ea"/>
+              </a:rPr>
+              <a:t>Solution</a:t>
+            </a:r>
+            <a:endParaRPr lang="en-US" altLang="zh-CN" sz="2400"/>
+          </a:p>
+          <a:p>
+            <a:pPr lvl="2"/>
+            <a:r>
+              <a:rPr lang="zh-CN" altLang="en-US" sz="2400">
+                <a:sym typeface="+mn-ea"/>
+              </a:rPr>
+              <a:t>sudo apt install libgconf-2-4</a:t>
+            </a:r>
+            <a:endParaRPr lang="zh-CN" altLang="en-US" sz="2400"/>
+          </a:p>
+          <a:p>
+            <a:pPr lvl="0"/>
+            <a:endParaRPr lang="en-US" altLang="zh-CN"/>
+          </a:p>
+        </p:txBody>
+      </p:sp>
+    </p:spTree>
+    <p:custDataLst>
+      <p:tags r:id="rId1"/>
+    </p:custDataLst>
+  </p:cSld>
+  <p:clrMapOvr>
+    <a:masterClrMapping/>
+  </p:clrMapOvr>
+</p:sld>
+</file>
+
+<file path=ppt/slides/slide21.xml><?xml version="1.0" encoding="utf-8"?>
+<p:sld xmlns:a="http://schemas.openxmlformats.org/drawingml/2006/main" xmlns:r="http://schemas.openxmlformats.org/officeDocument/2006/relationships" xmlns:p="http://schemas.openxmlformats.org/presentationml/2006/main">
+  <p:cSld>
+    <p:spTree>
+      <p:nvGrpSpPr>
+        <p:cNvPr id="1" name=""/>
+        <p:cNvGrpSpPr/>
+        <p:nvPr/>
+      </p:nvGrpSpPr>
+      <p:grpSpPr/>
+      <p:sp>
+        <p:nvSpPr>
+          <p:cNvPr id="2" name="标题 1"/>
+          <p:cNvSpPr>
+            <a:spLocks noGrp="1"/>
+          </p:cNvSpPr>
+          <p:nvPr>
+            <p:ph type="title"/>
+          </p:nvPr>
+        </p:nvSpPr>
+        <p:spPr/>
+        <p:txBody>
+          <a:bodyPr/>
+          <a:p>
+            <a:r>
+              <a:rPr lang="en-US" altLang="zh-CN"/>
+              <a:t>FAQ 3</a:t>
+            </a:r>
+            <a:endParaRPr lang="en-US" altLang="zh-CN"/>
+          </a:p>
+        </p:txBody>
+      </p:sp>
+      <p:sp>
+        <p:nvSpPr>
+          <p:cNvPr id="3" name="内容占位符 2"/>
+          <p:cNvSpPr>
+            <a:spLocks noGrp="1"/>
+          </p:cNvSpPr>
+          <p:nvPr>
+            <p:ph idx="1"/>
+          </p:nvPr>
+        </p:nvSpPr>
+        <p:spPr>
+          <a:xfrm>
+            <a:off x="838200" y="1211580"/>
+            <a:ext cx="5631180" cy="5343525"/>
+          </a:xfrm>
+        </p:spPr>
+        <p:txBody>
+          <a:bodyPr>
+            <a:normAutofit fontScale="70000"/>
+          </a:bodyPr>
+          <a:p>
+            <a:r>
+              <a:rPr lang="en-US" altLang="zh-CN"/>
+              <a:t>require() is not defined</a:t>
+            </a:r>
+            <a:endParaRPr lang="en-US" altLang="zh-CN"/>
+          </a:p>
+          <a:p>
+            <a:pPr lvl="1"/>
+            <a:r>
+              <a:rPr lang="en-US" altLang="zh-CN"/>
+              <a:t>app.on('ready', () =&gt; {</a:t>
+            </a:r>
+            <a:endParaRPr lang="en-US" altLang="zh-CN"/>
+          </a:p>
+          <a:p>
+            <a:pPr lvl="1"/>
+            <a:r>
+              <a:rPr lang="en-US" altLang="zh-CN"/>
+              <a:t>    mainWindow = new BrowserWindow({</a:t>
+            </a:r>
+            <a:endParaRPr lang="en-US" altLang="zh-CN"/>
+          </a:p>
+          <a:p>
+            <a:pPr lvl="1"/>
+            <a:r>
+              <a:rPr lang="en-US" altLang="zh-CN"/>
+              <a:t>        webPreferences: {</a:t>
+            </a:r>
+            <a:endParaRPr lang="en-US" altLang="zh-CN"/>
+          </a:p>
+          <a:p>
+            <a:pPr lvl="1"/>
+            <a:r>
+              <a:rPr lang="en-US" altLang="zh-CN"/>
+              <a:t>            nodeIntegration: true</a:t>
+            </a:r>
+            <a:endParaRPr lang="en-US" altLang="zh-CN"/>
+          </a:p>
+          <a:p>
+            <a:pPr lvl="1"/>
+            <a:r>
+              <a:rPr lang="en-US" altLang="zh-CN"/>
+              <a:t>        }</a:t>
+            </a:r>
+            <a:endParaRPr lang="en-US" altLang="zh-CN"/>
+          </a:p>
+          <a:p>
+            <a:pPr lvl="1"/>
+            <a:r>
+              <a:rPr lang="en-US" altLang="zh-CN"/>
+              <a:t>    });</a:t>
+            </a:r>
+            <a:endParaRPr lang="en-US" altLang="zh-CN"/>
+          </a:p>
+          <a:p>
+            <a:pPr lvl="1"/>
+            <a:r>
+              <a:rPr lang="en-US" altLang="zh-CN"/>
+              <a:t>});</a:t>
+            </a:r>
+            <a:endParaRPr lang="en-US" altLang="zh-CN"/>
+          </a:p>
+          <a:p>
+            <a:pPr lvl="0"/>
+            <a:r>
+              <a:rPr lang="en-US" altLang="zh-CN"/>
+              <a:t>Compiled against a different Node.js version</a:t>
+            </a:r>
+            <a:endParaRPr lang="en-US" altLang="zh-CN"/>
+          </a:p>
+          <a:p>
+            <a:pPr lvl="1"/>
+            <a:r>
+              <a:rPr lang="en-US" altLang="zh-CN">
+                <a:sym typeface="+mn-ea"/>
+              </a:rPr>
+              <a:t>https://www.electronjs.org/docs/tutorial/using-native-node-modules</a:t>
+            </a:r>
+            <a:endParaRPr lang="en-US" altLang="zh-CN"/>
+          </a:p>
+          <a:p>
+            <a:pPr lvl="1"/>
+            <a:r>
+              <a:rPr lang="en-US" altLang="zh-CN" sz="2000"/>
+              <a:t>npm i -D electron-rebuild</a:t>
+            </a:r>
+            <a:endParaRPr lang="en-US" altLang="zh-CN" sz="2000"/>
+          </a:p>
+          <a:p>
+            <a:pPr lvl="1"/>
+            <a:r>
+              <a:rPr lang="en-US" altLang="zh-CN" sz="2000"/>
+              <a:t>./node_modules/.bin/electron-rebuild &lt;module-name&gt; # after “npm i”</a:t>
+            </a:r>
+            <a:r>
+              <a:rPr lang="en-US" altLang="zh-CN"/>
+              <a:t> </a:t>
+            </a:r>
+            <a:endParaRPr lang="en-US" altLang="zh-CN"/>
+          </a:p>
+          <a:p>
+            <a:pPr lvl="1"/>
+            <a:r>
+              <a:rPr lang="en-US" altLang="zh-CN"/>
+              <a:t>Rebuild module</a:t>
+            </a:r>
+            <a:endParaRPr lang="en-US" altLang="zh-CN"/>
+          </a:p>
+          <a:p>
+            <a:pPr lvl="2"/>
+            <a:r>
+              <a:rPr lang="en-US" altLang="zh-CN" sz="1800"/>
+              <a:t>cd node_modules\ffi &amp;&amp; </a:t>
+            </a:r>
+            <a:r>
+              <a:rPr lang="en-US" altLang="zh-CN"/>
+              <a:t>HOME=~/.electron-gyp node-gyp rebuild --target=5.0.13 --arch=x64 --dist-url=https://electronjs.org/headers</a:t>
+            </a:r>
+            <a:endParaRPr lang="en-US" altLang="zh-CN"/>
+          </a:p>
+          <a:p>
+            <a:pPr lvl="2"/>
+            <a:r>
+              <a:rPr lang="en-US" altLang="zh-CN"/>
+              <a:t>5.0.13: Electron version</a:t>
+            </a:r>
+            <a:endParaRPr lang="en-US" altLang="zh-CN"/>
+          </a:p>
+          <a:p>
+            <a:pPr lvl="2"/>
+            <a:r>
+              <a:rPr lang="en-US" altLang="zh-CN"/>
+              <a:t>cnpm i -g node-gyp</a:t>
+            </a:r>
+            <a:endParaRPr lang="en-US" altLang="zh-CN"/>
+          </a:p>
+        </p:txBody>
+      </p:sp>
+      <p:pic>
+        <p:nvPicPr>
+          <p:cNvPr id="4" name="图片 3"/>
+          <p:cNvPicPr>
+            <a:picLocks noChangeAspect="1"/>
+          </p:cNvPicPr>
+          <p:nvPr/>
+        </p:nvPicPr>
+        <p:blipFill>
+          <a:blip r:embed="rId1"/>
+          <a:stretch>
+            <a:fillRect/>
+          </a:stretch>
+        </p:blipFill>
+        <p:spPr>
+          <a:xfrm>
+            <a:off x="6470015" y="835660"/>
+            <a:ext cx="5364480" cy="3178810"/>
+          </a:xfrm>
+          <a:prstGeom prst="rect">
+            <a:avLst/>
+          </a:prstGeom>
+        </p:spPr>
+      </p:pic>
+      <p:pic>
+        <p:nvPicPr>
+          <p:cNvPr id="5" name="图片 4"/>
+          <p:cNvPicPr>
+            <a:picLocks noChangeAspect="1"/>
+          </p:cNvPicPr>
+          <p:nvPr/>
+        </p:nvPicPr>
+        <p:blipFill>
+          <a:blip r:embed="rId2"/>
+          <a:stretch>
+            <a:fillRect/>
+          </a:stretch>
+        </p:blipFill>
+        <p:spPr>
+          <a:xfrm>
+            <a:off x="6616065" y="3582035"/>
+            <a:ext cx="5218430" cy="3091815"/>
+          </a:xfrm>
+          <a:prstGeom prst="rect">
+            <a:avLst/>
+          </a:prstGeom>
+        </p:spPr>
+      </p:pic>
+    </p:spTree>
+    <p:custDataLst>
+      <p:tags r:id="rId3"/>
+    </p:custDataLst>
+  </p:cSld>
+  <p:clrMapOvr>
+    <a:masterClrMapping/>
+  </p:clrMapOvr>
+</p:sld>
+</file>
+
+<file path=ppt/slides/slide22.xml><?xml version="1.0" encoding="utf-8"?>
+<p:sld xmlns:a="http://schemas.openxmlformats.org/drawingml/2006/main" xmlns:r="http://schemas.openxmlformats.org/officeDocument/2006/relationships" xmlns:p="http://schemas.openxmlformats.org/presentationml/2006/main">
+  <p:cSld>
+    <p:spTree>
+      <p:nvGrpSpPr>
+        <p:cNvPr id="1" name=""/>
+        <p:cNvGrpSpPr/>
+        <p:nvPr/>
+      </p:nvGrpSpPr>
+      <p:grpSpPr/>
+      <p:sp>
+        <p:nvSpPr>
+          <p:cNvPr id="2" name="标题 1"/>
+          <p:cNvSpPr>
+            <a:spLocks noGrp="1"/>
+          </p:cNvSpPr>
+          <p:nvPr>
+            <p:ph type="title"/>
+          </p:nvPr>
+        </p:nvSpPr>
+        <p:spPr/>
+        <p:txBody>
+          <a:bodyPr/>
+          <a:p>
+            <a:r>
+              <a:rPr lang="en-US" altLang="zh-CN"/>
+              <a:t>FAQ 4</a:t>
+            </a:r>
+            <a:endParaRPr lang="en-US" altLang="zh-CN"/>
+          </a:p>
+        </p:txBody>
+      </p:sp>
+      <p:sp>
+        <p:nvSpPr>
+          <p:cNvPr id="3" name="内容占位符 2"/>
+          <p:cNvSpPr>
+            <a:spLocks noGrp="1"/>
+          </p:cNvSpPr>
+          <p:nvPr>
+            <p:ph idx="1"/>
+          </p:nvPr>
+        </p:nvSpPr>
+        <p:spPr>
+          <a:xfrm>
+            <a:off x="838200" y="1211580"/>
+            <a:ext cx="5939790" cy="4549140"/>
+          </a:xfrm>
+        </p:spPr>
+        <p:txBody>
+          <a:bodyPr/>
+          <a:p>
+            <a:r>
+              <a:rPr lang="en-US" altLang="zh-CN"/>
+              <a:t>Error: spawn ENOENT</a:t>
+            </a:r>
+            <a:endParaRPr lang="en-US" altLang="zh-CN"/>
+          </a:p>
+          <a:p>
+            <a:pPr lvl="1"/>
+            <a:r>
+              <a:rPr lang="en-US" altLang="zh-CN"/>
+              <a:t>Solution</a:t>
+            </a:r>
+            <a:endParaRPr lang="en-US" altLang="zh-CN"/>
+          </a:p>
+          <a:p>
+            <a:pPr lvl="2"/>
+            <a:r>
+              <a:rPr lang="en-US" altLang="zh-CN"/>
+              <a:t>rm -rf node_modules</a:t>
+            </a:r>
+            <a:endParaRPr lang="en-US" altLang="zh-CN"/>
+          </a:p>
+          <a:p>
+            <a:pPr lvl="2"/>
+            <a:r>
+              <a:rPr lang="en-US" altLang="zh-CN"/>
+              <a:t>npm i</a:t>
+            </a:r>
+            <a:endParaRPr lang="en-US" altLang="zh-CN"/>
+          </a:p>
+          <a:p>
+            <a:pPr lvl="0"/>
+            <a:r>
+              <a:rPr lang="en-US" altLang="zh-CN"/>
+              <a:t>Error: dynmic linking error 193</a:t>
+            </a:r>
+            <a:endParaRPr lang="en-US" altLang="zh-CN"/>
+          </a:p>
+          <a:p>
+            <a:pPr lvl="1"/>
+            <a:r>
+              <a:rPr lang="en-US" altLang="zh-CN"/>
+              <a:t>Cause</a:t>
+            </a:r>
+            <a:endParaRPr lang="en-US" altLang="zh-CN"/>
+          </a:p>
+          <a:p>
+            <a:pPr lvl="2"/>
+            <a:r>
+              <a:rPr lang="en-US" altLang="zh-CN"/>
+              <a:t>library is not 64bit (check by sigcheck)</a:t>
+            </a:r>
+            <a:endParaRPr lang="en-US" altLang="zh-CN"/>
+          </a:p>
+          <a:p>
+            <a:pPr lvl="1"/>
+            <a:r>
+              <a:rPr lang="en-US" altLang="zh-CN"/>
+              <a:t>Solution</a:t>
+            </a:r>
+            <a:endParaRPr lang="en-US" altLang="zh-CN"/>
+          </a:p>
+          <a:p>
+            <a:pPr lvl="2"/>
+            <a:r>
+              <a:rPr lang="en-US" altLang="zh-CN"/>
+              <a:t>install 32-bit node</a:t>
+            </a:r>
+            <a:endParaRPr lang="en-US" altLang="zh-CN"/>
+          </a:p>
+          <a:p>
+            <a:pPr lvl="2"/>
+            <a:r>
+              <a:rPr lang="en-US" altLang="zh-CN"/>
+              <a:t>reinstall node-gyp</a:t>
+            </a:r>
+            <a:endParaRPr lang="en-US" altLang="zh-CN"/>
+          </a:p>
+          <a:p>
+            <a:pPr lvl="2"/>
+            <a:r>
+              <a:rPr lang="en-US" altLang="zh-CN"/>
+              <a:t>reinstall npm dependencies</a:t>
+            </a:r>
+            <a:endParaRPr lang="en-US" altLang="zh-CN"/>
+          </a:p>
+        </p:txBody>
+      </p:sp>
+      <p:pic>
+        <p:nvPicPr>
+          <p:cNvPr id="4" name="图片 3"/>
+          <p:cNvPicPr>
+            <a:picLocks noChangeAspect="1"/>
+          </p:cNvPicPr>
+          <p:nvPr/>
+        </p:nvPicPr>
+        <p:blipFill>
+          <a:blip r:embed="rId1"/>
+          <a:stretch>
+            <a:fillRect/>
+          </a:stretch>
+        </p:blipFill>
+        <p:spPr>
+          <a:xfrm>
+            <a:off x="6926580" y="1033780"/>
+            <a:ext cx="4909185" cy="1062355"/>
+          </a:xfrm>
+          <a:prstGeom prst="rect">
+            <a:avLst/>
+          </a:prstGeom>
+        </p:spPr>
+      </p:pic>
+      <p:pic>
+        <p:nvPicPr>
+          <p:cNvPr id="5" name="图片 4"/>
+          <p:cNvPicPr>
+            <a:picLocks noChangeAspect="1"/>
+          </p:cNvPicPr>
+          <p:nvPr/>
+        </p:nvPicPr>
+        <p:blipFill>
+          <a:blip r:embed="rId2"/>
+          <a:stretch>
+            <a:fillRect/>
+          </a:stretch>
+        </p:blipFill>
+        <p:spPr>
+          <a:xfrm>
+            <a:off x="6838315" y="2625725"/>
+            <a:ext cx="5086350" cy="876300"/>
+          </a:xfrm>
+          <a:prstGeom prst="rect">
+            <a:avLst/>
+          </a:prstGeom>
+        </p:spPr>
+      </p:pic>
+    </p:spTree>
+    <p:custDataLst>
+      <p:tags r:id="rId3"/>
+    </p:custDataLst>
+  </p:cSld>
+  <p:clrMapOvr>
+    <a:masterClrMapping/>
+  </p:clrMapOvr>
+</p:sld>
+</file>
+
+<file path=ppt/slides/slide23.xml><?xml version="1.0" encoding="utf-8"?>
+<p:sld xmlns:a="http://schemas.openxmlformats.org/drawingml/2006/main" xmlns:r="http://schemas.openxmlformats.org/officeDocument/2006/relationships" xmlns:p="http://schemas.openxmlformats.org/presentationml/2006/main">
+  <p:cSld>
+    <p:spTree>
+      <p:nvGrpSpPr>
+        <p:cNvPr id="1" name=""/>
+        <p:cNvGrpSpPr/>
+        <p:nvPr/>
+      </p:nvGrpSpPr>
+      <p:grpSpPr>
+        <a:xfrm>
+          <a:off x="0" y="0"/>
+          <a:ext cx="0" cy="0"/>
+          <a:chOff x="0" y="0"/>
+          <a:chExt cx="0" cy="0"/>
+        </a:xfrm>
+      </p:grpSpPr>
+      <p:sp>
+        <p:nvSpPr>
+          <p:cNvPr id="2" name="标题 1"/>
+          <p:cNvSpPr>
+            <a:spLocks noGrp="1"/>
+          </p:cNvSpPr>
+          <p:nvPr>
+            <p:ph type="title"/>
+            <p:custDataLst>
+              <p:tags r:id="rId1"/>
+            </p:custDataLst>
+          </p:nvPr>
+        </p:nvSpPr>
+        <p:spPr/>
+        <p:txBody>
+          <a:bodyPr/>
+          <a:lstStyle/>
+          <a:p>
+            <a:r>
+              <a:rPr lang="en-US" altLang="zh-CN" smtClean="0"/>
+              <a:t>THANKS</a:t>
+            </a:r>
+            <a:endParaRPr lang="en-US" altLang="zh-CN" smtClean="0"/>
+          </a:p>
+        </p:txBody>
+      </p:sp>
+      <p:sp>
+        <p:nvSpPr>
+          <p:cNvPr id="3" name="文本占位符 2"/>
+          <p:cNvSpPr>
+            <a:spLocks noGrp="1"/>
+          </p:cNvSpPr>
+          <p:nvPr>
+            <p:ph sz="quarter" idx="13"/>
+            <p:custDataLst>
+              <p:tags r:id="rId2"/>
+            </p:custDataLst>
+          </p:nvPr>
+        </p:nvSpPr>
+        <p:spPr/>
+        <p:txBody>
+          <a:bodyPr>
+            <a:normAutofit/>
+          </a:bodyPr>
+          <a:lstStyle/>
+          <a:p>
+            <a:r>
+              <a:rPr lang="zh-CN" altLang="en-US" smtClean="0"/>
+              <a:t>谢谢聆听</a:t>
+            </a:r>
+            <a:endParaRPr lang="zh-CN" altLang="en-US" smtClean="0"/>
+          </a:p>
+        </p:txBody>
+      </p:sp>
+    </p:spTree>
+    <p:custDataLst>
+      <p:tags r:id="rId3"/>
+    </p:custDataLst>
+  </p:cSld>
+  <p:clrMapOvr>
+    <a:masterClrMapping/>
+  </p:clrMapOvr>
+  <p:timing>
+    <p:tnLst>
+      <p:par>
+        <p:cTn id="1" dur="indefinite" restart="never" nodeType="tmRoot"/>
+      </p:par>
+    </p:tnLst>
+  </p:timing>
 </p:sld>
 </file>
 
@@ -3883,15 +6782,47 @@
             <a:pPr lvl="1"/>
             <a:r>
               <a:rPr lang="en-US" altLang="zh-CN"/>
-              <a:t>npm install -g electron</a:t>
-            </a:r>
-            <a:endParaRPr lang="en-US" altLang="zh-CN"/>
-          </a:p>
-          <a:p>
-            <a:pPr lvl="1"/>
-            <a:r>
-              <a:rPr lang="en-US" altLang="zh-CN"/>
-              <a:t>npm install electron -save</a:t>
+              <a:t>npm</a:t>
+            </a:r>
+            <a:endParaRPr lang="en-US" altLang="zh-CN"/>
+          </a:p>
+          <a:p>
+            <a:pPr lvl="2"/>
+            <a:r>
+              <a:rPr lang="en-US" altLang="zh-CN"/>
+              <a:t>npm install electron@6.0 -D	// electron v6.0 for Node v12</a:t>
+            </a:r>
+            <a:endParaRPr lang="en-US" altLang="zh-CN"/>
+          </a:p>
+          <a:p>
+            <a:pPr lvl="2"/>
+            <a:r>
+              <a:rPr lang="en-US" altLang="zh-CN"/>
+              <a:t>cnpm i -g electron-builer</a:t>
+            </a:r>
+            <a:endParaRPr lang="en-US" altLang="zh-CN"/>
+          </a:p>
+          <a:p>
+            <a:pPr lvl="2"/>
+            <a:r>
+              <a:rPr lang="en-US" altLang="zh-CN"/>
+              <a:t>cnpm i -g windows-build-tools</a:t>
+            </a:r>
+            <a:endParaRPr lang="en-US" altLang="zh-CN"/>
+          </a:p>
+          <a:p>
+            <a:pPr lvl="1"/>
+            <a:r>
+              <a:rPr lang="en-US" altLang="zh-CN" sz="2000"/>
+              <a:t>yarn</a:t>
+            </a:r>
+            <a:endParaRPr lang="en-US" altLang="zh-CN" sz="2000"/>
+          </a:p>
+          <a:p>
+            <a:pPr lvl="2"/>
+            <a:r>
+              <a:rPr lang="en-US" altLang="zh-CN"/>
+              <a:t>npm install yarn -g</a:t>
             </a:r>
             <a:endParaRPr lang="en-US" altLang="zh-CN"/>
           </a:p>
@@ -3900,6 +6831,38 @@
             <a:r>
               <a:rPr lang="en-US" altLang="zh-CN"/>
               <a:t>electron .</a:t>
+            </a:r>
+            <a:endParaRPr lang="en-US" altLang="zh-CN"/>
+          </a:p>
+          <a:p>
+            <a:pPr lvl="1"/>
+            <a:r>
+              <a:rPr lang="en-US" altLang="zh-CN"/>
+              <a:t>eslint</a:t>
+            </a:r>
+            <a:endParaRPr lang="en-US" altLang="zh-CN"/>
+          </a:p>
+          <a:p>
+            <a:pPr lvl="2"/>
+            <a:r>
+              <a:rPr lang="en-US" altLang="zh-CN"/>
+              <a:t>cnpm i -g eslint eslint-plugin-vue@latest</a:t>
+            </a:r>
+            <a:endParaRPr lang="en-US" altLang="zh-CN"/>
+          </a:p>
+          <a:p>
+            <a:pPr lvl="0"/>
+            <a:r>
+              <a:rPr lang="en-US" altLang="zh-CN"/>
+              <a:t>References</a:t>
+            </a:r>
+            <a:endParaRPr lang="en-US" altLang="zh-CN"/>
+          </a:p>
+          <a:p>
+            <a:pPr lvl="1"/>
+            <a:r>
+              <a:rPr lang="en-US" altLang="zh-CN"/>
+              <a:t>https://github.com/nodejs/node-gyp#on-windows</a:t>
             </a:r>
             <a:endParaRPr lang="en-US" altLang="zh-CN"/>
           </a:p>
@@ -3996,7 +6959,7 @@
             <a:pPr lvl="1"/>
             <a:r>
               <a:rPr lang="en-US" altLang="zh-CN" sz="2000"/>
-              <a:t>npm install electron --save-dev</a:t>
+              <a:t>npm install electron@latest --save-dev</a:t>
             </a:r>
             <a:endParaRPr lang="en-US" altLang="zh-CN" sz="2000"/>
           </a:p>
@@ -4039,6 +7002,144 @@
               <a:t>npm start</a:t>
             </a:r>
             <a:endParaRPr lang="en-US" altLang="zh-CN"/>
+          </a:p>
+        </p:txBody>
+      </p:sp>
+      <p:sp>
+        <p:nvSpPr>
+          <p:cNvPr id="5" name="文本框 4"/>
+          <p:cNvSpPr txBox="1"/>
+          <p:nvPr/>
+        </p:nvSpPr>
+        <p:spPr>
+          <a:xfrm>
+            <a:off x="7183755" y="1343025"/>
+            <a:ext cx="3637915" cy="1198880"/>
+          </a:xfrm>
+          <a:prstGeom prst="rect">
+            <a:avLst/>
+          </a:prstGeom>
+          <a:noFill/>
+          <a:ln>
+            <a:solidFill>
+              <a:srgbClr val="FFC000"/>
+            </a:solidFill>
+          </a:ln>
+        </p:spPr>
+        <p:txBody>
+          <a:bodyPr wrap="square" rtlCol="0">
+            <a:spAutoFit/>
+          </a:bodyPr>
+          <a:p>
+            <a:r>
+              <a:rPr lang="zh-CN" altLang="en-US"/>
+              <a:t>your-app/</a:t>
+            </a:r>
+            <a:endParaRPr lang="zh-CN" altLang="en-US"/>
+          </a:p>
+          <a:p>
+            <a:r>
+              <a:rPr lang="zh-CN" altLang="en-US"/>
+              <a:t>├── package.json</a:t>
+            </a:r>
+            <a:endParaRPr lang="zh-CN" altLang="en-US"/>
+          </a:p>
+          <a:p>
+            <a:r>
+              <a:rPr lang="zh-CN" altLang="en-US"/>
+              <a:t>├── main.js</a:t>
+            </a:r>
+            <a:endParaRPr lang="zh-CN" altLang="en-US"/>
+          </a:p>
+          <a:p>
+            <a:r>
+              <a:rPr lang="zh-CN" altLang="en-US"/>
+              <a:t>└── index.html</a:t>
+            </a:r>
+            <a:endParaRPr lang="zh-CN" altLang="en-US"/>
+          </a:p>
+        </p:txBody>
+      </p:sp>
+      <p:sp>
+        <p:nvSpPr>
+          <p:cNvPr id="6" name="文本框 5"/>
+          <p:cNvSpPr txBox="1"/>
+          <p:nvPr/>
+        </p:nvSpPr>
+        <p:spPr>
+          <a:xfrm>
+            <a:off x="7183755" y="2748280"/>
+            <a:ext cx="3703320" cy="2306955"/>
+          </a:xfrm>
+          <a:prstGeom prst="rect">
+            <a:avLst/>
+          </a:prstGeom>
+          <a:noFill/>
+          <a:ln>
+            <a:solidFill>
+              <a:srgbClr val="FFC000"/>
+            </a:solidFill>
+          </a:ln>
+        </p:spPr>
+        <p:txBody>
+          <a:bodyPr wrap="square" rtlCol="0">
+            <a:spAutoFit/>
+          </a:bodyPr>
+          <a:p>
+            <a:r>
+              <a:rPr lang="zh-CN" altLang="en-US"/>
+              <a:t>{</a:t>
+            </a:r>
+            <a:endParaRPr lang="zh-CN" altLang="en-US"/>
+          </a:p>
+          <a:p>
+            <a:r>
+              <a:rPr lang="zh-CN" altLang="en-US"/>
+              <a:t>  "name": "your-app",</a:t>
+            </a:r>
+            <a:endParaRPr lang="zh-CN" altLang="en-US"/>
+          </a:p>
+          <a:p>
+            <a:r>
+              <a:rPr lang="zh-CN" altLang="en-US"/>
+              <a:t>  "version": "0.1.0",</a:t>
+            </a:r>
+            <a:endParaRPr lang="zh-CN" altLang="en-US"/>
+          </a:p>
+          <a:p>
+            <a:r>
+              <a:rPr lang="zh-CN" altLang="en-US"/>
+              <a:t>  "main": "main.js"，</a:t>
+            </a:r>
+            <a:endParaRPr lang="zh-CN" altLang="en-US"/>
+          </a:p>
+          <a:p>
+            <a:r>
+              <a:rPr lang="zh-CN" altLang="en-US"/>
+              <a:t>  "scripts": {</a:t>
+            </a:r>
+            <a:endParaRPr lang="zh-CN" altLang="en-US"/>
+          </a:p>
+          <a:p>
+            <a:r>
+              <a:rPr lang="zh-CN" altLang="en-US"/>
+              <a:t>    "start": "electron ."</a:t>
+            </a:r>
+            <a:endParaRPr lang="zh-CN" altLang="en-US"/>
+          </a:p>
+          <a:p>
+            <a:r>
+              <a:rPr lang="zh-CN" altLang="en-US"/>
+              <a:t>  }</a:t>
+            </a:r>
+            <a:endParaRPr lang="zh-CN" altLang="en-US"/>
+          </a:p>
+          <a:p>
+            <a:r>
+              <a:rPr lang="zh-CN" altLang="en-US"/>
+              <a:t>}</a:t>
+            </a:r>
+            <a:endParaRPr lang="zh-CN" altLang="en-US"/>
           </a:p>
         </p:txBody>
       </p:sp>
@@ -4062,14 +7163,7 @@
         <p:cNvGrpSpPr/>
         <p:nvPr/>
       </p:nvGrpSpPr>
-      <p:grpSpPr>
-        <a:xfrm>
-          <a:off x="0" y="0"/>
-          <a:ext cx="0" cy="0"/>
-          <a:chOff x="0" y="0"/>
-          <a:chExt cx="0" cy="0"/>
-        </a:xfrm>
-      </p:grpSpPr>
+      <p:grpSpPr/>
       <p:sp>
         <p:nvSpPr>
           <p:cNvPr id="2" name="标题 1"/>
@@ -4078,67 +7172,523 @@
           </p:cNvSpPr>
           <p:nvPr>
             <p:ph type="title"/>
-            <p:custDataLst>
-              <p:tags r:id="rId1"/>
-            </p:custDataLst>
           </p:nvPr>
         </p:nvSpPr>
         <p:spPr/>
         <p:txBody>
           <a:bodyPr/>
-          <a:lstStyle/>
-          <a:p>
-            <a:r>
-              <a:rPr lang="en-US" altLang="zh-CN" smtClean="0"/>
-              <a:t>THANKS</a:t>
-            </a:r>
-            <a:endParaRPr lang="en-US" altLang="zh-CN" smtClean="0"/>
-          </a:p>
-        </p:txBody>
-      </p:sp>
-      <p:sp>
-        <p:nvSpPr>
-          <p:cNvPr id="3" name="文本占位符 2"/>
-          <p:cNvSpPr>
-            <a:spLocks noGrp="1"/>
-          </p:cNvSpPr>
-          <p:nvPr>
-            <p:ph sz="quarter" idx="13"/>
-            <p:custDataLst>
-              <p:tags r:id="rId2"/>
-            </p:custDataLst>
-          </p:nvPr>
-        </p:nvSpPr>
-        <p:spPr/>
-        <p:txBody>
-          <a:bodyPr>
-            <a:normAutofit/>
+          <a:p>
+            <a:r>
+              <a:rPr lang="en-US" altLang="zh-CN"/>
+              <a:t>main.js</a:t>
+            </a:r>
+            <a:endParaRPr lang="en-US" altLang="zh-CN"/>
+          </a:p>
+        </p:txBody>
+      </p:sp>
+      <p:sp>
+        <p:nvSpPr>
+          <p:cNvPr id="4" name="文本框 3"/>
+          <p:cNvSpPr txBox="1"/>
+          <p:nvPr/>
+        </p:nvSpPr>
+        <p:spPr>
+          <a:xfrm>
+            <a:off x="838200" y="1212215"/>
+            <a:ext cx="6219825" cy="5215890"/>
+          </a:xfrm>
+          <a:prstGeom prst="rect">
+            <a:avLst/>
+          </a:prstGeom>
+          <a:noFill/>
+          <a:ln>
+            <a:solidFill>
+              <a:srgbClr val="FFC000"/>
+            </a:solidFill>
+          </a:ln>
+        </p:spPr>
+        <p:txBody>
+          <a:bodyPr wrap="square" rtlCol="0">
+            <a:spAutoFit/>
           </a:bodyPr>
-          <a:lstStyle/>
-          <a:p>
-            <a:r>
-              <a:rPr lang="zh-CN" altLang="en-US" smtClean="0"/>
-              <a:t>谢谢聆听</a:t>
-            </a:r>
-            <a:endParaRPr lang="zh-CN" altLang="en-US" smtClean="0"/>
+          <a:p>
+            <a:r>
+              <a:rPr lang="zh-CN" altLang="en-US" sz="900"/>
+              <a:t>const { app, BrowserWindow } = require('electron')</a:t>
+            </a:r>
+            <a:endParaRPr lang="zh-CN" altLang="en-US" sz="900"/>
+          </a:p>
+          <a:p>
+            <a:endParaRPr lang="zh-CN" altLang="en-US" sz="900"/>
+          </a:p>
+          <a:p>
+            <a:r>
+              <a:rPr lang="zh-CN" altLang="en-US" sz="900"/>
+              <a:t>function createWindow () {   </a:t>
+            </a:r>
+            <a:endParaRPr lang="zh-CN" altLang="en-US" sz="900"/>
+          </a:p>
+          <a:p>
+            <a:r>
+              <a:rPr lang="zh-CN" altLang="en-US" sz="900"/>
+              <a:t>  // 创建浏览器窗口</a:t>
+            </a:r>
+            <a:endParaRPr lang="zh-CN" altLang="en-US" sz="900"/>
+          </a:p>
+          <a:p>
+            <a:r>
+              <a:rPr lang="zh-CN" altLang="en-US" sz="900"/>
+              <a:t>  const win = new BrowserWindow({</a:t>
+            </a:r>
+            <a:endParaRPr lang="zh-CN" altLang="en-US" sz="900"/>
+          </a:p>
+          <a:p>
+            <a:r>
+              <a:rPr lang="zh-CN" altLang="en-US" sz="900"/>
+              <a:t>    width: 800,</a:t>
+            </a:r>
+            <a:endParaRPr lang="zh-CN" altLang="en-US" sz="900"/>
+          </a:p>
+          <a:p>
+            <a:r>
+              <a:rPr lang="zh-CN" altLang="en-US" sz="900"/>
+              <a:t>    height: 600,</a:t>
+            </a:r>
+            <a:endParaRPr lang="zh-CN" altLang="en-US" sz="900"/>
+          </a:p>
+          <a:p>
+            <a:r>
+              <a:rPr lang="zh-CN" altLang="en-US" sz="900"/>
+              <a:t>    webPreferences: {</a:t>
+            </a:r>
+            <a:endParaRPr lang="zh-CN" altLang="en-US" sz="900"/>
+          </a:p>
+          <a:p>
+            <a:r>
+              <a:rPr lang="zh-CN" altLang="en-US" sz="900"/>
+              <a:t>      nodeIntegration: true</a:t>
+            </a:r>
+            <a:endParaRPr lang="zh-CN" altLang="en-US" sz="900"/>
+          </a:p>
+          <a:p>
+            <a:r>
+              <a:rPr lang="zh-CN" altLang="en-US" sz="900"/>
+              <a:t>    }</a:t>
+            </a:r>
+            <a:endParaRPr lang="zh-CN" altLang="en-US" sz="900"/>
+          </a:p>
+          <a:p>
+            <a:r>
+              <a:rPr lang="zh-CN" altLang="en-US" sz="900"/>
+              <a:t>  })</a:t>
+            </a:r>
+            <a:endParaRPr lang="zh-CN" altLang="en-US" sz="900"/>
+          </a:p>
+          <a:p>
+            <a:endParaRPr lang="zh-CN" altLang="en-US" sz="900"/>
+          </a:p>
+          <a:p>
+            <a:r>
+              <a:rPr lang="zh-CN" altLang="en-US" sz="900"/>
+              <a:t>  // 并且为你的应用加载index.html</a:t>
+            </a:r>
+            <a:endParaRPr lang="zh-CN" altLang="en-US" sz="900"/>
+          </a:p>
+          <a:p>
+            <a:r>
+              <a:rPr lang="zh-CN" altLang="en-US" sz="900"/>
+              <a:t>  win.loadFile('index.html')</a:t>
+            </a:r>
+            <a:endParaRPr lang="zh-CN" altLang="en-US" sz="900"/>
+          </a:p>
+          <a:p>
+            <a:endParaRPr lang="zh-CN" altLang="en-US" sz="900"/>
+          </a:p>
+          <a:p>
+            <a:r>
+              <a:rPr lang="zh-CN" altLang="en-US" sz="900"/>
+              <a:t>  // 打开开发者工具</a:t>
+            </a:r>
+            <a:endParaRPr lang="zh-CN" altLang="en-US" sz="900"/>
+          </a:p>
+          <a:p>
+            <a:r>
+              <a:rPr lang="zh-CN" altLang="en-US" sz="900"/>
+              <a:t>  win.webContents.openDevTools()</a:t>
+            </a:r>
+            <a:endParaRPr lang="zh-CN" altLang="en-US" sz="900"/>
+          </a:p>
+          <a:p>
+            <a:r>
+              <a:rPr lang="zh-CN" altLang="en-US" sz="900"/>
+              <a:t>}</a:t>
+            </a:r>
+            <a:endParaRPr lang="zh-CN" altLang="en-US" sz="900"/>
+          </a:p>
+          <a:p>
+            <a:endParaRPr lang="zh-CN" altLang="en-US" sz="900"/>
+          </a:p>
+          <a:p>
+            <a:r>
+              <a:rPr lang="zh-CN" altLang="en-US" sz="900"/>
+              <a:t>app.whenReady().then(createWindow)</a:t>
+            </a:r>
+            <a:endParaRPr lang="zh-CN" altLang="en-US" sz="900"/>
+          </a:p>
+          <a:p>
+            <a:endParaRPr lang="zh-CN" altLang="en-US" sz="900"/>
+          </a:p>
+          <a:p>
+            <a:r>
+              <a:rPr lang="zh-CN" altLang="en-US" sz="900"/>
+              <a:t>// Quit when all windows are closed, except on macOS. There, it's common</a:t>
+            </a:r>
+            <a:endParaRPr lang="zh-CN" altLang="en-US" sz="900"/>
+          </a:p>
+          <a:p>
+            <a:r>
+              <a:rPr lang="zh-CN" altLang="en-US" sz="900"/>
+              <a:t>// for applications and their menu bar to stay active until the user quits</a:t>
+            </a:r>
+            <a:endParaRPr lang="zh-CN" altLang="en-US" sz="900"/>
+          </a:p>
+          <a:p>
+            <a:r>
+              <a:rPr lang="zh-CN" altLang="en-US" sz="900"/>
+              <a:t>// explicitly with Cmd + Q.</a:t>
+            </a:r>
+            <a:endParaRPr lang="zh-CN" altLang="en-US" sz="900"/>
+          </a:p>
+          <a:p>
+            <a:r>
+              <a:rPr lang="zh-CN" altLang="en-US" sz="900"/>
+              <a:t>app.on('window-all-closed', () =&gt; {</a:t>
+            </a:r>
+            <a:endParaRPr lang="zh-CN" altLang="en-US" sz="900"/>
+          </a:p>
+          <a:p>
+            <a:r>
+              <a:rPr lang="zh-CN" altLang="en-US" sz="900"/>
+              <a:t>  if (process.platform !== 'darwin') {</a:t>
+            </a:r>
+            <a:endParaRPr lang="zh-CN" altLang="en-US" sz="900"/>
+          </a:p>
+          <a:p>
+            <a:r>
+              <a:rPr lang="zh-CN" altLang="en-US" sz="900"/>
+              <a:t>    app.quit()</a:t>
+            </a:r>
+            <a:endParaRPr lang="zh-CN" altLang="en-US" sz="900"/>
+          </a:p>
+          <a:p>
+            <a:r>
+              <a:rPr lang="zh-CN" altLang="en-US" sz="900"/>
+              <a:t>  }</a:t>
+            </a:r>
+            <a:endParaRPr lang="zh-CN" altLang="en-US" sz="900"/>
+          </a:p>
+          <a:p>
+            <a:r>
+              <a:rPr lang="zh-CN" altLang="en-US" sz="900"/>
+              <a:t>})</a:t>
+            </a:r>
+            <a:endParaRPr lang="zh-CN" altLang="en-US" sz="900"/>
+          </a:p>
+          <a:p>
+            <a:endParaRPr lang="zh-CN" altLang="en-US" sz="900"/>
+          </a:p>
+          <a:p>
+            <a:r>
+              <a:rPr lang="zh-CN" altLang="en-US" sz="900"/>
+              <a:t>app.on('activate', () =&gt; {</a:t>
+            </a:r>
+            <a:endParaRPr lang="zh-CN" altLang="en-US" sz="900"/>
+          </a:p>
+          <a:p>
+            <a:r>
+              <a:rPr lang="zh-CN" altLang="en-US" sz="900"/>
+              <a:t>  // On macOS it's common to re-create a window in the app when the</a:t>
+            </a:r>
+            <a:endParaRPr lang="zh-CN" altLang="en-US" sz="900"/>
+          </a:p>
+          <a:p>
+            <a:r>
+              <a:rPr lang="zh-CN" altLang="en-US" sz="900"/>
+              <a:t>  // dock icon is clicked and there are no other windows open.</a:t>
+            </a:r>
+            <a:endParaRPr lang="zh-CN" altLang="en-US" sz="900"/>
+          </a:p>
+          <a:p>
+            <a:r>
+              <a:rPr lang="zh-CN" altLang="en-US" sz="900"/>
+              <a:t>  if (BrowserWindow.getAllWindows().length === 0) {</a:t>
+            </a:r>
+            <a:endParaRPr lang="zh-CN" altLang="en-US" sz="900"/>
+          </a:p>
+          <a:p>
+            <a:r>
+              <a:rPr lang="zh-CN" altLang="en-US" sz="900"/>
+              <a:t>    createWindow()</a:t>
+            </a:r>
+            <a:endParaRPr lang="zh-CN" altLang="en-US" sz="900"/>
+          </a:p>
+          <a:p>
+            <a:r>
+              <a:rPr lang="zh-CN" altLang="en-US" sz="900"/>
+              <a:t>  }</a:t>
+            </a:r>
+            <a:endParaRPr lang="zh-CN" altLang="en-US" sz="900"/>
+          </a:p>
+          <a:p>
+            <a:r>
+              <a:rPr lang="zh-CN" altLang="en-US" sz="900"/>
+              <a:t>})</a:t>
+            </a:r>
+            <a:endParaRPr lang="zh-CN" altLang="en-US" sz="900"/>
           </a:p>
         </p:txBody>
       </p:sp>
     </p:spTree>
     <p:custDataLst>
-      <p:tags r:id="rId3"/>
+      <p:tags r:id="rId1"/>
     </p:custDataLst>
   </p:cSld>
   <p:clrMapOvr>
     <a:masterClrMapping/>
   </p:clrMapOvr>
-  <p:timing>
-    <p:tnLst>
-      <p:par>
-        <p:cTn id="1" dur="indefinite" restart="never" nodeType="tmRoot"/>
-      </p:par>
-    </p:tnLst>
-  </p:timing>
+</p:sld>
+</file>
+
+<file path=ppt/slides/slide7.xml><?xml version="1.0" encoding="utf-8"?>
+<p:sld xmlns:a="http://schemas.openxmlformats.org/drawingml/2006/main" xmlns:r="http://schemas.openxmlformats.org/officeDocument/2006/relationships" xmlns:p="http://schemas.openxmlformats.org/presentationml/2006/main">
+  <p:cSld>
+    <p:spTree>
+      <p:nvGrpSpPr>
+        <p:cNvPr id="1" name=""/>
+        <p:cNvGrpSpPr/>
+        <p:nvPr/>
+      </p:nvGrpSpPr>
+      <p:grpSpPr/>
+      <p:sp>
+        <p:nvSpPr>
+          <p:cNvPr id="2" name="标题 1"/>
+          <p:cNvSpPr>
+            <a:spLocks noGrp="1"/>
+          </p:cNvSpPr>
+          <p:nvPr>
+            <p:ph type="title"/>
+          </p:nvPr>
+        </p:nvSpPr>
+        <p:spPr/>
+        <p:txBody>
+          <a:bodyPr/>
+          <a:p>
+            <a:r>
+              <a:rPr lang="en-US" altLang="zh-CN"/>
+              <a:t>Build On Windows</a:t>
+            </a:r>
+            <a:endParaRPr lang="en-US" altLang="zh-CN"/>
+          </a:p>
+        </p:txBody>
+      </p:sp>
+      <p:sp>
+        <p:nvSpPr>
+          <p:cNvPr id="3" name="内容占位符 2"/>
+          <p:cNvSpPr>
+            <a:spLocks noGrp="1"/>
+          </p:cNvSpPr>
+          <p:nvPr>
+            <p:ph idx="1"/>
+          </p:nvPr>
+        </p:nvSpPr>
+        <p:spPr/>
+        <p:txBody>
+          <a:bodyPr/>
+          <a:p>
+            <a:r>
+              <a:rPr lang="zh-CN" altLang="en-US"/>
+              <a:t>https://www.electronjs.org/docs/development/build-instructions-windows</a:t>
+            </a:r>
+            <a:endParaRPr lang="zh-CN" altLang="en-US"/>
+          </a:p>
+          <a:p>
+            <a:endParaRPr lang="zh-CN" altLang="en-US"/>
+          </a:p>
+        </p:txBody>
+      </p:sp>
+    </p:spTree>
+    <p:custDataLst>
+      <p:tags r:id="rId1"/>
+    </p:custDataLst>
+  </p:cSld>
+  <p:clrMapOvr>
+    <a:masterClrMapping/>
+  </p:clrMapOvr>
+</p:sld>
+</file>
+
+<file path=ppt/slides/slide8.xml><?xml version="1.0" encoding="utf-8"?>
+<p:sld xmlns:a="http://schemas.openxmlformats.org/drawingml/2006/main" xmlns:r="http://schemas.openxmlformats.org/officeDocument/2006/relationships" xmlns:p="http://schemas.openxmlformats.org/presentationml/2006/main">
+  <p:cSld>
+    <p:spTree>
+      <p:nvGrpSpPr>
+        <p:cNvPr id="1" name=""/>
+        <p:cNvGrpSpPr/>
+        <p:nvPr/>
+      </p:nvGrpSpPr>
+      <p:grpSpPr/>
+      <p:sp>
+        <p:nvSpPr>
+          <p:cNvPr id="2" name="标题 1"/>
+          <p:cNvSpPr>
+            <a:spLocks noGrp="1"/>
+          </p:cNvSpPr>
+          <p:nvPr>
+            <p:ph type="title"/>
+          </p:nvPr>
+        </p:nvSpPr>
+        <p:spPr/>
+        <p:txBody>
+          <a:bodyPr/>
+          <a:p>
+            <a:r>
+              <a:rPr lang="en-US" altLang="zh-CN"/>
+              <a:t>FS</a:t>
+            </a:r>
+            <a:endParaRPr lang="en-US" altLang="zh-CN"/>
+          </a:p>
+        </p:txBody>
+      </p:sp>
+      <p:sp>
+        <p:nvSpPr>
+          <p:cNvPr id="3" name="内容占位符 2"/>
+          <p:cNvSpPr>
+            <a:spLocks noGrp="1"/>
+          </p:cNvSpPr>
+          <p:nvPr>
+            <p:ph idx="1"/>
+          </p:nvPr>
+        </p:nvSpPr>
+        <p:spPr/>
+        <p:txBody>
+          <a:bodyPr/>
+          <a:p>
+            <a:r>
+              <a:rPr lang="en-US" altLang="zh-CN"/>
+              <a:t>require('fs')</a:t>
+            </a:r>
+            <a:endParaRPr lang="en-US" altLang="zh-CN"/>
+          </a:p>
+          <a:p>
+            <a:r>
+              <a:rPr lang="en-US" altLang="zh-CN"/>
+              <a:t>Usage</a:t>
+            </a:r>
+            <a:endParaRPr lang="en-US" altLang="zh-CN"/>
+          </a:p>
+          <a:p>
+            <a:pPr lvl="1"/>
+            <a:r>
+              <a:rPr lang="en-US" altLang="zh-CN"/>
+              <a:t>fs.writeFile(fn, buf, function (err) {</a:t>
+            </a:r>
+            <a:endParaRPr lang="en-US" altLang="zh-CN"/>
+          </a:p>
+          <a:p>
+            <a:pPr lvl="2"/>
+            <a:r>
+              <a:rPr lang="en-US" altLang="zh-CN"/>
+              <a:t>throw(err)</a:t>
+            </a:r>
+            <a:endParaRPr lang="en-US" altLang="zh-CN"/>
+          </a:p>
+          <a:p>
+            <a:pPr lvl="1"/>
+            <a:r>
+              <a:rPr lang="en-US" altLang="zh-CN"/>
+              <a:t>})</a:t>
+            </a:r>
+            <a:endParaRPr lang="en-US" altLang="zh-CN"/>
+          </a:p>
+          <a:p>
+            <a:pPr lvl="1"/>
+            <a:r>
+              <a:rPr lang="en-US" altLang="zh-CN"/>
+              <a:t>fs.readFileSync(fn)</a:t>
+            </a:r>
+            <a:endParaRPr lang="en-US" altLang="zh-CN"/>
+          </a:p>
+        </p:txBody>
+      </p:sp>
+    </p:spTree>
+    <p:custDataLst>
+      <p:tags r:id="rId1"/>
+    </p:custDataLst>
+  </p:cSld>
+  <p:clrMapOvr>
+    <a:masterClrMapping/>
+  </p:clrMapOvr>
+</p:sld>
+</file>
+
+<file path=ppt/slides/slide9.xml><?xml version="1.0" encoding="utf-8"?>
+<p:sld xmlns:a="http://schemas.openxmlformats.org/drawingml/2006/main" xmlns:r="http://schemas.openxmlformats.org/officeDocument/2006/relationships" xmlns:p="http://schemas.openxmlformats.org/presentationml/2006/main">
+  <p:cSld>
+    <p:spTree>
+      <p:nvGrpSpPr>
+        <p:cNvPr id="1" name=""/>
+        <p:cNvGrpSpPr/>
+        <p:nvPr/>
+      </p:nvGrpSpPr>
+      <p:grpSpPr/>
+      <p:sp>
+        <p:nvSpPr>
+          <p:cNvPr id="4" name="标题 3"/>
+          <p:cNvSpPr>
+            <a:spLocks noGrp="1"/>
+          </p:cNvSpPr>
+          <p:nvPr>
+            <p:ph type="title"/>
+          </p:nvPr>
+        </p:nvSpPr>
+        <p:spPr/>
+        <p:txBody>
+          <a:bodyPr/>
+          <a:p>
+            <a:r>
+              <a:rPr lang="en-US" altLang="zh-CN"/>
+              <a:t>Electron-Vue</a:t>
+            </a:r>
+            <a:endParaRPr lang="en-US" altLang="zh-CN"/>
+          </a:p>
+        </p:txBody>
+      </p:sp>
+      <p:sp>
+        <p:nvSpPr>
+          <p:cNvPr id="5" name="文本占位符 4"/>
+          <p:cNvSpPr>
+            <a:spLocks noGrp="1"/>
+          </p:cNvSpPr>
+          <p:nvPr>
+            <p:ph type="body" idx="1"/>
+          </p:nvPr>
+        </p:nvSpPr>
+        <p:spPr/>
+        <p:txBody>
+          <a:bodyPr/>
+          <a:p>
+            <a:endParaRPr lang="zh-CN" altLang="en-US"/>
+          </a:p>
+        </p:txBody>
+      </p:sp>
+    </p:spTree>
+    <p:custDataLst>
+      <p:tags r:id="rId1"/>
+    </p:custDataLst>
+  </p:cSld>
+  <p:clrMapOvr>
+    <a:masterClrMapping/>
+  </p:clrMapOvr>
 </p:sld>
 </file>
 
@@ -4160,6 +7710,156 @@
 
 <file path=ppt/tags/tag11.xml><?xml version="1.0" encoding="utf-8"?>
 <p:tagLst xmlns:p="http://schemas.openxmlformats.org/presentationml/2006/main">
+  <p:tag name="KSO_WM_BEAUTIFY_FLAG" val="#wm#"/>
+  <p:tag name="KSO_WM_TEMPLATE_CATEGORY" val="custom"/>
+  <p:tag name="KSO_WM_TEMPLATE_INDEX" val="160402"/>
+</p:tagLst>
+</file>
+
+<file path=ppt/tags/tag12.xml><?xml version="1.0" encoding="utf-8"?>
+<p:tagLst xmlns:p="http://schemas.openxmlformats.org/presentationml/2006/main">
+  <p:tag name="KSO_WM_BEAUTIFY_FLAG" val="#wm#"/>
+  <p:tag name="KSO_WM_TEMPLATE_CATEGORY" val="custom"/>
+  <p:tag name="KSO_WM_TEMPLATE_INDEX" val="160402"/>
+</p:tagLst>
+</file>
+
+<file path=ppt/tags/tag13.xml><?xml version="1.0" encoding="utf-8"?>
+<p:tagLst xmlns:p="http://schemas.openxmlformats.org/presentationml/2006/main">
+  <p:tag name="KSO_WM_BEAUTIFY_FLAG" val="#wm#"/>
+  <p:tag name="KSO_WM_TEMPLATE_CATEGORY" val="custom"/>
+  <p:tag name="KSO_WM_TEMPLATE_INDEX" val="160402"/>
+</p:tagLst>
+</file>
+
+<file path=ppt/tags/tag14.xml><?xml version="1.0" encoding="utf-8"?>
+<p:tagLst xmlns:p="http://schemas.openxmlformats.org/presentationml/2006/main">
+  <p:tag name="KSO_WM_BEAUTIFY_FLAG" val="#wm#"/>
+  <p:tag name="KSO_WM_TEMPLATE_CATEGORY" val="custom"/>
+  <p:tag name="KSO_WM_TEMPLATE_INDEX" val="160402"/>
+</p:tagLst>
+</file>
+
+<file path=ppt/tags/tag15.xml><?xml version="1.0" encoding="utf-8"?>
+<p:tagLst xmlns:p="http://schemas.openxmlformats.org/presentationml/2006/main">
+  <p:tag name="KSO_WM_BEAUTIFY_FLAG" val="#wm#"/>
+  <p:tag name="KSO_WM_TEMPLATE_CATEGORY" val="custom"/>
+  <p:tag name="KSO_WM_TEMPLATE_INDEX" val="160402"/>
+</p:tagLst>
+</file>
+
+<file path=ppt/tags/tag16.xml><?xml version="1.0" encoding="utf-8"?>
+<p:tagLst xmlns:p="http://schemas.openxmlformats.org/presentationml/2006/main">
+  <p:tag name="KSO_WM_BEAUTIFY_FLAG" val="#wm#"/>
+  <p:tag name="KSO_WM_TEMPLATE_CATEGORY" val="custom"/>
+  <p:tag name="KSO_WM_TEMPLATE_INDEX" val="160402"/>
+</p:tagLst>
+</file>
+
+<file path=ppt/tags/tag17.xml><?xml version="1.0" encoding="utf-8"?>
+<p:tagLst xmlns:p="http://schemas.openxmlformats.org/presentationml/2006/main">
+  <p:tag name="KSO_WM_UNIT_PLACING_PICTURE_USER_VIEWPORT" val="{&quot;height&quot;:7164,&quot;width&quot;:9554}"/>
+</p:tagLst>
+</file>
+
+<file path=ppt/tags/tag18.xml><?xml version="1.0" encoding="utf-8"?>
+<p:tagLst xmlns:p="http://schemas.openxmlformats.org/presentationml/2006/main">
+  <p:tag name="KSO_WM_BEAUTIFY_FLAG" val="#wm#"/>
+  <p:tag name="KSO_WM_TEMPLATE_CATEGORY" val="custom"/>
+  <p:tag name="KSO_WM_TEMPLATE_INDEX" val="160402"/>
+</p:tagLst>
+</file>
+
+<file path=ppt/tags/tag19.xml><?xml version="1.0" encoding="utf-8"?>
+<p:tagLst xmlns:p="http://schemas.openxmlformats.org/presentationml/2006/main">
+  <p:tag name="KSO_WM_BEAUTIFY_FLAG" val="#wm#"/>
+  <p:tag name="KSO_WM_TEMPLATE_CATEGORY" val="custom"/>
+  <p:tag name="KSO_WM_TEMPLATE_INDEX" val="160402"/>
+</p:tagLst>
+</file>
+
+<file path=ppt/tags/tag2.xml><?xml version="1.0" encoding="utf-8"?>
+<p:tagLst xmlns:p="http://schemas.openxmlformats.org/presentationml/2006/main">
+  <p:tag name="KSO_WM_TAG_VERSION" val="1.0"/>
+  <p:tag name="KSO_WM_TEMPLATE_CATEGORY" val="custom"/>
+  <p:tag name="KSO_WM_TEMPLATE_INDEX" val="160402"/>
+</p:tagLst>
+</file>
+
+<file path=ppt/tags/tag20.xml><?xml version="1.0" encoding="utf-8"?>
+<p:tagLst xmlns:p="http://schemas.openxmlformats.org/presentationml/2006/main">
+  <p:tag name="KSO_WM_BEAUTIFY_FLAG" val="#wm#"/>
+  <p:tag name="KSO_WM_TEMPLATE_CATEGORY" val="custom"/>
+  <p:tag name="KSO_WM_TEMPLATE_INDEX" val="160402"/>
+</p:tagLst>
+</file>
+
+<file path=ppt/tags/tag21.xml><?xml version="1.0" encoding="utf-8"?>
+<p:tagLst xmlns:p="http://schemas.openxmlformats.org/presentationml/2006/main">
+  <p:tag name="KSO_WM_BEAUTIFY_FLAG" val="#wm#"/>
+  <p:tag name="KSO_WM_TEMPLATE_CATEGORY" val="custom"/>
+  <p:tag name="KSO_WM_TEMPLATE_INDEX" val="160402"/>
+</p:tagLst>
+</file>
+
+<file path=ppt/tags/tag22.xml><?xml version="1.0" encoding="utf-8"?>
+<p:tagLst xmlns:p="http://schemas.openxmlformats.org/presentationml/2006/main">
+  <p:tag name="KSO_WM_BEAUTIFY_FLAG" val="#wm#"/>
+  <p:tag name="KSO_WM_TEMPLATE_CATEGORY" val="custom"/>
+  <p:tag name="KSO_WM_TEMPLATE_INDEX" val="160402"/>
+</p:tagLst>
+</file>
+
+<file path=ppt/tags/tag23.xml><?xml version="1.0" encoding="utf-8"?>
+<p:tagLst xmlns:p="http://schemas.openxmlformats.org/presentationml/2006/main">
+  <p:tag name="KSO_WM_BEAUTIFY_FLAG" val="#wm#"/>
+  <p:tag name="KSO_WM_TEMPLATE_CATEGORY" val="custom"/>
+  <p:tag name="KSO_WM_TEMPLATE_INDEX" val="160402"/>
+</p:tagLst>
+</file>
+
+<file path=ppt/tags/tag24.xml><?xml version="1.0" encoding="utf-8"?>
+<p:tagLst xmlns:p="http://schemas.openxmlformats.org/presentationml/2006/main">
+  <p:tag name="KSO_WM_BEAUTIFY_FLAG" val="#wm#"/>
+  <p:tag name="KSO_WM_TEMPLATE_CATEGORY" val="custom"/>
+  <p:tag name="KSO_WM_TEMPLATE_INDEX" val="160402"/>
+</p:tagLst>
+</file>
+
+<file path=ppt/tags/tag25.xml><?xml version="1.0" encoding="utf-8"?>
+<p:tagLst xmlns:p="http://schemas.openxmlformats.org/presentationml/2006/main">
+  <p:tag name="KSO_WM_BEAUTIFY_FLAG" val="#wm#"/>
+  <p:tag name="KSO_WM_TEMPLATE_CATEGORY" val="custom"/>
+  <p:tag name="KSO_WM_TEMPLATE_INDEX" val="160402"/>
+</p:tagLst>
+</file>
+
+<file path=ppt/tags/tag26.xml><?xml version="1.0" encoding="utf-8"?>
+<p:tagLst xmlns:p="http://schemas.openxmlformats.org/presentationml/2006/main">
+  <p:tag name="KSO_WM_BEAUTIFY_FLAG" val="#wm#"/>
+  <p:tag name="KSO_WM_TEMPLATE_CATEGORY" val="custom"/>
+  <p:tag name="KSO_WM_TEMPLATE_INDEX" val="160402"/>
+</p:tagLst>
+</file>
+
+<file path=ppt/tags/tag27.xml><?xml version="1.0" encoding="utf-8"?>
+<p:tagLst xmlns:p="http://schemas.openxmlformats.org/presentationml/2006/main">
+  <p:tag name="KSO_WM_BEAUTIFY_FLAG" val="#wm#"/>
+  <p:tag name="KSO_WM_TEMPLATE_CATEGORY" val="custom"/>
+  <p:tag name="KSO_WM_TEMPLATE_INDEX" val="160402"/>
+</p:tagLst>
+</file>
+
+<file path=ppt/tags/tag28.xml><?xml version="1.0" encoding="utf-8"?>
+<p:tagLst xmlns:p="http://schemas.openxmlformats.org/presentationml/2006/main">
+  <p:tag name="KSO_WM_BEAUTIFY_FLAG" val="#wm#"/>
+  <p:tag name="KSO_WM_TEMPLATE_CATEGORY" val="custom"/>
+  <p:tag name="KSO_WM_TEMPLATE_INDEX" val="160402"/>
+</p:tagLst>
+</file>
+
+<file path=ppt/tags/tag29.xml><?xml version="1.0" encoding="utf-8"?>
+<p:tagLst xmlns:p="http://schemas.openxmlformats.org/presentationml/2006/main">
   <p:tag name="KSO_WM_TAG_VERSION" val="1.0"/>
   <p:tag name="KSO_WM_BEAUTIFY_FLAG" val="#wm#"/>
   <p:tag name="KSO_WM_TEMPLATE_CATEGORY" val="custom"/>
@@ -4177,7 +7877,17 @@
 </p:tagLst>
 </file>
 
-<file path=ppt/tags/tag12.xml><?xml version="1.0" encoding="utf-8"?>
+<file path=ppt/tags/tag3.xml><?xml version="1.0" encoding="utf-8"?>
+<p:tagLst xmlns:p="http://schemas.openxmlformats.org/presentationml/2006/main">
+  <p:tag name="KSO_WM_TEMPLATE_THUMBS_INDEX" val="1、9、12、16、19、20、24、27、28"/>
+  <p:tag name="KSO_WM_TEMPLATE_CATEGORY" val="custom"/>
+  <p:tag name="KSO_WM_TEMPLATE_INDEX" val="160402"/>
+  <p:tag name="KSO_WM_TAG_VERSION" val="1.0"/>
+  <p:tag name="KSO_WM_BEAUTIFY_FLAG" val="#wm#"/>
+</p:tagLst>
+</file>
+
+<file path=ppt/tags/tag30.xml><?xml version="1.0" encoding="utf-8"?>
 <p:tagLst xmlns:p="http://schemas.openxmlformats.org/presentationml/2006/main">
   <p:tag name="KSO_WM_TAG_VERSION" val="1.0"/>
   <p:tag name="KSO_WM_BEAUTIFY_FLAG" val="#wm#"/>
@@ -4196,7 +7906,7 @@
 </p:tagLst>
 </file>
 
-<file path=ppt/tags/tag13.xml><?xml version="1.0" encoding="utf-8"?>
+<file path=ppt/tags/tag31.xml><?xml version="1.0" encoding="utf-8"?>
 <p:tagLst xmlns:p="http://schemas.openxmlformats.org/presentationml/2006/main">
   <p:tag name="KSO_WM_TEMPLATE_CATEGORY" val="custom"/>
   <p:tag name="KSO_WM_TEMPLATE_INDEX" val="160402"/>
@@ -4207,24 +7917,6 @@
   <p:tag name="KSO_WM_SLIDE_LAYOUT" val="b_a"/>
   <p:tag name="KSO_WM_SLIDE_LAYOUT_CNT" val="1_1"/>
   <p:tag name="KSO_WM_SLIDE_TYPE" val="endPage"/>
-  <p:tag name="KSO_WM_BEAUTIFY_FLAG" val="#wm#"/>
-</p:tagLst>
-</file>
-
-<file path=ppt/tags/tag2.xml><?xml version="1.0" encoding="utf-8"?>
-<p:tagLst xmlns:p="http://schemas.openxmlformats.org/presentationml/2006/main">
-  <p:tag name="KSO_WM_TAG_VERSION" val="1.0"/>
-  <p:tag name="KSO_WM_TEMPLATE_CATEGORY" val="custom"/>
-  <p:tag name="KSO_WM_TEMPLATE_INDEX" val="160402"/>
-</p:tagLst>
-</file>
-
-<file path=ppt/tags/tag3.xml><?xml version="1.0" encoding="utf-8"?>
-<p:tagLst xmlns:p="http://schemas.openxmlformats.org/presentationml/2006/main">
-  <p:tag name="KSO_WM_TEMPLATE_THUMBS_INDEX" val="1、9、12、16、19、20、24、27、28"/>
-  <p:tag name="KSO_WM_TEMPLATE_CATEGORY" val="custom"/>
-  <p:tag name="KSO_WM_TEMPLATE_INDEX" val="160402"/>
-  <p:tag name="KSO_WM_TAG_VERSION" val="1.0"/>
   <p:tag name="KSO_WM_BEAUTIFY_FLAG" val="#wm#"/>
 </p:tagLst>
 </file>
@@ -4825,4 +8517,263 @@
     </a:ext>
   </a:extLst>
 </a:theme>
+</file>
+
+<file path=ppt/theme/theme3.xml><?xml version="1.0" encoding="utf-8"?>
+<a:theme xmlns:a="http://schemas.openxmlformats.org/drawingml/2006/main" name="Office 主题">
+  <a:themeElements>
+    <a:clrScheme name="Office">
+      <a:dk1>
+        <a:sysClr val="windowText" lastClr="000000"/>
+      </a:dk1>
+      <a:lt1>
+        <a:sysClr val="window" lastClr="FFFFFF"/>
+      </a:lt1>
+      <a:dk2>
+        <a:srgbClr val="44546A"/>
+      </a:dk2>
+      <a:lt2>
+        <a:srgbClr val="E7E6E6"/>
+      </a:lt2>
+      <a:accent1>
+        <a:srgbClr val="5B9BD5"/>
+      </a:accent1>
+      <a:accent2>
+        <a:srgbClr val="ED7D31"/>
+      </a:accent2>
+      <a:accent3>
+        <a:srgbClr val="A5A5A5"/>
+      </a:accent3>
+      <a:accent4>
+        <a:srgbClr val="FFC000"/>
+      </a:accent4>
+      <a:accent5>
+        <a:srgbClr val="4472C4"/>
+      </a:accent5>
+      <a:accent6>
+        <a:srgbClr val="70AD47"/>
+      </a:accent6>
+      <a:hlink>
+        <a:srgbClr val="0563C1"/>
+      </a:hlink>
+      <a:folHlink>
+        <a:srgbClr val="954F72"/>
+      </a:folHlink>
+    </a:clrScheme>
+    <a:fontScheme name="Office">
+      <a:majorFont>
+        <a:latin typeface="Calibri Light"/>
+        <a:ea typeface=""/>
+        <a:cs typeface=""/>
+        <a:font script="Jpan" typeface="ＭＳ Ｐゴシック"/>
+        <a:font script="Hang" typeface="맑은 고딕"/>
+        <a:font script="Hans" typeface="宋体"/>
+        <a:font script="Hant" typeface="新細明體"/>
+        <a:font script="Arab" typeface="Times New Roman"/>
+        <a:font script="Hebr" typeface="Times New Roman"/>
+        <a:font script="Thai" typeface="Angsana New"/>
+        <a:font script="Ethi" typeface="Nyala"/>
+        <a:font script="Beng" typeface="Vrinda"/>
+        <a:font script="Gujr" typeface="Shruti"/>
+        <a:font script="Khmr" typeface="MoolBoran"/>
+        <a:font script="Knda" typeface="Tunga"/>
+        <a:font script="Guru" typeface="Raavi"/>
+        <a:font script="Cans" typeface="Euphemia"/>
+        <a:font script="Cher" typeface="Plantagenet Cherokee"/>
+        <a:font script="Yiii" typeface="Microsoft Yi Baiti"/>
+        <a:font script="Tibt" typeface="Microsoft Himalaya"/>
+        <a:font script="Thaa" typeface="MV Boli"/>
+        <a:font script="Deva" typeface="Mangal"/>
+        <a:font script="Telu" typeface="Gautami"/>
+        <a:font script="Taml" typeface="Latha"/>
+        <a:font script="Syrc" typeface="Estrangelo Edessa"/>
+        <a:font script="Orya" typeface="Kalinga"/>
+        <a:font script="Mlym" typeface="Kartika"/>
+        <a:font script="Laoo" typeface="DokChampa"/>
+        <a:font script="Sinh" typeface="Iskoola Pota"/>
+        <a:font script="Mong" typeface="Mongolian Baiti"/>
+        <a:font script="Viet" typeface="Times New Roman"/>
+        <a:font script="Uigh" typeface="Microsoft Uighur"/>
+        <a:font script="Geor" typeface="Sylfaen"/>
+      </a:majorFont>
+      <a:minorFont>
+        <a:latin typeface="Calibri"/>
+        <a:ea typeface=""/>
+        <a:cs typeface=""/>
+        <a:font script="Jpan" typeface="ＭＳ Ｐゴシック"/>
+        <a:font script="Hang" typeface="맑은 고딕"/>
+        <a:font script="Hans" typeface="宋体"/>
+        <a:font script="Hant" typeface="新細明體"/>
+        <a:font script="Arab" typeface="Arial"/>
+        <a:font script="Hebr" typeface="Arial"/>
+        <a:font script="Thai" typeface="Cordia New"/>
+        <a:font script="Ethi" typeface="Nyala"/>
+        <a:font script="Beng" typeface="Vrinda"/>
+        <a:font script="Gujr" typeface="Shruti"/>
+        <a:font script="Khmr" typeface="DaunPenh"/>
+        <a:font script="Knda" typeface="Tunga"/>
+        <a:font script="Guru" typeface="Raavi"/>
+        <a:font script="Cans" typeface="Euphemia"/>
+        <a:font script="Cher" typeface="Plantagenet Cherokee"/>
+        <a:font script="Yiii" typeface="Microsoft Yi Baiti"/>
+        <a:font script="Tibt" typeface="Microsoft Himalaya"/>
+        <a:font script="Thaa" typeface="MV Boli"/>
+        <a:font script="Deva" typeface="Mangal"/>
+        <a:font script="Telu" typeface="Gautami"/>
+        <a:font script="Taml" typeface="Latha"/>
+        <a:font script="Syrc" typeface="Estrangelo Edessa"/>
+        <a:font script="Orya" typeface="Kalinga"/>
+        <a:font script="Mlym" typeface="Kartika"/>
+        <a:font script="Laoo" typeface="DokChampa"/>
+        <a:font script="Sinh" typeface="Iskoola Pota"/>
+        <a:font script="Mong" typeface="Mongolian Baiti"/>
+        <a:font script="Viet" typeface="Arial"/>
+        <a:font script="Uigh" typeface="Microsoft Uighur"/>
+        <a:font script="Geor" typeface="Sylfaen"/>
+      </a:minorFont>
+    </a:fontScheme>
+    <a:fmtScheme name="Office">
+      <a:fillStyleLst>
+        <a:solidFill>
+          <a:schemeClr val="phClr"/>
+        </a:solidFill>
+        <a:gradFill rotWithShape="1">
+          <a:gsLst>
+            <a:gs pos="0">
+              <a:schemeClr val="phClr">
+                <a:lumMod val="110000"/>
+                <a:satMod val="105000"/>
+                <a:tint val="67000"/>
+              </a:schemeClr>
+            </a:gs>
+            <a:gs pos="50000">
+              <a:schemeClr val="phClr">
+                <a:lumMod val="105000"/>
+                <a:satMod val="103000"/>
+                <a:tint val="73000"/>
+              </a:schemeClr>
+            </a:gs>
+            <a:gs pos="100000">
+              <a:schemeClr val="phClr">
+                <a:lumMod val="105000"/>
+                <a:satMod val="109000"/>
+                <a:tint val="81000"/>
+              </a:schemeClr>
+            </a:gs>
+          </a:gsLst>
+          <a:lin ang="5400000" scaled="0"/>
+        </a:gradFill>
+        <a:gradFill rotWithShape="1">
+          <a:gsLst>
+            <a:gs pos="0">
+              <a:schemeClr val="phClr">
+                <a:satMod val="103000"/>
+                <a:lumMod val="102000"/>
+                <a:tint val="94000"/>
+              </a:schemeClr>
+            </a:gs>
+            <a:gs pos="50000">
+              <a:schemeClr val="phClr">
+                <a:satMod val="110000"/>
+                <a:lumMod val="100000"/>
+                <a:shade val="100000"/>
+              </a:schemeClr>
+            </a:gs>
+            <a:gs pos="100000">
+              <a:schemeClr val="phClr">
+                <a:lumMod val="99000"/>
+                <a:satMod val="120000"/>
+                <a:shade val="78000"/>
+              </a:schemeClr>
+            </a:gs>
+          </a:gsLst>
+          <a:lin ang="5400000" scaled="0"/>
+        </a:gradFill>
+      </a:fillStyleLst>
+      <a:lnStyleLst>
+        <a:ln w="6350" cap="flat" cmpd="sng" algn="ctr">
+          <a:solidFill>
+            <a:schemeClr val="phClr"/>
+          </a:solidFill>
+          <a:prstDash val="solid"/>
+          <a:miter lim="800000"/>
+        </a:ln>
+        <a:ln w="12700" cap="flat" cmpd="sng" algn="ctr">
+          <a:solidFill>
+            <a:schemeClr val="phClr"/>
+          </a:solidFill>
+          <a:prstDash val="solid"/>
+          <a:miter lim="800000"/>
+        </a:ln>
+        <a:ln w="19050" cap="flat" cmpd="sng" algn="ctr">
+          <a:solidFill>
+            <a:schemeClr val="phClr"/>
+          </a:solidFill>
+          <a:prstDash val="solid"/>
+          <a:miter lim="800000"/>
+        </a:ln>
+      </a:lnStyleLst>
+      <a:effectStyleLst>
+        <a:effectStyle>
+          <a:effectLst/>
+        </a:effectStyle>
+        <a:effectStyle>
+          <a:effectLst/>
+        </a:effectStyle>
+        <a:effectStyle>
+          <a:effectLst>
+            <a:outerShdw blurRad="57150" dist="19050" dir="5400000" algn="ctr" rotWithShape="0">
+              <a:srgbClr val="000000">
+                <a:alpha val="63000"/>
+              </a:srgbClr>
+            </a:outerShdw>
+          </a:effectLst>
+        </a:effectStyle>
+      </a:effectStyleLst>
+      <a:bgFillStyleLst>
+        <a:solidFill>
+          <a:schemeClr val="phClr"/>
+        </a:solidFill>
+        <a:solidFill>
+          <a:schemeClr val="phClr">
+            <a:tint val="95000"/>
+            <a:satMod val="170000"/>
+          </a:schemeClr>
+        </a:solidFill>
+        <a:gradFill rotWithShape="1">
+          <a:gsLst>
+            <a:gs pos="0">
+              <a:schemeClr val="phClr">
+                <a:tint val="93000"/>
+                <a:satMod val="150000"/>
+                <a:shade val="98000"/>
+                <a:lumMod val="102000"/>
+              </a:schemeClr>
+            </a:gs>
+            <a:gs pos="50000">
+              <a:schemeClr val="phClr">
+                <a:tint val="98000"/>
+                <a:satMod val="130000"/>
+                <a:shade val="90000"/>
+                <a:lumMod val="103000"/>
+              </a:schemeClr>
+            </a:gs>
+            <a:gs pos="100000">
+              <a:schemeClr val="phClr">
+                <a:shade val="63000"/>
+                <a:satMod val="120000"/>
+              </a:schemeClr>
+            </a:gs>
+          </a:gsLst>
+          <a:lin ang="5400000" scaled="0"/>
+        </a:gradFill>
+      </a:bgFillStyleLst>
+    </a:fmtScheme>
+  </a:themeElements>
+  <a:extLst>
+    <a:ext uri="{05A4C25C-085E-4340-85A3-A5531E510DB2}">
+      <thm15:themeFamily xmlns:thm15="http://schemas.microsoft.com/office/thememl/2012/main" name="Office Theme" id="{62F939B6-93AF-4DB8-9C6B-D6C7DFDC589F}" vid="{4A3C46E8-61CC-4603-A589-7422A47A8E4A}"/>
+    </a:ext>
+  </a:extLst>
+</a:theme>
 </file>
--- a/Web/Electron-Notes.pptx
+++ b/Web/Electron-Notes.pptx
@@ -5,10 +5,10 @@
     <p:sldMasterId id="2147483648" r:id="rId1"/>
   </p:sldMasterIdLst>
   <p:notesMasterIdLst>
-    <p:notesMasterId r:id="rId26"/>
+    <p:notesMasterId r:id="rId27"/>
   </p:notesMasterIdLst>
   <p:handoutMasterIdLst>
-    <p:handoutMasterId r:id="rId27"/>
+    <p:handoutMasterId r:id="rId28"/>
   </p:handoutMasterIdLst>
   <p:sldIdLst>
     <p:sldId id="256" r:id="rId3"/>
@@ -18,22 +18,23 @@
     <p:sldId id="265" r:id="rId7"/>
     <p:sldId id="267" r:id="rId8"/>
     <p:sldId id="296" r:id="rId9"/>
-    <p:sldId id="298" r:id="rId10"/>
-    <p:sldId id="269" r:id="rId11"/>
-    <p:sldId id="268" r:id="rId12"/>
-    <p:sldId id="284" r:id="rId13"/>
-    <p:sldId id="270" r:id="rId14"/>
-    <p:sldId id="272" r:id="rId15"/>
-    <p:sldId id="273" r:id="rId16"/>
-    <p:sldId id="274" r:id="rId17"/>
-    <p:sldId id="278" r:id="rId18"/>
-    <p:sldId id="276" r:id="rId19"/>
-    <p:sldId id="279" r:id="rId20"/>
-    <p:sldId id="271" r:id="rId21"/>
-    <p:sldId id="283" r:id="rId22"/>
-    <p:sldId id="295" r:id="rId23"/>
-    <p:sldId id="297" r:id="rId24"/>
-    <p:sldId id="261" r:id="rId25"/>
+    <p:sldId id="314" r:id="rId10"/>
+    <p:sldId id="298" r:id="rId11"/>
+    <p:sldId id="269" r:id="rId12"/>
+    <p:sldId id="268" r:id="rId13"/>
+    <p:sldId id="284" r:id="rId14"/>
+    <p:sldId id="270" r:id="rId15"/>
+    <p:sldId id="272" r:id="rId16"/>
+    <p:sldId id="273" r:id="rId17"/>
+    <p:sldId id="274" r:id="rId18"/>
+    <p:sldId id="278" r:id="rId19"/>
+    <p:sldId id="276" r:id="rId20"/>
+    <p:sldId id="279" r:id="rId21"/>
+    <p:sldId id="271" r:id="rId22"/>
+    <p:sldId id="283" r:id="rId23"/>
+    <p:sldId id="295" r:id="rId24"/>
+    <p:sldId id="297" r:id="rId25"/>
+    <p:sldId id="261" r:id="rId26"/>
   </p:sldIdLst>
   <p:sldSz cx="12192000" cy="6858000"/>
   <p:notesSz cx="6858000" cy="9144000"/>
@@ -3742,7 +3743,7 @@
             <a:pPr algn="ctr"/>
             <a:r>
               <a:rPr lang="en-US" altLang="zh-CN" smtClean="0"/>
-              <a:t>Last updated: 10/5/2020</a:t>
+              <a:t>Last updated: 1/4/2021</a:t>
             </a:r>
             <a:endParaRPr lang="en-US" altLang="zh-CN" smtClean="0"/>
           </a:p>
@@ -3760,6 +3761,67 @@
 </file>
 
 <file path=ppt/slides/slide10.xml><?xml version="1.0" encoding="utf-8"?>
+<p:sld xmlns:a="http://schemas.openxmlformats.org/drawingml/2006/main" xmlns:r="http://schemas.openxmlformats.org/officeDocument/2006/relationships" xmlns:p="http://schemas.openxmlformats.org/presentationml/2006/main">
+  <p:cSld>
+    <p:spTree>
+      <p:nvGrpSpPr>
+        <p:cNvPr id="1" name=""/>
+        <p:cNvGrpSpPr/>
+        <p:nvPr/>
+      </p:nvGrpSpPr>
+      <p:grpSpPr/>
+      <p:sp>
+        <p:nvSpPr>
+          <p:cNvPr id="4" name="标题 3"/>
+          <p:cNvSpPr>
+            <a:spLocks noGrp="1"/>
+          </p:cNvSpPr>
+          <p:nvPr>
+            <p:ph type="title"/>
+          </p:nvPr>
+        </p:nvSpPr>
+        <p:spPr/>
+        <p:txBody>
+          <a:bodyPr/>
+          <a:p>
+            <a:r>
+              <a:rPr lang="en-US" altLang="zh-CN"/>
+              <a:t>Electron-Vue</a:t>
+            </a:r>
+            <a:endParaRPr lang="en-US" altLang="zh-CN"/>
+          </a:p>
+        </p:txBody>
+      </p:sp>
+      <p:sp>
+        <p:nvSpPr>
+          <p:cNvPr id="5" name="文本占位符 4"/>
+          <p:cNvSpPr>
+            <a:spLocks noGrp="1"/>
+          </p:cNvSpPr>
+          <p:nvPr>
+            <p:ph type="body" idx="1"/>
+          </p:nvPr>
+        </p:nvSpPr>
+        <p:spPr/>
+        <p:txBody>
+          <a:bodyPr/>
+          <a:p>
+            <a:endParaRPr lang="zh-CN" altLang="en-US"/>
+          </a:p>
+        </p:txBody>
+      </p:sp>
+    </p:spTree>
+    <p:custDataLst>
+      <p:tags r:id="rId1"/>
+    </p:custDataLst>
+  </p:cSld>
+  <p:clrMapOvr>
+    <a:masterClrMapping/>
+  </p:clrMapOvr>
+</p:sld>
+</file>
+
+<file path=ppt/slides/slide11.xml><?xml version="1.0" encoding="utf-8"?>
 <p:sld xmlns:a="http://schemas.openxmlformats.org/drawingml/2006/main" xmlns:r="http://schemas.openxmlformats.org/officeDocument/2006/relationships" xmlns:p="http://schemas.openxmlformats.org/presentationml/2006/main">
   <p:cSld>
     <p:spTree>
@@ -4305,7 +4367,7 @@
 </p:sld>
 </file>
 
-<file path=ppt/slides/slide11.xml><?xml version="1.0" encoding="utf-8"?>
+<file path=ppt/slides/slide12.xml><?xml version="1.0" encoding="utf-8"?>
 <p:sld xmlns:a="http://schemas.openxmlformats.org/drawingml/2006/main" xmlns:r="http://schemas.openxmlformats.org/officeDocument/2006/relationships" xmlns:p="http://schemas.openxmlformats.org/presentationml/2006/main">
   <p:cSld>
     <p:spTree>
@@ -4402,7 +4464,7 @@
 </p:sld>
 </file>
 
-<file path=ppt/slides/slide12.xml><?xml version="1.0" encoding="utf-8"?>
+<file path=ppt/slides/slide13.xml><?xml version="1.0" encoding="utf-8"?>
 <p:sld xmlns:a="http://schemas.openxmlformats.org/drawingml/2006/main" xmlns:r="http://schemas.openxmlformats.org/officeDocument/2006/relationships" xmlns:p="http://schemas.openxmlformats.org/presentationml/2006/main">
   <p:cSld>
     <p:spTree>
@@ -4474,177 +4536,6 @@
 </p:sld>
 </file>
 
-<file path=ppt/slides/slide13.xml><?xml version="1.0" encoding="utf-8"?>
-<p:sld xmlns:a="http://schemas.openxmlformats.org/drawingml/2006/main" xmlns:r="http://schemas.openxmlformats.org/officeDocument/2006/relationships" xmlns:p="http://schemas.openxmlformats.org/presentationml/2006/main">
-  <p:cSld>
-    <p:spTree>
-      <p:nvGrpSpPr>
-        <p:cNvPr id="1" name=""/>
-        <p:cNvGrpSpPr/>
-        <p:nvPr/>
-      </p:nvGrpSpPr>
-      <p:grpSpPr/>
-      <p:sp>
-        <p:nvSpPr>
-          <p:cNvPr id="2" name="标题 1"/>
-          <p:cNvSpPr>
-            <a:spLocks noGrp="1"/>
-          </p:cNvSpPr>
-          <p:nvPr>
-            <p:ph type="title"/>
-          </p:nvPr>
-        </p:nvSpPr>
-        <p:spPr/>
-        <p:txBody>
-          <a:bodyPr/>
-          <a:p>
-            <a:r>
-              <a:rPr lang="en-US" altLang="zh-CN"/>
-              <a:t>app</a:t>
-            </a:r>
-            <a:endParaRPr lang="en-US" altLang="zh-CN"/>
-          </a:p>
-        </p:txBody>
-      </p:sp>
-      <p:sp>
-        <p:nvSpPr>
-          <p:cNvPr id="3" name="内容占位符 2"/>
-          <p:cNvSpPr>
-            <a:spLocks noGrp="1"/>
-          </p:cNvSpPr>
-          <p:nvPr>
-            <p:ph idx="1"/>
-          </p:nvPr>
-        </p:nvSpPr>
-        <p:spPr/>
-        <p:txBody>
-          <a:bodyPr>
-            <a:normAutofit lnSpcReduction="10000"/>
-          </a:bodyPr>
-          <a:p>
-            <a:r>
-              <a:rPr lang="en-US" altLang="zh-CN"/>
-              <a:t>Hooks</a:t>
-            </a:r>
-            <a:endParaRPr lang="en-US" altLang="zh-CN"/>
-          </a:p>
-          <a:p>
-            <a:pPr lvl="1"/>
-            <a:r>
-              <a:rPr lang="en-US" altLang="zh-CN"/>
-              <a:t>will-finish-launching</a:t>
-            </a:r>
-            <a:endParaRPr lang="en-US" altLang="zh-CN"/>
-          </a:p>
-          <a:p>
-            <a:pPr lvl="1"/>
-            <a:r>
-              <a:rPr lang="en-US" altLang="zh-CN"/>
-              <a:t>ready</a:t>
-            </a:r>
-            <a:endParaRPr lang="en-US" altLang="zh-CN"/>
-          </a:p>
-          <a:p>
-            <a:pPr lvl="1"/>
-            <a:r>
-              <a:rPr lang="en-US" altLang="zh-CN"/>
-              <a:t>window-all-closed</a:t>
-            </a:r>
-            <a:endParaRPr lang="en-US" altLang="zh-CN"/>
-          </a:p>
-          <a:p>
-            <a:pPr lvl="1"/>
-            <a:r>
-              <a:rPr lang="en-US" altLang="zh-CN"/>
-              <a:t>before-quit</a:t>
-            </a:r>
-            <a:endParaRPr lang="en-US" altLang="zh-CN"/>
-          </a:p>
-          <a:p>
-            <a:pPr lvl="1"/>
-            <a:r>
-              <a:rPr lang="en-US" altLang="zh-CN"/>
-              <a:t>will-quit</a:t>
-            </a:r>
-            <a:endParaRPr lang="en-US" altLang="zh-CN"/>
-          </a:p>
-          <a:p>
-            <a:pPr lvl="1"/>
-            <a:r>
-              <a:rPr lang="en-US" altLang="zh-CN"/>
-              <a:t>quit</a:t>
-            </a:r>
-            <a:endParaRPr lang="en-US" altLang="zh-CN"/>
-          </a:p>
-          <a:p>
-            <a:pPr lvl="1"/>
-            <a:r>
-              <a:rPr lang="en-US" altLang="zh-CN"/>
-              <a:t>active</a:t>
-            </a:r>
-            <a:endParaRPr lang="en-US" altLang="zh-CN"/>
-          </a:p>
-          <a:p>
-            <a:pPr lvl="1"/>
-            <a:r>
-              <a:rPr lang="en-US" altLang="zh-CN"/>
-              <a:t>browser-window-created</a:t>
-            </a:r>
-            <a:endParaRPr lang="en-US" altLang="zh-CN"/>
-          </a:p>
-          <a:p>
-            <a:pPr lvl="1"/>
-            <a:r>
-              <a:rPr lang="en-US" altLang="zh-CN"/>
-              <a:t>browser-window-focus</a:t>
-            </a:r>
-            <a:endParaRPr lang="en-US" altLang="zh-CN"/>
-          </a:p>
-          <a:p>
-            <a:pPr lvl="0"/>
-            <a:r>
-              <a:rPr lang="en-US" altLang="zh-CN"/>
-              <a:t>Methods</a:t>
-            </a:r>
-            <a:endParaRPr lang="en-US" altLang="zh-CN"/>
-          </a:p>
-          <a:p>
-            <a:pPr lvl="1"/>
-            <a:r>
-              <a:rPr lang="en-US" altLang="zh-CN"/>
-              <a:t>quit()</a:t>
-            </a:r>
-            <a:endParaRPr lang="en-US" altLang="zh-CN"/>
-          </a:p>
-          <a:p>
-            <a:pPr lvl="1"/>
-            <a:r>
-              <a:rPr lang="en-US" altLang="zh-CN"/>
-              <a:t>getPath(name)</a:t>
-            </a:r>
-            <a:endParaRPr lang="en-US" altLang="zh-CN"/>
-          </a:p>
-          <a:p>
-            <a:pPr lvl="1"/>
-            <a:r>
-              <a:rPr lang="en-US" altLang="zh-CN"/>
-              <a:t>focus()</a:t>
-            </a:r>
-            <a:endParaRPr lang="en-US" altLang="zh-CN"/>
-          </a:p>
-        </p:txBody>
-      </p:sp>
-    </p:spTree>
-    <p:custDataLst>
-      <p:tags r:id="rId1"/>
-    </p:custDataLst>
-  </p:cSld>
-  <p:clrMapOvr>
-    <a:masterClrMapping/>
-  </p:clrMapOvr>
-</p:sld>
-</file>
-
 <file path=ppt/slides/slide14.xml><?xml version="1.0" encoding="utf-8"?>
 <p:sld xmlns:a="http://schemas.openxmlformats.org/drawingml/2006/main" xmlns:r="http://schemas.openxmlformats.org/officeDocument/2006/relationships" xmlns:p="http://schemas.openxmlformats.org/presentationml/2006/main">
   <p:cSld>
@@ -4671,7 +4562,7 @@
           <a:p>
             <a:r>
               <a:rPr lang="en-US" altLang="zh-CN"/>
-              <a:t>BrowserWindow</a:t>
+              <a:t>app</a:t>
             </a:r>
             <a:endParaRPr lang="en-US" altLang="zh-CN"/>
           </a:p>
@@ -4689,7 +4580,9 @@
         </p:nvSpPr>
         <p:spPr/>
         <p:txBody>
-          <a:bodyPr/>
+          <a:bodyPr>
+            <a:normAutofit lnSpcReduction="10000"/>
+          </a:bodyPr>
           <a:p>
             <a:r>
               <a:rPr lang="en-US" altLang="zh-CN"/>
@@ -4701,31 +4594,71 @@
             <a:pPr lvl="1"/>
             <a:r>
               <a:rPr lang="en-US" altLang="zh-CN"/>
-              <a:t>closed</a:t>
-            </a:r>
-            <a:endParaRPr lang="en-US" altLang="zh-CN"/>
-          </a:p>
-          <a:p>
-            <a:pPr lvl="1"/>
-            <a:r>
-              <a:rPr lang="en-US" altLang="zh-CN"/>
-              <a:t>focus</a:t>
-            </a:r>
-            <a:endParaRPr lang="en-US" altLang="zh-CN"/>
-          </a:p>
-          <a:p>
-            <a:pPr lvl="1"/>
-            <a:r>
-              <a:rPr lang="en-US" altLang="zh-CN"/>
-              <a:t>show, hide</a:t>
-            </a:r>
-            <a:endParaRPr lang="en-US" altLang="zh-CN"/>
-          </a:p>
-          <a:p>
-            <a:pPr lvl="1"/>
-            <a:r>
-              <a:rPr lang="en-US" altLang="zh-CN"/>
-              <a:t>maximize, minimize</a:t>
+              <a:t>will-finish-launching</a:t>
+            </a:r>
+            <a:endParaRPr lang="en-US" altLang="zh-CN"/>
+          </a:p>
+          <a:p>
+            <a:pPr lvl="1"/>
+            <a:r>
+              <a:rPr lang="en-US" altLang="zh-CN"/>
+              <a:t>ready</a:t>
+            </a:r>
+            <a:endParaRPr lang="en-US" altLang="zh-CN"/>
+          </a:p>
+          <a:p>
+            <a:pPr lvl="1"/>
+            <a:r>
+              <a:rPr lang="en-US" altLang="zh-CN"/>
+              <a:t>window-all-closed</a:t>
+            </a:r>
+            <a:endParaRPr lang="en-US" altLang="zh-CN"/>
+          </a:p>
+          <a:p>
+            <a:pPr lvl="1"/>
+            <a:r>
+              <a:rPr lang="en-US" altLang="zh-CN"/>
+              <a:t>before-quit</a:t>
+            </a:r>
+            <a:endParaRPr lang="en-US" altLang="zh-CN"/>
+          </a:p>
+          <a:p>
+            <a:pPr lvl="1"/>
+            <a:r>
+              <a:rPr lang="en-US" altLang="zh-CN"/>
+              <a:t>will-quit</a:t>
+            </a:r>
+            <a:endParaRPr lang="en-US" altLang="zh-CN"/>
+          </a:p>
+          <a:p>
+            <a:pPr lvl="1"/>
+            <a:r>
+              <a:rPr lang="en-US" altLang="zh-CN"/>
+              <a:t>quit</a:t>
+            </a:r>
+            <a:endParaRPr lang="en-US" altLang="zh-CN"/>
+          </a:p>
+          <a:p>
+            <a:pPr lvl="1"/>
+            <a:r>
+              <a:rPr lang="en-US" altLang="zh-CN"/>
+              <a:t>active</a:t>
+            </a:r>
+            <a:endParaRPr lang="en-US" altLang="zh-CN"/>
+          </a:p>
+          <a:p>
+            <a:pPr lvl="1"/>
+            <a:r>
+              <a:rPr lang="en-US" altLang="zh-CN"/>
+              <a:t>browser-window-created</a:t>
+            </a:r>
+            <a:endParaRPr lang="en-US" altLang="zh-CN"/>
+          </a:p>
+          <a:p>
+            <a:pPr lvl="1"/>
+            <a:r>
+              <a:rPr lang="en-US" altLang="zh-CN"/>
+              <a:t>browser-window-focus</a:t>
             </a:r>
             <a:endParaRPr lang="en-US" altLang="zh-CN"/>
           </a:p>
@@ -4741,15 +4674,15 @@
             <a:pPr lvl="1"/>
             <a:r>
               <a:rPr lang="en-US" altLang="zh-CN"/>
-              <a:t>getFocusedWindow()</a:t>
-            </a:r>
-            <a:endParaRPr lang="en-US" altLang="zh-CN"/>
-          </a:p>
-          <a:p>
-            <a:pPr lvl="1"/>
-            <a:r>
-              <a:rPr lang="en-US" altLang="zh-CN"/>
-              <a:t>close()</a:t>
+              <a:t>quit()</a:t>
+            </a:r>
+            <a:endParaRPr lang="en-US" altLang="zh-CN"/>
+          </a:p>
+          <a:p>
+            <a:pPr lvl="1"/>
+            <a:r>
+              <a:rPr lang="en-US" altLang="zh-CN"/>
+              <a:t>getPath(name)</a:t>
             </a:r>
             <a:endParaRPr lang="en-US" altLang="zh-CN"/>
           </a:p>
@@ -4758,22 +4691,6 @@
             <a:r>
               <a:rPr lang="en-US" altLang="zh-CN"/>
               <a:t>focus()</a:t>
-            </a:r>
-            <a:endParaRPr lang="en-US" altLang="zh-CN"/>
-          </a:p>
-          <a:p>
-            <a:pPr lvl="1"/>
-            <a:r>
-              <a:rPr lang="en-US" altLang="zh-CN"/>
-              <a:t>show(), hide()</a:t>
-            </a:r>
-            <a:endParaRPr lang="en-US" altLang="zh-CN"/>
-          </a:p>
-          <a:p>
-            <a:pPr lvl="1"/>
-            <a:r>
-              <a:rPr lang="en-US" altLang="zh-CN"/>
-              <a:t>maximize(), minimize(), restore()</a:t>
             </a:r>
             <a:endParaRPr lang="en-US" altLang="zh-CN"/>
           </a:p>
@@ -4816,7 +4733,7 @@
           <a:p>
             <a:r>
               <a:rPr lang="en-US" altLang="zh-CN"/>
-              <a:t>remote Module</a:t>
+              <a:t>BrowserWindow</a:t>
             </a:r>
             <a:endParaRPr lang="en-US" altLang="zh-CN"/>
           </a:p>
@@ -4838,15 +4755,39 @@
           <a:p>
             <a:r>
               <a:rPr lang="en-US" altLang="zh-CN"/>
-              <a:t>shell</a:t>
-            </a:r>
-            <a:endParaRPr lang="en-US" altLang="zh-CN"/>
-          </a:p>
-          <a:p>
-            <a:pPr lvl="1"/>
-            <a:r>
-              <a:rPr lang="en-US" altLang="zh-CN"/>
-              <a:t>this.$electron.remote.shell.openExternal('url')</a:t>
+              <a:t>Hooks</a:t>
+            </a:r>
+            <a:endParaRPr lang="en-US" altLang="zh-CN"/>
+          </a:p>
+          <a:p>
+            <a:pPr lvl="1"/>
+            <a:r>
+              <a:rPr lang="en-US" altLang="zh-CN"/>
+              <a:t>closed</a:t>
+            </a:r>
+            <a:endParaRPr lang="en-US" altLang="zh-CN"/>
+          </a:p>
+          <a:p>
+            <a:pPr lvl="1"/>
+            <a:r>
+              <a:rPr lang="en-US" altLang="zh-CN"/>
+              <a:t>focus</a:t>
+            </a:r>
+            <a:endParaRPr lang="en-US" altLang="zh-CN"/>
+          </a:p>
+          <a:p>
+            <a:pPr lvl="1"/>
+            <a:r>
+              <a:rPr lang="en-US" altLang="zh-CN"/>
+              <a:t>show, hide</a:t>
+            </a:r>
+            <a:endParaRPr lang="en-US" altLang="zh-CN"/>
+          </a:p>
+          <a:p>
+            <a:pPr lvl="1"/>
+            <a:r>
+              <a:rPr lang="en-US" altLang="zh-CN"/>
+              <a:t>maximize, minimize</a:t>
             </a:r>
             <a:endParaRPr lang="en-US" altLang="zh-CN"/>
           </a:p>
@@ -4854,47 +4795,47 @@
             <a:pPr lvl="0"/>
             <a:r>
               <a:rPr lang="en-US" altLang="zh-CN"/>
-              <a:t>dialog</a:t>
-            </a:r>
-            <a:endParaRPr lang="en-US" altLang="zh-CN"/>
-          </a:p>
-          <a:p>
-            <a:pPr lvl="1"/>
-            <a:r>
-              <a:rPr lang="en-US" altLang="zh-CN"/>
-              <a:t>this.$electron.remote.dialog.showMessageBox({</a:t>
-            </a:r>
-            <a:endParaRPr lang="en-US" altLang="zh-CN"/>
-          </a:p>
-          <a:p>
-            <a:pPr lvl="2"/>
-            <a:r>
-              <a:rPr lang="en-US" altLang="zh-CN"/>
-              <a:t>title: 'title',</a:t>
-            </a:r>
-            <a:endParaRPr lang="en-US" altLang="zh-CN"/>
-          </a:p>
-          <a:p>
-            <a:pPr lvl="2"/>
-            <a:r>
-              <a:rPr lang="en-US" altLang="zh-CN"/>
-              <a:t>message: 'message',</a:t>
-            </a:r>
-            <a:endParaRPr lang="en-US" altLang="zh-CN"/>
-          </a:p>
-          <a:p>
-            <a:pPr lvl="2"/>
-            <a:r>
-              <a:rPr lang="en-US" altLang="zh-CN"/>
-              <a:t>detail: 'detail',</a:t>
-            </a:r>
-            <a:endParaRPr lang="en-US" altLang="zh-CN"/>
-          </a:p>
-          <a:p>
-            <a:pPr lvl="1"/>
-            <a:r>
-              <a:rPr lang="en-US" altLang="zh-CN"/>
-              <a:t>})</a:t>
+              <a:t>Methods</a:t>
+            </a:r>
+            <a:endParaRPr lang="en-US" altLang="zh-CN"/>
+          </a:p>
+          <a:p>
+            <a:pPr lvl="1"/>
+            <a:r>
+              <a:rPr lang="en-US" altLang="zh-CN"/>
+              <a:t>getFocusedWindow()</a:t>
+            </a:r>
+            <a:endParaRPr lang="en-US" altLang="zh-CN"/>
+          </a:p>
+          <a:p>
+            <a:pPr lvl="1"/>
+            <a:r>
+              <a:rPr lang="en-US" altLang="zh-CN"/>
+              <a:t>close()</a:t>
+            </a:r>
+            <a:endParaRPr lang="en-US" altLang="zh-CN"/>
+          </a:p>
+          <a:p>
+            <a:pPr lvl="1"/>
+            <a:r>
+              <a:rPr lang="en-US" altLang="zh-CN"/>
+              <a:t>focus()</a:t>
+            </a:r>
+            <a:endParaRPr lang="en-US" altLang="zh-CN"/>
+          </a:p>
+          <a:p>
+            <a:pPr lvl="1"/>
+            <a:r>
+              <a:rPr lang="en-US" altLang="zh-CN"/>
+              <a:t>show(), hide()</a:t>
+            </a:r>
+            <a:endParaRPr lang="en-US" altLang="zh-CN"/>
+          </a:p>
+          <a:p>
+            <a:pPr lvl="1"/>
+            <a:r>
+              <a:rPr lang="en-US" altLang="zh-CN"/>
+              <a:t>maximize(), minimize(), restore()</a:t>
             </a:r>
             <a:endParaRPr lang="en-US" altLang="zh-CN"/>
           </a:p>
@@ -4937,6 +4878,127 @@
           <a:p>
             <a:r>
               <a:rPr lang="en-US" altLang="zh-CN"/>
+              <a:t>remote Module</a:t>
+            </a:r>
+            <a:endParaRPr lang="en-US" altLang="zh-CN"/>
+          </a:p>
+        </p:txBody>
+      </p:sp>
+      <p:sp>
+        <p:nvSpPr>
+          <p:cNvPr id="3" name="内容占位符 2"/>
+          <p:cNvSpPr>
+            <a:spLocks noGrp="1"/>
+          </p:cNvSpPr>
+          <p:nvPr>
+            <p:ph idx="1"/>
+          </p:nvPr>
+        </p:nvSpPr>
+        <p:spPr/>
+        <p:txBody>
+          <a:bodyPr/>
+          <a:p>
+            <a:r>
+              <a:rPr lang="en-US" altLang="zh-CN"/>
+              <a:t>shell</a:t>
+            </a:r>
+            <a:endParaRPr lang="en-US" altLang="zh-CN"/>
+          </a:p>
+          <a:p>
+            <a:pPr lvl="1"/>
+            <a:r>
+              <a:rPr lang="en-US" altLang="zh-CN"/>
+              <a:t>this.$electron.remote.shell.openExternal('url')</a:t>
+            </a:r>
+            <a:endParaRPr lang="en-US" altLang="zh-CN"/>
+          </a:p>
+          <a:p>
+            <a:pPr lvl="0"/>
+            <a:r>
+              <a:rPr lang="en-US" altLang="zh-CN"/>
+              <a:t>dialog</a:t>
+            </a:r>
+            <a:endParaRPr lang="en-US" altLang="zh-CN"/>
+          </a:p>
+          <a:p>
+            <a:pPr lvl="1"/>
+            <a:r>
+              <a:rPr lang="en-US" altLang="zh-CN"/>
+              <a:t>this.$electron.remote.dialog.showMessageBox({</a:t>
+            </a:r>
+            <a:endParaRPr lang="en-US" altLang="zh-CN"/>
+          </a:p>
+          <a:p>
+            <a:pPr lvl="2"/>
+            <a:r>
+              <a:rPr lang="en-US" altLang="zh-CN"/>
+              <a:t>title: 'title',</a:t>
+            </a:r>
+            <a:endParaRPr lang="en-US" altLang="zh-CN"/>
+          </a:p>
+          <a:p>
+            <a:pPr lvl="2"/>
+            <a:r>
+              <a:rPr lang="en-US" altLang="zh-CN"/>
+              <a:t>message: 'message',</a:t>
+            </a:r>
+            <a:endParaRPr lang="en-US" altLang="zh-CN"/>
+          </a:p>
+          <a:p>
+            <a:pPr lvl="2"/>
+            <a:r>
+              <a:rPr lang="en-US" altLang="zh-CN"/>
+              <a:t>detail: 'detail',</a:t>
+            </a:r>
+            <a:endParaRPr lang="en-US" altLang="zh-CN"/>
+          </a:p>
+          <a:p>
+            <a:pPr lvl="1"/>
+            <a:r>
+              <a:rPr lang="en-US" altLang="zh-CN"/>
+              <a:t>})</a:t>
+            </a:r>
+            <a:endParaRPr lang="en-US" altLang="zh-CN"/>
+          </a:p>
+        </p:txBody>
+      </p:sp>
+    </p:spTree>
+    <p:custDataLst>
+      <p:tags r:id="rId1"/>
+    </p:custDataLst>
+  </p:cSld>
+  <p:clrMapOvr>
+    <a:masterClrMapping/>
+  </p:clrMapOvr>
+</p:sld>
+</file>
+
+<file path=ppt/slides/slide17.xml><?xml version="1.0" encoding="utf-8"?>
+<p:sld xmlns:a="http://schemas.openxmlformats.org/drawingml/2006/main" xmlns:r="http://schemas.openxmlformats.org/officeDocument/2006/relationships" xmlns:p="http://schemas.openxmlformats.org/presentationml/2006/main">
+  <p:cSld>
+    <p:spTree>
+      <p:nvGrpSpPr>
+        <p:cNvPr id="1" name=""/>
+        <p:cNvGrpSpPr/>
+        <p:nvPr/>
+      </p:nvGrpSpPr>
+      <p:grpSpPr/>
+      <p:sp>
+        <p:nvSpPr>
+          <p:cNvPr id="2" name="标题 1"/>
+          <p:cNvSpPr>
+            <a:spLocks noGrp="1"/>
+          </p:cNvSpPr>
+          <p:nvPr>
+            <p:ph type="title"/>
+          </p:nvPr>
+        </p:nvSpPr>
+        <p:spPr/>
+        <p:txBody>
+          <a:bodyPr/>
+          <a:p>
+            <a:r>
+              <a:rPr lang="en-US" altLang="zh-CN"/>
               <a:t>Call Function in C++ DLL</a:t>
             </a:r>
             <a:endParaRPr lang="en-US" altLang="zh-CN"/>
@@ -5235,7 +5297,7 @@
 </p:sld>
 </file>
 
-<file path=ppt/slides/slide17.xml><?xml version="1.0" encoding="utf-8"?>
+<file path=ppt/slides/slide18.xml><?xml version="1.0" encoding="utf-8"?>
 <p:sld xmlns:a="http://schemas.openxmlformats.org/drawingml/2006/main" xmlns:r="http://schemas.openxmlformats.org/officeDocument/2006/relationships" xmlns:p="http://schemas.openxmlformats.org/presentationml/2006/main">
   <p:cSld>
     <p:spTree>
@@ -5333,7 +5395,7 @@
 </p:sld>
 </file>
 
-<file path=ppt/slides/slide18.xml><?xml version="1.0" encoding="utf-8"?>
+<file path=ppt/slides/slide19.xml><?xml version="1.0" encoding="utf-8"?>
 <p:sld xmlns:a="http://schemas.openxmlformats.org/drawingml/2006/main" xmlns:r="http://schemas.openxmlformats.org/officeDocument/2006/relationships" xmlns:p="http://schemas.openxmlformats.org/presentationml/2006/main">
   <p:cSld>
     <p:spTree>
@@ -5404,281 +5466,6 @@
 </p:sld>
 </file>
 
-<file path=ppt/slides/slide19.xml><?xml version="1.0" encoding="utf-8"?>
-<p:sld xmlns:a="http://schemas.openxmlformats.org/drawingml/2006/main" xmlns:r="http://schemas.openxmlformats.org/officeDocument/2006/relationships" xmlns:p="http://schemas.openxmlformats.org/presentationml/2006/main">
-  <p:cSld>
-    <p:spTree>
-      <p:nvGrpSpPr>
-        <p:cNvPr id="1" name=""/>
-        <p:cNvGrpSpPr/>
-        <p:nvPr/>
-      </p:nvGrpSpPr>
-      <p:grpSpPr/>
-      <p:sp>
-        <p:nvSpPr>
-          <p:cNvPr id="2" name="标题 1"/>
-          <p:cNvSpPr>
-            <a:spLocks noGrp="1"/>
-          </p:cNvSpPr>
-          <p:nvPr>
-            <p:ph type="title"/>
-          </p:nvPr>
-        </p:nvSpPr>
-        <p:spPr/>
-        <p:txBody>
-          <a:bodyPr/>
-          <a:p>
-            <a:r>
-              <a:rPr lang="en-US" altLang="zh-CN"/>
-              <a:t>FAQ 1</a:t>
-            </a:r>
-            <a:endParaRPr lang="en-US" altLang="zh-CN"/>
-          </a:p>
-        </p:txBody>
-      </p:sp>
-      <p:sp>
-        <p:nvSpPr>
-          <p:cNvPr id="3" name="内容占位符 2"/>
-          <p:cNvSpPr>
-            <a:spLocks noGrp="1"/>
-          </p:cNvSpPr>
-          <p:nvPr>
-            <p:ph idx="1"/>
-          </p:nvPr>
-        </p:nvSpPr>
-        <p:spPr>
-          <a:xfrm>
-            <a:off x="838200" y="1211580"/>
-            <a:ext cx="6645910" cy="5516880"/>
-          </a:xfrm>
-        </p:spPr>
-        <p:txBody>
-          <a:bodyPr>
-            <a:normAutofit/>
-          </a:bodyPr>
-          <a:p>
-            <a:r>
-              <a:rPr lang="en-US" altLang="zh-CN"/>
-              <a:t>sandbox (Electron 10.x, no solution yet)</a:t>
-            </a:r>
-            <a:endParaRPr lang="en-US" altLang="zh-CN"/>
-          </a:p>
-          <a:p>
-            <a:pPr lvl="1"/>
-            <a:r>
-              <a:rPr lang="en-US" altLang="zh-CN"/>
-              <a:t>Issue</a:t>
-            </a:r>
-            <a:endParaRPr lang="en-US" altLang="zh-CN"/>
-          </a:p>
-          <a:p>
-            <a:pPr lvl="2"/>
-            <a:r>
-              <a:rPr lang="en-US" altLang="zh-CN"/>
-              <a:t>The SUID sandbox helper binary was found</a:t>
-            </a:r>
-            <a:endParaRPr lang="en-US" altLang="zh-CN"/>
-          </a:p>
-          <a:p>
-            <a:pPr lvl="1"/>
-            <a:r>
-              <a:rPr lang="en-US" altLang="zh-CN" sz="2000"/>
-              <a:t>Solution</a:t>
-            </a:r>
-            <a:endParaRPr lang="en-US" altLang="zh-CN" sz="2000"/>
-          </a:p>
-          <a:p>
-            <a:pPr lvl="2"/>
-            <a:r>
-              <a:rPr lang="en-US" altLang="zh-CN"/>
-              <a:t>Make sure chromium-browser can work first</a:t>
-            </a:r>
-            <a:endParaRPr lang="en-US" altLang="zh-CN"/>
-          </a:p>
-          <a:p>
-            <a:pPr lvl="2"/>
-            <a:r>
-              <a:rPr lang="en-US" altLang="zh-CN"/>
-              <a:t>Make sure electron-quick-start-typescript can work by “npm start”</a:t>
-            </a:r>
-            <a:endParaRPr lang="en-US" altLang="zh-CN"/>
-          </a:p>
-          <a:p>
-            <a:pPr lvl="0"/>
-            <a:r>
-              <a:rPr lang="en-US" altLang="zh-CN"/>
-              <a:t>process is not defined</a:t>
-            </a:r>
-            <a:endParaRPr lang="en-US" altLang="zh-CN"/>
-          </a:p>
-          <a:p>
-            <a:pPr lvl="1"/>
-            <a:r>
-              <a:rPr lang="en-US" altLang="zh-CN"/>
-              <a:t> Issue</a:t>
-            </a:r>
-            <a:endParaRPr lang="en-US" altLang="zh-CN"/>
-          </a:p>
-          <a:p>
-            <a:pPr lvl="2"/>
-            <a:r>
-              <a:rPr lang="en-US" altLang="zh-CN"/>
-              <a:t>ERROR in Template execution failed: ReferenceError: process is not defined</a:t>
-            </a:r>
-            <a:endParaRPr lang="en-US" altLang="zh-CN"/>
-          </a:p>
-          <a:p>
-            <a:pPr lvl="1"/>
-            <a:r>
-              <a:rPr lang="en-US" altLang="zh-CN"/>
-              <a:t>Solution</a:t>
-            </a:r>
-            <a:endParaRPr lang="en-US" altLang="zh-CN"/>
-          </a:p>
-          <a:p>
-            <a:pPr lvl="2"/>
-            <a:r>
-              <a:rPr lang="en-US" altLang="zh-CN"/>
-              <a:t>Modify .electron-vue/webpack.web.config.js and .electron-vue/webpack.renderer.config.js, add templateParameters to HtmlWebpackPlugin</a:t>
-            </a:r>
-            <a:endParaRPr lang="en-US" altLang="zh-CN"/>
-          </a:p>
-        </p:txBody>
-      </p:sp>
-      <p:sp>
-        <p:nvSpPr>
-          <p:cNvPr id="4" name="文本框 3"/>
-          <p:cNvSpPr txBox="1"/>
-          <p:nvPr/>
-        </p:nvSpPr>
-        <p:spPr>
-          <a:xfrm>
-            <a:off x="8172450" y="1524000"/>
-            <a:ext cx="3872865" cy="2306955"/>
-          </a:xfrm>
-          <a:prstGeom prst="rect">
-            <a:avLst/>
-          </a:prstGeom>
-          <a:noFill/>
-          <a:ln>
-            <a:solidFill>
-              <a:schemeClr val="accent1"/>
-            </a:solidFill>
-          </a:ln>
-        </p:spPr>
-        <p:txBody>
-          <a:bodyPr wrap="none" rtlCol="0">
-            <a:spAutoFit/>
-          </a:bodyPr>
-          <a:p>
-            <a:pPr algn="l"/>
-            <a:r>
-              <a:rPr lang="zh-CN" altLang="en-US" sz="1200"/>
-              <a:t>      templateParameters(compilation, assets, options) {</a:t>
-            </a:r>
-            <a:endParaRPr lang="zh-CN" altLang="en-US" sz="1200"/>
-          </a:p>
-          <a:p>
-            <a:pPr algn="l"/>
-            <a:r>
-              <a:rPr lang="zh-CN" altLang="en-US" sz="1200"/>
-              <a:t>        return {</a:t>
-            </a:r>
-            <a:endParaRPr lang="zh-CN" altLang="en-US" sz="1200"/>
-          </a:p>
-          <a:p>
-            <a:pPr algn="l"/>
-            <a:r>
-              <a:rPr lang="zh-CN" altLang="en-US" sz="1200"/>
-              <a:t>          compilation: compilation,</a:t>
-            </a:r>
-            <a:endParaRPr lang="zh-CN" altLang="en-US" sz="1200"/>
-          </a:p>
-          <a:p>
-            <a:pPr algn="l"/>
-            <a:r>
-              <a:rPr lang="zh-CN" altLang="en-US" sz="1200"/>
-              <a:t>          webpack: compilation.getStats().toJson(),</a:t>
-            </a:r>
-            <a:endParaRPr lang="zh-CN" altLang="en-US" sz="1200"/>
-          </a:p>
-          <a:p>
-            <a:pPr algn="l"/>
-            <a:r>
-              <a:rPr lang="zh-CN" altLang="en-US" sz="1200"/>
-              <a:t>          webpackConfig: compilation.options,</a:t>
-            </a:r>
-            <a:endParaRPr lang="zh-CN" altLang="en-US" sz="1200"/>
-          </a:p>
-          <a:p>
-            <a:pPr algn="l"/>
-            <a:r>
-              <a:rPr lang="zh-CN" altLang="en-US" sz="1200"/>
-              <a:t>          htmlWebpackPlugin: {</a:t>
-            </a:r>
-            <a:endParaRPr lang="zh-CN" altLang="en-US" sz="1200"/>
-          </a:p>
-          <a:p>
-            <a:pPr algn="l"/>
-            <a:r>
-              <a:rPr lang="zh-CN" altLang="en-US" sz="1200"/>
-              <a:t>            files: assets,</a:t>
-            </a:r>
-            <a:endParaRPr lang="zh-CN" altLang="en-US" sz="1200"/>
-          </a:p>
-          <a:p>
-            <a:pPr algn="l"/>
-            <a:r>
-              <a:rPr lang="zh-CN" altLang="en-US" sz="1200"/>
-              <a:t>            options: options</a:t>
-            </a:r>
-            <a:endParaRPr lang="zh-CN" altLang="en-US" sz="1200"/>
-          </a:p>
-          <a:p>
-            <a:pPr algn="l"/>
-            <a:r>
-              <a:rPr lang="zh-CN" altLang="en-US" sz="1200"/>
-              <a:t>          },</a:t>
-            </a:r>
-            <a:endParaRPr lang="zh-CN" altLang="en-US" sz="1200"/>
-          </a:p>
-          <a:p>
-            <a:pPr algn="l"/>
-            <a:r>
-              <a:rPr lang="zh-CN" altLang="en-US" sz="1200"/>
-              <a:t>          process,</a:t>
-            </a:r>
-            <a:endParaRPr lang="zh-CN" altLang="en-US" sz="1200"/>
-          </a:p>
-          <a:p>
-            <a:pPr algn="l"/>
-            <a:r>
-              <a:rPr lang="zh-CN" altLang="en-US" sz="1200"/>
-              <a:t>        };</a:t>
-            </a:r>
-            <a:endParaRPr lang="zh-CN" altLang="en-US" sz="1200"/>
-          </a:p>
-          <a:p>
-            <a:pPr algn="l"/>
-            <a:r>
-              <a:rPr lang="zh-CN" altLang="en-US" sz="1200"/>
-              <a:t>      },</a:t>
-            </a:r>
-            <a:endParaRPr lang="zh-CN" altLang="en-US" sz="1200"/>
-          </a:p>
-        </p:txBody>
-      </p:sp>
-    </p:spTree>
-    <p:custDataLst>
-      <p:tags r:id="rId1"/>
-    </p:custDataLst>
-  </p:cSld>
-  <p:clrMapOvr>
-    <a:masterClrMapping/>
-  </p:clrMapOvr>
-</p:sld>
-</file>
-
 <file path=ppt/slides/slide2.xml><?xml version="1.0" encoding="utf-8"?>
 <p:sld xmlns:a="http://schemas.openxmlformats.org/drawingml/2006/main" xmlns:r="http://schemas.openxmlformats.org/officeDocument/2006/relationships" xmlns:p="http://schemas.openxmlformats.org/presentationml/2006/main">
   <p:cSld>
@@ -5848,7 +5635,7 @@
           <a:p>
             <a:r>
               <a:rPr lang="en-US" altLang="zh-CN"/>
-              <a:t>FAQ 2</a:t>
+              <a:t>FAQ 1</a:t>
             </a:r>
             <a:endParaRPr lang="en-US" altLang="zh-CN"/>
           </a:p>
@@ -5867,25 +5654,25 @@
         <p:spPr>
           <a:xfrm>
             <a:off x="838200" y="1211580"/>
-            <a:ext cx="10515600" cy="5057140"/>
+            <a:ext cx="6645910" cy="5516880"/>
           </a:xfrm>
         </p:spPr>
         <p:txBody>
           <a:bodyPr>
-            <a:normAutofit fontScale="70000"/>
+            <a:normAutofit/>
           </a:bodyPr>
           <a:p>
             <a:r>
-              <a:rPr lang="zh-CN" altLang="en-US"/>
-              <a:t>Critical dependency: the request of a dependency is an expression</a:t>
-            </a:r>
-            <a:endParaRPr lang="zh-CN" altLang="en-US"/>
-          </a:p>
-          <a:p>
-            <a:pPr lvl="1"/>
-            <a:r>
-              <a:rPr lang="en-US" altLang="zh-CN"/>
-              <a:t>Modify .electron-vue/webpack.main.config.js</a:t>
+              <a:rPr lang="en-US" altLang="zh-CN"/>
+              <a:t>sandbox (Electron 10.x, no solution yet)</a:t>
+            </a:r>
+            <a:endParaRPr lang="en-US" altLang="zh-CN"/>
+          </a:p>
+          <a:p>
+            <a:pPr lvl="1"/>
+            <a:r>
+              <a:rPr lang="en-US" altLang="zh-CN"/>
+              <a:t>Issue</a:t>
             </a:r>
             <a:endParaRPr lang="en-US" altLang="zh-CN"/>
           </a:p>
@@ -5893,15 +5680,23 @@
             <a:pPr lvl="2"/>
             <a:r>
               <a:rPr lang="en-US" altLang="zh-CN"/>
-              <a:t>externals: [</a:t>
-            </a:r>
-            <a:endParaRPr lang="en-US" altLang="zh-CN"/>
+              <a:t>The SUID sandbox helper binary was found</a:t>
+            </a:r>
+            <a:endParaRPr lang="en-US" altLang="zh-CN"/>
+          </a:p>
+          <a:p>
+            <a:pPr lvl="1"/>
+            <a:r>
+              <a:rPr lang="en-US" altLang="zh-CN" sz="2000"/>
+              <a:t>Solution</a:t>
+            </a:r>
+            <a:endParaRPr lang="en-US" altLang="zh-CN" sz="2000"/>
           </a:p>
           <a:p>
             <a:pPr lvl="2"/>
             <a:r>
               <a:rPr lang="en-US" altLang="zh-CN"/>
-              <a:t>  ...Object.keys(dependencies || {}),</a:t>
+              <a:t>Make sure chromium-browser can work first</a:t>
             </a:r>
             <a:endParaRPr lang="en-US" altLang="zh-CN"/>
           </a:p>
@@ -5909,7 +5704,23 @@
             <a:pPr lvl="2"/>
             <a:r>
               <a:rPr lang="en-US" altLang="zh-CN"/>
-              <a:t>  {'electron-debug': 'electron-debug'}</a:t>
+              <a:t>Make sure electron-quick-start-typescript can work by “npm start”</a:t>
+            </a:r>
+            <a:endParaRPr lang="en-US" altLang="zh-CN"/>
+          </a:p>
+          <a:p>
+            <a:pPr lvl="0"/>
+            <a:r>
+              <a:rPr lang="en-US" altLang="zh-CN"/>
+              <a:t>process is not defined</a:t>
+            </a:r>
+            <a:endParaRPr lang="en-US" altLang="zh-CN"/>
+          </a:p>
+          <a:p>
+            <a:pPr lvl="1"/>
+            <a:r>
+              <a:rPr lang="en-US" altLang="zh-CN"/>
+              <a:t> Issue</a:t>
             </a:r>
             <a:endParaRPr lang="en-US" altLang="zh-CN"/>
           </a:p>
@@ -5917,99 +5728,148 @@
             <a:pPr lvl="2"/>
             <a:r>
               <a:rPr lang="en-US" altLang="zh-CN"/>
-              <a:t>],</a:t>
-            </a:r>
-            <a:endParaRPr lang="en-US" altLang="zh-CN"/>
-          </a:p>
-          <a:p>
-            <a:pPr lvl="0"/>
-            <a:r>
-              <a:rPr lang="en-US" altLang="zh-CN" sz="2400">
-                <a:sym typeface="+mn-ea"/>
-              </a:rPr>
-              <a:t>Couldn't find preset "es2015"</a:t>
-            </a:r>
-            <a:endParaRPr lang="en-US" altLang="zh-CN" sz="2400"/>
-          </a:p>
-          <a:p>
-            <a:pPr lvl="1"/>
-            <a:r>
-              <a:rPr lang="en-US" altLang="zh-CN">
-                <a:sym typeface="+mn-ea"/>
-              </a:rPr>
-              <a:t>npm i -S babel-preset-es2015</a:t>
-            </a:r>
-            <a:endParaRPr lang="en-US" altLang="zh-CN"/>
-          </a:p>
-          <a:p>
-            <a:pPr lvl="0"/>
-            <a:r>
-              <a:rPr lang="en-US" altLang="zh-CN"/>
-              <a:t>Error: Cannot find module 'chalk'</a:t>
-            </a:r>
-            <a:endParaRPr lang="en-US" altLang="zh-CN"/>
-          </a:p>
-          <a:p>
-            <a:pPr lvl="1"/>
-            <a:r>
-              <a:rPr lang="en-US" altLang="zh-CN"/>
-              <a:t>cnpm i -S chalk</a:t>
-            </a:r>
-            <a:endParaRPr lang="en-US" altLang="zh-CN"/>
-          </a:p>
-          <a:p>
-            <a:pPr lvl="0"/>
-            <a:r>
-              <a:rPr lang="en-US" altLang="zh-CN" sz="2400">
-                <a:sym typeface="+mn-ea"/>
-              </a:rPr>
-              <a:t>libgconf</a:t>
-            </a:r>
-            <a:endParaRPr lang="en-US" altLang="zh-CN" sz="2400"/>
-          </a:p>
-          <a:p>
-            <a:pPr lvl="1"/>
-            <a:r>
-              <a:rPr lang="en-US" altLang="zh-CN" sz="2400">
-                <a:sym typeface="+mn-ea"/>
-              </a:rPr>
-              <a:t>Issue</a:t>
-            </a:r>
-            <a:endParaRPr lang="en-US" altLang="zh-CN" sz="2400"/>
+              <a:t>ERROR in Template execution failed: ReferenceError: process is not defined</a:t>
+            </a:r>
+            <a:endParaRPr lang="en-US" altLang="zh-CN"/>
+          </a:p>
+          <a:p>
+            <a:pPr lvl="1"/>
+            <a:r>
+              <a:rPr lang="en-US" altLang="zh-CN"/>
+              <a:t>Solution</a:t>
+            </a:r>
+            <a:endParaRPr lang="en-US" altLang="zh-CN"/>
           </a:p>
           <a:p>
             <a:pPr lvl="2"/>
             <a:r>
-              <a:rPr lang="zh-CN" altLang="en-US" sz="2400">
-                <a:sym typeface="+mn-ea"/>
-              </a:rPr>
-              <a:t>/mnt/c/Projects/FingerprintWinAPP/src/fingerprint-win-app/node_modules/_electron@2.0.18@electron/dist/electron: error while loading shared libraries: libgconf-2.so.4: cannot open shared object file: No such file or directory</a:t>
-            </a:r>
-            <a:endParaRPr lang="zh-CN" altLang="en-US" sz="2400"/>
-          </a:p>
-          <a:p>
-            <a:pPr lvl="1"/>
-            <a:r>
-              <a:rPr lang="en-US" altLang="zh-CN" sz="2400">
-                <a:sym typeface="+mn-ea"/>
-              </a:rPr>
-              <a:t>Solution</a:t>
-            </a:r>
-            <a:endParaRPr lang="en-US" altLang="zh-CN" sz="2400"/>
-          </a:p>
-          <a:p>
-            <a:pPr lvl="2"/>
-            <a:r>
-              <a:rPr lang="zh-CN" altLang="en-US" sz="2400">
-                <a:sym typeface="+mn-ea"/>
-              </a:rPr>
-              <a:t>sudo apt install libgconf-2-4</a:t>
-            </a:r>
-            <a:endParaRPr lang="zh-CN" altLang="en-US" sz="2400"/>
-          </a:p>
-          <a:p>
-            <a:pPr lvl="0"/>
-            <a:endParaRPr lang="en-US" altLang="zh-CN"/>
+              <a:rPr lang="en-US" altLang="zh-CN"/>
+              <a:t>Modify .electron-vue/webpack.web.config.js and .electron-vue/webpack.renderer.config.js, add templateParameters to HtmlWebpackPlugin</a:t>
+            </a:r>
+            <a:endParaRPr lang="en-US" altLang="zh-CN"/>
+          </a:p>
+        </p:txBody>
+      </p:sp>
+      <p:sp>
+        <p:nvSpPr>
+          <p:cNvPr id="4" name="文本框 3"/>
+          <p:cNvSpPr txBox="1"/>
+          <p:nvPr/>
+        </p:nvSpPr>
+        <p:spPr>
+          <a:xfrm>
+            <a:off x="8172450" y="1524000"/>
+            <a:ext cx="3872865" cy="2306955"/>
+          </a:xfrm>
+          <a:prstGeom prst="rect">
+            <a:avLst/>
+          </a:prstGeom>
+          <a:noFill/>
+          <a:ln>
+            <a:solidFill>
+              <a:schemeClr val="accent1"/>
+            </a:solidFill>
+          </a:ln>
+        </p:spPr>
+        <p:txBody>
+          <a:bodyPr wrap="none" rtlCol="0">
+            <a:spAutoFit/>
+          </a:bodyPr>
+          <a:p>
+            <a:pPr algn="l"/>
+            <a:r>
+              <a:rPr lang="zh-CN" altLang="en-US" sz="1200"/>
+              <a:t>      templateParameters(compilation, assets, options) {</a:t>
+            </a:r>
+            <a:endParaRPr lang="zh-CN" altLang="en-US" sz="1200"/>
+          </a:p>
+          <a:p>
+            <a:pPr algn="l"/>
+            <a:r>
+              <a:rPr lang="zh-CN" altLang="en-US" sz="1200"/>
+              <a:t>        return {</a:t>
+            </a:r>
+            <a:endParaRPr lang="zh-CN" altLang="en-US" sz="1200"/>
+          </a:p>
+          <a:p>
+            <a:pPr algn="l"/>
+            <a:r>
+              <a:rPr lang="zh-CN" altLang="en-US" sz="1200"/>
+              <a:t>          compilation: compilation,</a:t>
+            </a:r>
+            <a:endParaRPr lang="zh-CN" altLang="en-US" sz="1200"/>
+          </a:p>
+          <a:p>
+            <a:pPr algn="l"/>
+            <a:r>
+              <a:rPr lang="zh-CN" altLang="en-US" sz="1200"/>
+              <a:t>          webpack: compilation.getStats().toJson(),</a:t>
+            </a:r>
+            <a:endParaRPr lang="zh-CN" altLang="en-US" sz="1200"/>
+          </a:p>
+          <a:p>
+            <a:pPr algn="l"/>
+            <a:r>
+              <a:rPr lang="zh-CN" altLang="en-US" sz="1200"/>
+              <a:t>          webpackConfig: compilation.options,</a:t>
+            </a:r>
+            <a:endParaRPr lang="zh-CN" altLang="en-US" sz="1200"/>
+          </a:p>
+          <a:p>
+            <a:pPr algn="l"/>
+            <a:r>
+              <a:rPr lang="zh-CN" altLang="en-US" sz="1200"/>
+              <a:t>          htmlWebpackPlugin: {</a:t>
+            </a:r>
+            <a:endParaRPr lang="zh-CN" altLang="en-US" sz="1200"/>
+          </a:p>
+          <a:p>
+            <a:pPr algn="l"/>
+            <a:r>
+              <a:rPr lang="zh-CN" altLang="en-US" sz="1200"/>
+              <a:t>            files: assets,</a:t>
+            </a:r>
+            <a:endParaRPr lang="zh-CN" altLang="en-US" sz="1200"/>
+          </a:p>
+          <a:p>
+            <a:pPr algn="l"/>
+            <a:r>
+              <a:rPr lang="zh-CN" altLang="en-US" sz="1200"/>
+              <a:t>            options: options</a:t>
+            </a:r>
+            <a:endParaRPr lang="zh-CN" altLang="en-US" sz="1200"/>
+          </a:p>
+          <a:p>
+            <a:pPr algn="l"/>
+            <a:r>
+              <a:rPr lang="zh-CN" altLang="en-US" sz="1200"/>
+              <a:t>          },</a:t>
+            </a:r>
+            <a:endParaRPr lang="zh-CN" altLang="en-US" sz="1200"/>
+          </a:p>
+          <a:p>
+            <a:pPr algn="l"/>
+            <a:r>
+              <a:rPr lang="zh-CN" altLang="en-US" sz="1200"/>
+              <a:t>          process,</a:t>
+            </a:r>
+            <a:endParaRPr lang="zh-CN" altLang="en-US" sz="1200"/>
+          </a:p>
+          <a:p>
+            <a:pPr algn="l"/>
+            <a:r>
+              <a:rPr lang="zh-CN" altLang="en-US" sz="1200"/>
+              <a:t>        };</a:t>
+            </a:r>
+            <a:endParaRPr lang="zh-CN" altLang="en-US" sz="1200"/>
+          </a:p>
+          <a:p>
+            <a:pPr algn="l"/>
+            <a:r>
+              <a:rPr lang="zh-CN" altLang="en-US" sz="1200"/>
+              <a:t>      },</a:t>
+            </a:r>
+            <a:endParaRPr lang="zh-CN" altLang="en-US" sz="1200"/>
           </a:p>
         </p:txBody>
       </p:sp>
@@ -6025,6 +5885,208 @@
 </file>
 
 <file path=ppt/slides/slide21.xml><?xml version="1.0" encoding="utf-8"?>
+<p:sld xmlns:a="http://schemas.openxmlformats.org/drawingml/2006/main" xmlns:r="http://schemas.openxmlformats.org/officeDocument/2006/relationships" xmlns:p="http://schemas.openxmlformats.org/presentationml/2006/main">
+  <p:cSld>
+    <p:spTree>
+      <p:nvGrpSpPr>
+        <p:cNvPr id="1" name=""/>
+        <p:cNvGrpSpPr/>
+        <p:nvPr/>
+      </p:nvGrpSpPr>
+      <p:grpSpPr/>
+      <p:sp>
+        <p:nvSpPr>
+          <p:cNvPr id="2" name="标题 1"/>
+          <p:cNvSpPr>
+            <a:spLocks noGrp="1"/>
+          </p:cNvSpPr>
+          <p:nvPr>
+            <p:ph type="title"/>
+          </p:nvPr>
+        </p:nvSpPr>
+        <p:spPr/>
+        <p:txBody>
+          <a:bodyPr/>
+          <a:p>
+            <a:r>
+              <a:rPr lang="en-US" altLang="zh-CN"/>
+              <a:t>FAQ 2</a:t>
+            </a:r>
+            <a:endParaRPr lang="en-US" altLang="zh-CN"/>
+          </a:p>
+        </p:txBody>
+      </p:sp>
+      <p:sp>
+        <p:nvSpPr>
+          <p:cNvPr id="3" name="内容占位符 2"/>
+          <p:cNvSpPr>
+            <a:spLocks noGrp="1"/>
+          </p:cNvSpPr>
+          <p:nvPr>
+            <p:ph idx="1"/>
+          </p:nvPr>
+        </p:nvSpPr>
+        <p:spPr>
+          <a:xfrm>
+            <a:off x="838200" y="1211580"/>
+            <a:ext cx="10515600" cy="5057140"/>
+          </a:xfrm>
+        </p:spPr>
+        <p:txBody>
+          <a:bodyPr>
+            <a:normAutofit fontScale="70000"/>
+          </a:bodyPr>
+          <a:p>
+            <a:r>
+              <a:rPr lang="zh-CN" altLang="en-US"/>
+              <a:t>Critical dependency: the request of a dependency is an expression</a:t>
+            </a:r>
+            <a:endParaRPr lang="zh-CN" altLang="en-US"/>
+          </a:p>
+          <a:p>
+            <a:pPr lvl="1"/>
+            <a:r>
+              <a:rPr lang="en-US" altLang="zh-CN"/>
+              <a:t>Modify .electron-vue/webpack.main.config.js</a:t>
+            </a:r>
+            <a:endParaRPr lang="en-US" altLang="zh-CN"/>
+          </a:p>
+          <a:p>
+            <a:pPr lvl="2"/>
+            <a:r>
+              <a:rPr lang="en-US" altLang="zh-CN"/>
+              <a:t>externals: [</a:t>
+            </a:r>
+            <a:endParaRPr lang="en-US" altLang="zh-CN"/>
+          </a:p>
+          <a:p>
+            <a:pPr lvl="2"/>
+            <a:r>
+              <a:rPr lang="en-US" altLang="zh-CN"/>
+              <a:t>  ...Object.keys(dependencies || {}),</a:t>
+            </a:r>
+            <a:endParaRPr lang="en-US" altLang="zh-CN"/>
+          </a:p>
+          <a:p>
+            <a:pPr lvl="2"/>
+            <a:r>
+              <a:rPr lang="en-US" altLang="zh-CN"/>
+              <a:t>  {'electron-debug': 'electron-debug'}</a:t>
+            </a:r>
+            <a:endParaRPr lang="en-US" altLang="zh-CN"/>
+          </a:p>
+          <a:p>
+            <a:pPr lvl="2"/>
+            <a:r>
+              <a:rPr lang="en-US" altLang="zh-CN"/>
+              <a:t>],</a:t>
+            </a:r>
+            <a:endParaRPr lang="en-US" altLang="zh-CN"/>
+          </a:p>
+          <a:p>
+            <a:pPr lvl="0"/>
+            <a:r>
+              <a:rPr lang="en-US" altLang="zh-CN" sz="2400">
+                <a:sym typeface="+mn-ea"/>
+              </a:rPr>
+              <a:t>Couldn't find preset "es2015"</a:t>
+            </a:r>
+            <a:endParaRPr lang="en-US" altLang="zh-CN" sz="2400"/>
+          </a:p>
+          <a:p>
+            <a:pPr lvl="1"/>
+            <a:r>
+              <a:rPr lang="en-US" altLang="zh-CN">
+                <a:sym typeface="+mn-ea"/>
+              </a:rPr>
+              <a:t>npm i -S babel-preset-es2015</a:t>
+            </a:r>
+            <a:endParaRPr lang="en-US" altLang="zh-CN"/>
+          </a:p>
+          <a:p>
+            <a:pPr lvl="0"/>
+            <a:r>
+              <a:rPr lang="en-US" altLang="zh-CN"/>
+              <a:t>Error: Cannot find module 'chalk'</a:t>
+            </a:r>
+            <a:endParaRPr lang="en-US" altLang="zh-CN"/>
+          </a:p>
+          <a:p>
+            <a:pPr lvl="1"/>
+            <a:r>
+              <a:rPr lang="en-US" altLang="zh-CN"/>
+              <a:t>cnpm i -S chalk</a:t>
+            </a:r>
+            <a:endParaRPr lang="en-US" altLang="zh-CN"/>
+          </a:p>
+          <a:p>
+            <a:pPr lvl="0"/>
+            <a:r>
+              <a:rPr lang="en-US" altLang="zh-CN" sz="2400">
+                <a:sym typeface="+mn-ea"/>
+              </a:rPr>
+              <a:t>libgconf</a:t>
+            </a:r>
+            <a:endParaRPr lang="en-US" altLang="zh-CN" sz="2400"/>
+          </a:p>
+          <a:p>
+            <a:pPr lvl="1"/>
+            <a:r>
+              <a:rPr lang="en-US" altLang="zh-CN" sz="2400">
+                <a:sym typeface="+mn-ea"/>
+              </a:rPr>
+              <a:t>Issue</a:t>
+            </a:r>
+            <a:endParaRPr lang="en-US" altLang="zh-CN" sz="2400"/>
+          </a:p>
+          <a:p>
+            <a:pPr lvl="2"/>
+            <a:r>
+              <a:rPr lang="zh-CN" altLang="en-US" sz="2400">
+                <a:sym typeface="+mn-ea"/>
+              </a:rPr>
+              <a:t>/mnt/c/Projects/FingerprintWinAPP/src/fingerprint-win-app/node_modules/_electron@2.0.18@electron/dist/electron: error while loading shared libraries: libgconf-2.so.4: cannot open shared object file: No such file or directory</a:t>
+            </a:r>
+            <a:endParaRPr lang="zh-CN" altLang="en-US" sz="2400"/>
+          </a:p>
+          <a:p>
+            <a:pPr lvl="1"/>
+            <a:r>
+              <a:rPr lang="en-US" altLang="zh-CN" sz="2400">
+                <a:sym typeface="+mn-ea"/>
+              </a:rPr>
+              <a:t>Solution</a:t>
+            </a:r>
+            <a:endParaRPr lang="en-US" altLang="zh-CN" sz="2400"/>
+          </a:p>
+          <a:p>
+            <a:pPr lvl="2"/>
+            <a:r>
+              <a:rPr lang="zh-CN" altLang="en-US" sz="2400">
+                <a:sym typeface="+mn-ea"/>
+              </a:rPr>
+              <a:t>sudo apt install libgconf-2-4</a:t>
+            </a:r>
+            <a:endParaRPr lang="zh-CN" altLang="en-US" sz="2400"/>
+          </a:p>
+          <a:p>
+            <a:pPr lvl="0"/>
+            <a:endParaRPr lang="en-US" altLang="zh-CN"/>
+          </a:p>
+        </p:txBody>
+      </p:sp>
+    </p:spTree>
+    <p:custDataLst>
+      <p:tags r:id="rId1"/>
+    </p:custDataLst>
+  </p:cSld>
+  <p:clrMapOvr>
+    <a:masterClrMapping/>
+  </p:clrMapOvr>
+</p:sld>
+</file>
+
+<file path=ppt/slides/slide22.xml><?xml version="1.0" encoding="utf-8"?>
 <p:sld xmlns:a="http://schemas.openxmlformats.org/drawingml/2006/main" xmlns:r="http://schemas.openxmlformats.org/officeDocument/2006/relationships" xmlns:p="http://schemas.openxmlformats.org/presentationml/2006/main">
   <p:cSld>
     <p:spTree>
@@ -6274,7 +6336,7 @@
 </p:sld>
 </file>
 
-<file path=ppt/slides/slide22.xml><?xml version="1.0" encoding="utf-8"?>
+<file path=ppt/slides/slide23.xml><?xml version="1.0" encoding="utf-8"?>
 <p:sld xmlns:a="http://schemas.openxmlformats.org/drawingml/2006/main" xmlns:r="http://schemas.openxmlformats.org/officeDocument/2006/relationships" xmlns:p="http://schemas.openxmlformats.org/presentationml/2006/main">
   <p:cSld>
     <p:spTree>
@@ -6472,7 +6534,7 @@
 </p:sld>
 </file>
 
-<file path=ppt/slides/slide23.xml><?xml version="1.0" encoding="utf-8"?>
+<file path=ppt/slides/slide24.xml><?xml version="1.0" encoding="utf-8"?>
 <p:sld xmlns:a="http://schemas.openxmlformats.org/drawingml/2006/main" xmlns:r="http://schemas.openxmlformats.org/officeDocument/2006/relationships" xmlns:p="http://schemas.openxmlformats.org/presentationml/2006/main">
   <p:cSld>
     <p:spTree>
@@ -7553,7 +7615,7 @@
           <a:p>
             <a:r>
               <a:rPr lang="en-US" altLang="zh-CN"/>
-              <a:t>FS</a:t>
+              <a:t>Debug</a:t>
             </a:r>
             <a:endParaRPr lang="en-US" altLang="zh-CN"/>
           </a:p>
@@ -7569,52 +7631,139 @@
             <p:ph idx="1"/>
           </p:nvPr>
         </p:nvSpPr>
-        <p:spPr/>
-        <p:txBody>
-          <a:bodyPr/>
-          <a:p>
-            <a:r>
-              <a:rPr lang="en-US" altLang="zh-CN"/>
-              <a:t>require('fs')</a:t>
-            </a:r>
-            <a:endParaRPr lang="en-US" altLang="zh-CN"/>
-          </a:p>
-          <a:p>
-            <a:r>
-              <a:rPr lang="en-US" altLang="zh-CN"/>
-              <a:t>Usage</a:t>
-            </a:r>
-            <a:endParaRPr lang="en-US" altLang="zh-CN"/>
-          </a:p>
-          <a:p>
-            <a:pPr lvl="1"/>
-            <a:r>
-              <a:rPr lang="en-US" altLang="zh-CN"/>
-              <a:t>fs.writeFile(fn, buf, function (err) {</a:t>
+        <p:spPr>
+          <a:xfrm>
+            <a:off x="838200" y="1211580"/>
+            <a:ext cx="10515600" cy="5043805"/>
+          </a:xfrm>
+        </p:spPr>
+        <p:txBody>
+          <a:bodyPr>
+            <a:normAutofit fontScale="90000" lnSpcReduction="10000"/>
+          </a:bodyPr>
+          <a:p>
+            <a:r>
+              <a:rPr lang="en-US" altLang="zh-CN"/>
+              <a:t>Ctrl+Shift+i</a:t>
+            </a:r>
+            <a:endParaRPr lang="en-US" altLang="zh-CN"/>
+          </a:p>
+          <a:p>
+            <a:pPr lvl="1"/>
+            <a:r>
+              <a:rPr lang="en-US" altLang="zh-CN" sz="2000"/>
+              <a:t>toggle Chrome DevTools</a:t>
+            </a:r>
+            <a:endParaRPr lang="en-US" altLang="zh-CN" sz="2000"/>
+          </a:p>
+          <a:p>
+            <a:pPr lvl="0"/>
+            <a:r>
+              <a:rPr lang="en-US" altLang="zh-CN" sz="2400"/>
+              <a:t>Crl+r</a:t>
+            </a:r>
+            <a:endParaRPr lang="en-US" altLang="zh-CN" sz="2400"/>
+          </a:p>
+          <a:p>
+            <a:pPr lvl="1"/>
+            <a:r>
+              <a:rPr lang="en-US" altLang="zh-CN" sz="2000"/>
+              <a:t>reload window</a:t>
+            </a:r>
+            <a:endParaRPr lang="zh-CN" altLang="en-US"/>
+          </a:p>
+          <a:p>
+            <a:r>
+              <a:rPr lang="zh-CN" altLang="en-US"/>
+              <a:t>https://www.npmjs.com/package/electron-log</a:t>
+            </a:r>
+            <a:endParaRPr lang="zh-CN" altLang="en-US"/>
+          </a:p>
+          <a:p>
+            <a:pPr lvl="1"/>
+            <a:r>
+              <a:rPr lang="en-US" altLang="zh-CN"/>
+              <a:t>npm i electron-log</a:t>
+            </a:r>
+            <a:endParaRPr lang="en-US" altLang="zh-CN"/>
+          </a:p>
+          <a:p>
+            <a:pPr lvl="1"/>
+            <a:r>
+              <a:rPr lang="en-US" altLang="zh-CN"/>
+              <a:t>log file</a:t>
             </a:r>
             <a:endParaRPr lang="en-US" altLang="zh-CN"/>
           </a:p>
           <a:p>
             <a:pPr lvl="2"/>
             <a:r>
-              <a:rPr lang="en-US" altLang="zh-CN"/>
-              <a:t>throw(err)</a:t>
-            </a:r>
-            <a:endParaRPr lang="en-US" altLang="zh-CN"/>
-          </a:p>
-          <a:p>
-            <a:pPr lvl="1"/>
-            <a:r>
-              <a:rPr lang="en-US" altLang="zh-CN"/>
-              <a:t>})</a:t>
-            </a:r>
-            <a:endParaRPr lang="en-US" altLang="zh-CN"/>
-          </a:p>
-          <a:p>
-            <a:pPr lvl="1"/>
-            <a:r>
-              <a:rPr lang="en-US" altLang="zh-CN"/>
-              <a:t>fs.readFileSync(fn)</a:t>
+              <a:rPr lang="en-US" altLang="zh-CN" sz="1800"/>
+              <a:t>Windows: %USERPROFILE%\AppData\Roaming\{app name}\logs\{process type}.log</a:t>
+            </a:r>
+            <a:endParaRPr lang="en-US" altLang="zh-CN" sz="1800"/>
+          </a:p>
+          <a:p>
+            <a:pPr lvl="2"/>
+            <a:r>
+              <a:rPr lang="en-US" altLang="zh-CN" sz="1800"/>
+              <a:t>Linux: ~/.config/{app name}/logs/{process type}.log</a:t>
+            </a:r>
+            <a:endParaRPr lang="en-US" altLang="zh-CN" sz="1800"/>
+          </a:p>
+          <a:p>
+            <a:pPr lvl="2"/>
+            <a:r>
+              <a:rPr lang="en-US" altLang="zh-CN" sz="1800"/>
+              <a:t>Mac: ~/Library/Logs/{app name}/{process type}.log</a:t>
+            </a:r>
+            <a:endParaRPr lang="en-US" altLang="zh-CN" sz="1800"/>
+          </a:p>
+          <a:p>
+            <a:pPr lvl="1"/>
+            <a:r>
+              <a:rPr lang="en-US" altLang="zh-CN"/>
+              <a:t>log levels</a:t>
+            </a:r>
+            <a:endParaRPr lang="en-US" altLang="zh-CN"/>
+          </a:p>
+          <a:p>
+            <a:pPr lvl="2"/>
+            <a:r>
+              <a:rPr lang="en-US" altLang="zh-CN" sz="1800"/>
+              <a:t>error, warn, info, verbose, debug, silly</a:t>
+            </a:r>
+            <a:endParaRPr lang="en-US" altLang="zh-CN"/>
+          </a:p>
+          <a:p>
+            <a:pPr lvl="1"/>
+            <a:r>
+              <a:rPr lang="en-US" altLang="zh-CN"/>
+              <a:t>example</a:t>
+            </a:r>
+            <a:endParaRPr lang="en-US" altLang="zh-CN"/>
+          </a:p>
+          <a:p>
+            <a:pPr lvl="2"/>
+            <a:r>
+              <a:rPr lang="en-US" altLang="zh-CN"/>
+              <a:t>const log = require('electron-log')</a:t>
+            </a:r>
+            <a:endParaRPr lang="en-US" altLang="zh-CN"/>
+          </a:p>
+          <a:p>
+            <a:pPr lvl="2"/>
+            <a:r>
+              <a:rPr lang="en-US" altLang="zh-CN"/>
+              <a:t>log.info('Info')</a:t>
+            </a:r>
+            <a:endParaRPr lang="en-US" altLang="zh-CN"/>
+          </a:p>
+          <a:p>
+            <a:pPr lvl="2"/>
+            <a:r>
+              <a:rPr lang="en-US" altLang="zh-CN"/>
+              <a:t>log.warn('Warning')</a:t>
             </a:r>
             <a:endParaRPr lang="en-US" altLang="zh-CN"/>
           </a:p>
@@ -7643,7 +7792,7 @@
       <p:grpSpPr/>
       <p:sp>
         <p:nvSpPr>
-          <p:cNvPr id="4" name="标题 3"/>
+          <p:cNvPr id="2" name="标题 1"/>
           <p:cNvSpPr>
             <a:spLocks noGrp="1"/>
           </p:cNvSpPr>
@@ -7657,27 +7806,70 @@
           <a:p>
             <a:r>
               <a:rPr lang="en-US" altLang="zh-CN"/>
-              <a:t>Electron-Vue</a:t>
-            </a:r>
-            <a:endParaRPr lang="en-US" altLang="zh-CN"/>
-          </a:p>
-        </p:txBody>
-      </p:sp>
-      <p:sp>
-        <p:nvSpPr>
-          <p:cNvPr id="5" name="文本占位符 4"/>
-          <p:cNvSpPr>
-            <a:spLocks noGrp="1"/>
-          </p:cNvSpPr>
-          <p:nvPr>
-            <p:ph type="body" idx="1"/>
+              <a:t>FS</a:t>
+            </a:r>
+            <a:endParaRPr lang="en-US" altLang="zh-CN"/>
+          </a:p>
+        </p:txBody>
+      </p:sp>
+      <p:sp>
+        <p:nvSpPr>
+          <p:cNvPr id="3" name="内容占位符 2"/>
+          <p:cNvSpPr>
+            <a:spLocks noGrp="1"/>
+          </p:cNvSpPr>
+          <p:nvPr>
+            <p:ph idx="1"/>
           </p:nvPr>
         </p:nvSpPr>
         <p:spPr/>
         <p:txBody>
           <a:bodyPr/>
           <a:p>
-            <a:endParaRPr lang="zh-CN" altLang="en-US"/>
+            <a:r>
+              <a:rPr lang="en-US" altLang="zh-CN"/>
+              <a:t>require('fs')</a:t>
+            </a:r>
+            <a:endParaRPr lang="en-US" altLang="zh-CN"/>
+          </a:p>
+          <a:p>
+            <a:r>
+              <a:rPr lang="en-US" altLang="zh-CN"/>
+              <a:t>Usage</a:t>
+            </a:r>
+            <a:endParaRPr lang="en-US" altLang="zh-CN"/>
+          </a:p>
+          <a:p>
+            <a:pPr lvl="1"/>
+            <a:r>
+              <a:rPr lang="en-US" altLang="zh-CN"/>
+              <a:t>fs.writeFile(fn, buf, function (err) {</a:t>
+            </a:r>
+            <a:endParaRPr lang="en-US" altLang="zh-CN"/>
+          </a:p>
+          <a:p>
+            <a:pPr lvl="2"/>
+            <a:r>
+              <a:rPr lang="en-US" altLang="zh-CN"/>
+              <a:t>throw(err)</a:t>
+            </a:r>
+            <a:endParaRPr lang="en-US" altLang="zh-CN"/>
+          </a:p>
+          <a:p>
+            <a:pPr lvl="1"/>
+            <a:r>
+              <a:rPr lang="en-US" altLang="zh-CN"/>
+              <a:t>})</a:t>
+            </a:r>
+            <a:endParaRPr lang="en-US" altLang="zh-CN"/>
+          </a:p>
+          <a:p>
+            <a:pPr lvl="1"/>
+            <a:r>
+              <a:rPr lang="en-US" altLang="zh-CN"/>
+              <a:t>fs.readFileSync(fn)</a:t>
+            </a:r>
+            <a:endParaRPr lang="en-US" altLang="zh-CN"/>
           </a:p>
         </p:txBody>
       </p:sp>
@@ -7758,15 +7950,15 @@
 
 <file path=ppt/tags/tag17.xml><?xml version="1.0" encoding="utf-8"?>
 <p:tagLst xmlns:p="http://schemas.openxmlformats.org/presentationml/2006/main">
-  <p:tag name="KSO_WM_UNIT_PLACING_PICTURE_USER_VIEWPORT" val="{&quot;height&quot;:7164,&quot;width&quot;:9554}"/>
+  <p:tag name="KSO_WM_BEAUTIFY_FLAG" val="#wm#"/>
+  <p:tag name="KSO_WM_TEMPLATE_CATEGORY" val="custom"/>
+  <p:tag name="KSO_WM_TEMPLATE_INDEX" val="160402"/>
 </p:tagLst>
 </file>
 
 <file path=ppt/tags/tag18.xml><?xml version="1.0" encoding="utf-8"?>
 <p:tagLst xmlns:p="http://schemas.openxmlformats.org/presentationml/2006/main">
-  <p:tag name="KSO_WM_BEAUTIFY_FLAG" val="#wm#"/>
-  <p:tag name="KSO_WM_TEMPLATE_CATEGORY" val="custom"/>
-  <p:tag name="KSO_WM_TEMPLATE_INDEX" val="160402"/>
+  <p:tag name="KSO_WM_UNIT_PLACING_PICTURE_USER_VIEWPORT" val="{&quot;height&quot;:7164,&quot;width&quot;:9554}"/>
 </p:tagLst>
 </file>
 
@@ -7860,20 +8052,9 @@
 
 <file path=ppt/tags/tag29.xml><?xml version="1.0" encoding="utf-8"?>
 <p:tagLst xmlns:p="http://schemas.openxmlformats.org/presentationml/2006/main">
-  <p:tag name="KSO_WM_TAG_VERSION" val="1.0"/>
   <p:tag name="KSO_WM_BEAUTIFY_FLAG" val="#wm#"/>
   <p:tag name="KSO_WM_TEMPLATE_CATEGORY" val="custom"/>
   <p:tag name="KSO_WM_TEMPLATE_INDEX" val="160402"/>
-  <p:tag name="KSO_WM_UNIT_TYPE" val="a"/>
-  <p:tag name="KSO_WM_UNIT_INDEX" val="1"/>
-  <p:tag name="KSO_WM_UNIT_ID" val="custom160402_28*a*1"/>
-  <p:tag name="KSO_WM_UNIT_CLEAR" val="1"/>
-  <p:tag name="KSO_WM_UNIT_LAYERLEVEL" val="1"/>
-  <p:tag name="KSO_WM_UNIT_VALUE" val="6"/>
-  <p:tag name="KSO_WM_UNIT_ISCONTENTSTITLE" val="0"/>
-  <p:tag name="KSO_WM_UNIT_HIGHLIGHT" val="0"/>
-  <p:tag name="KSO_WM_UNIT_COMPATIBLE" val="0"/>
-  <p:tag name="KSO_WM_UNIT_PRESET_TEXT" val="THANKS"/>
 </p:tagLst>
 </file>
 
@@ -7893,6 +8074,25 @@
   <p:tag name="KSO_WM_BEAUTIFY_FLAG" val="#wm#"/>
   <p:tag name="KSO_WM_TEMPLATE_CATEGORY" val="custom"/>
   <p:tag name="KSO_WM_TEMPLATE_INDEX" val="160402"/>
+  <p:tag name="KSO_WM_UNIT_TYPE" val="a"/>
+  <p:tag name="KSO_WM_UNIT_INDEX" val="1"/>
+  <p:tag name="KSO_WM_UNIT_ID" val="custom160402_28*a*1"/>
+  <p:tag name="KSO_WM_UNIT_CLEAR" val="1"/>
+  <p:tag name="KSO_WM_UNIT_LAYERLEVEL" val="1"/>
+  <p:tag name="KSO_WM_UNIT_VALUE" val="6"/>
+  <p:tag name="KSO_WM_UNIT_ISCONTENTSTITLE" val="0"/>
+  <p:tag name="KSO_WM_UNIT_HIGHLIGHT" val="0"/>
+  <p:tag name="KSO_WM_UNIT_COMPATIBLE" val="0"/>
+  <p:tag name="KSO_WM_UNIT_PRESET_TEXT" val="THANKS"/>
+</p:tagLst>
+</file>
+
+<file path=ppt/tags/tag31.xml><?xml version="1.0" encoding="utf-8"?>
+<p:tagLst xmlns:p="http://schemas.openxmlformats.org/presentationml/2006/main">
+  <p:tag name="KSO_WM_TAG_VERSION" val="1.0"/>
+  <p:tag name="KSO_WM_BEAUTIFY_FLAG" val="#wm#"/>
+  <p:tag name="KSO_WM_TEMPLATE_CATEGORY" val="custom"/>
+  <p:tag name="KSO_WM_TEMPLATE_INDEX" val="160402"/>
   <p:tag name="KSO_WM_UNIT_TYPE" val="b"/>
   <p:tag name="KSO_WM_UNIT_INDEX" val="1"/>
   <p:tag name="KSO_WM_UNIT_ID" val="custom160402_28*b*1"/>
@@ -7906,7 +8106,7 @@
 </p:tagLst>
 </file>
 
-<file path=ppt/tags/tag31.xml><?xml version="1.0" encoding="utf-8"?>
+<file path=ppt/tags/tag32.xml><?xml version="1.0" encoding="utf-8"?>
 <p:tagLst xmlns:p="http://schemas.openxmlformats.org/presentationml/2006/main">
   <p:tag name="KSO_WM_TEMPLATE_CATEGORY" val="custom"/>
   <p:tag name="KSO_WM_TEMPLATE_INDEX" val="160402"/>

--- a/Web/Electron-Notes.pptx
+++ b/Web/Electron-Notes.pptx
@@ -5,10 +5,10 @@
     <p:sldMasterId id="2147483648" r:id="rId1"/>
   </p:sldMasterIdLst>
   <p:notesMasterIdLst>
-    <p:notesMasterId r:id="rId27"/>
+    <p:notesMasterId r:id="rId31"/>
   </p:notesMasterIdLst>
   <p:handoutMasterIdLst>
-    <p:handoutMasterId r:id="rId28"/>
+    <p:handoutMasterId r:id="rId32"/>
   </p:handoutMasterIdLst>
   <p:sldIdLst>
     <p:sldId id="256" r:id="rId3"/>
@@ -18,23 +18,27 @@
     <p:sldId id="265" r:id="rId7"/>
     <p:sldId id="267" r:id="rId8"/>
     <p:sldId id="296" r:id="rId9"/>
-    <p:sldId id="314" r:id="rId10"/>
-    <p:sldId id="298" r:id="rId11"/>
-    <p:sldId id="269" r:id="rId12"/>
-    <p:sldId id="268" r:id="rId13"/>
-    <p:sldId id="284" r:id="rId14"/>
-    <p:sldId id="270" r:id="rId15"/>
-    <p:sldId id="272" r:id="rId16"/>
-    <p:sldId id="273" r:id="rId17"/>
-    <p:sldId id="274" r:id="rId18"/>
-    <p:sldId id="278" r:id="rId19"/>
-    <p:sldId id="276" r:id="rId20"/>
-    <p:sldId id="279" r:id="rId21"/>
-    <p:sldId id="271" r:id="rId22"/>
-    <p:sldId id="283" r:id="rId23"/>
-    <p:sldId id="295" r:id="rId24"/>
-    <p:sldId id="297" r:id="rId25"/>
-    <p:sldId id="261" r:id="rId26"/>
+    <p:sldId id="331" r:id="rId10"/>
+    <p:sldId id="314" r:id="rId11"/>
+    <p:sldId id="298" r:id="rId12"/>
+    <p:sldId id="363" r:id="rId13"/>
+    <p:sldId id="364" r:id="rId14"/>
+    <p:sldId id="269" r:id="rId15"/>
+    <p:sldId id="268" r:id="rId16"/>
+    <p:sldId id="349" r:id="rId17"/>
+    <p:sldId id="284" r:id="rId18"/>
+    <p:sldId id="270" r:id="rId19"/>
+    <p:sldId id="272" r:id="rId20"/>
+    <p:sldId id="273" r:id="rId21"/>
+    <p:sldId id="274" r:id="rId22"/>
+    <p:sldId id="278" r:id="rId23"/>
+    <p:sldId id="276" r:id="rId24"/>
+    <p:sldId id="279" r:id="rId25"/>
+    <p:sldId id="271" r:id="rId26"/>
+    <p:sldId id="283" r:id="rId27"/>
+    <p:sldId id="295" r:id="rId28"/>
+    <p:sldId id="297" r:id="rId29"/>
+    <p:sldId id="261" r:id="rId30"/>
   </p:sldIdLst>
   <p:sldSz cx="12192000" cy="6858000"/>
   <p:notesSz cx="6858000" cy="9144000"/>
@@ -3743,7 +3747,7 @@
             <a:pPr algn="ctr"/>
             <a:r>
               <a:rPr lang="en-US" altLang="zh-CN" smtClean="0"/>
-              <a:t>Last updated: 1/4/2021</a:t>
+              <a:t>Last updated: 5/29/2021</a:t>
             </a:r>
             <a:endParaRPr lang="en-US" altLang="zh-CN" smtClean="0"/>
           </a:p>
@@ -3772,7 +3776,7 @@
       <p:grpSpPr/>
       <p:sp>
         <p:nvSpPr>
-          <p:cNvPr id="4" name="标题 3"/>
+          <p:cNvPr id="2" name="标题 1"/>
           <p:cNvSpPr>
             <a:spLocks noGrp="1"/>
           </p:cNvSpPr>
@@ -3786,27 +3790,70 @@
           <a:p>
             <a:r>
               <a:rPr lang="en-US" altLang="zh-CN"/>
-              <a:t>Electron-Vue</a:t>
-            </a:r>
-            <a:endParaRPr lang="en-US" altLang="zh-CN"/>
-          </a:p>
-        </p:txBody>
-      </p:sp>
-      <p:sp>
-        <p:nvSpPr>
-          <p:cNvPr id="5" name="文本占位符 4"/>
-          <p:cNvSpPr>
-            <a:spLocks noGrp="1"/>
-          </p:cNvSpPr>
-          <p:nvPr>
-            <p:ph type="body" idx="1"/>
+              <a:t>FS</a:t>
+            </a:r>
+            <a:endParaRPr lang="en-US" altLang="zh-CN"/>
+          </a:p>
+        </p:txBody>
+      </p:sp>
+      <p:sp>
+        <p:nvSpPr>
+          <p:cNvPr id="3" name="内容占位符 2"/>
+          <p:cNvSpPr>
+            <a:spLocks noGrp="1"/>
+          </p:cNvSpPr>
+          <p:nvPr>
+            <p:ph idx="1"/>
           </p:nvPr>
         </p:nvSpPr>
         <p:spPr/>
         <p:txBody>
           <a:bodyPr/>
           <a:p>
-            <a:endParaRPr lang="zh-CN" altLang="en-US"/>
+            <a:r>
+              <a:rPr lang="en-US" altLang="zh-CN"/>
+              <a:t>require('fs')</a:t>
+            </a:r>
+            <a:endParaRPr lang="en-US" altLang="zh-CN"/>
+          </a:p>
+          <a:p>
+            <a:r>
+              <a:rPr lang="en-US" altLang="zh-CN"/>
+              <a:t>Usage</a:t>
+            </a:r>
+            <a:endParaRPr lang="en-US" altLang="zh-CN"/>
+          </a:p>
+          <a:p>
+            <a:pPr lvl="1"/>
+            <a:r>
+              <a:rPr lang="en-US" altLang="zh-CN"/>
+              <a:t>fs.writeFile(fn, buf, function (err) {</a:t>
+            </a:r>
+            <a:endParaRPr lang="en-US" altLang="zh-CN"/>
+          </a:p>
+          <a:p>
+            <a:pPr lvl="2"/>
+            <a:r>
+              <a:rPr lang="en-US" altLang="zh-CN"/>
+              <a:t>throw(err)</a:t>
+            </a:r>
+            <a:endParaRPr lang="en-US" altLang="zh-CN"/>
+          </a:p>
+          <a:p>
+            <a:pPr lvl="1"/>
+            <a:r>
+              <a:rPr lang="en-US" altLang="zh-CN"/>
+              <a:t>})</a:t>
+            </a:r>
+            <a:endParaRPr lang="en-US" altLang="zh-CN"/>
+          </a:p>
+          <a:p>
+            <a:pPr lvl="1"/>
+            <a:r>
+              <a:rPr lang="en-US" altLang="zh-CN"/>
+              <a:t>fs.readFileSync(fn)</a:t>
+            </a:r>
+            <a:endParaRPr lang="en-US" altLang="zh-CN"/>
           </a:p>
         </p:txBody>
       </p:sp>
@@ -3822,6 +3869,261 @@
 </file>
 
 <file path=ppt/slides/slide11.xml><?xml version="1.0" encoding="utf-8"?>
+<p:sld xmlns:a="http://schemas.openxmlformats.org/drawingml/2006/main" xmlns:r="http://schemas.openxmlformats.org/officeDocument/2006/relationships" xmlns:p="http://schemas.openxmlformats.org/presentationml/2006/main">
+  <p:cSld>
+    <p:spTree>
+      <p:nvGrpSpPr>
+        <p:cNvPr id="1" name=""/>
+        <p:cNvGrpSpPr/>
+        <p:nvPr/>
+      </p:nvGrpSpPr>
+      <p:grpSpPr/>
+      <p:sp>
+        <p:nvSpPr>
+          <p:cNvPr id="2" name="标题 1"/>
+          <p:cNvSpPr>
+            <a:spLocks noGrp="1"/>
+          </p:cNvSpPr>
+          <p:nvPr>
+            <p:ph type="title"/>
+          </p:nvPr>
+        </p:nvSpPr>
+        <p:spPr/>
+        <p:txBody>
+          <a:bodyPr/>
+          <a:p>
+            <a:r>
+              <a:rPr lang="en-US" altLang="zh-CN"/>
+              <a:t>asar</a:t>
+            </a:r>
+            <a:endParaRPr lang="en-US" altLang="zh-CN"/>
+          </a:p>
+        </p:txBody>
+      </p:sp>
+      <p:sp>
+        <p:nvSpPr>
+          <p:cNvPr id="3" name="内容占位符 2"/>
+          <p:cNvSpPr>
+            <a:spLocks noGrp="1"/>
+          </p:cNvSpPr>
+          <p:nvPr>
+            <p:ph idx="1"/>
+          </p:nvPr>
+        </p:nvSpPr>
+        <p:spPr/>
+        <p:txBody>
+          <a:bodyPr/>
+          <a:p>
+            <a:r>
+              <a:rPr lang="en-US" altLang="zh-CN"/>
+              <a:t>Reference</a:t>
+            </a:r>
+            <a:endParaRPr lang="en-US" altLang="zh-CN"/>
+          </a:p>
+          <a:p>
+            <a:pPr lvl="1"/>
+            <a:r>
+              <a:rPr lang="en-US" altLang="zh-CN"/>
+              <a:t>https://github.com/electron/asar</a:t>
+            </a:r>
+            <a:endParaRPr lang="en-US" altLang="zh-CN"/>
+          </a:p>
+          <a:p>
+            <a:pPr lvl="0"/>
+            <a:r>
+              <a:rPr lang="en-US" altLang="zh-CN"/>
+              <a:t>Install</a:t>
+            </a:r>
+            <a:endParaRPr lang="en-US" altLang="zh-CN"/>
+          </a:p>
+          <a:p>
+            <a:pPr lvl="1"/>
+            <a:r>
+              <a:rPr lang="en-US" altLang="zh-CN"/>
+              <a:t>npm install --engine-strict asar</a:t>
+            </a:r>
+            <a:endParaRPr lang="en-US" altLang="zh-CN"/>
+          </a:p>
+          <a:p>
+            <a:pPr lvl="0"/>
+            <a:r>
+              <a:rPr lang="en-US" altLang="zh-CN"/>
+              <a:t>Usage</a:t>
+            </a:r>
+            <a:endParaRPr lang="en-US" altLang="zh-CN"/>
+          </a:p>
+          <a:p>
+            <a:pPr lvl="1"/>
+            <a:r>
+              <a:rPr lang="en-US" altLang="zh-CN"/>
+              <a:t>asar l app.asar</a:t>
+            </a:r>
+            <a:endParaRPr lang="en-US" altLang="zh-CN"/>
+          </a:p>
+        </p:txBody>
+      </p:sp>
+    </p:spTree>
+    <p:custDataLst>
+      <p:tags r:id="rId1"/>
+    </p:custDataLst>
+  </p:cSld>
+  <p:clrMapOvr>
+    <a:masterClrMapping/>
+  </p:clrMapOvr>
+</p:sld>
+</file>
+
+<file path=ppt/slides/slide12.xml><?xml version="1.0" encoding="utf-8"?>
+<p:sld xmlns:a="http://schemas.openxmlformats.org/drawingml/2006/main" xmlns:r="http://schemas.openxmlformats.org/officeDocument/2006/relationships" xmlns:p="http://schemas.openxmlformats.org/presentationml/2006/main">
+  <p:cSld>
+    <p:spTree>
+      <p:nvGrpSpPr>
+        <p:cNvPr id="1" name=""/>
+        <p:cNvGrpSpPr/>
+        <p:nvPr/>
+      </p:nvGrpSpPr>
+      <p:grpSpPr/>
+      <p:sp>
+        <p:nvSpPr>
+          <p:cNvPr id="2" name="标题 1"/>
+          <p:cNvSpPr>
+            <a:spLocks noGrp="1"/>
+          </p:cNvSpPr>
+          <p:nvPr>
+            <p:ph type="title"/>
+          </p:nvPr>
+        </p:nvSpPr>
+        <p:spPr/>
+        <p:txBody>
+          <a:bodyPr/>
+          <a:p>
+            <a:r>
+              <a:rPr lang="en-US" altLang="zh-CN"/>
+              <a:t>Create Installer</a:t>
+            </a:r>
+            <a:endParaRPr lang="en-US" altLang="zh-CN"/>
+          </a:p>
+        </p:txBody>
+      </p:sp>
+      <p:sp>
+        <p:nvSpPr>
+          <p:cNvPr id="3" name="内容占位符 2"/>
+          <p:cNvSpPr>
+            <a:spLocks noGrp="1"/>
+          </p:cNvSpPr>
+          <p:nvPr>
+            <p:ph idx="1"/>
+          </p:nvPr>
+        </p:nvSpPr>
+        <p:spPr/>
+        <p:txBody>
+          <a:bodyPr/>
+          <a:p>
+            <a:r>
+              <a:rPr lang="en-US" altLang="zh-CN"/>
+              <a:t>References</a:t>
+            </a:r>
+            <a:endParaRPr lang="en-US" altLang="zh-CN"/>
+          </a:p>
+          <a:p>
+            <a:pPr lvl="1"/>
+            <a:r>
+              <a:rPr lang="en-US" altLang="zh-CN"/>
+              <a:t>https://newsn.net/say/electron-innosetup.html</a:t>
+            </a:r>
+            <a:endParaRPr lang="en-US" altLang="zh-CN"/>
+          </a:p>
+          <a:p>
+            <a:pPr lvl="0"/>
+            <a:r>
+              <a:rPr lang="en-US" altLang="zh-CN"/>
+              <a:t>Steps</a:t>
+            </a:r>
+            <a:endParaRPr lang="en-US" altLang="zh-CN"/>
+          </a:p>
+          <a:p>
+            <a:pPr lvl="1"/>
+            <a:r>
+              <a:rPr lang="en-US" altLang="zh-CN"/>
+              <a:t>Run Inno Setup Compiler with wizard mode</a:t>
+            </a:r>
+            <a:endParaRPr lang="en-US" altLang="zh-CN"/>
+          </a:p>
+        </p:txBody>
+      </p:sp>
+    </p:spTree>
+    <p:custDataLst>
+      <p:tags r:id="rId1"/>
+    </p:custDataLst>
+  </p:cSld>
+  <p:clrMapOvr>
+    <a:masterClrMapping/>
+  </p:clrMapOvr>
+</p:sld>
+</file>
+
+<file path=ppt/slides/slide13.xml><?xml version="1.0" encoding="utf-8"?>
+<p:sld xmlns:a="http://schemas.openxmlformats.org/drawingml/2006/main" xmlns:r="http://schemas.openxmlformats.org/officeDocument/2006/relationships" xmlns:p="http://schemas.openxmlformats.org/presentationml/2006/main">
+  <p:cSld>
+    <p:spTree>
+      <p:nvGrpSpPr>
+        <p:cNvPr id="1" name=""/>
+        <p:cNvGrpSpPr/>
+        <p:nvPr/>
+      </p:nvGrpSpPr>
+      <p:grpSpPr/>
+      <p:sp>
+        <p:nvSpPr>
+          <p:cNvPr id="4" name="标题 3"/>
+          <p:cNvSpPr>
+            <a:spLocks noGrp="1"/>
+          </p:cNvSpPr>
+          <p:nvPr>
+            <p:ph type="title"/>
+          </p:nvPr>
+        </p:nvSpPr>
+        <p:spPr/>
+        <p:txBody>
+          <a:bodyPr/>
+          <a:p>
+            <a:r>
+              <a:rPr lang="en-US" altLang="zh-CN"/>
+              <a:t>Electron-Vue</a:t>
+            </a:r>
+            <a:endParaRPr lang="en-US" altLang="zh-CN"/>
+          </a:p>
+        </p:txBody>
+      </p:sp>
+      <p:sp>
+        <p:nvSpPr>
+          <p:cNvPr id="5" name="文本占位符 4"/>
+          <p:cNvSpPr>
+            <a:spLocks noGrp="1"/>
+          </p:cNvSpPr>
+          <p:nvPr>
+            <p:ph type="body" idx="1"/>
+          </p:nvPr>
+        </p:nvSpPr>
+        <p:spPr/>
+        <p:txBody>
+          <a:bodyPr/>
+          <a:p>
+            <a:endParaRPr lang="zh-CN" altLang="en-US"/>
+          </a:p>
+        </p:txBody>
+      </p:sp>
+    </p:spTree>
+    <p:custDataLst>
+      <p:tags r:id="rId1"/>
+    </p:custDataLst>
+  </p:cSld>
+  <p:clrMapOvr>
+    <a:masterClrMapping/>
+  </p:clrMapOvr>
+</p:sld>
+</file>
+
+<file path=ppt/slides/slide14.xml><?xml version="1.0" encoding="utf-8"?>
 <p:sld xmlns:a="http://schemas.openxmlformats.org/drawingml/2006/main" xmlns:r="http://schemas.openxmlformats.org/officeDocument/2006/relationships" xmlns:p="http://schemas.openxmlformats.org/presentationml/2006/main">
   <p:cSld>
     <p:spTree>
@@ -4367,7 +4669,7 @@
 </p:sld>
 </file>
 
-<file path=ppt/slides/slide12.xml><?xml version="1.0" encoding="utf-8"?>
+<file path=ppt/slides/slide15.xml><?xml version="1.0" encoding="utf-8"?>
 <p:sld xmlns:a="http://schemas.openxmlformats.org/drawingml/2006/main" xmlns:r="http://schemas.openxmlformats.org/officeDocument/2006/relationships" xmlns:p="http://schemas.openxmlformats.org/presentationml/2006/main">
   <p:cSld>
     <p:spTree>
@@ -4389,13 +4691,11 @@
         </p:nvSpPr>
         <p:spPr/>
         <p:txBody>
-          <a:bodyPr>
-            <a:normAutofit/>
-          </a:bodyPr>
-          <a:p>
-            <a:r>
-              <a:rPr lang="en-US" altLang="zh-CN"/>
-              <a:t>Processes</a:t>
+          <a:bodyPr/>
+          <a:p>
+            <a:r>
+              <a:rPr lang="en-US" altLang="zh-CN"/>
+              <a:t>Set Up Project</a:t>
             </a:r>
             <a:endParaRPr lang="en-US" altLang="zh-CN"/>
           </a:p>
@@ -4417,37 +4717,70 @@
           <a:p>
             <a:r>
               <a:rPr lang="en-US" altLang="zh-CN"/>
-              <a:t>Main process</a:t>
-            </a:r>
-            <a:endParaRPr lang="en-US" altLang="zh-CN"/>
-          </a:p>
-          <a:p>
-            <a:pPr lvl="1"/>
-            <a:r>
-              <a:rPr lang="en-US" altLang="zh-CN" sz="2000"/>
-              <a:t>Entry: src/main/index.js</a:t>
-            </a:r>
-            <a:endParaRPr lang="en-US" altLang="zh-CN"/>
-          </a:p>
-          <a:p>
-            <a:r>
-              <a:rPr lang="en-US" altLang="zh-CN"/>
-              <a:t>Renderer process</a:t>
-            </a:r>
-            <a:endParaRPr lang="en-US" altLang="zh-CN"/>
-          </a:p>
-          <a:p>
-            <a:r>
-              <a:rPr lang="en-US" altLang="zh-CN"/>
-              <a:t>IPC</a:t>
-            </a:r>
-            <a:endParaRPr lang="en-US" altLang="zh-CN"/>
-          </a:p>
-          <a:p>
-            <a:pPr lvl="1"/>
-            <a:r>
-              <a:rPr lang="en-US" altLang="zh-CN"/>
-              <a:t>ipcMain, ipcRenderer</a:t>
+              <a:t>References</a:t>
+            </a:r>
+            <a:endParaRPr lang="en-US" altLang="zh-CN"/>
+          </a:p>
+          <a:p>
+            <a:pPr lvl="1"/>
+            <a:r>
+              <a:rPr lang="en-US" altLang="zh-CN"/>
+              <a:t>https://stricker.digital/posts/electron-with-vue-and-webpack/</a:t>
+            </a:r>
+            <a:endParaRPr lang="en-US" altLang="zh-CN"/>
+          </a:p>
+          <a:p>
+            <a:r>
+              <a:rPr lang="en-US" altLang="zh-CN"/>
+              <a:t>Vue CLI 3</a:t>
+            </a:r>
+            <a:endParaRPr lang="en-US" altLang="zh-CN"/>
+          </a:p>
+          <a:p>
+            <a:pPr lvl="1"/>
+            <a:r>
+              <a:rPr lang="en-US" altLang="zh-CN"/>
+              <a:t>vue --version</a:t>
+            </a:r>
+            <a:endParaRPr lang="en-US" altLang="zh-CN"/>
+          </a:p>
+          <a:p>
+            <a:pPr lvl="1"/>
+            <a:r>
+              <a:rPr lang="en-US" altLang="zh-CN"/>
+              <a:t>npm install -g @vue/cli</a:t>
+            </a:r>
+            <a:endParaRPr lang="en-US" altLang="zh-CN"/>
+          </a:p>
+          <a:p>
+            <a:pPr lvl="1"/>
+            <a:r>
+              <a:rPr lang="en-US" altLang="zh-CN"/>
+              <a:t>vue create {proj}</a:t>
+            </a:r>
+            <a:endParaRPr lang="en-US" altLang="zh-CN"/>
+          </a:p>
+          <a:p>
+            <a:pPr lvl="1"/>
+            <a:r>
+              <a:rPr lang="en-US" altLang="zh-CN"/>
+              <a:t>cd {proj}</a:t>
+            </a:r>
+            <a:endParaRPr lang="en-US" altLang="zh-CN"/>
+          </a:p>
+          <a:p>
+            <a:pPr lvl="1"/>
+            <a:r>
+              <a:rPr lang="en-US" altLang="zh-CN"/>
+              <a:t>vue add electron-builder</a:t>
+            </a:r>
+            <a:endParaRPr lang="en-US" altLang="zh-CN"/>
+          </a:p>
+          <a:p>
+            <a:pPr lvl="1"/>
+            <a:r>
+              <a:rPr lang="en-US" altLang="zh-CN"/>
+              <a:t>yarn electron:serve</a:t>
             </a:r>
             <a:endParaRPr lang="en-US" altLang="zh-CN"/>
           </a:p>
@@ -4464,7 +4797,120 @@
 </p:sld>
 </file>
 
-<file path=ppt/slides/slide13.xml><?xml version="1.0" encoding="utf-8"?>
+<file path=ppt/slides/slide16.xml><?xml version="1.0" encoding="utf-8"?>
+<p:sld xmlns:a="http://schemas.openxmlformats.org/drawingml/2006/main" xmlns:r="http://schemas.openxmlformats.org/officeDocument/2006/relationships" xmlns:p="http://schemas.openxmlformats.org/presentationml/2006/main">
+  <p:cSld>
+    <p:spTree>
+      <p:nvGrpSpPr>
+        <p:cNvPr id="1" name=""/>
+        <p:cNvGrpSpPr/>
+        <p:nvPr/>
+      </p:nvGrpSpPr>
+      <p:grpSpPr/>
+      <p:sp>
+        <p:nvSpPr>
+          <p:cNvPr id="2" name="标题 1"/>
+          <p:cNvSpPr>
+            <a:spLocks noGrp="1"/>
+          </p:cNvSpPr>
+          <p:nvPr>
+            <p:ph type="title"/>
+          </p:nvPr>
+        </p:nvSpPr>
+        <p:spPr/>
+        <p:txBody>
+          <a:bodyPr>
+            <a:normAutofit/>
+          </a:bodyPr>
+          <a:p>
+            <a:r>
+              <a:rPr lang="en-US" altLang="zh-CN"/>
+              <a:t>Processes</a:t>
+            </a:r>
+            <a:endParaRPr lang="en-US" altLang="zh-CN"/>
+          </a:p>
+        </p:txBody>
+      </p:sp>
+      <p:sp>
+        <p:nvSpPr>
+          <p:cNvPr id="3" name="内容占位符 2"/>
+          <p:cNvSpPr>
+            <a:spLocks noGrp="1"/>
+          </p:cNvSpPr>
+          <p:nvPr>
+            <p:ph idx="1"/>
+          </p:nvPr>
+        </p:nvSpPr>
+        <p:spPr/>
+        <p:txBody>
+          <a:bodyPr/>
+          <a:p>
+            <a:r>
+              <a:rPr lang="en-US" altLang="zh-CN"/>
+              <a:t>Main process</a:t>
+            </a:r>
+            <a:endParaRPr lang="en-US" altLang="zh-CN"/>
+          </a:p>
+          <a:p>
+            <a:pPr lvl="1"/>
+            <a:r>
+              <a:rPr lang="en-US" altLang="zh-CN" sz="2000"/>
+              <a:t>Entry: src/main/index.js</a:t>
+            </a:r>
+            <a:endParaRPr lang="en-US" altLang="zh-CN"/>
+          </a:p>
+          <a:p>
+            <a:r>
+              <a:rPr lang="en-US" altLang="zh-CN"/>
+              <a:t>Renderer process</a:t>
+            </a:r>
+            <a:endParaRPr lang="en-US" altLang="zh-CN"/>
+          </a:p>
+          <a:p>
+            <a:r>
+              <a:rPr lang="en-US" altLang="zh-CN"/>
+              <a:t>IPC</a:t>
+            </a:r>
+            <a:endParaRPr lang="en-US" altLang="zh-CN"/>
+          </a:p>
+          <a:p>
+            <a:pPr lvl="1"/>
+            <a:r>
+              <a:rPr lang="en-US" altLang="zh-CN"/>
+              <a:t>ipcMain, ipcRenderer</a:t>
+            </a:r>
+            <a:endParaRPr lang="en-US" altLang="zh-CN"/>
+          </a:p>
+          <a:p>
+            <a:pPr lvl="1"/>
+            <a:r>
+              <a:rPr lang="en-US" altLang="zh-CN"/>
+              <a:t>ipcRenderer.invoke(msg, arguments)	// send request to ipcMain</a:t>
+            </a:r>
+            <a:endParaRPr lang="en-US" altLang="zh-CN"/>
+          </a:p>
+          <a:p>
+            <a:pPr lvl="1"/>
+            <a:r>
+              <a:rPr lang="en-US" altLang="zh-CN"/>
+              <a:t>ipcMain.invoke(msg, arguments)	// send request to ipcRenderer</a:t>
+            </a:r>
+            <a:endParaRPr lang="en-US" altLang="zh-CN"/>
+          </a:p>
+        </p:txBody>
+      </p:sp>
+    </p:spTree>
+    <p:custDataLst>
+      <p:tags r:id="rId1"/>
+    </p:custDataLst>
+  </p:cSld>
+  <p:clrMapOvr>
+    <a:masterClrMapping/>
+  </p:clrMapOvr>
+</p:sld>
+</file>
+
+<file path=ppt/slides/slide17.xml><?xml version="1.0" encoding="utf-8"?>
 <p:sld xmlns:a="http://schemas.openxmlformats.org/drawingml/2006/main" xmlns:r="http://schemas.openxmlformats.org/officeDocument/2006/relationships" xmlns:p="http://schemas.openxmlformats.org/presentationml/2006/main">
   <p:cSld>
     <p:spTree>
@@ -4536,7 +4982,7 @@
 </p:sld>
 </file>
 
-<file path=ppt/slides/slide14.xml><?xml version="1.0" encoding="utf-8"?>
+<file path=ppt/slides/slide18.xml><?xml version="1.0" encoding="utf-8"?>
 <p:sld xmlns:a="http://schemas.openxmlformats.org/drawingml/2006/main" xmlns:r="http://schemas.openxmlformats.org/officeDocument/2006/relationships" xmlns:p="http://schemas.openxmlformats.org/presentationml/2006/main">
   <p:cSld>
     <p:spTree>
@@ -4707,7 +5153,7 @@
 </p:sld>
 </file>
 
-<file path=ppt/slides/slide15.xml><?xml version="1.0" encoding="utf-8"?>
+<file path=ppt/slides/slide19.xml><?xml version="1.0" encoding="utf-8"?>
 <p:sld xmlns:a="http://schemas.openxmlformats.org/drawingml/2006/main" xmlns:r="http://schemas.openxmlformats.org/officeDocument/2006/relationships" xmlns:p="http://schemas.openxmlformats.org/presentationml/2006/main">
   <p:cSld>
     <p:spTree>
@@ -4852,7 +5298,7 @@
 </p:sld>
 </file>
 
-<file path=ppt/slides/slide16.xml><?xml version="1.0" encoding="utf-8"?>
+<file path=ppt/slides/slide2.xml><?xml version="1.0" encoding="utf-8"?>
 <p:sld xmlns:a="http://schemas.openxmlformats.org/drawingml/2006/main" xmlns:r="http://schemas.openxmlformats.org/officeDocument/2006/relationships" xmlns:p="http://schemas.openxmlformats.org/presentationml/2006/main">
   <p:cSld>
     <p:spTree>
@@ -4878,7 +5324,7 @@
           <a:p>
             <a:r>
               <a:rPr lang="en-US" altLang="zh-CN"/>
-              <a:t>remote Module</a:t>
+              <a:t>Overview</a:t>
             </a:r>
             <a:endParaRPr lang="en-US" altLang="zh-CN"/>
           </a:p>
@@ -4900,15 +5346,39 @@
           <a:p>
             <a:r>
               <a:rPr lang="en-US" altLang="zh-CN"/>
-              <a:t>shell</a:t>
-            </a:r>
-            <a:endParaRPr lang="en-US" altLang="zh-CN"/>
-          </a:p>
-          <a:p>
-            <a:pPr lvl="1"/>
-            <a:r>
-              <a:rPr lang="en-US" altLang="zh-CN"/>
-              <a:t>this.$electron.remote.shell.openExternal('url')</a:t>
+              <a:t>Construct desktop UI application using web technology</a:t>
+            </a:r>
+            <a:endParaRPr lang="en-US" altLang="zh-CN"/>
+          </a:p>
+          <a:p>
+            <a:pPr lvl="1"/>
+            <a:r>
+              <a:rPr lang="en-US" altLang="zh-CN"/>
+              <a:t>Node.js runtime for backend</a:t>
+            </a:r>
+            <a:endParaRPr lang="en-US" altLang="zh-CN"/>
+          </a:p>
+          <a:p>
+            <a:pPr lvl="1"/>
+            <a:r>
+              <a:rPr lang="en-US" altLang="zh-CN"/>
+              <a:t>Chromium for frontend</a:t>
+            </a:r>
+            <a:endParaRPr lang="en-US" altLang="zh-CN"/>
+          </a:p>
+          <a:p>
+            <a:pPr lvl="1"/>
+            <a:r>
+              <a:rPr lang="en-US" altLang="zh-CN"/>
+              <a:t>Embeds Node</a:t>
+            </a:r>
+            <a:endParaRPr lang="en-US" altLang="zh-CN"/>
+          </a:p>
+          <a:p>
+            <a:pPr lvl="1"/>
+            <a:r>
+              <a:rPr lang="en-US" altLang="zh-CN"/>
+              <a:t>node_modules/.bin/electron --version</a:t>
             </a:r>
             <a:endParaRPr lang="en-US" altLang="zh-CN"/>
           </a:p>
@@ -4916,48 +5386,46 @@
             <a:pPr lvl="0"/>
             <a:r>
               <a:rPr lang="en-US" altLang="zh-CN"/>
-              <a:t>dialog</a:t>
-            </a:r>
-            <a:endParaRPr lang="en-US" altLang="zh-CN"/>
-          </a:p>
-          <a:p>
-            <a:pPr lvl="1"/>
-            <a:r>
-              <a:rPr lang="en-US" altLang="zh-CN"/>
-              <a:t>this.$electron.remote.dialog.showMessageBox({</a:t>
-            </a:r>
-            <a:endParaRPr lang="en-US" altLang="zh-CN"/>
-          </a:p>
-          <a:p>
-            <a:pPr lvl="2"/>
-            <a:r>
-              <a:rPr lang="en-US" altLang="zh-CN"/>
-              <a:t>title: 'title',</a:t>
-            </a:r>
-            <a:endParaRPr lang="en-US" altLang="zh-CN"/>
-          </a:p>
-          <a:p>
-            <a:pPr lvl="2"/>
-            <a:r>
-              <a:rPr lang="en-US" altLang="zh-CN"/>
-              <a:t>message: 'message',</a:t>
-            </a:r>
-            <a:endParaRPr lang="en-US" altLang="zh-CN"/>
-          </a:p>
-          <a:p>
-            <a:pPr lvl="2"/>
-            <a:r>
-              <a:rPr lang="en-US" altLang="zh-CN"/>
-              <a:t>detail: 'detail',</a:t>
-            </a:r>
-            <a:endParaRPr lang="en-US" altLang="zh-CN"/>
-          </a:p>
-          <a:p>
-            <a:pPr lvl="1"/>
-            <a:r>
-              <a:rPr lang="en-US" altLang="zh-CN"/>
-              <a:t>})</a:t>
-            </a:r>
+              <a:t>References</a:t>
+            </a:r>
+            <a:endParaRPr lang="en-US" altLang="zh-CN"/>
+          </a:p>
+          <a:p>
+            <a:pPr lvl="1"/>
+            <a:r>
+              <a:rPr lang="en-US" altLang="zh-CN"/>
+              <a:t>https://auth0.com/blog/electron-tutorial-building-modern-desktop-apps-with-vue-js/</a:t>
+            </a:r>
+            <a:endParaRPr lang="en-US" altLang="zh-CN"/>
+          </a:p>
+          <a:p>
+            <a:pPr lvl="1"/>
+            <a:r>
+              <a:rPr lang="en-US" altLang="zh-CN"/>
+              <a:t>https://nklayman.github.io/vue-cli-plugin-electron-builder/guide/commonIssues.html#blank-screen-on-builds-but-works-fine-on-serve</a:t>
+            </a:r>
+            <a:endParaRPr lang="en-US" altLang="zh-CN"/>
+          </a:p>
+          <a:p>
+            <a:pPr lvl="1"/>
+            <a:r>
+              <a:rPr lang="en-US" altLang="zh-CN"/>
+              <a:t>https://github.com/node-ffi/node-ffi/wiki/Node-FFI-Tutorial</a:t>
+            </a:r>
+            <a:endParaRPr lang="en-US" altLang="zh-CN"/>
+          </a:p>
+          <a:p>
+            <a:pPr lvl="1"/>
+            <a:r>
+              <a:rPr lang="en-US" altLang="zh-CN">
+                <a:sym typeface="+mn-ea"/>
+              </a:rPr>
+              <a:t>https://www.cnblogs.com/silenzio/p/11580104.html</a:t>
+            </a:r>
+            <a:endParaRPr lang="en-US" altLang="zh-CN"/>
+          </a:p>
+          <a:p>
+            <a:pPr lvl="1"/>
             <a:endParaRPr lang="en-US" altLang="zh-CN"/>
           </a:p>
         </p:txBody>
@@ -4973,7 +5441,128 @@
 </p:sld>
 </file>
 
-<file path=ppt/slides/slide17.xml><?xml version="1.0" encoding="utf-8"?>
+<file path=ppt/slides/slide20.xml><?xml version="1.0" encoding="utf-8"?>
+<p:sld xmlns:a="http://schemas.openxmlformats.org/drawingml/2006/main" xmlns:r="http://schemas.openxmlformats.org/officeDocument/2006/relationships" xmlns:p="http://schemas.openxmlformats.org/presentationml/2006/main">
+  <p:cSld>
+    <p:spTree>
+      <p:nvGrpSpPr>
+        <p:cNvPr id="1" name=""/>
+        <p:cNvGrpSpPr/>
+        <p:nvPr/>
+      </p:nvGrpSpPr>
+      <p:grpSpPr/>
+      <p:sp>
+        <p:nvSpPr>
+          <p:cNvPr id="2" name="标题 1"/>
+          <p:cNvSpPr>
+            <a:spLocks noGrp="1"/>
+          </p:cNvSpPr>
+          <p:nvPr>
+            <p:ph type="title"/>
+          </p:nvPr>
+        </p:nvSpPr>
+        <p:spPr/>
+        <p:txBody>
+          <a:bodyPr/>
+          <a:p>
+            <a:r>
+              <a:rPr lang="en-US" altLang="zh-CN"/>
+              <a:t>remote Module</a:t>
+            </a:r>
+            <a:endParaRPr lang="en-US" altLang="zh-CN"/>
+          </a:p>
+        </p:txBody>
+      </p:sp>
+      <p:sp>
+        <p:nvSpPr>
+          <p:cNvPr id="3" name="内容占位符 2"/>
+          <p:cNvSpPr>
+            <a:spLocks noGrp="1"/>
+          </p:cNvSpPr>
+          <p:nvPr>
+            <p:ph idx="1"/>
+          </p:nvPr>
+        </p:nvSpPr>
+        <p:spPr/>
+        <p:txBody>
+          <a:bodyPr/>
+          <a:p>
+            <a:r>
+              <a:rPr lang="en-US" altLang="zh-CN"/>
+              <a:t>shell</a:t>
+            </a:r>
+            <a:endParaRPr lang="en-US" altLang="zh-CN"/>
+          </a:p>
+          <a:p>
+            <a:pPr lvl="1"/>
+            <a:r>
+              <a:rPr lang="en-US" altLang="zh-CN"/>
+              <a:t>this.$electron.remote.shell.openExternal('url')</a:t>
+            </a:r>
+            <a:endParaRPr lang="en-US" altLang="zh-CN"/>
+          </a:p>
+          <a:p>
+            <a:pPr lvl="0"/>
+            <a:r>
+              <a:rPr lang="en-US" altLang="zh-CN"/>
+              <a:t>dialog</a:t>
+            </a:r>
+            <a:endParaRPr lang="en-US" altLang="zh-CN"/>
+          </a:p>
+          <a:p>
+            <a:pPr lvl="1"/>
+            <a:r>
+              <a:rPr lang="en-US" altLang="zh-CN"/>
+              <a:t>this.$electron.remote.dialog.showMessageBox({</a:t>
+            </a:r>
+            <a:endParaRPr lang="en-US" altLang="zh-CN"/>
+          </a:p>
+          <a:p>
+            <a:pPr lvl="2"/>
+            <a:r>
+              <a:rPr lang="en-US" altLang="zh-CN"/>
+              <a:t>title: 'title',</a:t>
+            </a:r>
+            <a:endParaRPr lang="en-US" altLang="zh-CN"/>
+          </a:p>
+          <a:p>
+            <a:pPr lvl="2"/>
+            <a:r>
+              <a:rPr lang="en-US" altLang="zh-CN"/>
+              <a:t>message: 'message',</a:t>
+            </a:r>
+            <a:endParaRPr lang="en-US" altLang="zh-CN"/>
+          </a:p>
+          <a:p>
+            <a:pPr lvl="2"/>
+            <a:r>
+              <a:rPr lang="en-US" altLang="zh-CN"/>
+              <a:t>detail: 'detail',</a:t>
+            </a:r>
+            <a:endParaRPr lang="en-US" altLang="zh-CN"/>
+          </a:p>
+          <a:p>
+            <a:pPr lvl="1"/>
+            <a:r>
+              <a:rPr lang="en-US" altLang="zh-CN"/>
+              <a:t>})</a:t>
+            </a:r>
+            <a:endParaRPr lang="en-US" altLang="zh-CN"/>
+          </a:p>
+        </p:txBody>
+      </p:sp>
+    </p:spTree>
+    <p:custDataLst>
+      <p:tags r:id="rId1"/>
+    </p:custDataLst>
+  </p:cSld>
+  <p:clrMapOvr>
+    <a:masterClrMapping/>
+  </p:clrMapOvr>
+</p:sld>
+</file>
+
+<file path=ppt/slides/slide21.xml><?xml version="1.0" encoding="utf-8"?>
 <p:sld xmlns:a="http://schemas.openxmlformats.org/drawingml/2006/main" xmlns:r="http://schemas.openxmlformats.org/officeDocument/2006/relationships" xmlns:p="http://schemas.openxmlformats.org/presentationml/2006/main">
   <p:cSld>
     <p:spTree>
@@ -5297,7 +5886,7 @@
 </p:sld>
 </file>
 
-<file path=ppt/slides/slide18.xml><?xml version="1.0" encoding="utf-8"?>
+<file path=ppt/slides/slide22.xml><?xml version="1.0" encoding="utf-8"?>
 <p:sld xmlns:a="http://schemas.openxmlformats.org/drawingml/2006/main" xmlns:r="http://schemas.openxmlformats.org/officeDocument/2006/relationships" xmlns:p="http://schemas.openxmlformats.org/presentationml/2006/main">
   <p:cSld>
     <p:spTree>
@@ -5395,7 +5984,7 @@
 </p:sld>
 </file>
 
-<file path=ppt/slides/slide19.xml><?xml version="1.0" encoding="utf-8"?>
+<file path=ppt/slides/slide23.xml><?xml version="1.0" encoding="utf-8"?>
 <p:sld xmlns:a="http://schemas.openxmlformats.org/drawingml/2006/main" xmlns:r="http://schemas.openxmlformats.org/officeDocument/2006/relationships" xmlns:p="http://schemas.openxmlformats.org/presentationml/2006/main">
   <p:cSld>
     <p:spTree>
@@ -5466,150 +6055,7 @@
 </p:sld>
 </file>
 
-<file path=ppt/slides/slide2.xml><?xml version="1.0" encoding="utf-8"?>
-<p:sld xmlns:a="http://schemas.openxmlformats.org/drawingml/2006/main" xmlns:r="http://schemas.openxmlformats.org/officeDocument/2006/relationships" xmlns:p="http://schemas.openxmlformats.org/presentationml/2006/main">
-  <p:cSld>
-    <p:spTree>
-      <p:nvGrpSpPr>
-        <p:cNvPr id="1" name=""/>
-        <p:cNvGrpSpPr/>
-        <p:nvPr/>
-      </p:nvGrpSpPr>
-      <p:grpSpPr/>
-      <p:sp>
-        <p:nvSpPr>
-          <p:cNvPr id="2" name="标题 1"/>
-          <p:cNvSpPr>
-            <a:spLocks noGrp="1"/>
-          </p:cNvSpPr>
-          <p:nvPr>
-            <p:ph type="title"/>
-          </p:nvPr>
-        </p:nvSpPr>
-        <p:spPr/>
-        <p:txBody>
-          <a:bodyPr/>
-          <a:p>
-            <a:r>
-              <a:rPr lang="en-US" altLang="zh-CN"/>
-              <a:t>Overview</a:t>
-            </a:r>
-            <a:endParaRPr lang="en-US" altLang="zh-CN"/>
-          </a:p>
-        </p:txBody>
-      </p:sp>
-      <p:sp>
-        <p:nvSpPr>
-          <p:cNvPr id="3" name="内容占位符 2"/>
-          <p:cNvSpPr>
-            <a:spLocks noGrp="1"/>
-          </p:cNvSpPr>
-          <p:nvPr>
-            <p:ph idx="1"/>
-          </p:nvPr>
-        </p:nvSpPr>
-        <p:spPr/>
-        <p:txBody>
-          <a:bodyPr/>
-          <a:p>
-            <a:r>
-              <a:rPr lang="en-US" altLang="zh-CN"/>
-              <a:t>Construct desktop UI application using web technology</a:t>
-            </a:r>
-            <a:endParaRPr lang="en-US" altLang="zh-CN"/>
-          </a:p>
-          <a:p>
-            <a:pPr lvl="1"/>
-            <a:r>
-              <a:rPr lang="en-US" altLang="zh-CN"/>
-              <a:t>Node.js runtime for backend</a:t>
-            </a:r>
-            <a:endParaRPr lang="en-US" altLang="zh-CN"/>
-          </a:p>
-          <a:p>
-            <a:pPr lvl="1"/>
-            <a:r>
-              <a:rPr lang="en-US" altLang="zh-CN"/>
-              <a:t>Chromium for frontend</a:t>
-            </a:r>
-            <a:endParaRPr lang="en-US" altLang="zh-CN"/>
-          </a:p>
-          <a:p>
-            <a:pPr lvl="1"/>
-            <a:r>
-              <a:rPr lang="en-US" altLang="zh-CN"/>
-              <a:t>Embeds Node</a:t>
-            </a:r>
-            <a:endParaRPr lang="en-US" altLang="zh-CN"/>
-          </a:p>
-          <a:p>
-            <a:pPr lvl="1"/>
-            <a:r>
-              <a:rPr lang="en-US" altLang="zh-CN"/>
-              <a:t>node_modules/.bin/electron --version</a:t>
-            </a:r>
-            <a:endParaRPr lang="en-US" altLang="zh-CN"/>
-          </a:p>
-          <a:p>
-            <a:pPr lvl="0"/>
-            <a:r>
-              <a:rPr lang="en-US" altLang="zh-CN"/>
-              <a:t>References</a:t>
-            </a:r>
-            <a:endParaRPr lang="en-US" altLang="zh-CN"/>
-          </a:p>
-          <a:p>
-            <a:pPr lvl="1"/>
-            <a:r>
-              <a:rPr lang="en-US" altLang="zh-CN"/>
-              <a:t>https://auth0.com/blog/electron-tutorial-building-modern-desktop-apps-with-vue-js/</a:t>
-            </a:r>
-            <a:endParaRPr lang="en-US" altLang="zh-CN"/>
-          </a:p>
-          <a:p>
-            <a:pPr lvl="1"/>
-            <a:r>
-              <a:rPr lang="en-US" altLang="zh-CN"/>
-              <a:t>https://nklayman.github.io/vue-cli-plugin-electron-builder/guide/commonIssues.html#blank-screen-on-builds-but-works-fine-on-serve</a:t>
-            </a:r>
-            <a:endParaRPr lang="en-US" altLang="zh-CN"/>
-          </a:p>
-          <a:p>
-            <a:pPr lvl="1"/>
-            <a:r>
-              <a:rPr lang="en-US" altLang="zh-CN"/>
-              <a:t>https://github.com/node-ffi/node-ffi/wiki/Node-FFI-Tutorial</a:t>
-            </a:r>
-            <a:endParaRPr lang="en-US" altLang="zh-CN"/>
-          </a:p>
-          <a:p>
-            <a:pPr lvl="1"/>
-            <a:r>
-              <a:rPr lang="en-US" altLang="zh-CN">
-                <a:sym typeface="+mn-ea"/>
-              </a:rPr>
-              <a:t>https://www.cnblogs.com/silenzio/p/11580104.html</a:t>
-            </a:r>
-            <a:endParaRPr lang="en-US" altLang="zh-CN"/>
-          </a:p>
-          <a:p>
-            <a:pPr lvl="1"/>
-            <a:endParaRPr lang="en-US" altLang="zh-CN"/>
-          </a:p>
-        </p:txBody>
-      </p:sp>
-    </p:spTree>
-    <p:custDataLst>
-      <p:tags r:id="rId1"/>
-    </p:custDataLst>
-  </p:cSld>
-  <p:clrMapOvr>
-    <a:masterClrMapping/>
-  </p:clrMapOvr>
-</p:sld>
-</file>
-
-<file path=ppt/slides/slide20.xml><?xml version="1.0" encoding="utf-8"?>
+<file path=ppt/slides/slide24.xml><?xml version="1.0" encoding="utf-8"?>
 <p:sld xmlns:a="http://schemas.openxmlformats.org/drawingml/2006/main" xmlns:r="http://schemas.openxmlformats.org/officeDocument/2006/relationships" xmlns:p="http://schemas.openxmlformats.org/presentationml/2006/main">
   <p:cSld>
     <p:spTree>
@@ -5884,7 +6330,7 @@
 </p:sld>
 </file>
 
-<file path=ppt/slides/slide21.xml><?xml version="1.0" encoding="utf-8"?>
+<file path=ppt/slides/slide25.xml><?xml version="1.0" encoding="utf-8"?>
 <p:sld xmlns:a="http://schemas.openxmlformats.org/drawingml/2006/main" xmlns:r="http://schemas.openxmlformats.org/officeDocument/2006/relationships" xmlns:p="http://schemas.openxmlformats.org/presentationml/2006/main">
   <p:cSld>
     <p:spTree>
@@ -6086,7 +6532,7 @@
 </p:sld>
 </file>
 
-<file path=ppt/slides/slide22.xml><?xml version="1.0" encoding="utf-8"?>
+<file path=ppt/slides/slide26.xml><?xml version="1.0" encoding="utf-8"?>
 <p:sld xmlns:a="http://schemas.openxmlformats.org/drawingml/2006/main" xmlns:r="http://schemas.openxmlformats.org/officeDocument/2006/relationships" xmlns:p="http://schemas.openxmlformats.org/presentationml/2006/main">
   <p:cSld>
     <p:spTree>
@@ -6336,7 +6782,7 @@
 </p:sld>
 </file>
 
-<file path=ppt/slides/slide23.xml><?xml version="1.0" encoding="utf-8"?>
+<file path=ppt/slides/slide27.xml><?xml version="1.0" encoding="utf-8"?>
 <p:sld xmlns:a="http://schemas.openxmlformats.org/drawingml/2006/main" xmlns:r="http://schemas.openxmlformats.org/officeDocument/2006/relationships" xmlns:p="http://schemas.openxmlformats.org/presentationml/2006/main">
   <p:cSld>
     <p:spTree>
@@ -6385,7 +6831,9 @@
           </a:xfrm>
         </p:spPr>
         <p:txBody>
-          <a:bodyPr/>
+          <a:bodyPr>
+            <a:normAutofit lnSpcReduction="10000"/>
+          </a:bodyPr>
           <a:p>
             <a:r>
               <a:rPr lang="en-US" altLang="zh-CN"/>
@@ -6458,10 +6906,30 @@
             <a:endParaRPr lang="en-US" altLang="zh-CN"/>
           </a:p>
           <a:p>
+            <a:pPr lvl="3"/>
+            <a:r>
+              <a:rPr lang="en-US" altLang="zh-CN"/>
+              <a:t>node -p "process.arch"</a:t>
+            </a:r>
+            <a:r>
+              <a:rPr lang="en-US" altLang="zh-CN"/>
+              <a:t> // output 32bit or 64bit node</a:t>
+            </a:r>
+            <a:endParaRPr lang="en-US" altLang="zh-CN"/>
+          </a:p>
+          <a:p>
             <a:pPr lvl="2"/>
             <a:r>
               <a:rPr lang="en-US" altLang="zh-CN"/>
               <a:t>reinstall node-gyp</a:t>
+            </a:r>
+            <a:endParaRPr lang="en-US" altLang="zh-CN"/>
+          </a:p>
+          <a:p>
+            <a:pPr lvl="3"/>
+            <a:r>
+              <a:rPr lang="en-US" altLang="zh-CN"/>
+              <a:t>cnpm install -g node-gyp</a:t>
             </a:r>
             <a:endParaRPr lang="en-US" altLang="zh-CN"/>
           </a:p>
@@ -6534,7 +7002,7 @@
 </p:sld>
 </file>
 
-<file path=ppt/slides/slide24.xml><?xml version="1.0" encoding="utf-8"?>
+<file path=ppt/slides/slide28.xml><?xml version="1.0" encoding="utf-8"?>
 <p:sld xmlns:a="http://schemas.openxmlformats.org/drawingml/2006/main" xmlns:r="http://schemas.openxmlformats.org/officeDocument/2006/relationships" xmlns:p="http://schemas.openxmlformats.org/presentationml/2006/main">
   <p:cSld>
     <p:spTree>
@@ -6822,9 +7290,16 @@
             <p:ph idx="1"/>
           </p:nvPr>
         </p:nvSpPr>
-        <p:spPr/>
-        <p:txBody>
-          <a:bodyPr/>
+        <p:spPr>
+          <a:xfrm>
+            <a:off x="838200" y="1211580"/>
+            <a:ext cx="10515600" cy="5170805"/>
+          </a:xfrm>
+        </p:spPr>
+        <p:txBody>
+          <a:bodyPr>
+            <a:normAutofit fontScale="70000"/>
+          </a:bodyPr>
           <a:p>
             <a:r>
               <a:rPr lang="en-US" altLang="zh-CN"/>
@@ -6909,6 +7384,54 @@
             <a:r>
               <a:rPr lang="en-US" altLang="zh-CN"/>
               <a:t>cnpm i -g eslint eslint-plugin-vue@latest</a:t>
+            </a:r>
+            <a:endParaRPr lang="en-US" altLang="zh-CN"/>
+          </a:p>
+          <a:p>
+            <a:pPr lvl="1"/>
+            <a:r>
+              <a:rPr lang="en-US" altLang="zh-CN" sz="2000"/>
+              <a:t>electron-builder</a:t>
+            </a:r>
+            <a:endParaRPr lang="en-US" altLang="zh-CN" sz="2000"/>
+          </a:p>
+          <a:p>
+            <a:pPr lvl="2"/>
+            <a:r>
+              <a:rPr lang="en-US" altLang="zh-CN" sz="1800"/>
+              <a:t>yarn add electron-builder --dev</a:t>
+            </a:r>
+            <a:endParaRPr lang="en-US" altLang="zh-CN" sz="1800"/>
+          </a:p>
+          <a:p>
+            <a:pPr lvl="1"/>
+            <a:r>
+              <a:rPr lang="en-US" altLang="zh-CN" sz="2000"/>
+              <a:t>electron-rebuild</a:t>
+            </a:r>
+            <a:endParaRPr lang="en-US" altLang="zh-CN" sz="2000"/>
+          </a:p>
+          <a:p>
+            <a:pPr lvl="2"/>
+            <a:r>
+              <a:rPr lang="en-US" altLang="zh-CN"/>
+              <a:t>This executable rebuilds native Node.js modules against the version of Node.js that your Electron project is using.</a:t>
+            </a:r>
+            <a:endParaRPr lang="en-US" altLang="zh-CN"/>
+          </a:p>
+          <a:p>
+            <a:pPr lvl="2"/>
+            <a:r>
+              <a:rPr lang="en-US" altLang="zh-CN"/>
+              <a:t>npm i -S electron-rebuild</a:t>
+            </a:r>
+            <a:endParaRPr lang="en-US" altLang="zh-CN"/>
+          </a:p>
+          <a:p>
+            <a:pPr lvl="2"/>
+            <a:r>
+              <a:rPr lang="en-US" altLang="zh-CN"/>
+              <a:t>.\node_modules\.bin\electron-rebuild</a:t>
             </a:r>
             <a:endParaRPr lang="en-US" altLang="zh-CN"/>
           </a:p>
@@ -7615,7 +8138,7 @@
           <a:p>
             <a:r>
               <a:rPr lang="en-US" altLang="zh-CN"/>
-              <a:t>Debug</a:t>
+              <a:t>Deployment</a:t>
             </a:r>
             <a:endParaRPr lang="en-US" altLang="zh-CN"/>
           </a:p>
@@ -7631,147 +8154,64 @@
             <p:ph idx="1"/>
           </p:nvPr>
         </p:nvSpPr>
+        <p:spPr/>
+        <p:txBody>
+          <a:bodyPr/>
+          <a:p>
+            <a:r>
+              <a:rPr lang="en-US" altLang="zh-CN"/>
+              <a:t>icon</a:t>
+            </a:r>
+            <a:endParaRPr lang="en-US" altLang="zh-CN"/>
+          </a:p>
+          <a:p>
+            <a:pPr lvl="1"/>
+            <a:r>
+              <a:rPr lang="en-US" altLang="zh-CN" sz="2000"/>
+              <a:t>Modify </a:t>
+            </a:r>
+            <a:r>
+              <a:rPr lang="en-US" altLang="zh-CN"/>
+              <a:t>package.json</a:t>
+            </a:r>
+            <a:endParaRPr lang="en-US" altLang="zh-CN"/>
+          </a:p>
+          <a:p>
+            <a:endParaRPr lang="en-US" altLang="zh-CN"/>
+          </a:p>
+        </p:txBody>
+      </p:sp>
+      <p:pic>
+        <p:nvPicPr>
+          <p:cNvPr id="4" name="图片 3"/>
+          <p:cNvPicPr>
+            <a:picLocks noChangeAspect="1"/>
+          </p:cNvPicPr>
+          <p:nvPr>
+            <p:custDataLst>
+              <p:tags r:id="rId1"/>
+            </p:custDataLst>
+          </p:nvPr>
+        </p:nvPicPr>
+        <p:blipFill>
+          <a:blip r:embed="rId2"/>
+          <a:stretch>
+            <a:fillRect/>
+          </a:stretch>
+        </p:blipFill>
         <p:spPr>
           <a:xfrm>
-            <a:off x="838200" y="1211580"/>
-            <a:ext cx="10515600" cy="5043805"/>
+            <a:off x="5839460" y="1211580"/>
+            <a:ext cx="3981450" cy="2190750"/>
           </a:xfrm>
+          <a:prstGeom prst="rect">
+            <a:avLst/>
+          </a:prstGeom>
         </p:spPr>
-        <p:txBody>
-          <a:bodyPr>
-            <a:normAutofit fontScale="90000" lnSpcReduction="10000"/>
-          </a:bodyPr>
-          <a:p>
-            <a:r>
-              <a:rPr lang="en-US" altLang="zh-CN"/>
-              <a:t>Ctrl+Shift+i</a:t>
-            </a:r>
-            <a:endParaRPr lang="en-US" altLang="zh-CN"/>
-          </a:p>
-          <a:p>
-            <a:pPr lvl="1"/>
-            <a:r>
-              <a:rPr lang="en-US" altLang="zh-CN" sz="2000"/>
-              <a:t>toggle Chrome DevTools</a:t>
-            </a:r>
-            <a:endParaRPr lang="en-US" altLang="zh-CN" sz="2000"/>
-          </a:p>
-          <a:p>
-            <a:pPr lvl="0"/>
-            <a:r>
-              <a:rPr lang="en-US" altLang="zh-CN" sz="2400"/>
-              <a:t>Crl+r</a:t>
-            </a:r>
-            <a:endParaRPr lang="en-US" altLang="zh-CN" sz="2400"/>
-          </a:p>
-          <a:p>
-            <a:pPr lvl="1"/>
-            <a:r>
-              <a:rPr lang="en-US" altLang="zh-CN" sz="2000"/>
-              <a:t>reload window</a:t>
-            </a:r>
-            <a:endParaRPr lang="zh-CN" altLang="en-US"/>
-          </a:p>
-          <a:p>
-            <a:r>
-              <a:rPr lang="zh-CN" altLang="en-US"/>
-              <a:t>https://www.npmjs.com/package/electron-log</a:t>
-            </a:r>
-            <a:endParaRPr lang="zh-CN" altLang="en-US"/>
-          </a:p>
-          <a:p>
-            <a:pPr lvl="1"/>
-            <a:r>
-              <a:rPr lang="en-US" altLang="zh-CN"/>
-              <a:t>npm i electron-log</a:t>
-            </a:r>
-            <a:endParaRPr lang="en-US" altLang="zh-CN"/>
-          </a:p>
-          <a:p>
-            <a:pPr lvl="1"/>
-            <a:r>
-              <a:rPr lang="en-US" altLang="zh-CN"/>
-              <a:t>log file</a:t>
-            </a:r>
-            <a:endParaRPr lang="en-US" altLang="zh-CN"/>
-          </a:p>
-          <a:p>
-            <a:pPr lvl="2"/>
-            <a:r>
-              <a:rPr lang="en-US" altLang="zh-CN" sz="1800"/>
-              <a:t>Windows: %USERPROFILE%\AppData\Roaming\{app name}\logs\{process type}.log</a:t>
-            </a:r>
-            <a:endParaRPr lang="en-US" altLang="zh-CN" sz="1800"/>
-          </a:p>
-          <a:p>
-            <a:pPr lvl="2"/>
-            <a:r>
-              <a:rPr lang="en-US" altLang="zh-CN" sz="1800"/>
-              <a:t>Linux: ~/.config/{app name}/logs/{process type}.log</a:t>
-            </a:r>
-            <a:endParaRPr lang="en-US" altLang="zh-CN" sz="1800"/>
-          </a:p>
-          <a:p>
-            <a:pPr lvl="2"/>
-            <a:r>
-              <a:rPr lang="en-US" altLang="zh-CN" sz="1800"/>
-              <a:t>Mac: ~/Library/Logs/{app name}/{process type}.log</a:t>
-            </a:r>
-            <a:endParaRPr lang="en-US" altLang="zh-CN" sz="1800"/>
-          </a:p>
-          <a:p>
-            <a:pPr lvl="1"/>
-            <a:r>
-              <a:rPr lang="en-US" altLang="zh-CN"/>
-              <a:t>log levels</a:t>
-            </a:r>
-            <a:endParaRPr lang="en-US" altLang="zh-CN"/>
-          </a:p>
-          <a:p>
-            <a:pPr lvl="2"/>
-            <a:r>
-              <a:rPr lang="en-US" altLang="zh-CN" sz="1800"/>
-              <a:t>error, warn, info, verbose, debug, silly</a:t>
-            </a:r>
-            <a:endParaRPr lang="en-US" altLang="zh-CN"/>
-          </a:p>
-          <a:p>
-            <a:pPr lvl="1"/>
-            <a:r>
-              <a:rPr lang="en-US" altLang="zh-CN"/>
-              <a:t>example</a:t>
-            </a:r>
-            <a:endParaRPr lang="en-US" altLang="zh-CN"/>
-          </a:p>
-          <a:p>
-            <a:pPr lvl="2"/>
-            <a:r>
-              <a:rPr lang="en-US" altLang="zh-CN"/>
-              <a:t>const log = require('electron-log')</a:t>
-            </a:r>
-            <a:endParaRPr lang="en-US" altLang="zh-CN"/>
-          </a:p>
-          <a:p>
-            <a:pPr lvl="2"/>
-            <a:r>
-              <a:rPr lang="en-US" altLang="zh-CN"/>
-              <a:t>log.info('Info')</a:t>
-            </a:r>
-            <a:endParaRPr lang="en-US" altLang="zh-CN"/>
-          </a:p>
-          <a:p>
-            <a:pPr lvl="2"/>
-            <a:r>
-              <a:rPr lang="en-US" altLang="zh-CN"/>
-              <a:t>log.warn('Warning')</a:t>
-            </a:r>
-            <a:endParaRPr lang="en-US" altLang="zh-CN"/>
-          </a:p>
-        </p:txBody>
-      </p:sp>
+      </p:pic>
     </p:spTree>
     <p:custDataLst>
-      <p:tags r:id="rId1"/>
+      <p:tags r:id="rId3"/>
     </p:custDataLst>
   </p:cSld>
   <p:clrMapOvr>
@@ -7806,7 +8246,7 @@
           <a:p>
             <a:r>
               <a:rPr lang="en-US" altLang="zh-CN"/>
-              <a:t>FS</a:t>
+              <a:t>Debug</a:t>
             </a:r>
             <a:endParaRPr lang="en-US" altLang="zh-CN"/>
           </a:p>
@@ -7822,52 +8262,139 @@
             <p:ph idx="1"/>
           </p:nvPr>
         </p:nvSpPr>
-        <p:spPr/>
-        <p:txBody>
-          <a:bodyPr/>
-          <a:p>
-            <a:r>
-              <a:rPr lang="en-US" altLang="zh-CN"/>
-              <a:t>require('fs')</a:t>
-            </a:r>
-            <a:endParaRPr lang="en-US" altLang="zh-CN"/>
-          </a:p>
-          <a:p>
-            <a:r>
-              <a:rPr lang="en-US" altLang="zh-CN"/>
-              <a:t>Usage</a:t>
-            </a:r>
-            <a:endParaRPr lang="en-US" altLang="zh-CN"/>
-          </a:p>
-          <a:p>
-            <a:pPr lvl="1"/>
-            <a:r>
-              <a:rPr lang="en-US" altLang="zh-CN"/>
-              <a:t>fs.writeFile(fn, buf, function (err) {</a:t>
+        <p:spPr>
+          <a:xfrm>
+            <a:off x="838200" y="1211580"/>
+            <a:ext cx="10515600" cy="5043805"/>
+          </a:xfrm>
+        </p:spPr>
+        <p:txBody>
+          <a:bodyPr>
+            <a:normAutofit fontScale="90000" lnSpcReduction="10000"/>
+          </a:bodyPr>
+          <a:p>
+            <a:r>
+              <a:rPr lang="en-US" altLang="zh-CN"/>
+              <a:t>Ctrl+Shift+i</a:t>
+            </a:r>
+            <a:endParaRPr lang="en-US" altLang="zh-CN"/>
+          </a:p>
+          <a:p>
+            <a:pPr lvl="1"/>
+            <a:r>
+              <a:rPr lang="en-US" altLang="zh-CN" sz="2000"/>
+              <a:t>toggle Chrome DevTools</a:t>
+            </a:r>
+            <a:endParaRPr lang="en-US" altLang="zh-CN" sz="2000"/>
+          </a:p>
+          <a:p>
+            <a:pPr lvl="0"/>
+            <a:r>
+              <a:rPr lang="en-US" altLang="zh-CN" sz="2400"/>
+              <a:t>Crl+r</a:t>
+            </a:r>
+            <a:endParaRPr lang="en-US" altLang="zh-CN" sz="2400"/>
+          </a:p>
+          <a:p>
+            <a:pPr lvl="1"/>
+            <a:r>
+              <a:rPr lang="en-US" altLang="zh-CN" sz="2000"/>
+              <a:t>reload window</a:t>
+            </a:r>
+            <a:endParaRPr lang="zh-CN" altLang="en-US"/>
+          </a:p>
+          <a:p>
+            <a:r>
+              <a:rPr lang="zh-CN" altLang="en-US"/>
+              <a:t>https://www.npmjs.com/package/electron-log</a:t>
+            </a:r>
+            <a:endParaRPr lang="zh-CN" altLang="en-US"/>
+          </a:p>
+          <a:p>
+            <a:pPr lvl="1"/>
+            <a:r>
+              <a:rPr lang="en-US" altLang="zh-CN"/>
+              <a:t>npm i electron-log</a:t>
+            </a:r>
+            <a:endParaRPr lang="en-US" altLang="zh-CN"/>
+          </a:p>
+          <a:p>
+            <a:pPr lvl="1"/>
+            <a:r>
+              <a:rPr lang="en-US" altLang="zh-CN"/>
+              <a:t>log file</a:t>
             </a:r>
             <a:endParaRPr lang="en-US" altLang="zh-CN"/>
           </a:p>
           <a:p>
             <a:pPr lvl="2"/>
             <a:r>
-              <a:rPr lang="en-US" altLang="zh-CN"/>
-              <a:t>throw(err)</a:t>
-            </a:r>
-            <a:endParaRPr lang="en-US" altLang="zh-CN"/>
-          </a:p>
-          <a:p>
-            <a:pPr lvl="1"/>
-            <a:r>
-              <a:rPr lang="en-US" altLang="zh-CN"/>
-              <a:t>})</a:t>
-            </a:r>
-            <a:endParaRPr lang="en-US" altLang="zh-CN"/>
-          </a:p>
-          <a:p>
-            <a:pPr lvl="1"/>
-            <a:r>
-              <a:rPr lang="en-US" altLang="zh-CN"/>
-              <a:t>fs.readFileSync(fn)</a:t>
+              <a:rPr lang="en-US" altLang="zh-CN" sz="1800"/>
+              <a:t>Windows: %USERPROFILE%\AppData\Roaming\{app name}\logs\{process type}.log</a:t>
+            </a:r>
+            <a:endParaRPr lang="en-US" altLang="zh-CN" sz="1800"/>
+          </a:p>
+          <a:p>
+            <a:pPr lvl="2"/>
+            <a:r>
+              <a:rPr lang="en-US" altLang="zh-CN" sz="1800"/>
+              <a:t>Linux: ~/.config/{app name}/logs/{process type}.log</a:t>
+            </a:r>
+            <a:endParaRPr lang="en-US" altLang="zh-CN" sz="1800"/>
+          </a:p>
+          <a:p>
+            <a:pPr lvl="2"/>
+            <a:r>
+              <a:rPr lang="en-US" altLang="zh-CN" sz="1800"/>
+              <a:t>Mac: ~/Library/Logs/{app name}/{process type}.log</a:t>
+            </a:r>
+            <a:endParaRPr lang="en-US" altLang="zh-CN" sz="1800"/>
+          </a:p>
+          <a:p>
+            <a:pPr lvl="1"/>
+            <a:r>
+              <a:rPr lang="en-US" altLang="zh-CN"/>
+              <a:t>log levels</a:t>
+            </a:r>
+            <a:endParaRPr lang="en-US" altLang="zh-CN"/>
+          </a:p>
+          <a:p>
+            <a:pPr lvl="2"/>
+            <a:r>
+              <a:rPr lang="en-US" altLang="zh-CN" sz="1800"/>
+              <a:t>error, warn, info, verbose, debug, silly</a:t>
+            </a:r>
+            <a:endParaRPr lang="en-US" altLang="zh-CN"/>
+          </a:p>
+          <a:p>
+            <a:pPr lvl="1"/>
+            <a:r>
+              <a:rPr lang="en-US" altLang="zh-CN"/>
+              <a:t>example</a:t>
+            </a:r>
+            <a:endParaRPr lang="en-US" altLang="zh-CN"/>
+          </a:p>
+          <a:p>
+            <a:pPr lvl="2"/>
+            <a:r>
+              <a:rPr lang="en-US" altLang="zh-CN"/>
+              <a:t>const log = require('electron-log')</a:t>
+            </a:r>
+            <a:endParaRPr lang="en-US" altLang="zh-CN"/>
+          </a:p>
+          <a:p>
+            <a:pPr lvl="2"/>
+            <a:r>
+              <a:rPr lang="en-US" altLang="zh-CN"/>
+              <a:t>log.info('Info')</a:t>
+            </a:r>
+            <a:endParaRPr lang="en-US" altLang="zh-CN"/>
+          </a:p>
+          <a:p>
+            <a:pPr lvl="2"/>
+            <a:r>
+              <a:rPr lang="en-US" altLang="zh-CN"/>
+              <a:t>log.warn('Warning')</a:t>
             </a:r>
             <a:endParaRPr lang="en-US" altLang="zh-CN"/>
           </a:p>
@@ -7918,9 +8445,7 @@
 
 <file path=ppt/tags/tag13.xml><?xml version="1.0" encoding="utf-8"?>
 <p:tagLst xmlns:p="http://schemas.openxmlformats.org/presentationml/2006/main">
-  <p:tag name="KSO_WM_BEAUTIFY_FLAG" val="#wm#"/>
-  <p:tag name="KSO_WM_TEMPLATE_CATEGORY" val="custom"/>
-  <p:tag name="KSO_WM_TEMPLATE_INDEX" val="160402"/>
+  <p:tag name="KSO_WM_UNIT_PLACING_PICTURE_USER_VIEWPORT" val="{&quot;height&quot;:3450,&quot;width&quot;:6270}"/>
 </p:tagLst>
 </file>
 
@@ -7958,7 +8483,9 @@
 
 <file path=ppt/tags/tag18.xml><?xml version="1.0" encoding="utf-8"?>
 <p:tagLst xmlns:p="http://schemas.openxmlformats.org/presentationml/2006/main">
-  <p:tag name="KSO_WM_UNIT_PLACING_PICTURE_USER_VIEWPORT" val="{&quot;height&quot;:7164,&quot;width&quot;:9554}"/>
+  <p:tag name="KSO_WM_BEAUTIFY_FLAG" val="#wm#"/>
+  <p:tag name="KSO_WM_TEMPLATE_CATEGORY" val="custom"/>
+  <p:tag name="KSO_WM_TEMPLATE_INDEX" val="160402"/>
 </p:tagLst>
 </file>
 
@@ -8004,9 +8531,7 @@
 
 <file path=ppt/tags/tag23.xml><?xml version="1.0" encoding="utf-8"?>
 <p:tagLst xmlns:p="http://schemas.openxmlformats.org/presentationml/2006/main">
-  <p:tag name="KSO_WM_BEAUTIFY_FLAG" val="#wm#"/>
-  <p:tag name="KSO_WM_TEMPLATE_CATEGORY" val="custom"/>
-  <p:tag name="KSO_WM_TEMPLATE_INDEX" val="160402"/>
+  <p:tag name="KSO_WM_UNIT_PLACING_PICTURE_USER_VIEWPORT" val="{&quot;height&quot;:7164,&quot;width&quot;:9554}"/>
 </p:tagLst>
 </file>
 
@@ -8070,6 +8595,46 @@
 
 <file path=ppt/tags/tag30.xml><?xml version="1.0" encoding="utf-8"?>
 <p:tagLst xmlns:p="http://schemas.openxmlformats.org/presentationml/2006/main">
+  <p:tag name="KSO_WM_BEAUTIFY_FLAG" val="#wm#"/>
+  <p:tag name="KSO_WM_TEMPLATE_CATEGORY" val="custom"/>
+  <p:tag name="KSO_WM_TEMPLATE_INDEX" val="160402"/>
+</p:tagLst>
+</file>
+
+<file path=ppt/tags/tag31.xml><?xml version="1.0" encoding="utf-8"?>
+<p:tagLst xmlns:p="http://schemas.openxmlformats.org/presentationml/2006/main">
+  <p:tag name="KSO_WM_BEAUTIFY_FLAG" val="#wm#"/>
+  <p:tag name="KSO_WM_TEMPLATE_CATEGORY" val="custom"/>
+  <p:tag name="KSO_WM_TEMPLATE_INDEX" val="160402"/>
+</p:tagLst>
+</file>
+
+<file path=ppt/tags/tag32.xml><?xml version="1.0" encoding="utf-8"?>
+<p:tagLst xmlns:p="http://schemas.openxmlformats.org/presentationml/2006/main">
+  <p:tag name="KSO_WM_BEAUTIFY_FLAG" val="#wm#"/>
+  <p:tag name="KSO_WM_TEMPLATE_CATEGORY" val="custom"/>
+  <p:tag name="KSO_WM_TEMPLATE_INDEX" val="160402"/>
+</p:tagLst>
+</file>
+
+<file path=ppt/tags/tag33.xml><?xml version="1.0" encoding="utf-8"?>
+<p:tagLst xmlns:p="http://schemas.openxmlformats.org/presentationml/2006/main">
+  <p:tag name="KSO_WM_BEAUTIFY_FLAG" val="#wm#"/>
+  <p:tag name="KSO_WM_TEMPLATE_CATEGORY" val="custom"/>
+  <p:tag name="KSO_WM_TEMPLATE_INDEX" val="160402"/>
+</p:tagLst>
+</file>
+
+<file path=ppt/tags/tag34.xml><?xml version="1.0" encoding="utf-8"?>
+<p:tagLst xmlns:p="http://schemas.openxmlformats.org/presentationml/2006/main">
+  <p:tag name="KSO_WM_BEAUTIFY_FLAG" val="#wm#"/>
+  <p:tag name="KSO_WM_TEMPLATE_CATEGORY" val="custom"/>
+  <p:tag name="KSO_WM_TEMPLATE_INDEX" val="160402"/>
+</p:tagLst>
+</file>
+
+<file path=ppt/tags/tag35.xml><?xml version="1.0" encoding="utf-8"?>
+<p:tagLst xmlns:p="http://schemas.openxmlformats.org/presentationml/2006/main">
   <p:tag name="KSO_WM_TAG_VERSION" val="1.0"/>
   <p:tag name="KSO_WM_BEAUTIFY_FLAG" val="#wm#"/>
   <p:tag name="KSO_WM_TEMPLATE_CATEGORY" val="custom"/>
@@ -8087,7 +8652,7 @@
 </p:tagLst>
 </file>
 
-<file path=ppt/tags/tag31.xml><?xml version="1.0" encoding="utf-8"?>
+<file path=ppt/tags/tag36.xml><?xml version="1.0" encoding="utf-8"?>
 <p:tagLst xmlns:p="http://schemas.openxmlformats.org/presentationml/2006/main">
   <p:tag name="KSO_WM_TAG_VERSION" val="1.0"/>
   <p:tag name="KSO_WM_BEAUTIFY_FLAG" val="#wm#"/>
@@ -8106,7 +8671,7 @@
 </p:tagLst>
 </file>
 
-<file path=ppt/tags/tag32.xml><?xml version="1.0" encoding="utf-8"?>
+<file path=ppt/tags/tag37.xml><?xml version="1.0" encoding="utf-8"?>
 <p:tagLst xmlns:p="http://schemas.openxmlformats.org/presentationml/2006/main">
   <p:tag name="KSO_WM_TEMPLATE_CATEGORY" val="custom"/>
   <p:tag name="KSO_WM_TEMPLATE_INDEX" val="160402"/>

--- a/Web/Electron-Notes.pptx
+++ b/Web/Electron-Notes.pptx
@@ -42,6 +42,9 @@
   </p:sldIdLst>
   <p:sldSz cx="12192000" cy="6858000"/>
   <p:notesSz cx="6858000" cy="9144000"/>
+  <p:custDataLst>
+    <p:tags r:id="rId36"/>
+  </p:custDataLst>
   <p:defaultTextStyle>
     <a:defPPr>
       <a:defRPr lang="zh-CN"/>
@@ -8683,6 +8686,12 @@
   <p:tag name="KSO_WM_SLIDE_LAYOUT_CNT" val="1_1"/>
   <p:tag name="KSO_WM_SLIDE_TYPE" val="endPage"/>
   <p:tag name="KSO_WM_BEAUTIFY_FLAG" val="#wm#"/>
+</p:tagLst>
+</file>
+
+<file path=ppt/tags/tag38.xml><?xml version="1.0" encoding="utf-8"?>
+<p:tagLst xmlns:p="http://schemas.openxmlformats.org/presentationml/2006/main">
+  <p:tag name="COMMONDATA" val="eyJoZGlkIjoiODcwZjc5M2RmYzUwOWE5MjVkODVjZGMyZDUwOTRjYmEifQ=="/>
 </p:tagLst>
 </file>
 

--- a/Web/Electron-Notes.pptx
+++ b/Web/Electron-Notes.pptx
@@ -5,45 +5,56 @@
     <p:sldMasterId id="2147483648" r:id="rId1"/>
   </p:sldMasterIdLst>
   <p:notesMasterIdLst>
-    <p:notesMasterId r:id="rId31"/>
+    <p:notesMasterId r:id="rId42"/>
   </p:notesMasterIdLst>
   <p:handoutMasterIdLst>
-    <p:handoutMasterId r:id="rId32"/>
+    <p:handoutMasterId r:id="rId43"/>
   </p:handoutMasterIdLst>
   <p:sldIdLst>
     <p:sldId id="256" r:id="rId3"/>
     <p:sldId id="262" r:id="rId4"/>
     <p:sldId id="263" r:id="rId5"/>
-    <p:sldId id="264" r:id="rId6"/>
-    <p:sldId id="265" r:id="rId7"/>
-    <p:sldId id="267" r:id="rId8"/>
-    <p:sldId id="296" r:id="rId9"/>
-    <p:sldId id="331" r:id="rId10"/>
-    <p:sldId id="314" r:id="rId11"/>
-    <p:sldId id="298" r:id="rId12"/>
-    <p:sldId id="363" r:id="rId13"/>
-    <p:sldId id="364" r:id="rId14"/>
-    <p:sldId id="269" r:id="rId15"/>
-    <p:sldId id="268" r:id="rId16"/>
-    <p:sldId id="349" r:id="rId17"/>
-    <p:sldId id="284" r:id="rId18"/>
-    <p:sldId id="270" r:id="rId19"/>
-    <p:sldId id="272" r:id="rId20"/>
-    <p:sldId id="273" r:id="rId21"/>
-    <p:sldId id="274" r:id="rId22"/>
-    <p:sldId id="278" r:id="rId23"/>
-    <p:sldId id="276" r:id="rId24"/>
-    <p:sldId id="279" r:id="rId25"/>
-    <p:sldId id="271" r:id="rId26"/>
-    <p:sldId id="283" r:id="rId27"/>
-    <p:sldId id="295" r:id="rId28"/>
-    <p:sldId id="297" r:id="rId29"/>
-    <p:sldId id="261" r:id="rId30"/>
+    <p:sldId id="405" r:id="rId6"/>
+    <p:sldId id="264" r:id="rId7"/>
+    <p:sldId id="439" r:id="rId8"/>
+    <p:sldId id="440" r:id="rId9"/>
+    <p:sldId id="406" r:id="rId10"/>
+    <p:sldId id="265" r:id="rId11"/>
+    <p:sldId id="267" r:id="rId12"/>
+    <p:sldId id="296" r:id="rId13"/>
+    <p:sldId id="331" r:id="rId14"/>
+    <p:sldId id="314" r:id="rId15"/>
+    <p:sldId id="298" r:id="rId16"/>
+    <p:sldId id="363" r:id="rId17"/>
+    <p:sldId id="364" r:id="rId18"/>
+    <p:sldId id="269" r:id="rId19"/>
+    <p:sldId id="268" r:id="rId20"/>
+    <p:sldId id="349" r:id="rId21"/>
+    <p:sldId id="284" r:id="rId22"/>
+    <p:sldId id="270" r:id="rId23"/>
+    <p:sldId id="272" r:id="rId24"/>
+    <p:sldId id="273" r:id="rId25"/>
+    <p:sldId id="274" r:id="rId26"/>
+    <p:sldId id="278" r:id="rId27"/>
+    <p:sldId id="381" r:id="rId28"/>
+    <p:sldId id="276" r:id="rId29"/>
+    <p:sldId id="279" r:id="rId30"/>
+    <p:sldId id="394" r:id="rId31"/>
+    <p:sldId id="404" r:id="rId32"/>
+    <p:sldId id="271" r:id="rId33"/>
+    <p:sldId id="283" r:id="rId34"/>
+    <p:sldId id="295" r:id="rId35"/>
+    <p:sldId id="297" r:id="rId36"/>
+    <p:sldId id="389" r:id="rId37"/>
+    <p:sldId id="391" r:id="rId38"/>
+    <p:sldId id="393" r:id="rId39"/>
+    <p:sldId id="395" r:id="rId40"/>
+    <p:sldId id="261" r:id="rId41"/>
   </p:sldIdLst>
   <p:sldSz cx="12192000" cy="6858000"/>
   <p:notesSz cx="6858000" cy="9144000"/>
   <p:custDataLst>
-    <p:tags r:id="rId36"/>
+    <p:tags r:id="rId47"/>
   </p:custDataLst>
   <p:defaultTextStyle>
     <a:defPPr>
@@ -3793,70 +3804,271 @@
           <a:p>
             <a:r>
               <a:rPr lang="en-US" altLang="zh-CN"/>
-              <a:t>FS</a:t>
-            </a:r>
-            <a:endParaRPr lang="en-US" altLang="zh-CN"/>
-          </a:p>
-        </p:txBody>
-      </p:sp>
-      <p:sp>
-        <p:nvSpPr>
-          <p:cNvPr id="3" name="内容占位符 2"/>
-          <p:cNvSpPr>
-            <a:spLocks noGrp="1"/>
-          </p:cNvSpPr>
-          <p:nvPr>
-            <p:ph idx="1"/>
-          </p:nvPr>
-        </p:nvSpPr>
-        <p:spPr/>
-        <p:txBody>
-          <a:bodyPr/>
-          <a:p>
-            <a:r>
-              <a:rPr lang="en-US" altLang="zh-CN"/>
-              <a:t>require('fs')</a:t>
-            </a:r>
-            <a:endParaRPr lang="en-US" altLang="zh-CN"/>
-          </a:p>
-          <a:p>
-            <a:r>
-              <a:rPr lang="en-US" altLang="zh-CN"/>
-              <a:t>Usage</a:t>
-            </a:r>
-            <a:endParaRPr lang="en-US" altLang="zh-CN"/>
-          </a:p>
-          <a:p>
-            <a:pPr lvl="1"/>
-            <a:r>
-              <a:rPr lang="en-US" altLang="zh-CN"/>
-              <a:t>fs.writeFile(fn, buf, function (err) {</a:t>
-            </a:r>
-            <a:endParaRPr lang="en-US" altLang="zh-CN"/>
-          </a:p>
-          <a:p>
-            <a:pPr lvl="2"/>
-            <a:r>
-              <a:rPr lang="en-US" altLang="zh-CN"/>
-              <a:t>throw(err)</a:t>
-            </a:r>
-            <a:endParaRPr lang="en-US" altLang="zh-CN"/>
-          </a:p>
-          <a:p>
-            <a:pPr lvl="1"/>
-            <a:r>
-              <a:rPr lang="en-US" altLang="zh-CN"/>
+              <a:t>main.js</a:t>
+            </a:r>
+            <a:endParaRPr lang="en-US" altLang="zh-CN"/>
+          </a:p>
+        </p:txBody>
+      </p:sp>
+      <p:sp>
+        <p:nvSpPr>
+          <p:cNvPr id="4" name="文本框 3"/>
+          <p:cNvSpPr txBox="1"/>
+          <p:nvPr/>
+        </p:nvSpPr>
+        <p:spPr>
+          <a:xfrm>
+            <a:off x="838200" y="1212215"/>
+            <a:ext cx="6219825" cy="5215890"/>
+          </a:xfrm>
+          <a:prstGeom prst="rect">
+            <a:avLst/>
+          </a:prstGeom>
+          <a:noFill/>
+          <a:ln>
+            <a:solidFill>
+              <a:srgbClr val="FFC000"/>
+            </a:solidFill>
+          </a:ln>
+        </p:spPr>
+        <p:txBody>
+          <a:bodyPr wrap="square" rtlCol="0">
+            <a:spAutoFit/>
+          </a:bodyPr>
+          <a:p>
+            <a:r>
+              <a:rPr lang="zh-CN" altLang="en-US" sz="900"/>
+              <a:t>const { app, BrowserWindow } = require('electron')</a:t>
+            </a:r>
+            <a:endParaRPr lang="zh-CN" altLang="en-US" sz="900"/>
+          </a:p>
+          <a:p>
+            <a:endParaRPr lang="zh-CN" altLang="en-US" sz="900"/>
+          </a:p>
+          <a:p>
+            <a:r>
+              <a:rPr lang="zh-CN" altLang="en-US" sz="900"/>
+              <a:t>function createWindow () {   </a:t>
+            </a:r>
+            <a:endParaRPr lang="zh-CN" altLang="en-US" sz="900"/>
+          </a:p>
+          <a:p>
+            <a:r>
+              <a:rPr lang="zh-CN" altLang="en-US" sz="900"/>
+              <a:t>  // 创建浏览器窗口</a:t>
+            </a:r>
+            <a:endParaRPr lang="zh-CN" altLang="en-US" sz="900"/>
+          </a:p>
+          <a:p>
+            <a:r>
+              <a:rPr lang="zh-CN" altLang="en-US" sz="900"/>
+              <a:t>  const win = new BrowserWindow({</a:t>
+            </a:r>
+            <a:endParaRPr lang="zh-CN" altLang="en-US" sz="900"/>
+          </a:p>
+          <a:p>
+            <a:r>
+              <a:rPr lang="zh-CN" altLang="en-US" sz="900"/>
+              <a:t>    width: 800,</a:t>
+            </a:r>
+            <a:endParaRPr lang="zh-CN" altLang="en-US" sz="900"/>
+          </a:p>
+          <a:p>
+            <a:r>
+              <a:rPr lang="zh-CN" altLang="en-US" sz="900"/>
+              <a:t>    height: 600,</a:t>
+            </a:r>
+            <a:endParaRPr lang="zh-CN" altLang="en-US" sz="900"/>
+          </a:p>
+          <a:p>
+            <a:r>
+              <a:rPr lang="zh-CN" altLang="en-US" sz="900"/>
+              <a:t>    webPreferences: {</a:t>
+            </a:r>
+            <a:endParaRPr lang="zh-CN" altLang="en-US" sz="900"/>
+          </a:p>
+          <a:p>
+            <a:r>
+              <a:rPr lang="zh-CN" altLang="en-US" sz="900"/>
+              <a:t>      nodeIntegration: true</a:t>
+            </a:r>
+            <a:endParaRPr lang="zh-CN" altLang="en-US" sz="900"/>
+          </a:p>
+          <a:p>
+            <a:r>
+              <a:rPr lang="zh-CN" altLang="en-US" sz="900"/>
+              <a:t>    }</a:t>
+            </a:r>
+            <a:endParaRPr lang="zh-CN" altLang="en-US" sz="900"/>
+          </a:p>
+          <a:p>
+            <a:r>
+              <a:rPr lang="zh-CN" altLang="en-US" sz="900"/>
+              <a:t>  })</a:t>
+            </a:r>
+            <a:endParaRPr lang="zh-CN" altLang="en-US" sz="900"/>
+          </a:p>
+          <a:p>
+            <a:endParaRPr lang="zh-CN" altLang="en-US" sz="900"/>
+          </a:p>
+          <a:p>
+            <a:r>
+              <a:rPr lang="zh-CN" altLang="en-US" sz="900"/>
+              <a:t>  // 并且为你的应用加载index.html</a:t>
+            </a:r>
+            <a:endParaRPr lang="zh-CN" altLang="en-US" sz="900"/>
+          </a:p>
+          <a:p>
+            <a:r>
+              <a:rPr lang="zh-CN" altLang="en-US" sz="900"/>
+              <a:t>  win.loadFile('index.html')</a:t>
+            </a:r>
+            <a:endParaRPr lang="zh-CN" altLang="en-US" sz="900"/>
+          </a:p>
+          <a:p>
+            <a:endParaRPr lang="zh-CN" altLang="en-US" sz="900"/>
+          </a:p>
+          <a:p>
+            <a:r>
+              <a:rPr lang="zh-CN" altLang="en-US" sz="900"/>
+              <a:t>  // 打开开发者工具</a:t>
+            </a:r>
+            <a:endParaRPr lang="zh-CN" altLang="en-US" sz="900"/>
+          </a:p>
+          <a:p>
+            <a:r>
+              <a:rPr lang="zh-CN" altLang="en-US" sz="900"/>
+              <a:t>  win.webContents.openDevTools()</a:t>
+            </a:r>
+            <a:endParaRPr lang="zh-CN" altLang="en-US" sz="900"/>
+          </a:p>
+          <a:p>
+            <a:r>
+              <a:rPr lang="zh-CN" altLang="en-US" sz="900"/>
+              <a:t>}</a:t>
+            </a:r>
+            <a:endParaRPr lang="zh-CN" altLang="en-US" sz="900"/>
+          </a:p>
+          <a:p>
+            <a:endParaRPr lang="zh-CN" altLang="en-US" sz="900"/>
+          </a:p>
+          <a:p>
+            <a:r>
+              <a:rPr lang="zh-CN" altLang="en-US" sz="900"/>
+              <a:t>app.whenReady().then(createWindow)</a:t>
+            </a:r>
+            <a:endParaRPr lang="zh-CN" altLang="en-US" sz="900"/>
+          </a:p>
+          <a:p>
+            <a:endParaRPr lang="zh-CN" altLang="en-US" sz="900"/>
+          </a:p>
+          <a:p>
+            <a:r>
+              <a:rPr lang="zh-CN" altLang="en-US" sz="900"/>
+              <a:t>// Quit when all windows are closed, except on macOS. There, it's common</a:t>
+            </a:r>
+            <a:endParaRPr lang="zh-CN" altLang="en-US" sz="900"/>
+          </a:p>
+          <a:p>
+            <a:r>
+              <a:rPr lang="zh-CN" altLang="en-US" sz="900"/>
+              <a:t>// for applications and their menu bar to stay active until the user quits</a:t>
+            </a:r>
+            <a:endParaRPr lang="zh-CN" altLang="en-US" sz="900"/>
+          </a:p>
+          <a:p>
+            <a:r>
+              <a:rPr lang="zh-CN" altLang="en-US" sz="900"/>
+              <a:t>// explicitly with Cmd + Q.</a:t>
+            </a:r>
+            <a:endParaRPr lang="zh-CN" altLang="en-US" sz="900"/>
+          </a:p>
+          <a:p>
+            <a:r>
+              <a:rPr lang="zh-CN" altLang="en-US" sz="900"/>
+              <a:t>app.on('window-all-closed', () =&gt; {</a:t>
+            </a:r>
+            <a:endParaRPr lang="zh-CN" altLang="en-US" sz="900"/>
+          </a:p>
+          <a:p>
+            <a:r>
+              <a:rPr lang="zh-CN" altLang="en-US" sz="900"/>
+              <a:t>  if (process.platform !== 'darwin') {</a:t>
+            </a:r>
+            <a:endParaRPr lang="zh-CN" altLang="en-US" sz="900"/>
+          </a:p>
+          <a:p>
+            <a:r>
+              <a:rPr lang="zh-CN" altLang="en-US" sz="900"/>
+              <a:t>    app.quit()</a:t>
+            </a:r>
+            <a:endParaRPr lang="zh-CN" altLang="en-US" sz="900"/>
+          </a:p>
+          <a:p>
+            <a:r>
+              <a:rPr lang="zh-CN" altLang="en-US" sz="900"/>
+              <a:t>  }</a:t>
+            </a:r>
+            <a:endParaRPr lang="zh-CN" altLang="en-US" sz="900"/>
+          </a:p>
+          <a:p>
+            <a:r>
+              <a:rPr lang="zh-CN" altLang="en-US" sz="900"/>
               <a:t>})</a:t>
             </a:r>
-            <a:endParaRPr lang="en-US" altLang="zh-CN"/>
-          </a:p>
-          <a:p>
-            <a:pPr lvl="1"/>
-            <a:r>
-              <a:rPr lang="en-US" altLang="zh-CN"/>
-              <a:t>fs.readFileSync(fn)</a:t>
-            </a:r>
-            <a:endParaRPr lang="en-US" altLang="zh-CN"/>
+            <a:endParaRPr lang="zh-CN" altLang="en-US" sz="900"/>
+          </a:p>
+          <a:p>
+            <a:endParaRPr lang="zh-CN" altLang="en-US" sz="900"/>
+          </a:p>
+          <a:p>
+            <a:r>
+              <a:rPr lang="zh-CN" altLang="en-US" sz="900"/>
+              <a:t>app.on('activate', () =&gt; {</a:t>
+            </a:r>
+            <a:endParaRPr lang="zh-CN" altLang="en-US" sz="900"/>
+          </a:p>
+          <a:p>
+            <a:r>
+              <a:rPr lang="zh-CN" altLang="en-US" sz="900"/>
+              <a:t>  // On macOS it's common to re-create a window in the app when the</a:t>
+            </a:r>
+            <a:endParaRPr lang="zh-CN" altLang="en-US" sz="900"/>
+          </a:p>
+          <a:p>
+            <a:r>
+              <a:rPr lang="zh-CN" altLang="en-US" sz="900"/>
+              <a:t>  // dock icon is clicked and there are no other windows open.</a:t>
+            </a:r>
+            <a:endParaRPr lang="zh-CN" altLang="en-US" sz="900"/>
+          </a:p>
+          <a:p>
+            <a:r>
+              <a:rPr lang="zh-CN" altLang="en-US" sz="900"/>
+              <a:t>  if (BrowserWindow.getAllWindows().length === 0) {</a:t>
+            </a:r>
+            <a:endParaRPr lang="zh-CN" altLang="en-US" sz="900"/>
+          </a:p>
+          <a:p>
+            <a:r>
+              <a:rPr lang="zh-CN" altLang="en-US" sz="900"/>
+              <a:t>    createWindow()</a:t>
+            </a:r>
+            <a:endParaRPr lang="zh-CN" altLang="en-US" sz="900"/>
+          </a:p>
+          <a:p>
+            <a:r>
+              <a:rPr lang="zh-CN" altLang="en-US" sz="900"/>
+              <a:t>  }</a:t>
+            </a:r>
+            <a:endParaRPr lang="zh-CN" altLang="en-US" sz="900"/>
+          </a:p>
+          <a:p>
+            <a:r>
+              <a:rPr lang="zh-CN" altLang="en-US" sz="900"/>
+              <a:t>})</a:t>
+            </a:r>
+            <a:endParaRPr lang="zh-CN" altLang="en-US" sz="900"/>
           </a:p>
         </p:txBody>
       </p:sp>
@@ -3897,7 +4109,7 @@
           <a:p>
             <a:r>
               <a:rPr lang="en-US" altLang="zh-CN"/>
-              <a:t>asar</a:t>
+              <a:t>Build On Windows</a:t>
             </a:r>
             <a:endParaRPr lang="en-US" altLang="zh-CN"/>
           </a:p>
@@ -3918,50 +4130,92 @@
           <a:bodyPr/>
           <a:p>
             <a:r>
-              <a:rPr lang="en-US" altLang="zh-CN"/>
-              <a:t>Reference</a:t>
-            </a:r>
-            <a:endParaRPr lang="en-US" altLang="zh-CN"/>
-          </a:p>
-          <a:p>
-            <a:pPr lvl="1"/>
-            <a:r>
-              <a:rPr lang="en-US" altLang="zh-CN"/>
-              <a:t>https://github.com/electron/asar</a:t>
-            </a:r>
-            <a:endParaRPr lang="en-US" altLang="zh-CN"/>
-          </a:p>
-          <a:p>
-            <a:pPr lvl="0"/>
-            <a:r>
-              <a:rPr lang="en-US" altLang="zh-CN"/>
-              <a:t>Install</a:t>
-            </a:r>
-            <a:endParaRPr lang="en-US" altLang="zh-CN"/>
-          </a:p>
-          <a:p>
-            <a:pPr lvl="1"/>
-            <a:r>
-              <a:rPr lang="en-US" altLang="zh-CN"/>
-              <a:t>npm install --engine-strict asar</a:t>
-            </a:r>
-            <a:endParaRPr lang="en-US" altLang="zh-CN"/>
-          </a:p>
-          <a:p>
-            <a:pPr lvl="0"/>
-            <a:r>
-              <a:rPr lang="en-US" altLang="zh-CN"/>
-              <a:t>Usage</a:t>
-            </a:r>
-            <a:endParaRPr lang="en-US" altLang="zh-CN"/>
-          </a:p>
-          <a:p>
-            <a:pPr lvl="1"/>
-            <a:r>
-              <a:rPr lang="en-US" altLang="zh-CN"/>
-              <a:t>asar l app.asar</a:t>
-            </a:r>
-            <a:endParaRPr lang="en-US" altLang="zh-CN"/>
+              <a:rPr lang="zh-CN" altLang="en-US"/>
+              <a:t>https://www.electronjs.org/docs/development/build-instructions-windows</a:t>
+            </a:r>
+            <a:endParaRPr lang="zh-CN" altLang="en-US"/>
+          </a:p>
+          <a:p>
+            <a:r>
+              <a:rPr lang="en-US" altLang="zh-CN"/>
+              <a:t>Steps</a:t>
+            </a:r>
+            <a:endParaRPr lang="en-US" altLang="zh-CN"/>
+          </a:p>
+          <a:p>
+            <a:pPr lvl="1"/>
+            <a:r>
+              <a:rPr lang="en-US" altLang="zh-CN" sz="2000"/>
+              <a:t>yarn install</a:t>
+            </a:r>
+            <a:endParaRPr lang="en-US" altLang="zh-CN" sz="2000"/>
+          </a:p>
+          <a:p>
+            <a:pPr lvl="1"/>
+            <a:r>
+              <a:rPr lang="en-US" altLang="zh-CN" sz="2000"/>
+              <a:t>Install sharp</a:t>
+            </a:r>
+            <a:endParaRPr lang="en-US" altLang="zh-CN" sz="2000"/>
+          </a:p>
+          <a:p>
+            <a:pPr lvl="2"/>
+            <a:r>
+              <a:rPr lang="en-US" altLang="zh-CN" sz="1800"/>
+              <a:t>download sharp prebuilds</a:t>
+            </a:r>
+            <a:endParaRPr lang="en-US" altLang="zh-CN" sz="1800"/>
+          </a:p>
+          <a:p>
+            <a:pPr lvl="3"/>
+            <a:r>
+              <a:rPr lang="en-US" altLang="zh-CN" sz="1800"/>
+              <a:t>wget https://github.com/lovell/sharp/releases/download/v0.32.0/sharp-v0.32.0-napi-v7-win32-ia32.tar.gz</a:t>
+            </a:r>
+            <a:endParaRPr lang="en-US" altLang="zh-CN" sz="1800"/>
+          </a:p>
+          <a:p>
+            <a:pPr lvl="2"/>
+            <a:r>
+              <a:rPr lang="en-US" altLang="zh-CN" sz="1800"/>
+              <a:t>cp sharp-v0.32.0-napi-v7-win32-ia32.tar.gz C:\Users\losti\AppData\Roaming\npm-cache\_prebuilds\550e99-sharp-v0.32.0-napi-v7-win32-ia32.tar.gz</a:t>
+            </a:r>
+            <a:endParaRPr lang="en-US" altLang="zh-CN" sz="1800"/>
+          </a:p>
+          <a:p>
+            <a:pPr lvl="2"/>
+            <a:r>
+              <a:rPr lang="en-US" altLang="zh-CN" sz="1800"/>
+              <a:t>yarn add --platform=win32 --arch=ia32 sharp</a:t>
+            </a:r>
+            <a:endParaRPr lang="en-US" altLang="zh-CN" sz="1800"/>
+          </a:p>
+          <a:p>
+            <a:pPr lvl="1"/>
+            <a:r>
+              <a:rPr lang="en-US" altLang="zh-CN" sz="2000"/>
+              <a:t>yarn electron:serve	// dev</a:t>
+            </a:r>
+            <a:endParaRPr lang="en-US" altLang="zh-CN" sz="2000"/>
+          </a:p>
+          <a:p>
+            <a:pPr lvl="1"/>
+            <a:r>
+              <a:rPr lang="en-US" altLang="zh-CN" sz="2000"/>
+              <a:t>yarn add es5-ext</a:t>
+            </a:r>
+            <a:endParaRPr lang="en-US" altLang="zh-CN" sz="2000"/>
+          </a:p>
+          <a:p>
+            <a:pPr lvl="1"/>
+            <a:r>
+              <a:rPr lang="en-US" altLang="zh-CN" sz="2000"/>
+              <a:t>yarn electron:build	// build</a:t>
+            </a:r>
+            <a:endParaRPr lang="zh-CN" altLang="en-US"/>
+          </a:p>
+          <a:p>
+            <a:endParaRPr lang="zh-CN" altLang="en-US"/>
           </a:p>
         </p:txBody>
       </p:sp>
@@ -4002,7 +4256,7 @@
           <a:p>
             <a:r>
               <a:rPr lang="en-US" altLang="zh-CN"/>
-              <a:t>Create Installer</a:t>
+              <a:t>Deployment</a:t>
             </a:r>
             <a:endParaRPr lang="en-US" altLang="zh-CN"/>
           </a:p>
@@ -4024,39 +4278,58 @@
           <a:p>
             <a:r>
               <a:rPr lang="en-US" altLang="zh-CN"/>
-              <a:t>References</a:t>
-            </a:r>
-            <a:endParaRPr lang="en-US" altLang="zh-CN"/>
-          </a:p>
-          <a:p>
-            <a:pPr lvl="1"/>
-            <a:r>
-              <a:rPr lang="en-US" altLang="zh-CN"/>
-              <a:t>https://newsn.net/say/electron-innosetup.html</a:t>
-            </a:r>
-            <a:endParaRPr lang="en-US" altLang="zh-CN"/>
-          </a:p>
-          <a:p>
-            <a:pPr lvl="0"/>
-            <a:r>
-              <a:rPr lang="en-US" altLang="zh-CN"/>
-              <a:t>Steps</a:t>
-            </a:r>
-            <a:endParaRPr lang="en-US" altLang="zh-CN"/>
-          </a:p>
-          <a:p>
-            <a:pPr lvl="1"/>
-            <a:r>
-              <a:rPr lang="en-US" altLang="zh-CN"/>
-              <a:t>Run Inno Setup Compiler with wizard mode</a:t>
-            </a:r>
-            <a:endParaRPr lang="en-US" altLang="zh-CN"/>
-          </a:p>
-        </p:txBody>
-      </p:sp>
+              <a:t>icon</a:t>
+            </a:r>
+            <a:endParaRPr lang="en-US" altLang="zh-CN"/>
+          </a:p>
+          <a:p>
+            <a:pPr lvl="1"/>
+            <a:r>
+              <a:rPr lang="en-US" altLang="zh-CN" sz="2000"/>
+              <a:t>Modify </a:t>
+            </a:r>
+            <a:r>
+              <a:rPr lang="en-US" altLang="zh-CN"/>
+              <a:t>package.json</a:t>
+            </a:r>
+            <a:endParaRPr lang="en-US" altLang="zh-CN"/>
+          </a:p>
+          <a:p>
+            <a:endParaRPr lang="en-US" altLang="zh-CN"/>
+          </a:p>
+        </p:txBody>
+      </p:sp>
+      <p:pic>
+        <p:nvPicPr>
+          <p:cNvPr id="4" name="图片 3"/>
+          <p:cNvPicPr>
+            <a:picLocks noChangeAspect="1"/>
+          </p:cNvPicPr>
+          <p:nvPr>
+            <p:custDataLst>
+              <p:tags r:id="rId1"/>
+            </p:custDataLst>
+          </p:nvPr>
+        </p:nvPicPr>
+        <p:blipFill>
+          <a:blip r:embed="rId2"/>
+          <a:stretch>
+            <a:fillRect/>
+          </a:stretch>
+        </p:blipFill>
+        <p:spPr>
+          <a:xfrm>
+            <a:off x="5839460" y="1211580"/>
+            <a:ext cx="3981450" cy="2190750"/>
+          </a:xfrm>
+          <a:prstGeom prst="rect">
+            <a:avLst/>
+          </a:prstGeom>
+        </p:spPr>
+      </p:pic>
     </p:spTree>
     <p:custDataLst>
-      <p:tags r:id="rId1"/>
+      <p:tags r:id="rId3"/>
     </p:custDataLst>
   </p:cSld>
   <p:clrMapOvr>
@@ -4077,7 +4350,7 @@
       <p:grpSpPr/>
       <p:sp>
         <p:nvSpPr>
-          <p:cNvPr id="4" name="标题 3"/>
+          <p:cNvPr id="2" name="标题 1"/>
           <p:cNvSpPr>
             <a:spLocks noGrp="1"/>
           </p:cNvSpPr>
@@ -4091,27 +4364,157 @@
           <a:p>
             <a:r>
               <a:rPr lang="en-US" altLang="zh-CN"/>
-              <a:t>Electron-Vue</a:t>
-            </a:r>
-            <a:endParaRPr lang="en-US" altLang="zh-CN"/>
-          </a:p>
-        </p:txBody>
-      </p:sp>
-      <p:sp>
-        <p:nvSpPr>
-          <p:cNvPr id="5" name="文本占位符 4"/>
-          <p:cNvSpPr>
-            <a:spLocks noGrp="1"/>
-          </p:cNvSpPr>
-          <p:nvPr>
-            <p:ph type="body" idx="1"/>
-          </p:nvPr>
-        </p:nvSpPr>
-        <p:spPr/>
-        <p:txBody>
-          <a:bodyPr/>
-          <a:p>
+              <a:t>Debug</a:t>
+            </a:r>
+            <a:endParaRPr lang="en-US" altLang="zh-CN"/>
+          </a:p>
+        </p:txBody>
+      </p:sp>
+      <p:sp>
+        <p:nvSpPr>
+          <p:cNvPr id="3" name="内容占位符 2"/>
+          <p:cNvSpPr>
+            <a:spLocks noGrp="1"/>
+          </p:cNvSpPr>
+          <p:nvPr>
+            <p:ph idx="1"/>
+          </p:nvPr>
+        </p:nvSpPr>
+        <p:spPr>
+          <a:xfrm>
+            <a:off x="838200" y="1211580"/>
+            <a:ext cx="10515600" cy="5043805"/>
+          </a:xfrm>
+        </p:spPr>
+        <p:txBody>
+          <a:bodyPr>
+            <a:normAutofit fontScale="90000" lnSpcReduction="10000"/>
+          </a:bodyPr>
+          <a:p>
+            <a:r>
+              <a:rPr lang="en-US" altLang="zh-CN"/>
+              <a:t>Ctrl+Shift+i</a:t>
+            </a:r>
+            <a:endParaRPr lang="en-US" altLang="zh-CN"/>
+          </a:p>
+          <a:p>
+            <a:pPr lvl="1"/>
+            <a:r>
+              <a:rPr lang="en-US" altLang="zh-CN" sz="2000"/>
+              <a:t>toggle Chrome DevTools</a:t>
+            </a:r>
+            <a:endParaRPr lang="en-US" altLang="zh-CN" sz="2000"/>
+          </a:p>
+          <a:p>
+            <a:pPr lvl="0"/>
+            <a:r>
+              <a:rPr lang="en-US" altLang="zh-CN" sz="2400"/>
+              <a:t>Crl+r</a:t>
+            </a:r>
+            <a:endParaRPr lang="en-US" altLang="zh-CN" sz="2400"/>
+          </a:p>
+          <a:p>
+            <a:pPr lvl="1"/>
+            <a:r>
+              <a:rPr lang="en-US" altLang="zh-CN" sz="2000"/>
+              <a:t>reload window</a:t>
+            </a:r>
             <a:endParaRPr lang="zh-CN" altLang="en-US"/>
+          </a:p>
+          <a:p>
+            <a:r>
+              <a:rPr lang="zh-CN" altLang="en-US"/>
+              <a:t>https://www.npmjs.com/package/electron-log</a:t>
+            </a:r>
+            <a:endParaRPr lang="zh-CN" altLang="en-US"/>
+          </a:p>
+          <a:p>
+            <a:pPr lvl="1"/>
+            <a:r>
+              <a:rPr lang="en-US" altLang="zh-CN"/>
+              <a:t>npm i electron-log</a:t>
+            </a:r>
+            <a:endParaRPr lang="en-US" altLang="zh-CN"/>
+          </a:p>
+          <a:p>
+            <a:pPr lvl="1"/>
+            <a:r>
+              <a:rPr lang="en-US" altLang="zh-CN"/>
+              <a:t>log file</a:t>
+            </a:r>
+            <a:endParaRPr lang="en-US" altLang="zh-CN"/>
+          </a:p>
+          <a:p>
+            <a:pPr lvl="2"/>
+            <a:r>
+              <a:rPr lang="en-US" altLang="zh-CN" sz="1800"/>
+              <a:t>Windows: %USERPROFILE%\AppData\Roaming\{app name}\logs\{process type}.log</a:t>
+            </a:r>
+            <a:endParaRPr lang="en-US" altLang="zh-CN" sz="1800"/>
+          </a:p>
+          <a:p>
+            <a:pPr lvl="2"/>
+            <a:r>
+              <a:rPr lang="en-US" altLang="zh-CN" sz="1800"/>
+              <a:t>Linux: ~/.config/{app name}/logs/{process type}.log</a:t>
+            </a:r>
+            <a:endParaRPr lang="en-US" altLang="zh-CN" sz="1800"/>
+          </a:p>
+          <a:p>
+            <a:pPr lvl="2"/>
+            <a:r>
+              <a:rPr lang="en-US" altLang="zh-CN" sz="1800"/>
+              <a:t>Mac: ~/Library/Logs/{app name}/{process type}.log</a:t>
+            </a:r>
+            <a:endParaRPr lang="en-US" altLang="zh-CN" sz="1800"/>
+          </a:p>
+          <a:p>
+            <a:pPr lvl="1"/>
+            <a:r>
+              <a:rPr lang="en-US" altLang="zh-CN"/>
+              <a:t>log levels</a:t>
+            </a:r>
+            <a:endParaRPr lang="en-US" altLang="zh-CN"/>
+          </a:p>
+          <a:p>
+            <a:pPr lvl="2"/>
+            <a:r>
+              <a:rPr lang="en-US" altLang="zh-CN" sz="1800"/>
+              <a:t>error, warn, info, verbose, debug, silly</a:t>
+            </a:r>
+            <a:endParaRPr lang="en-US" altLang="zh-CN"/>
+          </a:p>
+          <a:p>
+            <a:pPr lvl="1"/>
+            <a:r>
+              <a:rPr lang="en-US" altLang="zh-CN"/>
+              <a:t>example</a:t>
+            </a:r>
+            <a:endParaRPr lang="en-US" altLang="zh-CN"/>
+          </a:p>
+          <a:p>
+            <a:pPr lvl="2"/>
+            <a:r>
+              <a:rPr lang="en-US" altLang="zh-CN"/>
+              <a:t>const log = require('electron-log')</a:t>
+            </a:r>
+            <a:endParaRPr lang="en-US" altLang="zh-CN"/>
+          </a:p>
+          <a:p>
+            <a:pPr lvl="2"/>
+            <a:r>
+              <a:rPr lang="en-US" altLang="zh-CN"/>
+              <a:t>log.info('Info')</a:t>
+            </a:r>
+            <a:endParaRPr lang="en-US" altLang="zh-CN"/>
+          </a:p>
+          <a:p>
+            <a:pPr lvl="2"/>
+            <a:r>
+              <a:rPr lang="en-US" altLang="zh-CN"/>
+              <a:t>log.warn('Warning')</a:t>
+            </a:r>
+            <a:endParaRPr lang="en-US" altLang="zh-CN"/>
           </a:p>
         </p:txBody>
       </p:sp>
@@ -4152,6 +4555,365 @@
           <a:p>
             <a:r>
               <a:rPr lang="en-US" altLang="zh-CN"/>
+              <a:t>FS</a:t>
+            </a:r>
+            <a:endParaRPr lang="en-US" altLang="zh-CN"/>
+          </a:p>
+        </p:txBody>
+      </p:sp>
+      <p:sp>
+        <p:nvSpPr>
+          <p:cNvPr id="3" name="内容占位符 2"/>
+          <p:cNvSpPr>
+            <a:spLocks noGrp="1"/>
+          </p:cNvSpPr>
+          <p:nvPr>
+            <p:ph idx="1"/>
+          </p:nvPr>
+        </p:nvSpPr>
+        <p:spPr/>
+        <p:txBody>
+          <a:bodyPr/>
+          <a:p>
+            <a:r>
+              <a:rPr lang="en-US" altLang="zh-CN"/>
+              <a:t>require('fs')</a:t>
+            </a:r>
+            <a:endParaRPr lang="en-US" altLang="zh-CN"/>
+          </a:p>
+          <a:p>
+            <a:r>
+              <a:rPr lang="en-US" altLang="zh-CN"/>
+              <a:t>Usage</a:t>
+            </a:r>
+            <a:endParaRPr lang="en-US" altLang="zh-CN"/>
+          </a:p>
+          <a:p>
+            <a:pPr lvl="1"/>
+            <a:r>
+              <a:rPr lang="en-US" altLang="zh-CN"/>
+              <a:t>fs.writeFile(fn, buf, function (err) {</a:t>
+            </a:r>
+            <a:endParaRPr lang="en-US" altLang="zh-CN"/>
+          </a:p>
+          <a:p>
+            <a:pPr lvl="2"/>
+            <a:r>
+              <a:rPr lang="en-US" altLang="zh-CN"/>
+              <a:t>throw(err)</a:t>
+            </a:r>
+            <a:endParaRPr lang="en-US" altLang="zh-CN"/>
+          </a:p>
+          <a:p>
+            <a:pPr lvl="1"/>
+            <a:r>
+              <a:rPr lang="en-US" altLang="zh-CN"/>
+              <a:t>})</a:t>
+            </a:r>
+            <a:endParaRPr lang="en-US" altLang="zh-CN"/>
+          </a:p>
+          <a:p>
+            <a:pPr lvl="1"/>
+            <a:r>
+              <a:rPr lang="en-US" altLang="zh-CN"/>
+              <a:t>fs.readFileSync(fn)</a:t>
+            </a:r>
+            <a:endParaRPr lang="en-US" altLang="zh-CN"/>
+          </a:p>
+        </p:txBody>
+      </p:sp>
+    </p:spTree>
+    <p:custDataLst>
+      <p:tags r:id="rId1"/>
+    </p:custDataLst>
+  </p:cSld>
+  <p:clrMapOvr>
+    <a:masterClrMapping/>
+  </p:clrMapOvr>
+</p:sld>
+</file>
+
+<file path=ppt/slides/slide15.xml><?xml version="1.0" encoding="utf-8"?>
+<p:sld xmlns:a="http://schemas.openxmlformats.org/drawingml/2006/main" xmlns:r="http://schemas.openxmlformats.org/officeDocument/2006/relationships" xmlns:p="http://schemas.openxmlformats.org/presentationml/2006/main">
+  <p:cSld>
+    <p:spTree>
+      <p:nvGrpSpPr>
+        <p:cNvPr id="1" name=""/>
+        <p:cNvGrpSpPr/>
+        <p:nvPr/>
+      </p:nvGrpSpPr>
+      <p:grpSpPr/>
+      <p:sp>
+        <p:nvSpPr>
+          <p:cNvPr id="2" name="标题 1"/>
+          <p:cNvSpPr>
+            <a:spLocks noGrp="1"/>
+          </p:cNvSpPr>
+          <p:nvPr>
+            <p:ph type="title"/>
+          </p:nvPr>
+        </p:nvSpPr>
+        <p:spPr/>
+        <p:txBody>
+          <a:bodyPr/>
+          <a:p>
+            <a:r>
+              <a:rPr lang="en-US" altLang="zh-CN"/>
+              <a:t>asar</a:t>
+            </a:r>
+            <a:endParaRPr lang="en-US" altLang="zh-CN"/>
+          </a:p>
+        </p:txBody>
+      </p:sp>
+      <p:sp>
+        <p:nvSpPr>
+          <p:cNvPr id="3" name="内容占位符 2"/>
+          <p:cNvSpPr>
+            <a:spLocks noGrp="1"/>
+          </p:cNvSpPr>
+          <p:nvPr>
+            <p:ph idx="1"/>
+          </p:nvPr>
+        </p:nvSpPr>
+        <p:spPr/>
+        <p:txBody>
+          <a:bodyPr/>
+          <a:p>
+            <a:r>
+              <a:rPr lang="en-US" altLang="zh-CN"/>
+              <a:t>Reference</a:t>
+            </a:r>
+            <a:endParaRPr lang="en-US" altLang="zh-CN"/>
+          </a:p>
+          <a:p>
+            <a:pPr lvl="1"/>
+            <a:r>
+              <a:rPr lang="en-US" altLang="zh-CN"/>
+              <a:t>https://github.com/electron/asar</a:t>
+            </a:r>
+            <a:endParaRPr lang="en-US" altLang="zh-CN"/>
+          </a:p>
+          <a:p>
+            <a:pPr lvl="0"/>
+            <a:r>
+              <a:rPr lang="en-US" altLang="zh-CN"/>
+              <a:t>Install</a:t>
+            </a:r>
+            <a:endParaRPr lang="en-US" altLang="zh-CN"/>
+          </a:p>
+          <a:p>
+            <a:pPr lvl="1"/>
+            <a:r>
+              <a:rPr lang="en-US" altLang="zh-CN"/>
+              <a:t>npm install --engine-strict asar</a:t>
+            </a:r>
+            <a:endParaRPr lang="en-US" altLang="zh-CN"/>
+          </a:p>
+          <a:p>
+            <a:pPr lvl="0"/>
+            <a:r>
+              <a:rPr lang="en-US" altLang="zh-CN"/>
+              <a:t>Usage</a:t>
+            </a:r>
+            <a:endParaRPr lang="en-US" altLang="zh-CN"/>
+          </a:p>
+          <a:p>
+            <a:pPr lvl="1"/>
+            <a:r>
+              <a:rPr lang="en-US" altLang="zh-CN"/>
+              <a:t>asar l app.asar</a:t>
+            </a:r>
+            <a:endParaRPr lang="en-US" altLang="zh-CN"/>
+          </a:p>
+        </p:txBody>
+      </p:sp>
+    </p:spTree>
+    <p:custDataLst>
+      <p:tags r:id="rId1"/>
+    </p:custDataLst>
+  </p:cSld>
+  <p:clrMapOvr>
+    <a:masterClrMapping/>
+  </p:clrMapOvr>
+</p:sld>
+</file>
+
+<file path=ppt/slides/slide16.xml><?xml version="1.0" encoding="utf-8"?>
+<p:sld xmlns:a="http://schemas.openxmlformats.org/drawingml/2006/main" xmlns:r="http://schemas.openxmlformats.org/officeDocument/2006/relationships" xmlns:p="http://schemas.openxmlformats.org/presentationml/2006/main">
+  <p:cSld>
+    <p:spTree>
+      <p:nvGrpSpPr>
+        <p:cNvPr id="1" name=""/>
+        <p:cNvGrpSpPr/>
+        <p:nvPr/>
+      </p:nvGrpSpPr>
+      <p:grpSpPr/>
+      <p:sp>
+        <p:nvSpPr>
+          <p:cNvPr id="2" name="标题 1"/>
+          <p:cNvSpPr>
+            <a:spLocks noGrp="1"/>
+          </p:cNvSpPr>
+          <p:nvPr>
+            <p:ph type="title"/>
+          </p:nvPr>
+        </p:nvSpPr>
+        <p:spPr/>
+        <p:txBody>
+          <a:bodyPr/>
+          <a:p>
+            <a:r>
+              <a:rPr lang="en-US" altLang="zh-CN"/>
+              <a:t>Create Installer</a:t>
+            </a:r>
+            <a:endParaRPr lang="en-US" altLang="zh-CN"/>
+          </a:p>
+        </p:txBody>
+      </p:sp>
+      <p:sp>
+        <p:nvSpPr>
+          <p:cNvPr id="3" name="内容占位符 2"/>
+          <p:cNvSpPr>
+            <a:spLocks noGrp="1"/>
+          </p:cNvSpPr>
+          <p:nvPr>
+            <p:ph idx="1"/>
+          </p:nvPr>
+        </p:nvSpPr>
+        <p:spPr/>
+        <p:txBody>
+          <a:bodyPr/>
+          <a:p>
+            <a:r>
+              <a:rPr lang="en-US" altLang="zh-CN"/>
+              <a:t>References</a:t>
+            </a:r>
+            <a:endParaRPr lang="en-US" altLang="zh-CN"/>
+          </a:p>
+          <a:p>
+            <a:pPr lvl="1"/>
+            <a:r>
+              <a:rPr lang="en-US" altLang="zh-CN"/>
+              <a:t>https://newsn.net/say/electron-innosetup.html</a:t>
+            </a:r>
+            <a:endParaRPr lang="en-US" altLang="zh-CN"/>
+          </a:p>
+          <a:p>
+            <a:pPr lvl="0"/>
+            <a:r>
+              <a:rPr lang="en-US" altLang="zh-CN"/>
+              <a:t>Steps</a:t>
+            </a:r>
+            <a:endParaRPr lang="en-US" altLang="zh-CN"/>
+          </a:p>
+          <a:p>
+            <a:pPr lvl="1"/>
+            <a:r>
+              <a:rPr lang="en-US" altLang="zh-CN"/>
+              <a:t>Run Inno Setup Compiler with wizard mode</a:t>
+            </a:r>
+            <a:endParaRPr lang="en-US" altLang="zh-CN"/>
+          </a:p>
+        </p:txBody>
+      </p:sp>
+    </p:spTree>
+    <p:custDataLst>
+      <p:tags r:id="rId1"/>
+    </p:custDataLst>
+  </p:cSld>
+  <p:clrMapOvr>
+    <a:masterClrMapping/>
+  </p:clrMapOvr>
+</p:sld>
+</file>
+
+<file path=ppt/slides/slide17.xml><?xml version="1.0" encoding="utf-8"?>
+<p:sld xmlns:a="http://schemas.openxmlformats.org/drawingml/2006/main" xmlns:r="http://schemas.openxmlformats.org/officeDocument/2006/relationships" xmlns:p="http://schemas.openxmlformats.org/presentationml/2006/main">
+  <p:cSld>
+    <p:spTree>
+      <p:nvGrpSpPr>
+        <p:cNvPr id="1" name=""/>
+        <p:cNvGrpSpPr/>
+        <p:nvPr/>
+      </p:nvGrpSpPr>
+      <p:grpSpPr/>
+      <p:sp>
+        <p:nvSpPr>
+          <p:cNvPr id="4" name="标题 3"/>
+          <p:cNvSpPr>
+            <a:spLocks noGrp="1"/>
+          </p:cNvSpPr>
+          <p:nvPr>
+            <p:ph type="title"/>
+          </p:nvPr>
+        </p:nvSpPr>
+        <p:spPr/>
+        <p:txBody>
+          <a:bodyPr/>
+          <a:p>
+            <a:r>
+              <a:rPr lang="en-US" altLang="zh-CN"/>
+              <a:t>Electron-Vue</a:t>
+            </a:r>
+            <a:endParaRPr lang="en-US" altLang="zh-CN"/>
+          </a:p>
+        </p:txBody>
+      </p:sp>
+      <p:sp>
+        <p:nvSpPr>
+          <p:cNvPr id="5" name="文本占位符 4"/>
+          <p:cNvSpPr>
+            <a:spLocks noGrp="1"/>
+          </p:cNvSpPr>
+          <p:nvPr>
+            <p:ph type="body" idx="1"/>
+          </p:nvPr>
+        </p:nvSpPr>
+        <p:spPr/>
+        <p:txBody>
+          <a:bodyPr/>
+          <a:p>
+            <a:endParaRPr lang="zh-CN" altLang="en-US"/>
+          </a:p>
+        </p:txBody>
+      </p:sp>
+    </p:spTree>
+    <p:custDataLst>
+      <p:tags r:id="rId1"/>
+    </p:custDataLst>
+  </p:cSld>
+  <p:clrMapOvr>
+    <a:masterClrMapping/>
+  </p:clrMapOvr>
+</p:sld>
+</file>
+
+<file path=ppt/slides/slide18.xml><?xml version="1.0" encoding="utf-8"?>
+<p:sld xmlns:a="http://schemas.openxmlformats.org/drawingml/2006/main" xmlns:r="http://schemas.openxmlformats.org/officeDocument/2006/relationships" xmlns:p="http://schemas.openxmlformats.org/presentationml/2006/main">
+  <p:cSld>
+    <p:spTree>
+      <p:nvGrpSpPr>
+        <p:cNvPr id="1" name=""/>
+        <p:cNvGrpSpPr/>
+        <p:nvPr/>
+      </p:nvGrpSpPr>
+      <p:grpSpPr/>
+      <p:sp>
+        <p:nvSpPr>
+          <p:cNvPr id="2" name="标题 1"/>
+          <p:cNvSpPr>
+            <a:spLocks noGrp="1"/>
+          </p:cNvSpPr>
+          <p:nvPr>
+            <p:ph type="title"/>
+          </p:nvPr>
+        </p:nvSpPr>
+        <p:spPr/>
+        <p:txBody>
+          <a:bodyPr/>
+          <a:p>
+            <a:r>
+              <a:rPr lang="en-US" altLang="zh-CN"/>
               <a:t>Intro</a:t>
             </a:r>
             <a:endParaRPr lang="en-US" altLang="zh-CN"/>
@@ -4194,7 +4956,7 @@
         <p:spPr>
           <a:xfrm>
             <a:off x="718185" y="3027680"/>
-            <a:ext cx="5422900" cy="2584450"/>
+            <a:ext cx="5422900" cy="2861310"/>
           </a:xfrm>
           <a:prstGeom prst="rect">
             <a:avLst/>
@@ -4212,64 +4974,185 @@
           </a:bodyPr>
           <a:p>
             <a:r>
-              <a:rPr lang="zh-CN" altLang="en-US"/>
+              <a:rPr lang="zh-CN" altLang="en-US">
+                <a:solidFill>
+                  <a:schemeClr val="bg1">
+                    <a:lumMod val="75000"/>
+                  </a:schemeClr>
+                </a:solidFill>
+              </a:rPr>
               <a:t># Install vue-cli and scaffold boilerplate</a:t>
             </a:r>
-            <a:endParaRPr lang="zh-CN" altLang="en-US"/>
-          </a:p>
-          <a:p>
-            <a:r>
-              <a:rPr lang="zh-CN" altLang="en-US"/>
+            <a:endParaRPr lang="zh-CN" altLang="en-US">
+              <a:solidFill>
+                <a:schemeClr val="bg1">
+                  <a:lumMod val="75000"/>
+                </a:schemeClr>
+              </a:solidFill>
+            </a:endParaRPr>
+          </a:p>
+          <a:p>
+            <a:r>
+              <a:rPr lang="zh-CN" altLang="en-US">
+                <a:solidFill>
+                  <a:schemeClr val="bg1">
+                    <a:lumMod val="75000"/>
+                  </a:schemeClr>
+                </a:solidFill>
+              </a:rPr>
               <a:t>npm install -g vue-cli</a:t>
             </a:r>
-            <a:endParaRPr lang="zh-CN" altLang="en-US"/>
-          </a:p>
-          <a:p>
-            <a:r>
-              <a:rPr lang="zh-CN" altLang="en-US"/>
+            <a:endParaRPr lang="zh-CN" altLang="en-US">
+              <a:solidFill>
+                <a:schemeClr val="bg1">
+                  <a:lumMod val="75000"/>
+                </a:schemeClr>
+              </a:solidFill>
+            </a:endParaRPr>
+          </a:p>
+          <a:p>
+            <a:r>
+              <a:rPr lang="zh-CN" altLang="en-US">
+                <a:solidFill>
+                  <a:schemeClr val="bg1">
+                    <a:lumMod val="75000"/>
+                  </a:schemeClr>
+                </a:solidFill>
+              </a:rPr>
+              <a:t>SET npm_config_strict_ssl=false</a:t>
+            </a:r>
+            <a:endParaRPr lang="zh-CN" altLang="en-US">
+              <a:solidFill>
+                <a:schemeClr val="bg1">
+                  <a:lumMod val="75000"/>
+                </a:schemeClr>
+              </a:solidFill>
+            </a:endParaRPr>
+          </a:p>
+          <a:p>
+            <a:r>
+              <a:rPr lang="zh-CN" altLang="en-US">
+                <a:solidFill>
+                  <a:schemeClr val="bg1">
+                    <a:lumMod val="75000"/>
+                  </a:schemeClr>
+                </a:solidFill>
+              </a:rPr>
               <a:t>vue init simulatedgreg/electron-vue my-project</a:t>
             </a:r>
-            <a:endParaRPr lang="zh-CN" altLang="en-US"/>
-          </a:p>
-          <a:p>
-            <a:endParaRPr lang="zh-CN" altLang="en-US"/>
-          </a:p>
-          <a:p>
-            <a:r>
-              <a:rPr lang="zh-CN" altLang="en-US"/>
+            <a:endParaRPr lang="zh-CN" altLang="en-US">
+              <a:solidFill>
+                <a:schemeClr val="bg1">
+                  <a:lumMod val="75000"/>
+                </a:schemeClr>
+              </a:solidFill>
+            </a:endParaRPr>
+          </a:p>
+          <a:p>
+            <a:endParaRPr lang="zh-CN" altLang="en-US">
+              <a:solidFill>
+                <a:schemeClr val="bg1">
+                  <a:lumMod val="75000"/>
+                </a:schemeClr>
+              </a:solidFill>
+            </a:endParaRPr>
+          </a:p>
+          <a:p>
+            <a:r>
+              <a:rPr lang="zh-CN" altLang="en-US">
+                <a:solidFill>
+                  <a:schemeClr val="bg1">
+                    <a:lumMod val="75000"/>
+                  </a:schemeClr>
+                </a:solidFill>
+              </a:rPr>
               <a:t># Install dependencies and run your app</a:t>
             </a:r>
-            <a:endParaRPr lang="zh-CN" altLang="en-US"/>
-          </a:p>
-          <a:p>
-            <a:r>
-              <a:rPr lang="zh-CN" altLang="en-US"/>
+            <a:endParaRPr lang="zh-CN" altLang="en-US">
+              <a:solidFill>
+                <a:schemeClr val="bg1">
+                  <a:lumMod val="75000"/>
+                </a:schemeClr>
+              </a:solidFill>
+            </a:endParaRPr>
+          </a:p>
+          <a:p>
+            <a:r>
+              <a:rPr lang="zh-CN" altLang="en-US">
+                <a:solidFill>
+                  <a:schemeClr val="bg1">
+                    <a:lumMod val="75000"/>
+                  </a:schemeClr>
+                </a:solidFill>
+              </a:rPr>
               <a:t>cd my-project</a:t>
             </a:r>
-            <a:endParaRPr lang="zh-CN" altLang="en-US"/>
-          </a:p>
-          <a:p>
-            <a:r>
-              <a:rPr lang="en-US" altLang="zh-CN"/>
-              <a:t>cnpm i</a:t>
-            </a:r>
-            <a:endParaRPr lang="en-US" altLang="zh-CN"/>
-          </a:p>
-          <a:p>
-            <a:r>
-              <a:rPr lang="en-US" altLang="zh-CN"/>
+            <a:endParaRPr lang="zh-CN" altLang="en-US">
+              <a:solidFill>
+                <a:schemeClr val="bg1">
+                  <a:lumMod val="75000"/>
+                </a:schemeClr>
+              </a:solidFill>
+            </a:endParaRPr>
+          </a:p>
+          <a:p>
+            <a:r>
+              <a:rPr lang="en-US" altLang="zh-CN">
+                <a:solidFill>
+                  <a:schemeClr val="bg1">
+                    <a:lumMod val="75000"/>
+                  </a:schemeClr>
+                </a:solidFill>
+              </a:rPr>
+              <a:t>npm i</a:t>
+            </a:r>
+            <a:endParaRPr lang="en-US" altLang="zh-CN">
+              <a:solidFill>
+                <a:schemeClr val="bg1">
+                  <a:lumMod val="75000"/>
+                </a:schemeClr>
+              </a:solidFill>
+            </a:endParaRPr>
+          </a:p>
+          <a:p>
+            <a:r>
+              <a:rPr lang="en-US" altLang="zh-CN">
+                <a:solidFill>
+                  <a:schemeClr val="bg1">
+                    <a:lumMod val="75000"/>
+                  </a:schemeClr>
+                </a:solidFill>
+              </a:rPr>
               <a:t>npm run dev</a:t>
             </a:r>
-            <a:endParaRPr lang="en-US" altLang="zh-CN"/>
+            <a:endParaRPr lang="en-US" altLang="zh-CN">
+              <a:solidFill>
+                <a:schemeClr val="bg1">
+                  <a:lumMod val="75000"/>
+                </a:schemeClr>
+              </a:solidFill>
+            </a:endParaRPr>
           </a:p>
           <a:p>
             <a:r>
               <a:rPr lang="en-US" altLang="zh-CN">
+                <a:solidFill>
+                  <a:schemeClr val="bg1">
+                    <a:lumMod val="75000"/>
+                  </a:schemeClr>
+                </a:solidFill>
                 <a:sym typeface="+mn-ea"/>
               </a:rPr>
               <a:t># FAQ “process is not defined”</a:t>
             </a:r>
-            <a:endParaRPr lang="en-US" altLang="zh-CN"/>
+            <a:endParaRPr lang="en-US" altLang="zh-CN">
+              <a:solidFill>
+                <a:schemeClr val="bg1">
+                  <a:lumMod val="75000"/>
+                </a:schemeClr>
+              </a:solidFill>
+              <a:sym typeface="+mn-ea"/>
+            </a:endParaRPr>
           </a:p>
         </p:txBody>
       </p:sp>
@@ -4672,7 +5555,7 @@
 </p:sld>
 </file>
 
-<file path=ppt/slides/slide15.xml><?xml version="1.0" encoding="utf-8"?>
+<file path=ppt/slides/slide19.xml><?xml version="1.0" encoding="utf-8"?>
 <p:sld xmlns:a="http://schemas.openxmlformats.org/drawingml/2006/main" xmlns:r="http://schemas.openxmlformats.org/officeDocument/2006/relationships" xmlns:p="http://schemas.openxmlformats.org/presentationml/2006/main">
   <p:cSld>
     <p:spTree>
@@ -4714,78 +5597,586 @@
             <p:ph idx="1"/>
           </p:nvPr>
         </p:nvSpPr>
-        <p:spPr/>
-        <p:txBody>
-          <a:bodyPr/>
-          <a:p>
-            <a:r>
-              <a:rPr lang="en-US" altLang="zh-CN"/>
+        <p:spPr>
+          <a:xfrm>
+            <a:off x="838200" y="1211580"/>
+            <a:ext cx="5061585" cy="5332095"/>
+          </a:xfrm>
+        </p:spPr>
+        <p:txBody>
+          <a:bodyPr>
+            <a:noAutofit/>
+          </a:bodyPr>
+          <a:p>
+            <a:r>
+              <a:rPr lang="en-US" altLang="zh-CN" sz="1400"/>
               <a:t>References</a:t>
             </a:r>
-            <a:endParaRPr lang="en-US" altLang="zh-CN"/>
-          </a:p>
-          <a:p>
-            <a:pPr lvl="1"/>
-            <a:r>
-              <a:rPr lang="en-US" altLang="zh-CN"/>
+            <a:endParaRPr lang="en-US" altLang="zh-CN" sz="1400"/>
+          </a:p>
+          <a:p>
+            <a:pPr lvl="1"/>
+            <a:r>
+              <a:rPr lang="en-US" altLang="zh-CN" sz="1200">
+                <a:solidFill>
+                  <a:schemeClr val="bg1">
+                    <a:lumMod val="75000"/>
+                  </a:schemeClr>
+                </a:solidFill>
+              </a:rPr>
               <a:t>https://stricker.digital/posts/electron-with-vue-and-webpack/</a:t>
             </a:r>
-            <a:endParaRPr lang="en-US" altLang="zh-CN"/>
-          </a:p>
-          <a:p>
-            <a:r>
-              <a:rPr lang="en-US" altLang="zh-CN"/>
+            <a:endParaRPr lang="en-US" altLang="zh-CN" sz="1200">
+              <a:solidFill>
+                <a:schemeClr val="bg1">
+                  <a:lumMod val="75000"/>
+                </a:schemeClr>
+              </a:solidFill>
+            </a:endParaRPr>
+          </a:p>
+          <a:p>
+            <a:pPr lvl="1"/>
+            <a:r>
+              <a:rPr lang="en-US" altLang="zh-CN" sz="1200"/>
+              <a:t>https://blog.csdn.net/ReDreamme/article/details/113865100</a:t>
+            </a:r>
+            <a:endParaRPr lang="en-US" altLang="zh-CN" sz="1200"/>
+          </a:p>
+          <a:p>
+            <a:r>
+              <a:rPr lang="en-US" altLang="zh-CN" sz="1400"/>
               <a:t>Vue CLI 3</a:t>
             </a:r>
-            <a:endParaRPr lang="en-US" altLang="zh-CN"/>
-          </a:p>
-          <a:p>
-            <a:pPr lvl="1"/>
-            <a:r>
-              <a:rPr lang="en-US" altLang="zh-CN"/>
+            <a:endParaRPr lang="en-US" altLang="zh-CN" sz="1400"/>
+          </a:p>
+          <a:p>
+            <a:pPr lvl="1"/>
+            <a:r>
+              <a:rPr lang="en-US" altLang="zh-CN" sz="1200"/>
+              <a:t>install node v14.21.3 32bit</a:t>
+            </a:r>
+            <a:endParaRPr lang="en-US" altLang="zh-CN" sz="1200"/>
+          </a:p>
+          <a:p>
+            <a:pPr lvl="2"/>
+            <a:r>
+              <a:rPr lang="en-US" altLang="zh-CN" sz="1000"/>
+              <a:t>https://nodejs.org/en/download/releases/</a:t>
+            </a:r>
+            <a:endParaRPr lang="en-US" altLang="zh-CN" sz="1000"/>
+          </a:p>
+          <a:p>
+            <a:pPr lvl="1"/>
+            <a:r>
+              <a:rPr lang="en-US" altLang="zh-CN" sz="1200">
+                <a:sym typeface="+mn-ea"/>
+              </a:rPr>
+              <a:t>npm --version	// 6.14.18</a:t>
+            </a:r>
+            <a:endParaRPr lang="en-US" altLang="zh-CN" sz="1200"/>
+          </a:p>
+          <a:p>
+            <a:pPr lvl="1"/>
+            <a:r>
+              <a:rPr lang="en-US" altLang="zh-CN" sz="1200"/>
+              <a:t>npm install -g @vue/cli	// as admin</a:t>
+            </a:r>
+            <a:endParaRPr lang="en-US" altLang="zh-CN" sz="1200"/>
+          </a:p>
+          <a:p>
+            <a:pPr lvl="1"/>
+            <a:r>
+              <a:rPr lang="en-US" altLang="zh-CN" sz="1200">
+                <a:sym typeface="+mn-ea"/>
+              </a:rPr>
               <a:t>vue --version</a:t>
             </a:r>
-            <a:endParaRPr lang="en-US" altLang="zh-CN"/>
-          </a:p>
-          <a:p>
-            <a:pPr lvl="1"/>
-            <a:r>
-              <a:rPr lang="en-US" altLang="zh-CN"/>
-              <a:t>npm install -g @vue/cli</a:t>
-            </a:r>
-            <a:endParaRPr lang="en-US" altLang="zh-CN"/>
-          </a:p>
-          <a:p>
-            <a:pPr lvl="1"/>
-            <a:r>
-              <a:rPr lang="en-US" altLang="zh-CN"/>
+            <a:endParaRPr lang="en-US" altLang="zh-CN" sz="1200"/>
+          </a:p>
+          <a:p>
+            <a:pPr lvl="1"/>
+            <a:r>
+              <a:rPr lang="en-US" altLang="zh-CN" sz="1200"/>
               <a:t>vue create {proj}</a:t>
             </a:r>
-            <a:endParaRPr lang="en-US" altLang="zh-CN"/>
-          </a:p>
-          <a:p>
-            <a:pPr lvl="1"/>
-            <a:r>
-              <a:rPr lang="en-US" altLang="zh-CN"/>
+            <a:endParaRPr lang="en-US" altLang="zh-CN" sz="1200"/>
+          </a:p>
+          <a:p>
+            <a:pPr lvl="1"/>
+            <a:r>
+              <a:rPr lang="en-US" altLang="zh-CN" sz="1200"/>
               <a:t>cd {proj}</a:t>
             </a:r>
-            <a:endParaRPr lang="en-US" altLang="zh-CN"/>
-          </a:p>
-          <a:p>
-            <a:pPr lvl="1"/>
-            <a:r>
-              <a:rPr lang="en-US" altLang="zh-CN"/>
+            <a:endParaRPr lang="en-US" altLang="zh-CN" sz="1200"/>
+          </a:p>
+          <a:p>
+            <a:pPr lvl="1"/>
+            <a:r>
+              <a:rPr lang="en-US" altLang="zh-CN" sz="1200">
+                <a:sym typeface="+mn-ea"/>
+              </a:rPr>
+              <a:t>set ELECTRON_MIRROR=http://npm.taobao.org/mirrors/electron/</a:t>
+            </a:r>
+            <a:endParaRPr lang="en-US" altLang="zh-CN" sz="1200"/>
+          </a:p>
+          <a:p>
+            <a:pPr lvl="1"/>
+            <a:r>
+              <a:rPr lang="en-US" altLang="zh-CN" sz="1200"/>
               <a:t>vue add electron-builder</a:t>
             </a:r>
-            <a:endParaRPr lang="en-US" altLang="zh-CN"/>
-          </a:p>
-          <a:p>
-            <a:pPr lvl="1"/>
-            <a:r>
-              <a:rPr lang="en-US" altLang="zh-CN"/>
-              <a:t>yarn electron:serve</a:t>
-            </a:r>
-            <a:endParaRPr lang="en-US" altLang="zh-CN"/>
+            <a:endParaRPr lang="en-US" altLang="zh-CN" sz="1200"/>
+          </a:p>
+          <a:p>
+            <a:pPr lvl="2"/>
+            <a:r>
+              <a:rPr lang="en-US" altLang="zh-CN" sz="1000"/>
+              <a:t>choose electron verson: 11.0.0</a:t>
+            </a:r>
+            <a:endParaRPr lang="en-US" altLang="zh-CN" sz="1000"/>
+          </a:p>
+          <a:p>
+            <a:pPr lvl="1"/>
+            <a:r>
+              <a:rPr lang="en-US" altLang="zh-CN" sz="1200"/>
+              <a:t>npn i -g --production windows-build-tools		// as admin</a:t>
+            </a:r>
+            <a:endParaRPr lang="en-US" altLang="zh-CN" sz="1200"/>
+          </a:p>
+          <a:p>
+            <a:pPr lvl="1"/>
+            <a:r>
+              <a:rPr lang="en-US" altLang="zh-CN" sz="1200"/>
+              <a:t>npm i -g node-gyp		// as admin</a:t>
+            </a:r>
+            <a:endParaRPr lang="en-US" altLang="zh-CN" sz="1200"/>
+          </a:p>
+          <a:p>
+            <a:pPr lvl="1"/>
+            <a:r>
+              <a:rPr lang="en-US" altLang="zh-CN" sz="1200"/>
+              <a:t>npm i -g @vue/devtools	// as admin</a:t>
+            </a:r>
+            <a:endParaRPr lang="en-US" altLang="zh-CN" sz="1200"/>
+          </a:p>
+          <a:p>
+            <a:pPr lvl="1"/>
+            <a:r>
+              <a:rPr lang="en-US" altLang="zh-CN" sz="1200"/>
+              <a:t>npm i -S ref-napi ref-array-napi ref-struct-napi ffi-napi</a:t>
+            </a:r>
+            <a:endParaRPr lang="en-US" altLang="zh-CN" sz="1200"/>
+          </a:p>
+          <a:p>
+            <a:pPr lvl="1"/>
+            <a:r>
+              <a:rPr lang="en-US" altLang="zh-CN" sz="1200"/>
+              <a:t>npm i -S vue-devtools</a:t>
+            </a:r>
+            <a:endParaRPr lang="en-US" altLang="zh-CN" sz="1200"/>
+          </a:p>
+          <a:p>
+            <a:pPr lvl="1"/>
+            <a:r>
+              <a:rPr lang="en-US" altLang="zh-CN" sz="1200"/>
+              <a:t>npm i -S node-sass sass-loader</a:t>
+            </a:r>
+            <a:endParaRPr lang="en-US" altLang="zh-CN" sz="1200"/>
+          </a:p>
+          <a:p>
+            <a:pPr lvl="1"/>
+            <a:r>
+              <a:rPr lang="en-US" altLang="zh-CN" sz="1200"/>
+              <a:t>npm i -S element-ui</a:t>
+            </a:r>
+            <a:endParaRPr lang="en-US" altLang="zh-CN" sz="1200"/>
+          </a:p>
+        </p:txBody>
+      </p:sp>
+      <p:sp>
+        <p:nvSpPr>
+          <p:cNvPr id="5" name="内容占位符 2"/>
+          <p:cNvSpPr>
+            <a:spLocks noGrp="1"/>
+          </p:cNvSpPr>
+          <p:nvPr/>
+        </p:nvSpPr>
+        <p:spPr>
+          <a:xfrm>
+            <a:off x="6431280" y="1147445"/>
+            <a:ext cx="5551170" cy="5332095"/>
+          </a:xfrm>
+          <a:prstGeom prst="rect">
+            <a:avLst/>
+          </a:prstGeom>
+        </p:spPr>
+        <p:txBody>
+          <a:bodyPr vert="horz" lIns="91440" tIns="45720" rIns="91440" bIns="45720" rtlCol="0"/>
+          <a:lstStyle>
+            <a:lvl1pPr marL="342900" indent="-342900" algn="l" defTabSz="914400" rtl="0" eaLnBrk="1" latinLnBrk="0" hangingPunct="1">
+              <a:lnSpc>
+                <a:spcPct val="90000"/>
+              </a:lnSpc>
+              <a:spcBef>
+                <a:spcPts val="1000"/>
+              </a:spcBef>
+              <a:buFont typeface="黑体" panose="02010609060101010101" pitchFamily="49" charset="-122"/>
+              <a:buChar char="〉"/>
+              <a:defRPr sz="2400" kern="1200">
+                <a:solidFill>
+                  <a:schemeClr val="tx1"/>
+                </a:solidFill>
+                <a:latin typeface="+mn-lt"/>
+                <a:ea typeface="+mn-ea"/>
+                <a:cs typeface="+mn-cs"/>
+              </a:defRPr>
+            </a:lvl1pPr>
+            <a:lvl2pPr marL="800100" indent="-342900" algn="l" defTabSz="914400" rtl="0" eaLnBrk="1" latinLnBrk="0" hangingPunct="1">
+              <a:lnSpc>
+                <a:spcPct val="90000"/>
+              </a:lnSpc>
+              <a:spcBef>
+                <a:spcPts val="500"/>
+              </a:spcBef>
+              <a:buFont typeface="Arial" panose="020B0604020202020204" pitchFamily="34" charset="0"/>
+              <a:buChar char="•"/>
+              <a:defRPr sz="2000" kern="1200">
+                <a:solidFill>
+                  <a:schemeClr val="tx1"/>
+                </a:solidFill>
+                <a:latin typeface="+mn-lt"/>
+                <a:ea typeface="+mn-ea"/>
+                <a:cs typeface="+mn-cs"/>
+              </a:defRPr>
+            </a:lvl2pPr>
+            <a:lvl3pPr marL="1257300" indent="-342900" algn="l" defTabSz="914400" rtl="0" eaLnBrk="1" latinLnBrk="0" hangingPunct="1">
+              <a:lnSpc>
+                <a:spcPct val="90000"/>
+              </a:lnSpc>
+              <a:spcBef>
+                <a:spcPts val="500"/>
+              </a:spcBef>
+              <a:buFont typeface="Arial" panose="020B0604020202020204" pitchFamily="34" charset="0"/>
+              <a:buChar char="•"/>
+              <a:defRPr sz="1800" kern="1200">
+                <a:solidFill>
+                  <a:schemeClr val="tx1"/>
+                </a:solidFill>
+                <a:latin typeface="+mn-lt"/>
+                <a:ea typeface="+mn-ea"/>
+                <a:cs typeface="+mn-cs"/>
+              </a:defRPr>
+            </a:lvl3pPr>
+            <a:lvl4pPr marL="1657350" indent="-285750" algn="l" defTabSz="914400" rtl="0" eaLnBrk="1" latinLnBrk="0" hangingPunct="1">
+              <a:lnSpc>
+                <a:spcPct val="90000"/>
+              </a:lnSpc>
+              <a:spcBef>
+                <a:spcPts val="500"/>
+              </a:spcBef>
+              <a:buFont typeface="Arial" panose="020B0604020202020204" pitchFamily="34" charset="0"/>
+              <a:buChar char="•"/>
+              <a:defRPr sz="1800" kern="1200">
+                <a:solidFill>
+                  <a:schemeClr val="tx1"/>
+                </a:solidFill>
+                <a:latin typeface="+mn-lt"/>
+                <a:ea typeface="+mn-ea"/>
+                <a:cs typeface="+mn-cs"/>
+              </a:defRPr>
+            </a:lvl4pPr>
+            <a:lvl5pPr marL="2114550" indent="-285750" algn="l" defTabSz="914400" rtl="0" eaLnBrk="1" latinLnBrk="0" hangingPunct="1">
+              <a:lnSpc>
+                <a:spcPct val="90000"/>
+              </a:lnSpc>
+              <a:spcBef>
+                <a:spcPts val="500"/>
+              </a:spcBef>
+              <a:buFont typeface="Arial" panose="020B0604020202020204" pitchFamily="34" charset="0"/>
+              <a:buChar char="•"/>
+              <a:defRPr sz="1800" kern="1200">
+                <a:solidFill>
+                  <a:schemeClr val="tx1"/>
+                </a:solidFill>
+                <a:latin typeface="+mn-lt"/>
+                <a:ea typeface="+mn-ea"/>
+                <a:cs typeface="+mn-cs"/>
+              </a:defRPr>
+            </a:lvl5pPr>
+            <a:lvl6pPr marL="2514600" indent="-228600" algn="l" defTabSz="914400" rtl="0" eaLnBrk="1" latinLnBrk="0" hangingPunct="1">
+              <a:lnSpc>
+                <a:spcPct val="90000"/>
+              </a:lnSpc>
+              <a:spcBef>
+                <a:spcPts val="500"/>
+              </a:spcBef>
+              <a:buFont typeface="Arial" panose="020B0604020202020204" pitchFamily="34" charset="0"/>
+              <a:buChar char="•"/>
+              <a:defRPr sz="1800" kern="1200">
+                <a:solidFill>
+                  <a:schemeClr val="tx1"/>
+                </a:solidFill>
+                <a:latin typeface="+mn-lt"/>
+                <a:ea typeface="+mn-ea"/>
+                <a:cs typeface="+mn-cs"/>
+              </a:defRPr>
+            </a:lvl6pPr>
+            <a:lvl7pPr marL="2971800" indent="-228600" algn="l" defTabSz="914400" rtl="0" eaLnBrk="1" latinLnBrk="0" hangingPunct="1">
+              <a:lnSpc>
+                <a:spcPct val="90000"/>
+              </a:lnSpc>
+              <a:spcBef>
+                <a:spcPts val="500"/>
+              </a:spcBef>
+              <a:buFont typeface="Arial" panose="020B0604020202020204" pitchFamily="34" charset="0"/>
+              <a:buChar char="•"/>
+              <a:defRPr sz="1800" kern="1200">
+                <a:solidFill>
+                  <a:schemeClr val="tx1"/>
+                </a:solidFill>
+                <a:latin typeface="+mn-lt"/>
+                <a:ea typeface="+mn-ea"/>
+                <a:cs typeface="+mn-cs"/>
+              </a:defRPr>
+            </a:lvl7pPr>
+            <a:lvl8pPr marL="3429000" indent="-228600" algn="l" defTabSz="914400" rtl="0" eaLnBrk="1" latinLnBrk="0" hangingPunct="1">
+              <a:lnSpc>
+                <a:spcPct val="90000"/>
+              </a:lnSpc>
+              <a:spcBef>
+                <a:spcPts val="500"/>
+              </a:spcBef>
+              <a:buFont typeface="Arial" panose="020B0604020202020204" pitchFamily="34" charset="0"/>
+              <a:buChar char="•"/>
+              <a:defRPr sz="1800" kern="1200">
+                <a:solidFill>
+                  <a:schemeClr val="tx1"/>
+                </a:solidFill>
+                <a:latin typeface="+mn-lt"/>
+                <a:ea typeface="+mn-ea"/>
+                <a:cs typeface="+mn-cs"/>
+              </a:defRPr>
+            </a:lvl8pPr>
+            <a:lvl9pPr marL="3886200" indent="-228600" algn="l" defTabSz="914400" rtl="0" eaLnBrk="1" latinLnBrk="0" hangingPunct="1">
+              <a:lnSpc>
+                <a:spcPct val="90000"/>
+              </a:lnSpc>
+              <a:spcBef>
+                <a:spcPts val="500"/>
+              </a:spcBef>
+              <a:buFont typeface="Arial" panose="020B0604020202020204" pitchFamily="34" charset="0"/>
+              <a:buChar char="•"/>
+              <a:defRPr sz="1800" kern="1200">
+                <a:solidFill>
+                  <a:schemeClr val="tx1"/>
+                </a:solidFill>
+                <a:latin typeface="+mn-lt"/>
+                <a:ea typeface="+mn-ea"/>
+                <a:cs typeface="+mn-cs"/>
+              </a:defRPr>
+            </a:lvl9pPr>
+          </a:lstStyle>
+          <a:p>
+            <a:pPr lvl="1"/>
+            <a:r>
+              <a:rPr lang="en-US" altLang="zh-CN" sz="1400">
+                <a:sym typeface="+mn-ea"/>
+              </a:rPr>
+              <a:t>modify background.js</a:t>
+            </a:r>
+            <a:endParaRPr lang="en-US" altLang="zh-CN" sz="1400">
+              <a:sym typeface="+mn-ea"/>
+            </a:endParaRPr>
+          </a:p>
+          <a:p>
+            <a:pPr marL="914400" lvl="2" indent="0">
+              <a:buNone/>
+            </a:pPr>
+            <a:r>
+              <a:rPr lang="en-US" altLang="zh-CN" sz="1200">
+                <a:sym typeface="+mn-ea"/>
+              </a:rPr>
+              <a:t>webPreferences: {</a:t>
+            </a:r>
+            <a:endParaRPr lang="en-US" altLang="zh-CN" sz="1200">
+              <a:sym typeface="+mn-ea"/>
+            </a:endParaRPr>
+          </a:p>
+          <a:p>
+            <a:pPr marL="1371600" lvl="3" indent="0">
+              <a:buNone/>
+            </a:pPr>
+            <a:r>
+              <a:rPr lang="en-US" altLang="zh-CN" sz="1200">
+                <a:sym typeface="+mn-ea"/>
+              </a:rPr>
+              <a:t>nodeIntegration: true</a:t>
+            </a:r>
+            <a:endParaRPr lang="en-US" altLang="zh-CN" sz="1200">
+              <a:sym typeface="+mn-ea"/>
+            </a:endParaRPr>
+          </a:p>
+          <a:p>
+            <a:pPr marL="1371600" lvl="3" indent="0">
+              <a:buNone/>
+            </a:pPr>
+            <a:r>
+              <a:rPr lang="en-US" altLang="zh-CN" sz="1200">
+                <a:sym typeface="+mn-ea"/>
+              </a:rPr>
+              <a:t>}</a:t>
+            </a:r>
+            <a:endParaRPr lang="en-US" altLang="zh-CN" sz="1200">
+              <a:sym typeface="+mn-ea"/>
+            </a:endParaRPr>
+          </a:p>
+          <a:p>
+            <a:pPr lvl="1"/>
+            <a:r>
+              <a:rPr lang="en-US" altLang="zh-CN" sz="1400">
+                <a:sym typeface="+mn-ea"/>
+              </a:rPr>
+              <a:t>modify vue.config.js</a:t>
+            </a:r>
+            <a:endParaRPr lang="en-US" altLang="zh-CN" sz="1400">
+              <a:sym typeface="+mn-ea"/>
+            </a:endParaRPr>
+          </a:p>
+          <a:p>
+            <a:pPr marL="914400" lvl="2" indent="0">
+              <a:buNone/>
+            </a:pPr>
+            <a:r>
+              <a:rPr lang="en-US" altLang="zh-CN" sz="1200">
+                <a:sym typeface="+mn-ea"/>
+              </a:rPr>
+              <a:t>module.exports = {</a:t>
+            </a:r>
+            <a:endParaRPr lang="en-US" altLang="zh-CN" sz="1200">
+              <a:sym typeface="+mn-ea"/>
+            </a:endParaRPr>
+          </a:p>
+          <a:p>
+            <a:pPr marL="1371600" lvl="3" indent="0">
+              <a:buNone/>
+            </a:pPr>
+            <a:r>
+              <a:rPr lang="en-US" altLang="zh-CN" sz="1200">
+                <a:sym typeface="+mn-ea"/>
+              </a:rPr>
+              <a:t>pluginOptions: {</a:t>
+            </a:r>
+            <a:endParaRPr lang="en-US" altLang="zh-CN" sz="1200">
+              <a:sym typeface="+mn-ea"/>
+            </a:endParaRPr>
+          </a:p>
+          <a:p>
+            <a:pPr marL="1828800" lvl="4" indent="0">
+              <a:buNone/>
+            </a:pPr>
+            <a:r>
+              <a:rPr lang="en-US" altLang="zh-CN" sz="1200">
+                <a:sym typeface="+mn-ea"/>
+              </a:rPr>
+              <a:t>electronBuilder: {</a:t>
+            </a:r>
+            <a:endParaRPr lang="en-US" altLang="zh-CN" sz="1200">
+              <a:sym typeface="+mn-ea"/>
+            </a:endParaRPr>
+          </a:p>
+          <a:p>
+            <a:pPr marL="2286000" lvl="5" indent="0">
+              <a:buNone/>
+            </a:pPr>
+            <a:r>
+              <a:rPr lang="en-US" altLang="zh-CN" sz="1200">
+                <a:sym typeface="+mn-ea"/>
+              </a:rPr>
+              <a:t>nodeIntegration: true,</a:t>
+            </a:r>
+            <a:endParaRPr lang="en-US" altLang="zh-CN" sz="1200">
+              <a:sym typeface="+mn-ea"/>
+            </a:endParaRPr>
+          </a:p>
+          <a:p>
+            <a:pPr marL="2286000" lvl="5" indent="0">
+              <a:buNone/>
+            </a:pPr>
+            <a:r>
+              <a:rPr lang="en-US" altLang="zh-CN" sz="1200">
+                <a:sym typeface="+mn-ea"/>
+              </a:rPr>
+              <a:t>externals: [‘ffi-napi’, ‘ref-napi’]</a:t>
+            </a:r>
+            <a:endParaRPr lang="en-US" altLang="zh-CN" sz="1200">
+              <a:sym typeface="+mn-ea"/>
+            </a:endParaRPr>
+          </a:p>
+          <a:p>
+            <a:pPr marL="1828800" lvl="4" indent="0">
+              <a:buNone/>
+            </a:pPr>
+            <a:r>
+              <a:rPr lang="en-US" altLang="zh-CN" sz="1200">
+                <a:sym typeface="+mn-ea"/>
+              </a:rPr>
+              <a:t>}</a:t>
+            </a:r>
+            <a:endParaRPr lang="en-US" altLang="zh-CN" sz="1200">
+              <a:sym typeface="+mn-ea"/>
+            </a:endParaRPr>
+          </a:p>
+          <a:p>
+            <a:pPr marL="1371600" lvl="3" indent="0">
+              <a:buNone/>
+            </a:pPr>
+            <a:r>
+              <a:rPr lang="en-US" altLang="zh-CN" sz="1200">
+                <a:sym typeface="+mn-ea"/>
+              </a:rPr>
+              <a:t>}</a:t>
+            </a:r>
+            <a:endParaRPr lang="en-US" altLang="zh-CN" sz="1200">
+              <a:sym typeface="+mn-ea"/>
+            </a:endParaRPr>
+          </a:p>
+          <a:p>
+            <a:pPr lvl="1"/>
+            <a:r>
+              <a:rPr lang="en-US" altLang="zh-CN" sz="1400">
+                <a:sym typeface="+mn-ea"/>
+              </a:rPr>
+              <a:t>change src/background.js</a:t>
+            </a:r>
+            <a:endParaRPr lang="en-US" altLang="zh-CN" sz="1400"/>
+          </a:p>
+          <a:p>
+            <a:pPr lvl="2"/>
+            <a:r>
+              <a:rPr lang="en-US" altLang="zh-CN" sz="1200">
+                <a:sym typeface="+mn-ea"/>
+              </a:rPr>
+              <a:t>// await installExtension(VUEJS_DEVTOOLS)</a:t>
+            </a:r>
+            <a:endParaRPr lang="en-US" altLang="zh-CN" sz="1200"/>
+          </a:p>
+          <a:p>
+            <a:pPr lvl="2"/>
+            <a:r>
+              <a:rPr lang="en-US" altLang="zh-CN" sz="1200">
+                <a:sym typeface="+mn-ea"/>
+              </a:rPr>
+              <a:t>require('vue-devtools').install()</a:t>
+            </a:r>
+            <a:endParaRPr lang="en-US" altLang="zh-CN" sz="1200"/>
+          </a:p>
+          <a:p>
+            <a:pPr lvl="1"/>
+            <a:r>
+              <a:rPr lang="en-US" altLang="zh-CN" sz="1400"/>
+              <a:t>npm run electron:serve</a:t>
+            </a:r>
+            <a:endParaRPr lang="en-US" altLang="zh-CN" sz="1400"/>
           </a:p>
         </p:txBody>
       </p:sp>
@@ -4800,7 +6191,7 @@
 </p:sld>
 </file>
 
-<file path=ppt/slides/slide16.xml><?xml version="1.0" encoding="utf-8"?>
+<file path=ppt/slides/slide2.xml><?xml version="1.0" encoding="utf-8"?>
 <p:sld xmlns:a="http://schemas.openxmlformats.org/drawingml/2006/main" xmlns:r="http://schemas.openxmlformats.org/officeDocument/2006/relationships" xmlns:p="http://schemas.openxmlformats.org/presentationml/2006/main">
   <p:cSld>
     <p:spTree>
@@ -4822,13 +6213,11 @@
         </p:nvSpPr>
         <p:spPr/>
         <p:txBody>
-          <a:bodyPr>
-            <a:normAutofit/>
-          </a:bodyPr>
-          <a:p>
-            <a:r>
-              <a:rPr lang="en-US" altLang="zh-CN"/>
-              <a:t>Processes</a:t>
+          <a:bodyPr/>
+          <a:p>
+            <a:r>
+              <a:rPr lang="en-US" altLang="zh-CN"/>
+              <a:t>Overview</a:t>
             </a:r>
             <a:endParaRPr lang="en-US" altLang="zh-CN"/>
           </a:p>
@@ -4850,54 +6239,96 @@
           <a:p>
             <a:r>
               <a:rPr lang="en-US" altLang="zh-CN"/>
-              <a:t>Main process</a:t>
-            </a:r>
-            <a:endParaRPr lang="en-US" altLang="zh-CN"/>
-          </a:p>
-          <a:p>
-            <a:pPr lvl="1"/>
-            <a:r>
-              <a:rPr lang="en-US" altLang="zh-CN" sz="2000"/>
-              <a:t>Entry: src/main/index.js</a:t>
-            </a:r>
-            <a:endParaRPr lang="en-US" altLang="zh-CN"/>
-          </a:p>
-          <a:p>
-            <a:r>
-              <a:rPr lang="en-US" altLang="zh-CN"/>
-              <a:t>Renderer process</a:t>
-            </a:r>
-            <a:endParaRPr lang="en-US" altLang="zh-CN"/>
-          </a:p>
-          <a:p>
-            <a:r>
-              <a:rPr lang="en-US" altLang="zh-CN"/>
-              <a:t>IPC</a:t>
-            </a:r>
-            <a:endParaRPr lang="en-US" altLang="zh-CN"/>
-          </a:p>
-          <a:p>
-            <a:pPr lvl="1"/>
-            <a:r>
-              <a:rPr lang="en-US" altLang="zh-CN"/>
-              <a:t>ipcMain, ipcRenderer</a:t>
-            </a:r>
-            <a:endParaRPr lang="en-US" altLang="zh-CN"/>
-          </a:p>
-          <a:p>
-            <a:pPr lvl="1"/>
-            <a:r>
-              <a:rPr lang="en-US" altLang="zh-CN"/>
-              <a:t>ipcRenderer.invoke(msg, arguments)	// send request to ipcMain</a:t>
-            </a:r>
-            <a:endParaRPr lang="en-US" altLang="zh-CN"/>
-          </a:p>
-          <a:p>
-            <a:pPr lvl="1"/>
-            <a:r>
-              <a:rPr lang="en-US" altLang="zh-CN"/>
-              <a:t>ipcMain.invoke(msg, arguments)	// send request to ipcRenderer</a:t>
-            </a:r>
+              <a:t>Construct desktop UI application using web technology</a:t>
+            </a:r>
+            <a:endParaRPr lang="en-US" altLang="zh-CN"/>
+          </a:p>
+          <a:p>
+            <a:pPr lvl="1"/>
+            <a:r>
+              <a:rPr lang="en-US" altLang="zh-CN"/>
+              <a:t>Node.js runtime for backend</a:t>
+            </a:r>
+            <a:endParaRPr lang="en-US" altLang="zh-CN"/>
+          </a:p>
+          <a:p>
+            <a:pPr lvl="1"/>
+            <a:r>
+              <a:rPr lang="en-US" altLang="zh-CN"/>
+              <a:t>Chromium for frontend</a:t>
+            </a:r>
+            <a:endParaRPr lang="en-US" altLang="zh-CN"/>
+          </a:p>
+          <a:p>
+            <a:pPr lvl="1"/>
+            <a:r>
+              <a:rPr lang="en-US" altLang="zh-CN"/>
+              <a:t>Embeds Node</a:t>
+            </a:r>
+            <a:endParaRPr lang="en-US" altLang="zh-CN"/>
+          </a:p>
+          <a:p>
+            <a:pPr lvl="1"/>
+            <a:r>
+              <a:rPr lang="en-US" altLang="zh-CN"/>
+              <a:t>node_modules/.bin/electron --version</a:t>
+            </a:r>
+            <a:endParaRPr lang="en-US" altLang="zh-CN"/>
+          </a:p>
+          <a:p>
+            <a:pPr lvl="0"/>
+            <a:r>
+              <a:rPr lang="en-US" altLang="zh-CN"/>
+              <a:t>References</a:t>
+            </a:r>
+            <a:endParaRPr lang="en-US" altLang="zh-CN"/>
+          </a:p>
+          <a:p>
+            <a:pPr lvl="1"/>
+            <a:r>
+              <a:rPr lang="en-US" altLang="zh-CN"/>
+              <a:t>https://blog.logrocket.com/building-app-electron-vue/</a:t>
+            </a:r>
+            <a:endParaRPr lang="en-US" altLang="zh-CN"/>
+          </a:p>
+          <a:p>
+            <a:pPr lvl="1"/>
+            <a:r>
+              <a:rPr lang="en-US" altLang="zh-CN"/>
+              <a:t>https://auth0.com/blog/electron-tutorial-building-modern-desktop-apps-with-vue-js/</a:t>
+            </a:r>
+            <a:endParaRPr lang="en-US" altLang="zh-CN"/>
+          </a:p>
+          <a:p>
+            <a:pPr lvl="1"/>
+            <a:r>
+              <a:rPr lang="en-US" altLang="zh-CN"/>
+              <a:t>https://github.com/node-ffi/node-ffi/wiki/Node-FFI-Tutorial</a:t>
+            </a:r>
+            <a:endParaRPr lang="en-US" altLang="zh-CN"/>
+          </a:p>
+          <a:p>
+            <a:pPr lvl="1"/>
+            <a:r>
+              <a:rPr lang="en-US" altLang="zh-CN">
+                <a:sym typeface="+mn-ea"/>
+              </a:rPr>
+              <a:t>https://www.cnblogs.com/silenzio/p/11580104.html</a:t>
+            </a:r>
+            <a:endParaRPr lang="en-US" altLang="zh-CN">
+              <a:sym typeface="+mn-ea"/>
+            </a:endParaRPr>
+          </a:p>
+          <a:p>
+            <a:pPr lvl="1"/>
+            <a:r>
+              <a:rPr lang="en-US" altLang="zh-CN"/>
+              <a:t>https://nklayman.github.io/vue-cli-plugin-electron-builder/guide/</a:t>
+            </a:r>
+            <a:endParaRPr lang="en-US" altLang="zh-CN"/>
+          </a:p>
+          <a:p>
+            <a:pPr lvl="1"/>
             <a:endParaRPr lang="en-US" altLang="zh-CN"/>
           </a:p>
         </p:txBody>
@@ -4913,7 +6344,188 @@
 </p:sld>
 </file>
 
-<file path=ppt/slides/slide17.xml><?xml version="1.0" encoding="utf-8"?>
+<file path=ppt/slides/slide20.xml><?xml version="1.0" encoding="utf-8"?>
+<p:sld xmlns:a="http://schemas.openxmlformats.org/drawingml/2006/main" xmlns:r="http://schemas.openxmlformats.org/officeDocument/2006/relationships" xmlns:p="http://schemas.openxmlformats.org/presentationml/2006/main">
+  <p:cSld>
+    <p:spTree>
+      <p:nvGrpSpPr>
+        <p:cNvPr id="1" name=""/>
+        <p:cNvGrpSpPr/>
+        <p:nvPr/>
+      </p:nvGrpSpPr>
+      <p:grpSpPr/>
+      <p:sp>
+        <p:nvSpPr>
+          <p:cNvPr id="2" name="标题 1"/>
+          <p:cNvSpPr>
+            <a:spLocks noGrp="1"/>
+          </p:cNvSpPr>
+          <p:nvPr>
+            <p:ph type="title"/>
+          </p:nvPr>
+        </p:nvSpPr>
+        <p:spPr/>
+        <p:txBody>
+          <a:bodyPr>
+            <a:normAutofit/>
+          </a:bodyPr>
+          <a:p>
+            <a:r>
+              <a:rPr lang="en-US" altLang="zh-CN"/>
+              <a:t>Processes</a:t>
+            </a:r>
+            <a:endParaRPr lang="en-US" altLang="zh-CN"/>
+          </a:p>
+        </p:txBody>
+      </p:sp>
+      <p:sp>
+        <p:nvSpPr>
+          <p:cNvPr id="3" name="内容占位符 2"/>
+          <p:cNvSpPr>
+            <a:spLocks noGrp="1"/>
+          </p:cNvSpPr>
+          <p:nvPr>
+            <p:ph idx="1"/>
+          </p:nvPr>
+        </p:nvSpPr>
+        <p:spPr/>
+        <p:txBody>
+          <a:bodyPr>
+            <a:normAutofit lnSpcReduction="10000"/>
+          </a:bodyPr>
+          <a:p>
+            <a:r>
+              <a:rPr lang="en-US" altLang="zh-CN"/>
+              <a:t>Main process</a:t>
+            </a:r>
+            <a:endParaRPr lang="en-US" altLang="zh-CN"/>
+          </a:p>
+          <a:p>
+            <a:pPr lvl="1"/>
+            <a:r>
+              <a:rPr lang="en-US" altLang="zh-CN" sz="2000"/>
+              <a:t>Entry: src/main/index.js</a:t>
+            </a:r>
+            <a:endParaRPr lang="en-US" altLang="zh-CN"/>
+          </a:p>
+          <a:p>
+            <a:r>
+              <a:rPr lang="en-US" altLang="zh-CN"/>
+              <a:t>Renderer process</a:t>
+            </a:r>
+            <a:endParaRPr lang="en-US" altLang="zh-CN"/>
+          </a:p>
+          <a:p>
+            <a:r>
+              <a:rPr lang="en-US" altLang="zh-CN"/>
+              <a:t>IPC</a:t>
+            </a:r>
+            <a:endParaRPr lang="en-US" altLang="zh-CN"/>
+          </a:p>
+          <a:p>
+            <a:pPr lvl="1"/>
+            <a:r>
+              <a:rPr lang="en-US" altLang="zh-CN"/>
+              <a:t>ipcMain, ipcRenderer</a:t>
+            </a:r>
+            <a:endParaRPr lang="en-US" altLang="zh-CN"/>
+          </a:p>
+          <a:p>
+            <a:pPr lvl="1"/>
+            <a:r>
+              <a:rPr lang="en-US" altLang="zh-CN"/>
+              <a:t>ipcRenderer.invoke(msg, arguments)	// send request to ipcMain</a:t>
+            </a:r>
+            <a:endParaRPr lang="en-US" altLang="zh-CN"/>
+          </a:p>
+          <a:p>
+            <a:pPr lvl="2"/>
+            <a:r>
+              <a:rPr lang="en-US" altLang="zh-CN"/>
+              <a:t>ipcRenderer.invoke('some-name', someArgument).then((result) =&gt; {</a:t>
+            </a:r>
+            <a:endParaRPr lang="en-US" altLang="zh-CN"/>
+          </a:p>
+          <a:p>
+            <a:pPr marL="1371600" lvl="3" indent="0">
+              <a:buNone/>
+            </a:pPr>
+            <a:r>
+              <a:rPr lang="en-US" altLang="zh-CN"/>
+              <a:t>  // ...</a:t>
+            </a:r>
+            <a:endParaRPr lang="en-US" altLang="zh-CN"/>
+          </a:p>
+          <a:p>
+            <a:pPr marL="1371600" lvl="3" indent="0">
+              <a:buNone/>
+            </a:pPr>
+            <a:r>
+              <a:rPr lang="en-US" altLang="zh-CN"/>
+              <a:t>})</a:t>
+            </a:r>
+            <a:endParaRPr lang="en-US" altLang="zh-CN"/>
+          </a:p>
+          <a:p>
+            <a:pPr lvl="1"/>
+            <a:r>
+              <a:rPr lang="en-US" altLang="zh-CN"/>
+              <a:t>ipcMain.invoke(msg, arguments)	// send request to ipcRenderer</a:t>
+            </a:r>
+            <a:endParaRPr lang="en-US" altLang="zh-CN"/>
+          </a:p>
+          <a:p>
+            <a:pPr lvl="1"/>
+            <a:r>
+              <a:rPr lang="en-US" altLang="zh-CN"/>
+              <a:t>ipcMain.handle('some-name', async (event, someArgument) =&gt; {</a:t>
+            </a:r>
+            <a:endParaRPr lang="en-US" altLang="zh-CN"/>
+          </a:p>
+          <a:p>
+            <a:pPr marL="914400" lvl="2" indent="0">
+              <a:buNone/>
+            </a:pPr>
+            <a:r>
+              <a:rPr lang="en-US" altLang="zh-CN"/>
+              <a:t>  const result = await doSomeWork(someArgument)</a:t>
+            </a:r>
+            <a:endParaRPr lang="en-US" altLang="zh-CN"/>
+          </a:p>
+          <a:p>
+            <a:pPr marL="914400" lvl="2" indent="0">
+              <a:buNone/>
+            </a:pPr>
+            <a:r>
+              <a:rPr lang="en-US" altLang="zh-CN"/>
+              <a:t>  return result</a:t>
+            </a:r>
+            <a:endParaRPr lang="en-US" altLang="zh-CN"/>
+          </a:p>
+          <a:p>
+            <a:pPr marL="914400" lvl="2" indent="0">
+              <a:buNone/>
+            </a:pPr>
+            <a:r>
+              <a:rPr lang="en-US" altLang="zh-CN"/>
+              <a:t>})</a:t>
+            </a:r>
+            <a:endParaRPr lang="en-US" altLang="zh-CN"/>
+          </a:p>
+        </p:txBody>
+      </p:sp>
+    </p:spTree>
+    <p:custDataLst>
+      <p:tags r:id="rId1"/>
+    </p:custDataLst>
+  </p:cSld>
+  <p:clrMapOvr>
+    <a:masterClrMapping/>
+  </p:clrMapOvr>
+</p:sld>
+</file>
+
+<file path=ppt/slides/slide21.xml><?xml version="1.0" encoding="utf-8"?>
 <p:sld xmlns:a="http://schemas.openxmlformats.org/drawingml/2006/main" xmlns:r="http://schemas.openxmlformats.org/officeDocument/2006/relationships" xmlns:p="http://schemas.openxmlformats.org/presentationml/2006/main">
   <p:cSld>
     <p:spTree>
@@ -4985,7 +6597,7 @@
 </p:sld>
 </file>
 
-<file path=ppt/slides/slide18.xml><?xml version="1.0" encoding="utf-8"?>
+<file path=ppt/slides/slide22.xml><?xml version="1.0" encoding="utf-8"?>
 <p:sld xmlns:a="http://schemas.openxmlformats.org/drawingml/2006/main" xmlns:r="http://schemas.openxmlformats.org/officeDocument/2006/relationships" xmlns:p="http://schemas.openxmlformats.org/presentationml/2006/main">
   <p:cSld>
     <p:spTree>
@@ -5156,7 +6768,7 @@
 </p:sld>
 </file>
 
-<file path=ppt/slides/slide19.xml><?xml version="1.0" encoding="utf-8"?>
+<file path=ppt/slides/slide23.xml><?xml version="1.0" encoding="utf-8"?>
 <p:sld xmlns:a="http://schemas.openxmlformats.org/drawingml/2006/main" xmlns:r="http://schemas.openxmlformats.org/officeDocument/2006/relationships" xmlns:p="http://schemas.openxmlformats.org/presentationml/2006/main">
   <p:cSld>
     <p:spTree>
@@ -5301,7 +6913,7 @@
 </p:sld>
 </file>
 
-<file path=ppt/slides/slide2.xml><?xml version="1.0" encoding="utf-8"?>
+<file path=ppt/slides/slide24.xml><?xml version="1.0" encoding="utf-8"?>
 <p:sld xmlns:a="http://schemas.openxmlformats.org/drawingml/2006/main" xmlns:r="http://schemas.openxmlformats.org/officeDocument/2006/relationships" xmlns:p="http://schemas.openxmlformats.org/presentationml/2006/main">
   <p:cSld>
     <p:spTree>
@@ -5327,7 +6939,7 @@
           <a:p>
             <a:r>
               <a:rPr lang="en-US" altLang="zh-CN"/>
-              <a:t>Overview</a:t>
+              <a:t>remote Module</a:t>
             </a:r>
             <a:endParaRPr lang="en-US" altLang="zh-CN"/>
           </a:p>
@@ -5349,39 +6961,15 @@
           <a:p>
             <a:r>
               <a:rPr lang="en-US" altLang="zh-CN"/>
-              <a:t>Construct desktop UI application using web technology</a:t>
-            </a:r>
-            <a:endParaRPr lang="en-US" altLang="zh-CN"/>
-          </a:p>
-          <a:p>
-            <a:pPr lvl="1"/>
-            <a:r>
-              <a:rPr lang="en-US" altLang="zh-CN"/>
-              <a:t>Node.js runtime for backend</a:t>
-            </a:r>
-            <a:endParaRPr lang="en-US" altLang="zh-CN"/>
-          </a:p>
-          <a:p>
-            <a:pPr lvl="1"/>
-            <a:r>
-              <a:rPr lang="en-US" altLang="zh-CN"/>
-              <a:t>Chromium for frontend</a:t>
-            </a:r>
-            <a:endParaRPr lang="en-US" altLang="zh-CN"/>
-          </a:p>
-          <a:p>
-            <a:pPr lvl="1"/>
-            <a:r>
-              <a:rPr lang="en-US" altLang="zh-CN"/>
-              <a:t>Embeds Node</a:t>
-            </a:r>
-            <a:endParaRPr lang="en-US" altLang="zh-CN"/>
-          </a:p>
-          <a:p>
-            <a:pPr lvl="1"/>
-            <a:r>
-              <a:rPr lang="en-US" altLang="zh-CN"/>
-              <a:t>node_modules/.bin/electron --version</a:t>
+              <a:t>shell</a:t>
+            </a:r>
+            <a:endParaRPr lang="en-US" altLang="zh-CN"/>
+          </a:p>
+          <a:p>
+            <a:pPr lvl="1"/>
+            <a:r>
+              <a:rPr lang="en-US" altLang="zh-CN"/>
+              <a:t>this.$electron.remote.shell.openExternal('url')</a:t>
             </a:r>
             <a:endParaRPr lang="en-US" altLang="zh-CN"/>
           </a:p>
@@ -5389,46 +6977,48 @@
             <a:pPr lvl="0"/>
             <a:r>
               <a:rPr lang="en-US" altLang="zh-CN"/>
-              <a:t>References</a:t>
-            </a:r>
-            <a:endParaRPr lang="en-US" altLang="zh-CN"/>
-          </a:p>
-          <a:p>
-            <a:pPr lvl="1"/>
-            <a:r>
-              <a:rPr lang="en-US" altLang="zh-CN"/>
-              <a:t>https://auth0.com/blog/electron-tutorial-building-modern-desktop-apps-with-vue-js/</a:t>
-            </a:r>
-            <a:endParaRPr lang="en-US" altLang="zh-CN"/>
-          </a:p>
-          <a:p>
-            <a:pPr lvl="1"/>
-            <a:r>
-              <a:rPr lang="en-US" altLang="zh-CN"/>
-              <a:t>https://nklayman.github.io/vue-cli-plugin-electron-builder/guide/commonIssues.html#blank-screen-on-builds-but-works-fine-on-serve</a:t>
-            </a:r>
-            <a:endParaRPr lang="en-US" altLang="zh-CN"/>
-          </a:p>
-          <a:p>
-            <a:pPr lvl="1"/>
-            <a:r>
-              <a:rPr lang="en-US" altLang="zh-CN"/>
-              <a:t>https://github.com/node-ffi/node-ffi/wiki/Node-FFI-Tutorial</a:t>
-            </a:r>
-            <a:endParaRPr lang="en-US" altLang="zh-CN"/>
-          </a:p>
-          <a:p>
-            <a:pPr lvl="1"/>
-            <a:r>
-              <a:rPr lang="en-US" altLang="zh-CN">
-                <a:sym typeface="+mn-ea"/>
-              </a:rPr>
-              <a:t>https://www.cnblogs.com/silenzio/p/11580104.html</a:t>
-            </a:r>
-            <a:endParaRPr lang="en-US" altLang="zh-CN"/>
-          </a:p>
-          <a:p>
-            <a:pPr lvl="1"/>
+              <a:t>dialog</a:t>
+            </a:r>
+            <a:endParaRPr lang="en-US" altLang="zh-CN"/>
+          </a:p>
+          <a:p>
+            <a:pPr lvl="1"/>
+            <a:r>
+              <a:rPr lang="en-US" altLang="zh-CN"/>
+              <a:t>this.$electron.remote.dialog.showMessageBox({</a:t>
+            </a:r>
+            <a:endParaRPr lang="en-US" altLang="zh-CN"/>
+          </a:p>
+          <a:p>
+            <a:pPr lvl="2"/>
+            <a:r>
+              <a:rPr lang="en-US" altLang="zh-CN"/>
+              <a:t>title: 'title',</a:t>
+            </a:r>
+            <a:endParaRPr lang="en-US" altLang="zh-CN"/>
+          </a:p>
+          <a:p>
+            <a:pPr lvl="2"/>
+            <a:r>
+              <a:rPr lang="en-US" altLang="zh-CN"/>
+              <a:t>message: 'message',</a:t>
+            </a:r>
+            <a:endParaRPr lang="en-US" altLang="zh-CN"/>
+          </a:p>
+          <a:p>
+            <a:pPr lvl="2"/>
+            <a:r>
+              <a:rPr lang="en-US" altLang="zh-CN"/>
+              <a:t>detail: 'detail',</a:t>
+            </a:r>
+            <a:endParaRPr lang="en-US" altLang="zh-CN"/>
+          </a:p>
+          <a:p>
+            <a:pPr lvl="1"/>
+            <a:r>
+              <a:rPr lang="en-US" altLang="zh-CN"/>
+              <a:t>})</a:t>
+            </a:r>
             <a:endParaRPr lang="en-US" altLang="zh-CN"/>
           </a:p>
         </p:txBody>
@@ -5444,7 +7034,7 @@
 </p:sld>
 </file>
 
-<file path=ppt/slides/slide20.xml><?xml version="1.0" encoding="utf-8"?>
+<file path=ppt/slides/slide25.xml><?xml version="1.0" encoding="utf-8"?>
 <p:sld xmlns:a="http://schemas.openxmlformats.org/drawingml/2006/main" xmlns:r="http://schemas.openxmlformats.org/officeDocument/2006/relationships" xmlns:p="http://schemas.openxmlformats.org/presentationml/2006/main">
   <p:cSld>
     <p:spTree>
@@ -5470,7 +7060,7 @@
           <a:p>
             <a:r>
               <a:rPr lang="en-US" altLang="zh-CN"/>
-              <a:t>remote Module</a:t>
+              <a:t>Call Function in C++ DLL</a:t>
             </a:r>
             <a:endParaRPr lang="en-US" altLang="zh-CN"/>
           </a:p>
@@ -5486,71 +7076,232 @@
             <p:ph idx="1"/>
           </p:nvPr>
         </p:nvSpPr>
-        <p:spPr/>
-        <p:txBody>
-          <a:bodyPr/>
-          <a:p>
-            <a:r>
-              <a:rPr lang="en-US" altLang="zh-CN"/>
-              <a:t>shell</a:t>
-            </a:r>
-            <a:endParaRPr lang="en-US" altLang="zh-CN"/>
-          </a:p>
-          <a:p>
-            <a:pPr lvl="1"/>
-            <a:r>
-              <a:rPr lang="en-US" altLang="zh-CN"/>
-              <a:t>this.$electron.remote.shell.openExternal('url')</a:t>
-            </a:r>
-            <a:endParaRPr lang="en-US" altLang="zh-CN"/>
-          </a:p>
+        <p:spPr>
+          <a:xfrm>
+            <a:off x="838200" y="1211580"/>
+            <a:ext cx="5741035" cy="4955540"/>
+          </a:xfrm>
+        </p:spPr>
+        <p:txBody>
+          <a:bodyPr>
+            <a:normAutofit fontScale="90000" lnSpcReduction="20000"/>
+          </a:bodyPr>
           <a:p>
             <a:pPr lvl="0"/>
             <a:r>
-              <a:rPr lang="en-US" altLang="zh-CN"/>
-              <a:t>dialog</a:t>
-            </a:r>
-            <a:endParaRPr lang="en-US" altLang="zh-CN"/>
-          </a:p>
-          <a:p>
-            <a:pPr lvl="1"/>
-            <a:r>
-              <a:rPr lang="en-US" altLang="zh-CN"/>
-              <a:t>this.$electron.remote.dialog.showMessageBox({</a:t>
-            </a:r>
-            <a:endParaRPr lang="en-US" altLang="zh-CN"/>
+              <a:rPr lang="en-US" altLang="zh-CN" sz="2400">
+                <a:sym typeface="+mn-ea"/>
+              </a:rPr>
+              <a:t>node-ffi-napi</a:t>
+            </a:r>
+            <a:endParaRPr lang="en-US" altLang="zh-CN" sz="2400"/>
+          </a:p>
+          <a:p>
+            <a:pPr lvl="1"/>
+            <a:r>
+              <a:rPr lang="en-US" altLang="zh-CN">
+                <a:sym typeface="+mn-ea"/>
+              </a:rPr>
+              <a:t>https://github.com/node-ffi-napi/node-ffi-napi</a:t>
+            </a:r>
+            <a:endParaRPr lang="en-US" altLang="zh-CN"/>
+          </a:p>
+          <a:p>
+            <a:pPr lvl="1"/>
+            <a:r>
+              <a:rPr lang="en-US" altLang="zh-CN">
+                <a:sym typeface="+mn-ea"/>
+              </a:rPr>
+              <a:t>Install</a:t>
+            </a:r>
+            <a:endParaRPr lang="en-US" altLang="zh-CN">
+              <a:sym typeface="+mn-ea"/>
+            </a:endParaRPr>
           </a:p>
           <a:p>
             <a:pPr lvl="2"/>
             <a:r>
-              <a:rPr lang="en-US" altLang="zh-CN"/>
-              <a:t>title: 'title',</a:t>
-            </a:r>
-            <a:endParaRPr lang="en-US" altLang="zh-CN"/>
+              <a:rPr lang="en-US" altLang="zh-CN">
+                <a:sym typeface="+mn-ea"/>
+              </a:rPr>
+              <a:t>npm i ffi-napi ref-napi</a:t>
+            </a:r>
+            <a:endParaRPr lang="en-US" altLang="zh-CN">
+              <a:sym typeface="+mn-ea"/>
+            </a:endParaRPr>
+          </a:p>
+          <a:p>
+            <a:pPr lvl="1"/>
+            <a:r>
+              <a:rPr lang="en-US" altLang="zh-CN">
+                <a:sym typeface="+mn-ea"/>
+              </a:rPr>
+              <a:t>Issue</a:t>
+            </a:r>
+            <a:endParaRPr lang="en-US" altLang="zh-CN">
+              <a:sym typeface="+mn-ea"/>
+            </a:endParaRPr>
           </a:p>
           <a:p>
             <a:pPr lvl="2"/>
             <a:r>
-              <a:rPr lang="en-US" altLang="zh-CN"/>
-              <a:t>message: 'message',</a:t>
-            </a:r>
-            <a:endParaRPr lang="en-US" altLang="zh-CN"/>
+              <a:rPr lang="en-US" altLang="zh-CN" sz="1800">
+                <a:sym typeface="+mn-ea"/>
+              </a:rPr>
+              <a:t>dependent ref cannot be installed</a:t>
+            </a:r>
+            <a:endParaRPr lang="en-US" altLang="zh-CN" sz="1800">
+              <a:sym typeface="+mn-ea"/>
+            </a:endParaRPr>
           </a:p>
           <a:p>
             <a:pPr lvl="2"/>
             <a:r>
-              <a:rPr lang="en-US" altLang="zh-CN"/>
-              <a:t>detail: 'detail',</a:t>
-            </a:r>
-            <a:endParaRPr lang="en-US" altLang="zh-CN"/>
-          </a:p>
-          <a:p>
-            <a:pPr lvl="1"/>
-            <a:r>
-              <a:rPr lang="en-US" altLang="zh-CN"/>
-              <a:t>})</a:t>
-            </a:r>
-            <a:endParaRPr lang="en-US" altLang="zh-CN"/>
+              <a:rPr lang="en-US" altLang="zh-CN" sz="1800">
+                <a:sym typeface="+mn-ea"/>
+              </a:rPr>
+              <a:t>If use @saleae/ref, runtime error because of version match</a:t>
+            </a:r>
+            <a:endParaRPr lang="en-US" altLang="zh-CN" sz="2155"/>
+          </a:p>
+          <a:p>
+            <a:r>
+              <a:rPr lang="en-US" altLang="zh-CN"/>
+              <a:t>node-ffi</a:t>
+            </a:r>
+            <a:endParaRPr lang="en-US" altLang="zh-CN"/>
+          </a:p>
+          <a:p>
+            <a:pPr lvl="1"/>
+            <a:r>
+              <a:rPr lang="en-US" altLang="zh-CN" sz="2000"/>
+              <a:t>Node.js addon for loading and calling dynamic libraries using pure js</a:t>
+            </a:r>
+            <a:endParaRPr lang="en-US" altLang="zh-CN" sz="2000"/>
+          </a:p>
+          <a:p>
+            <a:pPr lvl="1"/>
+            <a:r>
+              <a:rPr lang="en-US" altLang="zh-CN" sz="2000"/>
+              <a:t>Install (support Node v12)</a:t>
+            </a:r>
+            <a:endParaRPr lang="en-US" altLang="zh-CN" sz="2000"/>
+          </a:p>
+          <a:p>
+            <a:pPr lvl="2"/>
+            <a:r>
+              <a:rPr lang="en-US" altLang="zh-CN" sz="1800"/>
+              <a:t>npm i -g node-gyp</a:t>
+            </a:r>
+            <a:endParaRPr lang="en-US" altLang="zh-CN" sz="1800"/>
+          </a:p>
+          <a:p>
+            <a:pPr lvl="2"/>
+            <a:r>
+              <a:rPr lang="en-US" altLang="zh-CN" sz="1800"/>
+              <a:t>https://github.com/lxe/node-ffi/tree/node-12</a:t>
+            </a:r>
+            <a:endParaRPr lang="en-US" altLang="zh-CN" sz="1800"/>
+          </a:p>
+          <a:p>
+            <a:pPr lvl="2"/>
+            <a:r>
+              <a:rPr lang="en-US" altLang="zh-CN" sz="1800"/>
+              <a:t>npm install @saleae/ffi</a:t>
+            </a:r>
+            <a:endParaRPr lang="en-US" altLang="zh-CN" sz="1800"/>
+          </a:p>
+          <a:p>
+            <a:pPr lvl="2"/>
+            <a:r>
+              <a:rPr lang="en-US" altLang="zh-CN" sz="1800"/>
+              <a:t>npm install -S lxe/node-ffi#node-12 lxe/ref#node-12 lxe/ref-struct#node-12</a:t>
+            </a:r>
+            <a:endParaRPr lang="en-US" altLang="zh-CN" sz="1800"/>
+          </a:p>
+          <a:p>
+            <a:pPr lvl="2"/>
+            <a:r>
+              <a:rPr lang="en-US" altLang="zh-CN" sz="1800"/>
+              <a:t>runtime error because of version match of ref</a:t>
+            </a:r>
+            <a:endParaRPr lang="en-US" altLang="zh-CN" sz="1800"/>
+          </a:p>
+          <a:p>
+            <a:r>
+              <a:rPr lang="en-US" altLang="zh-CN"/>
+              <a:t>Native node addons</a:t>
+            </a:r>
+            <a:endParaRPr lang="en-US" altLang="zh-CN"/>
+          </a:p>
+        </p:txBody>
+      </p:sp>
+      <p:sp>
+        <p:nvSpPr>
+          <p:cNvPr id="4" name="文本框 3"/>
+          <p:cNvSpPr txBox="1"/>
+          <p:nvPr/>
+        </p:nvSpPr>
+        <p:spPr>
+          <a:xfrm>
+            <a:off x="6775450" y="1211580"/>
+            <a:ext cx="4953000" cy="2030095"/>
+          </a:xfrm>
+          <a:prstGeom prst="rect">
+            <a:avLst/>
+          </a:prstGeom>
+          <a:noFill/>
+          <a:ln>
+            <a:solidFill>
+              <a:schemeClr val="accent1"/>
+            </a:solidFill>
+          </a:ln>
+        </p:spPr>
+        <p:txBody>
+          <a:bodyPr wrap="square" rtlCol="0">
+            <a:spAutoFit/>
+          </a:bodyPr>
+          <a:p>
+            <a:r>
+              <a:t>    var ffi = require('ffi-napi');</a:t>
+            </a:r>
+          </a:p>
+          <a:p>
+            <a:r>
+              <a:t> </a:t>
+            </a:r>
+            <a:r>
+              <a:rPr lang="en-US"/>
+              <a:t>   </a:t>
+            </a:r>
+            <a:r>
+              <a:t>var lib = ffi.Library('user32', {</a:t>
+            </a:r>
+          </a:p>
+          <a:p>
+            <a:r>
+              <a:t>      'GetSysColor': [ 'int', [ 'int' ] ]</a:t>
+            </a:r>
+          </a:p>
+          <a:p>
+            <a:r>
+              <a:t>    });</a:t>
+            </a:r>
+          </a:p>
+          <a:p>
+            <a:r>
+              <a:t>    console.log('Loaded user32')</a:t>
+            </a:r>
+          </a:p>
+          <a:p>
+            <a:r>
+              <a:t>    let ret = lib.GetSysColor(0);</a:t>
+            </a:r>
+          </a:p>
+          <a:p>
+            <a:r>
+              <a:t>    console.log('sys color 0:', ret)</a:t>
+            </a:r>
           </a:p>
         </p:txBody>
       </p:sp>
@@ -5565,7 +7316,7 @@
 </p:sld>
 </file>
 
-<file path=ppt/slides/slide21.xml><?xml version="1.0" encoding="utf-8"?>
+<file path=ppt/slides/slide26.xml><?xml version="1.0" encoding="utf-8"?>
 <p:sld xmlns:a="http://schemas.openxmlformats.org/drawingml/2006/main" xmlns:r="http://schemas.openxmlformats.org/officeDocument/2006/relationships" xmlns:p="http://schemas.openxmlformats.org/presentationml/2006/main">
   <p:cSld>
     <p:spTree>
@@ -5591,7 +7342,7 @@
           <a:p>
             <a:r>
               <a:rPr lang="en-US" altLang="zh-CN"/>
-              <a:t>Call Function in C++ DLL</a:t>
+              <a:t>FFI</a:t>
             </a:r>
             <a:endParaRPr lang="en-US" altLang="zh-CN"/>
           </a:p>
@@ -5610,7 +7361,7 @@
         <p:spPr>
           <a:xfrm>
             <a:off x="838200" y="1211580"/>
-            <a:ext cx="5741035" cy="4955540"/>
+            <a:ext cx="5258435" cy="4549140"/>
           </a:xfrm>
         </p:spPr>
         <p:txBody>
@@ -5618,263 +7369,406 @@
             <a:normAutofit fontScale="90000" lnSpcReduction="20000"/>
           </a:bodyPr>
           <a:p>
+            <a:r>
+              <a:rPr lang="en-US" altLang="zh-CN" sz="1600"/>
+              <a:t>References</a:t>
+            </a:r>
+            <a:endParaRPr lang="en-US" altLang="zh-CN" sz="1600"/>
+          </a:p>
+          <a:p>
+            <a:pPr lvl="1"/>
+            <a:r>
+              <a:rPr lang="en-US" altLang="zh-CN" sz="1400"/>
+              <a:t>https://github.com/node-ffi/node-ffi/wiki/Node-FFI-Tutorial</a:t>
+            </a:r>
+            <a:endParaRPr lang="en-US" altLang="zh-CN" sz="1400"/>
+          </a:p>
+          <a:p>
+            <a:pPr lvl="1"/>
+            <a:r>
+              <a:rPr lang="en-US" altLang="zh-CN" sz="1400"/>
+              <a:t>https://www.sobyte.net/post/2022-02/communicate-with-cpp-code-in-node/</a:t>
+            </a:r>
+            <a:endParaRPr lang="en-US" altLang="zh-CN" sz="1400"/>
+          </a:p>
+          <a:p>
+            <a:pPr lvl="1"/>
+            <a:r>
+              <a:rPr lang="en-US" altLang="zh-CN" sz="1400"/>
+              <a:t>https://tootallnate.github.io/ref/</a:t>
+            </a:r>
+            <a:endParaRPr lang="en-US" altLang="zh-CN" sz="1400"/>
+          </a:p>
+          <a:p>
+            <a:pPr lvl="1"/>
+            <a:r>
+              <a:rPr lang="en-US" altLang="zh-CN" sz="1400"/>
+              <a:t>https://www.mo4tech.com/node-ffi-usage-guide.html</a:t>
+            </a:r>
+            <a:endParaRPr lang="en-US" altLang="zh-CN" sz="1400"/>
+          </a:p>
+          <a:p>
+            <a:pPr lvl="1"/>
+            <a:r>
+              <a:rPr lang="en-US" altLang="zh-CN" sz="1400"/>
+              <a:t>https://zhuanlan.zhihu.com/p/40526242</a:t>
+            </a:r>
+            <a:endParaRPr lang="en-US" altLang="zh-CN" sz="1400"/>
+          </a:p>
+          <a:p>
+            <a:pPr lvl="1"/>
+            <a:r>
+              <a:rPr lang="en-US" altLang="zh-CN" sz="1400"/>
+              <a:t>https://www.sobyte.net/post/2022-02/communicate-with-cpp-code-in-node</a:t>
+            </a:r>
+            <a:endParaRPr lang="en-US" altLang="zh-CN" sz="1400"/>
+          </a:p>
+          <a:p>
             <a:pPr lvl="0"/>
             <a:r>
-              <a:rPr lang="en-US" altLang="zh-CN" sz="2400">
-                <a:sym typeface="+mn-ea"/>
-              </a:rPr>
-              <a:t>node-ffi-napi</a:t>
-            </a:r>
-            <a:endParaRPr lang="en-US" altLang="zh-CN" sz="2400"/>
-          </a:p>
-          <a:p>
-            <a:pPr lvl="1"/>
-            <a:r>
-              <a:rPr lang="en-US" altLang="zh-CN">
-                <a:sym typeface="+mn-ea"/>
-              </a:rPr>
-              <a:t>https://github.com/node-ffi-napi/node-ffi-napi</a:t>
-            </a:r>
-            <a:endParaRPr lang="en-US" altLang="zh-CN"/>
-          </a:p>
-          <a:p>
-            <a:pPr lvl="1"/>
-            <a:r>
-              <a:rPr lang="en-US" altLang="zh-CN">
-                <a:sym typeface="+mn-ea"/>
-              </a:rPr>
-              <a:t>Install</a:t>
-            </a:r>
-            <a:endParaRPr lang="en-US" altLang="zh-CN">
-              <a:sym typeface="+mn-ea"/>
-            </a:endParaRPr>
+              <a:rPr lang="en-US" altLang="zh-CN" sz="1600"/>
+              <a:t>Usage</a:t>
+            </a:r>
+            <a:endParaRPr lang="en-US" altLang="zh-CN" sz="1600"/>
+          </a:p>
+          <a:p>
+            <a:pPr lvl="1"/>
+            <a:r>
+              <a:rPr lang="en-US" altLang="zh-CN" sz="1400"/>
+              <a:t>const ffi = require('ffi')</a:t>
+            </a:r>
+            <a:endParaRPr lang="en-US" altLang="zh-CN" sz="1400"/>
+          </a:p>
+          <a:p>
+            <a:pPr lvl="1"/>
+            <a:r>
+              <a:rPr lang="en-US" altLang="zh-CN" sz="1400"/>
+              <a:t>const ref = require('ref')</a:t>
+            </a:r>
+            <a:endParaRPr lang="en-US" altLang="zh-CN" sz="1400"/>
+          </a:p>
+          <a:p>
+            <a:pPr lvl="1"/>
+            <a:r>
+              <a:rPr lang="en-US" altLang="zh-CN" sz="1400"/>
+              <a:t>const ref_struct = require('ref-struct')</a:t>
+            </a:r>
+            <a:endParaRPr lang="en-US" altLang="zh-CN" sz="1400"/>
+          </a:p>
+          <a:p>
+            <a:pPr lvl="1"/>
+            <a:r>
+              <a:rPr lang="en-US" altLang="zh-CN" sz="1400"/>
+              <a:t>basic types</a:t>
+            </a:r>
+            <a:endParaRPr lang="en-US" altLang="zh-CN" sz="1400"/>
           </a:p>
           <a:p>
             <a:pPr lvl="2"/>
             <a:r>
-              <a:rPr lang="en-US" altLang="zh-CN">
-                <a:sym typeface="+mn-ea"/>
-              </a:rPr>
-              <a:t>npm i ffi-napi ref-napi</a:t>
-            </a:r>
-            <a:endParaRPr lang="en-US" altLang="zh-CN">
-              <a:sym typeface="+mn-ea"/>
-            </a:endParaRPr>
-          </a:p>
-          <a:p>
-            <a:pPr lvl="1"/>
-            <a:r>
-              <a:rPr lang="en-US" altLang="zh-CN">
-                <a:sym typeface="+mn-ea"/>
-              </a:rPr>
-              <a:t>Issue</a:t>
-            </a:r>
-            <a:endParaRPr lang="en-US" altLang="zh-CN">
-              <a:sym typeface="+mn-ea"/>
-            </a:endParaRPr>
+              <a:rPr lang="en-US" altLang="zh-CN" sz="1200"/>
+              <a:t>ref.types.int ref.types.char ref.types.void</a:t>
+            </a:r>
+            <a:endParaRPr lang="en-US" altLang="zh-CN" sz="1200"/>
+          </a:p>
+          <a:p>
+            <a:pPr lvl="1"/>
+            <a:r>
+              <a:rPr lang="en-US" altLang="zh-CN" sz="1400"/>
+              <a:t>pointer type</a:t>
+            </a:r>
+            <a:endParaRPr lang="en-US" altLang="zh-CN" sz="1400"/>
           </a:p>
           <a:p>
             <a:pPr lvl="2"/>
             <a:r>
-              <a:rPr lang="en-US" altLang="zh-CN" sz="1800">
-                <a:sym typeface="+mn-ea"/>
-              </a:rPr>
-              <a:t>dependent ref cannot be installed</a:t>
-            </a:r>
-            <a:endParaRPr lang="en-US" altLang="zh-CN" sz="1800">
-              <a:sym typeface="+mn-ea"/>
-            </a:endParaRPr>
+              <a:rPr lang="en-US" altLang="zh-CN" sz="1200"/>
+              <a:t>int * -&gt; ref.refType(‘int’)</a:t>
+            </a:r>
+            <a:endParaRPr lang="en-US" altLang="zh-CN" sz="1200"/>
+          </a:p>
+          <a:p>
+            <a:pPr lvl="1"/>
+            <a:r>
+              <a:rPr lang="en-US" altLang="zh-CN" sz="1400"/>
+              <a:t>pointer dereference</a:t>
+            </a:r>
+            <a:endParaRPr lang="en-US" altLang="zh-CN" sz="1400"/>
           </a:p>
           <a:p>
             <a:pPr lvl="2"/>
             <a:r>
-              <a:rPr lang="en-US" altLang="zh-CN" sz="1800">
-                <a:sym typeface="+mn-ea"/>
-              </a:rPr>
-              <a:t>If use @saleae/ref, runtime error because of version match</a:t>
-            </a:r>
-            <a:endParaRPr lang="en-US" altLang="zh-CN" sz="2155"/>
-          </a:p>
-          <a:p>
-            <a:r>
-              <a:rPr lang="en-US" altLang="zh-CN"/>
-              <a:t>node-ffi</a:t>
-            </a:r>
-            <a:endParaRPr lang="en-US" altLang="zh-CN"/>
-          </a:p>
-          <a:p>
-            <a:pPr lvl="1"/>
-            <a:r>
-              <a:rPr lang="en-US" altLang="zh-CN" sz="2000"/>
-              <a:t>Node.js addon for loading and calling dynamic libraries using pure js</a:t>
-            </a:r>
-            <a:endParaRPr lang="en-US" altLang="zh-CN" sz="2000"/>
-          </a:p>
-          <a:p>
-            <a:pPr lvl="1"/>
-            <a:r>
-              <a:rPr lang="en-US" altLang="zh-CN" sz="2000"/>
-              <a:t>Install (support Node v12)</a:t>
-            </a:r>
-            <a:endParaRPr lang="en-US" altLang="zh-CN" sz="2000"/>
+              <a:rPr lang="en-US" altLang="zh-CN" sz="1200"/>
+              <a:t>*p -&gt; ref.deref()</a:t>
+            </a:r>
+            <a:endParaRPr lang="en-US" altLang="zh-CN" sz="1200"/>
+          </a:p>
+          <a:p>
+            <a:pPr lvl="1"/>
+            <a:r>
+              <a:rPr lang="en-US" altLang="zh-CN" sz="1400"/>
+              <a:t>get address of variable</a:t>
+            </a:r>
+            <a:endParaRPr lang="en-US" altLang="zh-CN" sz="1400"/>
           </a:p>
           <a:p>
             <a:pPr lvl="2"/>
             <a:r>
-              <a:rPr lang="en-US" altLang="zh-CN" sz="1800"/>
-              <a:t>npm i -g node-gyp</a:t>
-            </a:r>
-            <a:endParaRPr lang="en-US" altLang="zh-CN" sz="1800"/>
-          </a:p>
-          <a:p>
-            <a:pPr lvl="2"/>
-            <a:r>
-              <a:rPr lang="en-US" altLang="zh-CN" sz="1800"/>
-              <a:t>https://github.com/lxe/node-ffi/tree/node-12</a:t>
-            </a:r>
-            <a:endParaRPr lang="en-US" altLang="zh-CN" sz="1800"/>
-          </a:p>
-          <a:p>
-            <a:pPr lvl="2"/>
-            <a:r>
-              <a:rPr lang="en-US" altLang="zh-CN" sz="1800"/>
-              <a:t>npm install @saleae/ffi</a:t>
-            </a:r>
-            <a:endParaRPr lang="en-US" altLang="zh-CN" sz="1800"/>
-          </a:p>
-          <a:p>
-            <a:pPr lvl="2"/>
-            <a:r>
-              <a:rPr lang="en-US" altLang="zh-CN" sz="1800"/>
-              <a:t>npm install -S lxe/node-ffi#node-12 lxe/ref#node-12 lxe/ref-struct#node-12</a:t>
-            </a:r>
-            <a:endParaRPr lang="en-US" altLang="zh-CN" sz="1800"/>
-          </a:p>
-          <a:p>
-            <a:pPr lvl="2"/>
-            <a:r>
-              <a:rPr lang="en-US" altLang="zh-CN" sz="1800"/>
-              <a:t>runtime error because of version match of ref</a:t>
-            </a:r>
-            <a:endParaRPr lang="en-US" altLang="zh-CN" sz="1800"/>
-          </a:p>
-          <a:p>
-            <a:r>
-              <a:rPr lang="en-US" altLang="zh-CN"/>
-              <a:t>Native node addons</a:t>
-            </a:r>
-            <a:endParaRPr lang="en-US" altLang="zh-CN"/>
-          </a:p>
-        </p:txBody>
-      </p:sp>
-      <p:sp>
-        <p:nvSpPr>
-          <p:cNvPr id="4" name="文本框 3"/>
-          <p:cNvSpPr txBox="1"/>
+              <a:rPr lang="en-US" altLang="zh-CN" sz="1200"/>
+              <a:t>var.ref()</a:t>
+            </a:r>
+            <a:endParaRPr lang="en-US" altLang="zh-CN" sz="1200"/>
+          </a:p>
+        </p:txBody>
+      </p:sp>
+      <p:sp>
+        <p:nvSpPr>
+          <p:cNvPr id="4" name="内容占位符 2"/>
+          <p:cNvSpPr>
+            <a:spLocks noGrp="1"/>
+          </p:cNvSpPr>
           <p:nvPr/>
         </p:nvSpPr>
         <p:spPr>
           <a:xfrm>
-            <a:off x="6775450" y="1211580"/>
-            <a:ext cx="4953000" cy="3692525"/>
+            <a:off x="6311900" y="1211580"/>
+            <a:ext cx="4913630" cy="4549140"/>
           </a:xfrm>
           <a:prstGeom prst="rect">
             <a:avLst/>
           </a:prstGeom>
-          <a:noFill/>
-          <a:ln>
-            <a:solidFill>
-              <a:schemeClr val="accent1"/>
-            </a:solidFill>
-          </a:ln>
         </p:spPr>
         <p:txBody>
-          <a:bodyPr wrap="square" rtlCol="0">
-            <a:spAutoFit/>
+          <a:bodyPr vert="horz" lIns="91440" tIns="45720" rIns="91440" bIns="45720" rtlCol="0">
+            <a:normAutofit/>
           </a:bodyPr>
-          <a:p>
-            <a:r>
-              <a:rPr lang="zh-CN" altLang="en-US"/>
-              <a:t>var ffi = require('ffi</a:t>
-            </a:r>
-            <a:r>
-              <a:rPr lang="en-US" altLang="zh-CN"/>
-              <a:t>-napi</a:t>
-            </a:r>
-            <a:r>
-              <a:rPr lang="zh-CN" altLang="en-US"/>
-              <a:t>');</a:t>
-            </a:r>
-            <a:endParaRPr lang="zh-CN" altLang="en-US"/>
-          </a:p>
-          <a:p>
-            <a:endParaRPr lang="zh-CN" altLang="en-US"/>
-          </a:p>
-          <a:p>
-            <a:r>
-              <a:rPr lang="zh-CN" altLang="en-US"/>
-              <a:t>var libm = ffi.Library('libm', {</a:t>
-            </a:r>
-            <a:endParaRPr lang="zh-CN" altLang="en-US"/>
-          </a:p>
-          <a:p>
-            <a:r>
-              <a:rPr lang="zh-CN" altLang="en-US"/>
-              <a:t>  'ceil': [ 'double', [ 'double' ] ]</a:t>
-            </a:r>
-            <a:endParaRPr lang="zh-CN" altLang="en-US"/>
-          </a:p>
-          <a:p>
-            <a:r>
-              <a:rPr lang="zh-CN" altLang="en-US"/>
-              <a:t>});</a:t>
-            </a:r>
-            <a:endParaRPr lang="zh-CN" altLang="en-US"/>
-          </a:p>
-          <a:p>
-            <a:r>
-              <a:rPr lang="zh-CN" altLang="en-US"/>
-              <a:t>libm.ceil(1.5); // 2</a:t>
-            </a:r>
-            <a:endParaRPr lang="zh-CN" altLang="en-US"/>
-          </a:p>
-          <a:p>
-            <a:endParaRPr lang="zh-CN" altLang="en-US"/>
-          </a:p>
-          <a:p>
-            <a:r>
-              <a:rPr lang="zh-CN" altLang="en-US"/>
-              <a:t>// You can also access just functions in the current process by passing a null</a:t>
-            </a:r>
-            <a:endParaRPr lang="zh-CN" altLang="en-US"/>
-          </a:p>
-          <a:p>
-            <a:r>
-              <a:rPr lang="zh-CN" altLang="en-US"/>
-              <a:t>var current = ffi.Library(null, {</a:t>
-            </a:r>
-            <a:endParaRPr lang="zh-CN" altLang="en-US"/>
-          </a:p>
-          <a:p>
-            <a:r>
-              <a:rPr lang="zh-CN" altLang="en-US"/>
-              <a:t>  'atoi': [ 'int', [ 'string' ] ]</a:t>
-            </a:r>
-            <a:endParaRPr lang="zh-CN" altLang="en-US"/>
-          </a:p>
-          <a:p>
-            <a:r>
-              <a:rPr lang="zh-CN" altLang="en-US"/>
-              <a:t>});</a:t>
-            </a:r>
-            <a:endParaRPr lang="zh-CN" altLang="en-US"/>
-          </a:p>
-          <a:p>
-            <a:r>
-              <a:rPr lang="zh-CN" altLang="en-US"/>
-              <a:t>current.atoi('1234'); // 1234</a:t>
-            </a:r>
-            <a:endParaRPr lang="zh-CN" altLang="en-US"/>
+          <a:lstStyle>
+            <a:lvl1pPr marL="342900" indent="-342900" algn="l" defTabSz="914400" rtl="0" eaLnBrk="1" latinLnBrk="0" hangingPunct="1">
+              <a:lnSpc>
+                <a:spcPct val="90000"/>
+              </a:lnSpc>
+              <a:spcBef>
+                <a:spcPts val="1000"/>
+              </a:spcBef>
+              <a:buFont typeface="黑体" panose="02010609060101010101" pitchFamily="49" charset="-122"/>
+              <a:buChar char="〉"/>
+              <a:defRPr sz="2400" kern="1200">
+                <a:solidFill>
+                  <a:schemeClr val="tx1"/>
+                </a:solidFill>
+                <a:latin typeface="+mn-lt"/>
+                <a:ea typeface="+mn-ea"/>
+                <a:cs typeface="+mn-cs"/>
+              </a:defRPr>
+            </a:lvl1pPr>
+            <a:lvl2pPr marL="800100" indent="-342900" algn="l" defTabSz="914400" rtl="0" eaLnBrk="1" latinLnBrk="0" hangingPunct="1">
+              <a:lnSpc>
+                <a:spcPct val="90000"/>
+              </a:lnSpc>
+              <a:spcBef>
+                <a:spcPts val="500"/>
+              </a:spcBef>
+              <a:buFont typeface="Arial" panose="020B0604020202020204" pitchFamily="34" charset="0"/>
+              <a:buChar char="•"/>
+              <a:defRPr sz="2000" kern="1200">
+                <a:solidFill>
+                  <a:schemeClr val="tx1"/>
+                </a:solidFill>
+                <a:latin typeface="+mn-lt"/>
+                <a:ea typeface="+mn-ea"/>
+                <a:cs typeface="+mn-cs"/>
+              </a:defRPr>
+            </a:lvl2pPr>
+            <a:lvl3pPr marL="1257300" indent="-342900" algn="l" defTabSz="914400" rtl="0" eaLnBrk="1" latinLnBrk="0" hangingPunct="1">
+              <a:lnSpc>
+                <a:spcPct val="90000"/>
+              </a:lnSpc>
+              <a:spcBef>
+                <a:spcPts val="500"/>
+              </a:spcBef>
+              <a:buFont typeface="Arial" panose="020B0604020202020204" pitchFamily="34" charset="0"/>
+              <a:buChar char="•"/>
+              <a:defRPr sz="1800" kern="1200">
+                <a:solidFill>
+                  <a:schemeClr val="tx1"/>
+                </a:solidFill>
+                <a:latin typeface="+mn-lt"/>
+                <a:ea typeface="+mn-ea"/>
+                <a:cs typeface="+mn-cs"/>
+              </a:defRPr>
+            </a:lvl3pPr>
+            <a:lvl4pPr marL="1657350" indent="-285750" algn="l" defTabSz="914400" rtl="0" eaLnBrk="1" latinLnBrk="0" hangingPunct="1">
+              <a:lnSpc>
+                <a:spcPct val="90000"/>
+              </a:lnSpc>
+              <a:spcBef>
+                <a:spcPts val="500"/>
+              </a:spcBef>
+              <a:buFont typeface="Arial" panose="020B0604020202020204" pitchFamily="34" charset="0"/>
+              <a:buChar char="•"/>
+              <a:defRPr sz="1800" kern="1200">
+                <a:solidFill>
+                  <a:schemeClr val="tx1"/>
+                </a:solidFill>
+                <a:latin typeface="+mn-lt"/>
+                <a:ea typeface="+mn-ea"/>
+                <a:cs typeface="+mn-cs"/>
+              </a:defRPr>
+            </a:lvl4pPr>
+            <a:lvl5pPr marL="2114550" indent="-285750" algn="l" defTabSz="914400" rtl="0" eaLnBrk="1" latinLnBrk="0" hangingPunct="1">
+              <a:lnSpc>
+                <a:spcPct val="90000"/>
+              </a:lnSpc>
+              <a:spcBef>
+                <a:spcPts val="500"/>
+              </a:spcBef>
+              <a:buFont typeface="Arial" panose="020B0604020202020204" pitchFamily="34" charset="0"/>
+              <a:buChar char="•"/>
+              <a:defRPr sz="1800" kern="1200">
+                <a:solidFill>
+                  <a:schemeClr val="tx1"/>
+                </a:solidFill>
+                <a:latin typeface="+mn-lt"/>
+                <a:ea typeface="+mn-ea"/>
+                <a:cs typeface="+mn-cs"/>
+              </a:defRPr>
+            </a:lvl5pPr>
+            <a:lvl6pPr marL="2514600" indent="-228600" algn="l" defTabSz="914400" rtl="0" eaLnBrk="1" latinLnBrk="0" hangingPunct="1">
+              <a:lnSpc>
+                <a:spcPct val="90000"/>
+              </a:lnSpc>
+              <a:spcBef>
+                <a:spcPts val="500"/>
+              </a:spcBef>
+              <a:buFont typeface="Arial" panose="020B0604020202020204" pitchFamily="34" charset="0"/>
+              <a:buChar char="•"/>
+              <a:defRPr sz="1800" kern="1200">
+                <a:solidFill>
+                  <a:schemeClr val="tx1"/>
+                </a:solidFill>
+                <a:latin typeface="+mn-lt"/>
+                <a:ea typeface="+mn-ea"/>
+                <a:cs typeface="+mn-cs"/>
+              </a:defRPr>
+            </a:lvl6pPr>
+            <a:lvl7pPr marL="2971800" indent="-228600" algn="l" defTabSz="914400" rtl="0" eaLnBrk="1" latinLnBrk="0" hangingPunct="1">
+              <a:lnSpc>
+                <a:spcPct val="90000"/>
+              </a:lnSpc>
+              <a:spcBef>
+                <a:spcPts val="500"/>
+              </a:spcBef>
+              <a:buFont typeface="Arial" panose="020B0604020202020204" pitchFamily="34" charset="0"/>
+              <a:buChar char="•"/>
+              <a:defRPr sz="1800" kern="1200">
+                <a:solidFill>
+                  <a:schemeClr val="tx1"/>
+                </a:solidFill>
+                <a:latin typeface="+mn-lt"/>
+                <a:ea typeface="+mn-ea"/>
+                <a:cs typeface="+mn-cs"/>
+              </a:defRPr>
+            </a:lvl7pPr>
+            <a:lvl8pPr marL="3429000" indent="-228600" algn="l" defTabSz="914400" rtl="0" eaLnBrk="1" latinLnBrk="0" hangingPunct="1">
+              <a:lnSpc>
+                <a:spcPct val="90000"/>
+              </a:lnSpc>
+              <a:spcBef>
+                <a:spcPts val="500"/>
+              </a:spcBef>
+              <a:buFont typeface="Arial" panose="020B0604020202020204" pitchFamily="34" charset="0"/>
+              <a:buChar char="•"/>
+              <a:defRPr sz="1800" kern="1200">
+                <a:solidFill>
+                  <a:schemeClr val="tx1"/>
+                </a:solidFill>
+                <a:latin typeface="+mn-lt"/>
+                <a:ea typeface="+mn-ea"/>
+                <a:cs typeface="+mn-cs"/>
+              </a:defRPr>
+            </a:lvl8pPr>
+            <a:lvl9pPr marL="3886200" indent="-228600" algn="l" defTabSz="914400" rtl="0" eaLnBrk="1" latinLnBrk="0" hangingPunct="1">
+              <a:lnSpc>
+                <a:spcPct val="90000"/>
+              </a:lnSpc>
+              <a:spcBef>
+                <a:spcPts val="500"/>
+              </a:spcBef>
+              <a:buFont typeface="Arial" panose="020B0604020202020204" pitchFamily="34" charset="0"/>
+              <a:buChar char="•"/>
+              <a:defRPr sz="1800" kern="1200">
+                <a:solidFill>
+                  <a:schemeClr val="tx1"/>
+                </a:solidFill>
+                <a:latin typeface="+mn-lt"/>
+                <a:ea typeface="+mn-ea"/>
+                <a:cs typeface="+mn-cs"/>
+              </a:defRPr>
+            </a:lvl9pPr>
+          </a:lstStyle>
+          <a:p>
+            <a:pPr lvl="1"/>
+            <a:r>
+              <a:rPr lang="en-US" altLang="zh-CN" sz="1800"/>
+              <a:t>allocate mem</a:t>
+            </a:r>
+            <a:endParaRPr lang="en-US" altLang="zh-CN" sz="1800"/>
+          </a:p>
+          <a:p>
+            <a:pPr lvl="2"/>
+            <a:r>
+              <a:rPr lang="en-US" altLang="zh-CN" sz="1600"/>
+              <a:t>ref.alloc('int')</a:t>
+            </a:r>
+            <a:endParaRPr lang="en-US" altLang="zh-CN" sz="1600"/>
+          </a:p>
+          <a:p>
+            <a:pPr lvl="1"/>
+            <a:r>
+              <a:rPr lang="en-US" altLang="zh-CN" sz="1800"/>
+              <a:t>array	</a:t>
+            </a:r>
+            <a:endParaRPr lang="en-US" altLang="zh-CN" sz="1800"/>
+          </a:p>
+          <a:p>
+            <a:pPr lvl="2"/>
+            <a:r>
+              <a:rPr lang="en-US" altLang="zh-CN" sz="1600"/>
+              <a:t>ref-array</a:t>
+            </a:r>
+            <a:endParaRPr lang="en-US" altLang="zh-CN" sz="1600"/>
+          </a:p>
+          <a:p>
+            <a:pPr lvl="1"/>
+            <a:r>
+              <a:rPr lang="en-US" altLang="zh-CN" sz="1800"/>
+              <a:t>structure</a:t>
+            </a:r>
+            <a:endParaRPr lang="en-US" altLang="zh-CN" sz="1800"/>
+          </a:p>
+          <a:p>
+            <a:pPr lvl="2"/>
+            <a:r>
+              <a:rPr lang="en-US" altLang="zh-CN" sz="1600"/>
+              <a:t>ref-struct</a:t>
+            </a:r>
+            <a:endParaRPr lang="en-US" altLang="zh-CN" sz="1600"/>
+          </a:p>
+          <a:p>
+            <a:pPr lvl="1"/>
+            <a:r>
+              <a:rPr lang="en-US" altLang="zh-CN" sz="1800"/>
+              <a:t>Buffer</a:t>
+            </a:r>
+            <a:endParaRPr lang="en-US" altLang="zh-CN" sz="1800"/>
+          </a:p>
+          <a:p>
+            <a:pPr lvl="2"/>
+            <a:r>
+              <a:rPr lang="en-US" altLang="zh-CN" sz="1600"/>
+              <a:t>The principle of node-ffi pointer implementation is to use the Buffer class to realize memory sharing between C code and JS code with the help of REF, making Buffer become a pointer in C language. Note that once ref is referenced, the prototype of Buffer is modified, and some methods are replaced and injected. </a:t>
+            </a:r>
+            <a:endParaRPr lang="en-US" altLang="zh-CN" sz="1600"/>
           </a:p>
         </p:txBody>
       </p:sp>
@@ -5889,7 +7783,7 @@
 </p:sld>
 </file>
 
-<file path=ppt/slides/slide22.xml><?xml version="1.0" encoding="utf-8"?>
+<file path=ppt/slides/slide27.xml><?xml version="1.0" encoding="utf-8"?>
 <p:sld xmlns:a="http://schemas.openxmlformats.org/drawingml/2006/main" xmlns:r="http://schemas.openxmlformats.org/officeDocument/2006/relationships" xmlns:p="http://schemas.openxmlformats.org/presentationml/2006/main">
   <p:cSld>
     <p:spTree>
@@ -5987,7 +7881,7 @@
 </p:sld>
 </file>
 
-<file path=ppt/slides/slide23.xml><?xml version="1.0" encoding="utf-8"?>
+<file path=ppt/slides/slide28.xml><?xml version="1.0" encoding="utf-8"?>
 <p:sld xmlns:a="http://schemas.openxmlformats.org/drawingml/2006/main" xmlns:r="http://schemas.openxmlformats.org/officeDocument/2006/relationships" xmlns:p="http://schemas.openxmlformats.org/presentationml/2006/main">
   <p:cSld>
     <p:spTree>
@@ -6058,7 +7952,7 @@
 </p:sld>
 </file>
 
-<file path=ppt/slides/slide24.xml><?xml version="1.0" encoding="utf-8"?>
+<file path=ppt/slides/slide29.xml><?xml version="1.0" encoding="utf-8"?>
 <p:sld xmlns:a="http://schemas.openxmlformats.org/drawingml/2006/main" xmlns:r="http://schemas.openxmlformats.org/officeDocument/2006/relationships" xmlns:p="http://schemas.openxmlformats.org/presentationml/2006/main">
   <p:cSld>
     <p:spTree>
@@ -6070,6 +7964,67 @@
       <p:grpSpPr/>
       <p:sp>
         <p:nvSpPr>
+          <p:cNvPr id="4" name="标题 3"/>
+          <p:cNvSpPr>
+            <a:spLocks noGrp="1"/>
+          </p:cNvSpPr>
+          <p:nvPr>
+            <p:ph type="title"/>
+          </p:nvPr>
+        </p:nvSpPr>
+        <p:spPr/>
+        <p:txBody>
+          <a:bodyPr/>
+          <a:p>
+            <a:r>
+              <a:rPr lang="en-US" altLang="zh-CN"/>
+              <a:t>Issues and Solutions</a:t>
+            </a:r>
+            <a:endParaRPr lang="en-US" altLang="zh-CN"/>
+          </a:p>
+        </p:txBody>
+      </p:sp>
+      <p:sp>
+        <p:nvSpPr>
+          <p:cNvPr id="5" name="文本占位符 4"/>
+          <p:cNvSpPr>
+            <a:spLocks noGrp="1"/>
+          </p:cNvSpPr>
+          <p:nvPr>
+            <p:ph type="body" idx="1"/>
+          </p:nvPr>
+        </p:nvSpPr>
+        <p:spPr/>
+        <p:txBody>
+          <a:bodyPr/>
+          <a:p>
+            <a:endParaRPr lang="zh-CN" altLang="en-US"/>
+          </a:p>
+        </p:txBody>
+      </p:sp>
+    </p:spTree>
+    <p:custDataLst>
+      <p:tags r:id="rId1"/>
+    </p:custDataLst>
+  </p:cSld>
+  <p:clrMapOvr>
+    <a:masterClrMapping/>
+  </p:clrMapOvr>
+</p:sld>
+</file>
+
+<file path=ppt/slides/slide3.xml><?xml version="1.0" encoding="utf-8"?>
+<p:sld xmlns:a="http://schemas.openxmlformats.org/drawingml/2006/main" xmlns:r="http://schemas.openxmlformats.org/officeDocument/2006/relationships" xmlns:p="http://schemas.openxmlformats.org/presentationml/2006/main">
+  <p:cSld>
+    <p:spTree>
+      <p:nvGrpSpPr>
+        <p:cNvPr id="1" name=""/>
+        <p:cNvGrpSpPr/>
+        <p:nvPr/>
+      </p:nvGrpSpPr>
+      <p:grpSpPr/>
+      <p:sp>
+        <p:nvSpPr>
           <p:cNvPr id="2" name="标题 1"/>
           <p:cNvSpPr>
             <a:spLocks noGrp="1"/>
@@ -6084,7 +8039,364 @@
           <a:p>
             <a:r>
               <a:rPr lang="en-US" altLang="zh-CN"/>
-              <a:t>FAQ 1</a:t>
+              <a:t>Theory</a:t>
+            </a:r>
+            <a:endParaRPr lang="en-US" altLang="zh-CN"/>
+          </a:p>
+        </p:txBody>
+      </p:sp>
+      <p:sp>
+        <p:nvSpPr>
+          <p:cNvPr id="3" name="内容占位符 2"/>
+          <p:cNvSpPr>
+            <a:spLocks noGrp="1"/>
+          </p:cNvSpPr>
+          <p:nvPr>
+            <p:ph idx="1"/>
+          </p:nvPr>
+        </p:nvSpPr>
+        <p:spPr>
+          <a:xfrm>
+            <a:off x="838200" y="1211580"/>
+            <a:ext cx="7331075" cy="5313680"/>
+          </a:xfrm>
+        </p:spPr>
+        <p:txBody>
+          <a:bodyPr>
+            <a:normAutofit fontScale="70000"/>
+          </a:bodyPr>
+          <a:p>
+            <a:r>
+              <a:rPr lang="en-US" altLang="zh-CN"/>
+              <a:t>Processes</a:t>
+            </a:r>
+            <a:endParaRPr lang="en-US" altLang="zh-CN"/>
+          </a:p>
+          <a:p>
+            <a:pPr lvl="1"/>
+            <a:r>
+              <a:rPr lang="en-US" altLang="zh-CN" sz="2000"/>
+              <a:t>References</a:t>
+            </a:r>
+            <a:endParaRPr lang="en-US" altLang="zh-CN" sz="2000"/>
+          </a:p>
+          <a:p>
+            <a:pPr lvl="2"/>
+            <a:r>
+              <a:rPr lang="en-US" altLang="zh-CN"/>
+              <a:t>https://www.electronjs.org/docs/latest/tutorial/process-model</a:t>
+            </a:r>
+            <a:endParaRPr lang="en-US" altLang="zh-CN"/>
+          </a:p>
+          <a:p>
+            <a:pPr lvl="1"/>
+            <a:r>
+              <a:rPr lang="en-US" altLang="zh-CN"/>
+              <a:t>Main Process</a:t>
+            </a:r>
+            <a:endParaRPr lang="en-US" altLang="zh-CN"/>
+          </a:p>
+          <a:p>
+            <a:pPr lvl="2"/>
+            <a:r>
+              <a:rPr lang="en-US" altLang="zh-CN"/>
+              <a:t>package.json</a:t>
+            </a:r>
+            <a:endParaRPr lang="en-US" altLang="zh-CN"/>
+          </a:p>
+          <a:p>
+            <a:pPr lvl="2"/>
+            <a:r>
+              <a:rPr lang="en-US" altLang="zh-CN"/>
+              <a:t>window management</a:t>
+            </a:r>
+            <a:endParaRPr lang="en-US" altLang="zh-CN"/>
+          </a:p>
+          <a:p>
+            <a:pPr lvl="3"/>
+            <a:r>
+              <a:rPr lang="en-US" altLang="zh-CN" sz="1600"/>
+              <a:t>The main process' primary purpose is to create and manage application windows with the BrowserWindow module.</a:t>
+            </a:r>
+            <a:endParaRPr lang="en-US" altLang="zh-CN" sz="1600"/>
+          </a:p>
+          <a:p>
+            <a:pPr lvl="2"/>
+            <a:r>
+              <a:rPr lang="en-US" altLang="zh-CN"/>
+              <a:t>application lifecycle</a:t>
+            </a:r>
+            <a:endParaRPr lang="en-US" altLang="zh-CN"/>
+          </a:p>
+          <a:p>
+            <a:pPr lvl="3"/>
+            <a:r>
+              <a:rPr lang="en-US" altLang="zh-CN" sz="1600"/>
+              <a:t>The main process also controls your application's lifecycle through Electron's app module.</a:t>
+            </a:r>
+            <a:endParaRPr lang="en-US" altLang="zh-CN" sz="1600"/>
+          </a:p>
+          <a:p>
+            <a:pPr lvl="1"/>
+            <a:r>
+              <a:rPr lang="en-US" altLang="zh-CN"/>
+              <a:t>Renderer Process</a:t>
+            </a:r>
+            <a:endParaRPr lang="en-US" altLang="zh-CN"/>
+          </a:p>
+          <a:p>
+            <a:pPr lvl="2"/>
+            <a:r>
+              <a:rPr lang="en-US" altLang="zh-CN"/>
+              <a:t>Each web page runs its own isolated process</a:t>
+            </a:r>
+            <a:endParaRPr lang="en-US" altLang="zh-CN"/>
+          </a:p>
+          <a:p>
+            <a:pPr lvl="2"/>
+            <a:r>
+              <a:rPr lang="en-US" altLang="zh-CN"/>
+              <a:t>Each Electron app spawns a separate renderer process for each open BrowserWindow (and each web embed). </a:t>
+            </a:r>
+            <a:endParaRPr lang="en-US" altLang="zh-CN"/>
+          </a:p>
+          <a:p>
+            <a:pPr lvl="2"/>
+            <a:r>
+              <a:rPr lang="en-US" altLang="zh-CN"/>
+              <a:t>the renderer has no direct access to require or other Node.js APIs</a:t>
+            </a:r>
+            <a:endParaRPr lang="en-US" altLang="zh-CN"/>
+          </a:p>
+          <a:p>
+            <a:pPr lvl="1"/>
+            <a:r>
+              <a:rPr lang="en-US" altLang="zh-CN" sz="2000"/>
+              <a:t>Utility Process</a:t>
+            </a:r>
+            <a:endParaRPr lang="en-US" altLang="zh-CN" sz="2000"/>
+          </a:p>
+          <a:p>
+            <a:pPr lvl="2"/>
+            <a:r>
+              <a:rPr lang="en-US" altLang="zh-CN"/>
+              <a:t>Each Electron app can spawn multiple child processes from the main process using the UtilityProcess API</a:t>
+            </a:r>
+            <a:endParaRPr lang="en-US" altLang="zh-CN"/>
+          </a:p>
+          <a:p>
+            <a:pPr lvl="2"/>
+            <a:r>
+              <a:rPr lang="en-US" altLang="zh-CN"/>
+              <a:t>runs in a Node.js environment, meaning it has the ability to require modules and use all of Node.js APIs</a:t>
+            </a:r>
+            <a:endParaRPr lang="en-US" altLang="zh-CN"/>
+          </a:p>
+          <a:p>
+            <a:pPr lvl="2"/>
+            <a:r>
+              <a:rPr lang="en-US" altLang="zh-CN"/>
+              <a:t>utility process can establish a communication channel with a renderer process using MessagePorts. </a:t>
+            </a:r>
+            <a:endParaRPr lang="en-US" altLang="zh-CN"/>
+          </a:p>
+          <a:p>
+            <a:pPr lvl="1"/>
+            <a:endParaRPr lang="en-US" altLang="zh-CN"/>
+          </a:p>
+        </p:txBody>
+      </p:sp>
+      <p:pic>
+        <p:nvPicPr>
+          <p:cNvPr id="4" name="图片 3"/>
+          <p:cNvPicPr>
+            <a:picLocks noChangeAspect="1"/>
+          </p:cNvPicPr>
+          <p:nvPr/>
+        </p:nvPicPr>
+        <p:blipFill>
+          <a:blip r:embed="rId1"/>
+          <a:stretch>
+            <a:fillRect/>
+          </a:stretch>
+        </p:blipFill>
+        <p:spPr>
+          <a:xfrm>
+            <a:off x="8877300" y="1280795"/>
+            <a:ext cx="2807335" cy="3086735"/>
+          </a:xfrm>
+          <a:prstGeom prst="rect">
+            <a:avLst/>
+          </a:prstGeom>
+        </p:spPr>
+      </p:pic>
+      <p:pic>
+        <p:nvPicPr>
+          <p:cNvPr id="5" name="图片 4"/>
+          <p:cNvPicPr>
+            <a:picLocks noChangeAspect="1"/>
+          </p:cNvPicPr>
+          <p:nvPr/>
+        </p:nvPicPr>
+        <p:blipFill>
+          <a:blip r:embed="rId2"/>
+          <a:stretch>
+            <a:fillRect/>
+          </a:stretch>
+        </p:blipFill>
+        <p:spPr>
+          <a:xfrm>
+            <a:off x="8065135" y="4448175"/>
+            <a:ext cx="3726180" cy="1504950"/>
+          </a:xfrm>
+          <a:prstGeom prst="rect">
+            <a:avLst/>
+          </a:prstGeom>
+        </p:spPr>
+      </p:pic>
+    </p:spTree>
+    <p:custDataLst>
+      <p:tags r:id="rId3"/>
+    </p:custDataLst>
+  </p:cSld>
+  <p:clrMapOvr>
+    <a:masterClrMapping/>
+  </p:clrMapOvr>
+</p:sld>
+</file>
+
+<file path=ppt/slides/slide30.xml><?xml version="1.0" encoding="utf-8"?>
+<p:sld xmlns:a="http://schemas.openxmlformats.org/drawingml/2006/main" xmlns:r="http://schemas.openxmlformats.org/officeDocument/2006/relationships" xmlns:p="http://schemas.openxmlformats.org/presentationml/2006/main">
+  <p:cSld>
+    <p:spTree>
+      <p:nvGrpSpPr>
+        <p:cNvPr id="1" name=""/>
+        <p:cNvGrpSpPr/>
+        <p:nvPr/>
+      </p:nvGrpSpPr>
+      <p:grpSpPr/>
+      <p:sp>
+        <p:nvSpPr>
+          <p:cNvPr id="4" name="标题 3"/>
+          <p:cNvSpPr>
+            <a:spLocks noGrp="1"/>
+          </p:cNvSpPr>
+          <p:nvPr>
+            <p:ph type="title"/>
+          </p:nvPr>
+        </p:nvSpPr>
+        <p:spPr/>
+        <p:txBody>
+          <a:bodyPr/>
+          <a:p>
+            <a:r>
+              <a:rPr lang="en-US" altLang="zh-CN"/>
+              <a:t>Crash Analysis</a:t>
+            </a:r>
+            <a:endParaRPr lang="en-US" altLang="zh-CN"/>
+          </a:p>
+        </p:txBody>
+      </p:sp>
+      <p:sp>
+        <p:nvSpPr>
+          <p:cNvPr id="5" name="内容占位符 4"/>
+          <p:cNvSpPr>
+            <a:spLocks noGrp="1"/>
+          </p:cNvSpPr>
+          <p:nvPr>
+            <p:ph idx="1"/>
+          </p:nvPr>
+        </p:nvSpPr>
+        <p:spPr/>
+        <p:txBody>
+          <a:bodyPr/>
+          <a:p>
+            <a:r>
+              <a:rPr lang="en-US" altLang="zh-CN"/>
+              <a:t>References</a:t>
+            </a:r>
+            <a:endParaRPr lang="en-US" altLang="zh-CN"/>
+          </a:p>
+          <a:p>
+            <a:pPr lvl="1"/>
+            <a:r>
+              <a:rPr lang="en-US" altLang="zh-CN"/>
+              <a:t>https://www.sobyte.net/post/2021-09/electron-crash-sentry/</a:t>
+            </a:r>
+            <a:endParaRPr lang="en-US" altLang="zh-CN"/>
+          </a:p>
+          <a:p>
+            <a:pPr lvl="0"/>
+            <a:r>
+              <a:rPr lang="en-US" altLang="zh-CN"/>
+              <a:t>Command line switches</a:t>
+            </a:r>
+            <a:endParaRPr lang="en-US" altLang="zh-CN"/>
+          </a:p>
+          <a:p>
+            <a:pPr lvl="1"/>
+            <a:r>
+              <a:rPr lang="en-US" altLang="zh-CN"/>
+              <a:t>https://www.electronjs.org/docs/latest/api/command-line-switches</a:t>
+            </a:r>
+            <a:endParaRPr lang="en-US" altLang="zh-CN"/>
+          </a:p>
+          <a:p>
+            <a:pPr lvl="1"/>
+            <a:r>
+              <a:rPr lang="en-US" altLang="zh-CN"/>
+              <a:t>--log-level</a:t>
+            </a:r>
+            <a:endParaRPr lang="en-US" altLang="zh-CN"/>
+          </a:p>
+          <a:p>
+            <a:pPr lvl="2"/>
+            <a:r>
+              <a:rPr lang="en-US" altLang="zh-CN"/>
+              <a:t>INFO = 0, WARNING = 1, LOG_ERROR = 2, LOG_FATAL = 3</a:t>
+            </a:r>
+            <a:endParaRPr lang="en-US" altLang="zh-CN"/>
+          </a:p>
+        </p:txBody>
+      </p:sp>
+    </p:spTree>
+    <p:custDataLst>
+      <p:tags r:id="rId1"/>
+    </p:custDataLst>
+  </p:cSld>
+  <p:clrMapOvr>
+    <a:masterClrMapping/>
+  </p:clrMapOvr>
+</p:sld>
+</file>
+
+<file path=ppt/slides/slide31.xml><?xml version="1.0" encoding="utf-8"?>
+<p:sld xmlns:a="http://schemas.openxmlformats.org/drawingml/2006/main" xmlns:r="http://schemas.openxmlformats.org/officeDocument/2006/relationships" xmlns:p="http://schemas.openxmlformats.org/presentationml/2006/main">
+  <p:cSld>
+    <p:spTree>
+      <p:nvGrpSpPr>
+        <p:cNvPr id="1" name=""/>
+        <p:cNvGrpSpPr/>
+        <p:nvPr/>
+      </p:nvGrpSpPr>
+      <p:grpSpPr/>
+      <p:sp>
+        <p:nvSpPr>
+          <p:cNvPr id="2" name="标题 1"/>
+          <p:cNvSpPr>
+            <a:spLocks noGrp="1"/>
+          </p:cNvSpPr>
+          <p:nvPr>
+            <p:ph type="title"/>
+          </p:nvPr>
+        </p:nvSpPr>
+        <p:spPr/>
+        <p:txBody>
+          <a:bodyPr/>
+          <a:p>
+            <a:r>
+              <a:rPr lang="en-US" altLang="zh-CN"/>
+              <a:t>Issue 1</a:t>
             </a:r>
             <a:endParaRPr lang="en-US" altLang="zh-CN"/>
           </a:p>
@@ -6333,7 +8645,7 @@
 </p:sld>
 </file>
 
-<file path=ppt/slides/slide25.xml><?xml version="1.0" encoding="utf-8"?>
+<file path=ppt/slides/slide32.xml><?xml version="1.0" encoding="utf-8"?>
 <p:sld xmlns:a="http://schemas.openxmlformats.org/drawingml/2006/main" xmlns:r="http://schemas.openxmlformats.org/officeDocument/2006/relationships" xmlns:p="http://schemas.openxmlformats.org/presentationml/2006/main">
   <p:cSld>
     <p:spTree>
@@ -6358,8 +8670,14 @@
           <a:bodyPr/>
           <a:p>
             <a:r>
-              <a:rPr lang="en-US" altLang="zh-CN"/>
-              <a:t>FAQ 2</a:t>
+              <a:rPr lang="en-US" altLang="zh-CN">
+                <a:sym typeface="+mn-ea"/>
+              </a:rPr>
+              <a:t>Issue </a:t>
+            </a:r>
+            <a:r>
+              <a:rPr lang="en-US" altLang="zh-CN"/>
+              <a:t>2</a:t>
             </a:r>
             <a:endParaRPr lang="en-US" altLang="zh-CN"/>
           </a:p>
@@ -6535,7 +8853,7 @@
 </p:sld>
 </file>
 
-<file path=ppt/slides/slide26.xml><?xml version="1.0" encoding="utf-8"?>
+<file path=ppt/slides/slide33.xml><?xml version="1.0" encoding="utf-8"?>
 <p:sld xmlns:a="http://schemas.openxmlformats.org/drawingml/2006/main" xmlns:r="http://schemas.openxmlformats.org/officeDocument/2006/relationships" xmlns:p="http://schemas.openxmlformats.org/presentationml/2006/main">
   <p:cSld>
     <p:spTree>
@@ -6560,8 +8878,14 @@
           <a:bodyPr/>
           <a:p>
             <a:r>
-              <a:rPr lang="en-US" altLang="zh-CN"/>
-              <a:t>FAQ 3</a:t>
+              <a:rPr lang="en-US" altLang="zh-CN">
+                <a:sym typeface="+mn-ea"/>
+              </a:rPr>
+              <a:t>Issue </a:t>
+            </a:r>
+            <a:r>
+              <a:rPr lang="en-US" altLang="zh-CN"/>
+              <a:t>3</a:t>
             </a:r>
             <a:endParaRPr lang="en-US" altLang="zh-CN"/>
           </a:p>
@@ -6785,7 +9109,7 @@
 </p:sld>
 </file>
 
-<file path=ppt/slides/slide27.xml><?xml version="1.0" encoding="utf-8"?>
+<file path=ppt/slides/slide34.xml><?xml version="1.0" encoding="utf-8"?>
 <p:sld xmlns:a="http://schemas.openxmlformats.org/drawingml/2006/main" xmlns:r="http://schemas.openxmlformats.org/officeDocument/2006/relationships" xmlns:p="http://schemas.openxmlformats.org/presentationml/2006/main">
   <p:cSld>
     <p:spTree>
@@ -6810,8 +9134,14 @@
           <a:bodyPr/>
           <a:p>
             <a:r>
-              <a:rPr lang="en-US" altLang="zh-CN"/>
-              <a:t>FAQ 4</a:t>
+              <a:rPr lang="en-US" altLang="zh-CN">
+                <a:sym typeface="+mn-ea"/>
+              </a:rPr>
+              <a:t>Issue </a:t>
+            </a:r>
+            <a:r>
+              <a:rPr lang="en-US" altLang="zh-CN"/>
+              <a:t>4</a:t>
             </a:r>
             <a:endParaRPr lang="en-US" altLang="zh-CN"/>
           </a:p>
@@ -7005,7 +9335,385 @@
 </p:sld>
 </file>
 
-<file path=ppt/slides/slide28.xml><?xml version="1.0" encoding="utf-8"?>
+<file path=ppt/slides/slide35.xml><?xml version="1.0" encoding="utf-8"?>
+<p:sld xmlns:a="http://schemas.openxmlformats.org/drawingml/2006/main" xmlns:r="http://schemas.openxmlformats.org/officeDocument/2006/relationships" xmlns:p="http://schemas.openxmlformats.org/presentationml/2006/main">
+  <p:cSld>
+    <p:spTree>
+      <p:nvGrpSpPr>
+        <p:cNvPr id="1" name=""/>
+        <p:cNvGrpSpPr/>
+        <p:nvPr/>
+      </p:nvGrpSpPr>
+      <p:grpSpPr/>
+      <p:sp>
+        <p:nvSpPr>
+          <p:cNvPr id="2" name="标题 1"/>
+          <p:cNvSpPr>
+            <a:spLocks noGrp="1"/>
+          </p:cNvSpPr>
+          <p:nvPr>
+            <p:ph type="title"/>
+          </p:nvPr>
+        </p:nvSpPr>
+        <p:spPr/>
+        <p:txBody>
+          <a:bodyPr/>
+          <a:p>
+            <a:r>
+              <a:rPr lang="en-US" altLang="zh-CN">
+                <a:sym typeface="+mn-ea"/>
+              </a:rPr>
+              <a:t>Issue </a:t>
+            </a:r>
+            <a:r>
+              <a:rPr lang="en-US" altLang="zh-CN"/>
+              <a:t>5</a:t>
+            </a:r>
+            <a:endParaRPr lang="en-US" altLang="zh-CN"/>
+          </a:p>
+        </p:txBody>
+      </p:sp>
+      <p:sp>
+        <p:nvSpPr>
+          <p:cNvPr id="3" name="内容占位符 2"/>
+          <p:cNvSpPr>
+            <a:spLocks noGrp="1"/>
+          </p:cNvSpPr>
+          <p:nvPr>
+            <p:ph idx="1"/>
+          </p:nvPr>
+        </p:nvSpPr>
+        <p:spPr/>
+        <p:txBody>
+          <a:bodyPr/>
+          <a:p>
+            <a:r>
+              <a:rPr lang="en-US" altLang="zh-CN"/>
+              <a:t>Error</a:t>
+            </a:r>
+            <a:endParaRPr lang="en-US" altLang="zh-CN"/>
+          </a:p>
+          <a:p>
+            <a:pPr lvl="1"/>
+            <a:r>
+              <a:rPr lang="en-US" altLang="zh-CN"/>
+              <a:t>RequestError: unable to verify the first certificate</a:t>
+            </a:r>
+            <a:endParaRPr lang="en-US" altLang="zh-CN"/>
+          </a:p>
+          <a:p>
+            <a:pPr lvl="1"/>
+            <a:r>
+              <a:rPr lang="en-US" altLang="zh-CN"/>
+              <a:t>set ELECTRON_MIRROR=http://npm.taobao.org/mirrors/electron/</a:t>
+            </a:r>
+            <a:endParaRPr lang="en-US" altLang="zh-CN"/>
+          </a:p>
+        </p:txBody>
+      </p:sp>
+    </p:spTree>
+    <p:custDataLst>
+      <p:tags r:id="rId1"/>
+    </p:custDataLst>
+  </p:cSld>
+  <p:clrMapOvr>
+    <a:masterClrMapping/>
+  </p:clrMapOvr>
+</p:sld>
+</file>
+
+<file path=ppt/slides/slide36.xml><?xml version="1.0" encoding="utf-8"?>
+<p:sld xmlns:a="http://schemas.openxmlformats.org/drawingml/2006/main" xmlns:r="http://schemas.openxmlformats.org/officeDocument/2006/relationships" xmlns:p="http://schemas.openxmlformats.org/presentationml/2006/main">
+  <p:cSld>
+    <p:spTree>
+      <p:nvGrpSpPr>
+        <p:cNvPr id="1" name=""/>
+        <p:cNvGrpSpPr/>
+        <p:nvPr/>
+      </p:nvGrpSpPr>
+      <p:grpSpPr/>
+      <p:sp>
+        <p:nvSpPr>
+          <p:cNvPr id="2" name="标题 1"/>
+          <p:cNvSpPr>
+            <a:spLocks noGrp="1"/>
+          </p:cNvSpPr>
+          <p:nvPr>
+            <p:ph type="title"/>
+          </p:nvPr>
+        </p:nvSpPr>
+        <p:spPr/>
+        <p:txBody>
+          <a:bodyPr/>
+          <a:p>
+            <a:r>
+              <a:rPr lang="en-US" altLang="zh-CN">
+                <a:sym typeface="+mn-ea"/>
+              </a:rPr>
+              <a:t>Issue </a:t>
+            </a:r>
+            <a:r>
+              <a:rPr lang="en-US" altLang="zh-CN"/>
+              <a:t>6</a:t>
+            </a:r>
+            <a:endParaRPr lang="en-US" altLang="zh-CN"/>
+          </a:p>
+        </p:txBody>
+      </p:sp>
+      <p:sp>
+        <p:nvSpPr>
+          <p:cNvPr id="3" name="内容占位符 2"/>
+          <p:cNvSpPr>
+            <a:spLocks noGrp="1"/>
+          </p:cNvSpPr>
+          <p:nvPr>
+            <p:ph idx="1"/>
+          </p:nvPr>
+        </p:nvSpPr>
+        <p:spPr/>
+        <p:txBody>
+          <a:bodyPr/>
+          <a:p>
+            <a:r>
+              <a:rPr lang="zh-CN" altLang="en-US"/>
+              <a:t>Error: PostCSS received undefined instead of CSS string</a:t>
+            </a:r>
+            <a:endParaRPr lang="zh-CN" altLang="en-US"/>
+          </a:p>
+          <a:p>
+            <a:pPr lvl="1"/>
+            <a:r>
+              <a:rPr lang="en-US" altLang="zh-CN"/>
+              <a:t>npm uninstall node-sass</a:t>
+            </a:r>
+            <a:endParaRPr lang="en-US" altLang="zh-CN"/>
+          </a:p>
+          <a:p>
+            <a:pPr lvl="1"/>
+            <a:r>
+              <a:rPr lang="en-US" altLang="zh-CN"/>
+              <a:t>npm uninstall sass-loader</a:t>
+            </a:r>
+            <a:endParaRPr lang="en-US" altLang="zh-CN"/>
+          </a:p>
+          <a:p>
+            <a:pPr lvl="1"/>
+            <a:r>
+              <a:rPr lang="en-US" altLang="zh-CN"/>
+              <a:t>npm install -S node-sass@4.14.1</a:t>
+            </a:r>
+            <a:endParaRPr lang="en-US" altLang="zh-CN"/>
+          </a:p>
+          <a:p>
+            <a:pPr lvl="1"/>
+            <a:r>
+              <a:rPr lang="en-US" altLang="zh-CN"/>
+              <a:t>npm install -S sass-loader@8.0.0</a:t>
+            </a:r>
+            <a:endParaRPr lang="en-US" altLang="zh-CN"/>
+          </a:p>
+        </p:txBody>
+      </p:sp>
+    </p:spTree>
+    <p:custDataLst>
+      <p:tags r:id="rId1"/>
+    </p:custDataLst>
+  </p:cSld>
+  <p:clrMapOvr>
+    <a:masterClrMapping/>
+  </p:clrMapOvr>
+</p:sld>
+</file>
+
+<file path=ppt/slides/slide37.xml><?xml version="1.0" encoding="utf-8"?>
+<p:sld xmlns:a="http://schemas.openxmlformats.org/drawingml/2006/main" xmlns:r="http://schemas.openxmlformats.org/officeDocument/2006/relationships" xmlns:p="http://schemas.openxmlformats.org/presentationml/2006/main">
+  <p:cSld>
+    <p:spTree>
+      <p:nvGrpSpPr>
+        <p:cNvPr id="1" name=""/>
+        <p:cNvGrpSpPr/>
+        <p:nvPr/>
+      </p:nvGrpSpPr>
+      <p:grpSpPr/>
+      <p:sp>
+        <p:nvSpPr>
+          <p:cNvPr id="2" name="标题 1"/>
+          <p:cNvSpPr>
+            <a:spLocks noGrp="1"/>
+          </p:cNvSpPr>
+          <p:nvPr>
+            <p:ph type="title"/>
+          </p:nvPr>
+        </p:nvSpPr>
+        <p:spPr/>
+        <p:txBody>
+          <a:bodyPr/>
+          <a:p>
+            <a:r>
+              <a:rPr lang="en-US" altLang="zh-CN">
+                <a:sym typeface="+mn-ea"/>
+              </a:rPr>
+              <a:t>Issue 7</a:t>
+            </a:r>
+            <a:endParaRPr lang="en-US" altLang="zh-CN"/>
+          </a:p>
+        </p:txBody>
+      </p:sp>
+      <p:sp>
+        <p:nvSpPr>
+          <p:cNvPr id="3" name="内容占位符 2"/>
+          <p:cNvSpPr>
+            <a:spLocks noGrp="1"/>
+          </p:cNvSpPr>
+          <p:nvPr>
+            <p:ph idx="1"/>
+          </p:nvPr>
+        </p:nvSpPr>
+        <p:spPr/>
+        <p:txBody>
+          <a:bodyPr/>
+          <a:p>
+            <a:r>
+              <a:rPr lang="en-US" altLang="zh-CN"/>
+              <a:t>App crash when callback is invoked</a:t>
+            </a:r>
+            <a:endParaRPr lang="en-US" altLang="zh-CN"/>
+          </a:p>
+          <a:p>
+            <a:pPr lvl="1"/>
+            <a:r>
+              <a:rPr lang="en-US" altLang="zh-CN"/>
+              <a:t>https://community.particle.io/t/timer-callback-method-calling-httpclient-crashes-on-electron/22373</a:t>
+            </a:r>
+            <a:endParaRPr lang="en-US" altLang="zh-CN"/>
+          </a:p>
+          <a:p>
+            <a:pPr lvl="2"/>
+            <a:r>
+              <a:rPr lang="en-US" altLang="zh-CN"/>
+              <a:t>timer -&gt; change to thread</a:t>
+            </a:r>
+            <a:endParaRPr lang="en-US" altLang="zh-CN"/>
+          </a:p>
+          <a:p>
+            <a:pPr lvl="1"/>
+            <a:r>
+              <a:rPr lang="en-US" altLang="zh-CN"/>
+              <a:t>https://github.com/electron/electron/issues/25397</a:t>
+            </a:r>
+            <a:endParaRPr lang="en-US" altLang="zh-CN"/>
+          </a:p>
+          <a:p>
+            <a:pPr lvl="2"/>
+            <a:r>
+              <a:rPr lang="en-US" altLang="zh-CN"/>
+              <a:t>v11.0.0 or newer</a:t>
+            </a:r>
+            <a:endParaRPr lang="en-US" altLang="zh-CN"/>
+          </a:p>
+        </p:txBody>
+      </p:sp>
+    </p:spTree>
+    <p:custDataLst>
+      <p:tags r:id="rId1"/>
+    </p:custDataLst>
+  </p:cSld>
+  <p:clrMapOvr>
+    <a:masterClrMapping/>
+  </p:clrMapOvr>
+</p:sld>
+</file>
+
+<file path=ppt/slides/slide38.xml><?xml version="1.0" encoding="utf-8"?>
+<p:sld xmlns:a="http://schemas.openxmlformats.org/drawingml/2006/main" xmlns:r="http://schemas.openxmlformats.org/officeDocument/2006/relationships" xmlns:p="http://schemas.openxmlformats.org/presentationml/2006/main">
+  <p:cSld>
+    <p:spTree>
+      <p:nvGrpSpPr>
+        <p:cNvPr id="1" name=""/>
+        <p:cNvGrpSpPr/>
+        <p:nvPr/>
+      </p:nvGrpSpPr>
+      <p:grpSpPr/>
+      <p:sp>
+        <p:nvSpPr>
+          <p:cNvPr id="2" name="标题 1"/>
+          <p:cNvSpPr>
+            <a:spLocks noGrp="1"/>
+          </p:cNvSpPr>
+          <p:nvPr>
+            <p:ph type="title"/>
+          </p:nvPr>
+        </p:nvSpPr>
+        <p:spPr/>
+        <p:txBody>
+          <a:bodyPr/>
+          <a:p>
+            <a:r>
+              <a:rPr lang="en-US" altLang="zh-CN"/>
+              <a:t>Issue 8</a:t>
+            </a:r>
+            <a:endParaRPr lang="en-US" altLang="zh-CN"/>
+          </a:p>
+        </p:txBody>
+      </p:sp>
+      <p:sp>
+        <p:nvSpPr>
+          <p:cNvPr id="3" name="内容占位符 2"/>
+          <p:cNvSpPr>
+            <a:spLocks noGrp="1"/>
+          </p:cNvSpPr>
+          <p:nvPr>
+            <p:ph idx="1"/>
+          </p:nvPr>
+        </p:nvSpPr>
+        <p:spPr/>
+        <p:txBody>
+          <a:bodyPr/>
+          <a:p>
+            <a:r>
+              <a:rPr lang="zh-CN" altLang="en-US"/>
+              <a:t>应用白屏</a:t>
+            </a:r>
+            <a:endParaRPr lang="zh-CN" altLang="en-US"/>
+          </a:p>
+          <a:p>
+            <a:pPr lvl="1"/>
+            <a:r>
+              <a:rPr lang="en-US" altLang="zh-CN"/>
+              <a:t>references</a:t>
+            </a:r>
+            <a:endParaRPr lang="en-US" altLang="zh-CN"/>
+          </a:p>
+          <a:p>
+            <a:pPr lvl="2"/>
+            <a:r>
+              <a:rPr lang="en-US" altLang="zh-CN"/>
+              <a:t>https://juejin.cn/post/7136124646079856671</a:t>
+            </a:r>
+            <a:endParaRPr lang="en-US" altLang="zh-CN"/>
+          </a:p>
+          <a:p>
+            <a:pPr lvl="2"/>
+            <a:r>
+              <a:rPr lang="en-US" altLang="zh-CN"/>
+              <a:t>https://www.zhihu.com/question/54091307</a:t>
+            </a:r>
+            <a:endParaRPr lang="en-US" altLang="zh-CN"/>
+          </a:p>
+        </p:txBody>
+      </p:sp>
+    </p:spTree>
+    <p:custDataLst>
+      <p:tags r:id="rId1"/>
+    </p:custDataLst>
+  </p:cSld>
+  <p:clrMapOvr>
+    <a:masterClrMapping/>
+  </p:clrMapOvr>
+</p:sld>
+</file>
+
+<file path=ppt/slides/slide39.xml><?xml version="1.0" encoding="utf-8"?>
 <p:sld xmlns:a="http://schemas.openxmlformats.org/drawingml/2006/main" xmlns:r="http://schemas.openxmlformats.org/officeDocument/2006/relationships" xmlns:p="http://schemas.openxmlformats.org/presentationml/2006/main">
   <p:cSld>
     <p:spTree>
@@ -7094,7 +9802,7 @@
 </p:sld>
 </file>
 
-<file path=ppt/slides/slide3.xml><?xml version="1.0" encoding="utf-8"?>
+<file path=ppt/slides/slide4.xml><?xml version="1.0" encoding="utf-8"?>
 <p:sld xmlns:a="http://schemas.openxmlformats.org/drawingml/2006/main" xmlns:r="http://schemas.openxmlformats.org/officeDocument/2006/relationships" xmlns:p="http://schemas.openxmlformats.org/presentationml/2006/main">
   <p:cSld>
     <p:spTree>
@@ -7120,84 +9828,16 @@
           <a:p>
             <a:r>
               <a:rPr lang="en-US" altLang="zh-CN"/>
-              <a:t>Theory</a:t>
-            </a:r>
-            <a:endParaRPr lang="en-US" altLang="zh-CN"/>
-          </a:p>
-        </p:txBody>
-      </p:sp>
-      <p:sp>
-        <p:nvSpPr>
-          <p:cNvPr id="3" name="内容占位符 2"/>
-          <p:cNvSpPr>
-            <a:spLocks noGrp="1"/>
-          </p:cNvSpPr>
-          <p:nvPr>
-            <p:ph idx="1"/>
-          </p:nvPr>
-        </p:nvSpPr>
-        <p:spPr/>
-        <p:txBody>
-          <a:bodyPr/>
-          <a:p>
-            <a:r>
-              <a:rPr lang="en-US" altLang="zh-CN"/>
-              <a:t>Processes</a:t>
-            </a:r>
-            <a:endParaRPr lang="en-US" altLang="zh-CN"/>
-          </a:p>
-          <a:p>
-            <a:pPr lvl="1"/>
-            <a:r>
-              <a:rPr lang="en-US" altLang="zh-CN"/>
-              <a:t>Main Process</a:t>
-            </a:r>
-            <a:endParaRPr lang="en-US" altLang="zh-CN"/>
-          </a:p>
-          <a:p>
-            <a:pPr lvl="2"/>
-            <a:r>
-              <a:rPr lang="en-US" altLang="zh-CN"/>
-              <a:t>package.json</a:t>
-            </a:r>
-            <a:endParaRPr lang="en-US" altLang="zh-CN"/>
-          </a:p>
-          <a:p>
-            <a:pPr lvl="2"/>
-            <a:r>
-              <a:rPr lang="en-US" altLang="zh-CN"/>
-              <a:t>Create BrowserWindow instances to run web pages</a:t>
-            </a:r>
-            <a:endParaRPr lang="en-US" altLang="zh-CN"/>
-          </a:p>
-          <a:p>
-            <a:pPr lvl="1"/>
-            <a:r>
-              <a:rPr lang="en-US" altLang="zh-CN"/>
-              <a:t>Renderer Process</a:t>
-            </a:r>
-            <a:endParaRPr lang="en-US" altLang="zh-CN"/>
-          </a:p>
-          <a:p>
-            <a:pPr lvl="2"/>
-            <a:r>
-              <a:rPr lang="en-US" altLang="zh-CN"/>
-              <a:t>Each web page runs its own isolated process</a:t>
-            </a:r>
-            <a:endParaRPr lang="en-US" altLang="zh-CN"/>
-          </a:p>
-          <a:p>
-            <a:pPr lvl="1"/>
+              <a:t>Advanced Architecture</a:t>
+            </a:r>
             <a:endParaRPr lang="en-US" altLang="zh-CN"/>
           </a:p>
         </p:txBody>
       </p:sp>
       <p:pic>
         <p:nvPicPr>
-          <p:cNvPr id="4" name="图片 3"/>
-          <p:cNvPicPr>
-            <a:picLocks noChangeAspect="1"/>
-          </p:cNvPicPr>
+          <p:cNvPr id="100" name="图片 99"/>
+          <p:cNvPicPr/>
           <p:nvPr/>
         </p:nvPicPr>
         <p:blipFill>
@@ -7208,257 +9848,21 @@
         </p:blipFill>
         <p:spPr>
           <a:xfrm>
-            <a:off x="8877300" y="1280795"/>
-            <a:ext cx="2807335" cy="3086735"/>
+            <a:off x="2212340" y="1265555"/>
+            <a:ext cx="7766685" cy="4893945"/>
           </a:xfrm>
           <a:prstGeom prst="rect">
             <a:avLst/>
           </a:prstGeom>
-        </p:spPr>
-      </p:pic>
-      <p:pic>
-        <p:nvPicPr>
-          <p:cNvPr id="5" name="图片 4"/>
-          <p:cNvPicPr>
-            <a:picLocks noChangeAspect="1"/>
-          </p:cNvPicPr>
-          <p:nvPr/>
-        </p:nvPicPr>
-        <p:blipFill>
-          <a:blip r:embed="rId2"/>
-          <a:stretch>
-            <a:fillRect/>
-          </a:stretch>
-        </p:blipFill>
-        <p:spPr>
-          <a:xfrm>
-            <a:off x="8065135" y="4448175"/>
-            <a:ext cx="3726180" cy="1504950"/>
-          </a:xfrm>
-          <a:prstGeom prst="rect">
-            <a:avLst/>
-          </a:prstGeom>
+          <a:noFill/>
+          <a:ln w="9525">
+            <a:noFill/>
+          </a:ln>
         </p:spPr>
       </p:pic>
     </p:spTree>
     <p:custDataLst>
-      <p:tags r:id="rId3"/>
-    </p:custDataLst>
-  </p:cSld>
-  <p:clrMapOvr>
-    <a:masterClrMapping/>
-  </p:clrMapOvr>
-</p:sld>
-</file>
-
-<file path=ppt/slides/slide4.xml><?xml version="1.0" encoding="utf-8"?>
-<p:sld xmlns:a="http://schemas.openxmlformats.org/drawingml/2006/main" xmlns:r="http://schemas.openxmlformats.org/officeDocument/2006/relationships" xmlns:p="http://schemas.openxmlformats.org/presentationml/2006/main">
-  <p:cSld>
-    <p:spTree>
-      <p:nvGrpSpPr>
-        <p:cNvPr id="1" name=""/>
-        <p:cNvGrpSpPr/>
-        <p:nvPr/>
-      </p:nvGrpSpPr>
-      <p:grpSpPr/>
-      <p:sp>
-        <p:nvSpPr>
-          <p:cNvPr id="2" name="标题 1"/>
-          <p:cNvSpPr>
-            <a:spLocks noGrp="1"/>
-          </p:cNvSpPr>
-          <p:nvPr>
-            <p:ph type="title"/>
-          </p:nvPr>
-        </p:nvSpPr>
-        <p:spPr/>
-        <p:txBody>
-          <a:bodyPr/>
-          <a:p>
-            <a:r>
-              <a:rPr lang="en-US" altLang="zh-CN"/>
-              <a:t>Install</a:t>
-            </a:r>
-            <a:endParaRPr lang="en-US" altLang="zh-CN"/>
-          </a:p>
-        </p:txBody>
-      </p:sp>
-      <p:sp>
-        <p:nvSpPr>
-          <p:cNvPr id="3" name="内容占位符 2"/>
-          <p:cNvSpPr>
-            <a:spLocks noGrp="1"/>
-          </p:cNvSpPr>
-          <p:nvPr>
-            <p:ph idx="1"/>
-          </p:nvPr>
-        </p:nvSpPr>
-        <p:spPr>
-          <a:xfrm>
-            <a:off x="838200" y="1211580"/>
-            <a:ext cx="10515600" cy="5170805"/>
-          </a:xfrm>
-        </p:spPr>
-        <p:txBody>
-          <a:bodyPr>
-            <a:normAutofit fontScale="70000"/>
-          </a:bodyPr>
-          <a:p>
-            <a:r>
-              <a:rPr lang="en-US" altLang="zh-CN"/>
-              <a:t>Steps</a:t>
-            </a:r>
-            <a:endParaRPr lang="en-US" altLang="zh-CN"/>
-          </a:p>
-          <a:p>
-            <a:pPr lvl="1"/>
-            <a:r>
-              <a:rPr lang="en-US" altLang="zh-CN"/>
-              <a:t>Install Node.js</a:t>
-            </a:r>
-            <a:endParaRPr lang="en-US" altLang="zh-CN"/>
-          </a:p>
-          <a:p>
-            <a:pPr lvl="1"/>
-            <a:r>
-              <a:rPr lang="en-US" altLang="zh-CN"/>
-              <a:t>npm</a:t>
-            </a:r>
-            <a:endParaRPr lang="en-US" altLang="zh-CN"/>
-          </a:p>
-          <a:p>
-            <a:pPr lvl="2"/>
-            <a:r>
-              <a:rPr lang="en-US" altLang="zh-CN"/>
-              <a:t>npm install electron@6.0 -D	// electron v6.0 for Node v12</a:t>
-            </a:r>
-            <a:endParaRPr lang="en-US" altLang="zh-CN"/>
-          </a:p>
-          <a:p>
-            <a:pPr lvl="2"/>
-            <a:r>
-              <a:rPr lang="en-US" altLang="zh-CN"/>
-              <a:t>cnpm i -g electron-builer</a:t>
-            </a:r>
-            <a:endParaRPr lang="en-US" altLang="zh-CN"/>
-          </a:p>
-          <a:p>
-            <a:pPr lvl="2"/>
-            <a:r>
-              <a:rPr lang="en-US" altLang="zh-CN"/>
-              <a:t>cnpm i -g windows-build-tools</a:t>
-            </a:r>
-            <a:endParaRPr lang="en-US" altLang="zh-CN"/>
-          </a:p>
-          <a:p>
-            <a:pPr lvl="1"/>
-            <a:r>
-              <a:rPr lang="en-US" altLang="zh-CN" sz="2000"/>
-              <a:t>yarn</a:t>
-            </a:r>
-            <a:endParaRPr lang="en-US" altLang="zh-CN" sz="2000"/>
-          </a:p>
-          <a:p>
-            <a:pPr lvl="2"/>
-            <a:r>
-              <a:rPr lang="en-US" altLang="zh-CN"/>
-              <a:t>npm install yarn -g</a:t>
-            </a:r>
-            <a:endParaRPr lang="en-US" altLang="zh-CN"/>
-          </a:p>
-          <a:p>
-            <a:pPr lvl="1"/>
-            <a:r>
-              <a:rPr lang="en-US" altLang="zh-CN"/>
-              <a:t>electron .</a:t>
-            </a:r>
-            <a:endParaRPr lang="en-US" altLang="zh-CN"/>
-          </a:p>
-          <a:p>
-            <a:pPr lvl="1"/>
-            <a:r>
-              <a:rPr lang="en-US" altLang="zh-CN"/>
-              <a:t>eslint</a:t>
-            </a:r>
-            <a:endParaRPr lang="en-US" altLang="zh-CN"/>
-          </a:p>
-          <a:p>
-            <a:pPr lvl="2"/>
-            <a:r>
-              <a:rPr lang="en-US" altLang="zh-CN"/>
-              <a:t>cnpm i -g eslint eslint-plugin-vue@latest</a:t>
-            </a:r>
-            <a:endParaRPr lang="en-US" altLang="zh-CN"/>
-          </a:p>
-          <a:p>
-            <a:pPr lvl="1"/>
-            <a:r>
-              <a:rPr lang="en-US" altLang="zh-CN" sz="2000"/>
-              <a:t>electron-builder</a:t>
-            </a:r>
-            <a:endParaRPr lang="en-US" altLang="zh-CN" sz="2000"/>
-          </a:p>
-          <a:p>
-            <a:pPr lvl="2"/>
-            <a:r>
-              <a:rPr lang="en-US" altLang="zh-CN" sz="1800"/>
-              <a:t>yarn add electron-builder --dev</a:t>
-            </a:r>
-            <a:endParaRPr lang="en-US" altLang="zh-CN" sz="1800"/>
-          </a:p>
-          <a:p>
-            <a:pPr lvl="1"/>
-            <a:r>
-              <a:rPr lang="en-US" altLang="zh-CN" sz="2000"/>
-              <a:t>electron-rebuild</a:t>
-            </a:r>
-            <a:endParaRPr lang="en-US" altLang="zh-CN" sz="2000"/>
-          </a:p>
-          <a:p>
-            <a:pPr lvl="2"/>
-            <a:r>
-              <a:rPr lang="en-US" altLang="zh-CN"/>
-              <a:t>This executable rebuilds native Node.js modules against the version of Node.js that your Electron project is using.</a:t>
-            </a:r>
-            <a:endParaRPr lang="en-US" altLang="zh-CN"/>
-          </a:p>
-          <a:p>
-            <a:pPr lvl="2"/>
-            <a:r>
-              <a:rPr lang="en-US" altLang="zh-CN"/>
-              <a:t>npm i -S electron-rebuild</a:t>
-            </a:r>
-            <a:endParaRPr lang="en-US" altLang="zh-CN"/>
-          </a:p>
-          <a:p>
-            <a:pPr lvl="2"/>
-            <a:r>
-              <a:rPr lang="en-US" altLang="zh-CN"/>
-              <a:t>.\node_modules\.bin\electron-rebuild</a:t>
-            </a:r>
-            <a:endParaRPr lang="en-US" altLang="zh-CN"/>
-          </a:p>
-          <a:p>
-            <a:pPr lvl="0"/>
-            <a:r>
-              <a:rPr lang="en-US" altLang="zh-CN"/>
-              <a:t>References</a:t>
-            </a:r>
-            <a:endParaRPr lang="en-US" altLang="zh-CN"/>
-          </a:p>
-          <a:p>
-            <a:pPr lvl="1"/>
-            <a:r>
-              <a:rPr lang="en-US" altLang="zh-CN"/>
-              <a:t>https://github.com/nodejs/node-gyp#on-windows</a:t>
-            </a:r>
-            <a:endParaRPr lang="en-US" altLang="zh-CN"/>
-          </a:p>
-        </p:txBody>
-      </p:sp>
-    </p:spTree>
-    <p:custDataLst>
-      <p:tags r:id="rId1"/>
+      <p:tags r:id="rId2"/>
     </p:custDataLst>
   </p:cSld>
   <p:clrMapOvr>
@@ -7493,7 +9897,7 @@
           <a:p>
             <a:r>
               <a:rPr lang="en-US" altLang="zh-CN"/>
-              <a:t>Create Application</a:t>
+              <a:t>Install</a:t>
             </a:r>
             <a:endParaRPr lang="en-US" altLang="zh-CN"/>
           </a:p>
@@ -7508,226 +9912,361 @@
           <p:nvPr>
             <p:ph idx="1"/>
           </p:nvPr>
-        </p:nvSpPr>
-        <p:spPr/>
-        <p:txBody>
-          <a:bodyPr/>
-          <a:p>
-            <a:r>
-              <a:rPr lang="en-US" altLang="zh-CN"/>
-              <a:t>Steps</a:t>
-            </a:r>
-            <a:endParaRPr lang="en-US" altLang="zh-CN"/>
-          </a:p>
-          <a:p>
-            <a:pPr lvl="1"/>
-            <a:r>
-              <a:rPr lang="en-US" altLang="zh-CN"/>
-              <a:t>npm init -y</a:t>
-            </a:r>
-            <a:endParaRPr lang="en-US" altLang="zh-CN"/>
-          </a:p>
-          <a:p>
-            <a:pPr lvl="2"/>
-            <a:r>
-              <a:rPr lang="en-US" altLang="zh-CN" sz="1800"/>
-              <a:t>Initialize npm</a:t>
-            </a:r>
-            <a:endParaRPr lang="en-US" altLang="zh-CN"/>
-          </a:p>
-          <a:p>
-            <a:pPr lvl="2"/>
-            <a:r>
-              <a:rPr lang="en-US" altLang="zh-CN"/>
-              <a:t>package.json was created as the result</a:t>
-            </a:r>
-            <a:endParaRPr lang="en-US" altLang="zh-CN"/>
-          </a:p>
-          <a:p>
-            <a:pPr lvl="1"/>
-            <a:r>
-              <a:rPr lang="en-US" altLang="zh-CN" sz="2000"/>
-              <a:t>npm install electron@latest --save-dev</a:t>
-            </a:r>
-            <a:endParaRPr lang="en-US" altLang="zh-CN" sz="2000"/>
-          </a:p>
-          <a:p>
-            <a:pPr lvl="2"/>
-            <a:r>
-              <a:rPr lang="en-US" altLang="zh-CN" sz="1800"/>
-              <a:t>Install electron locally</a:t>
-            </a:r>
-            <a:endParaRPr lang="en-US" altLang="zh-CN" sz="1800"/>
-          </a:p>
-          <a:p>
-            <a:pPr lvl="1"/>
-            <a:r>
-              <a:rPr lang="en-US" altLang="zh-CN" sz="2000"/>
-              <a:t>touch index.js</a:t>
-            </a:r>
-            <a:endParaRPr lang="en-US" altLang="zh-CN" sz="2000"/>
-          </a:p>
-          <a:p>
-            <a:pPr lvl="1"/>
-            <a:r>
-              <a:rPr lang="en-US" altLang="zh-CN" sz="2000"/>
-              <a:t>npx electron index.js</a:t>
-            </a:r>
-            <a:endParaRPr lang="en-US" altLang="zh-CN"/>
-          </a:p>
-          <a:p>
-            <a:pPr lvl="0"/>
-            <a:r>
-              <a:rPr lang="en-US" altLang="zh-CN"/>
-              <a:t>Launch application</a:t>
-            </a:r>
-            <a:endParaRPr lang="en-US" altLang="zh-CN"/>
-          </a:p>
-          <a:p>
-            <a:pPr lvl="1"/>
-            <a:r>
-              <a:rPr lang="en-US" altLang="zh-CN"/>
-              <a:t>npm start</a:t>
-            </a:r>
-            <a:endParaRPr lang="en-US" altLang="zh-CN"/>
-          </a:p>
-        </p:txBody>
-      </p:sp>
-      <p:sp>
-        <p:nvSpPr>
-          <p:cNvPr id="5" name="文本框 4"/>
-          <p:cNvSpPr txBox="1"/>
-          <p:nvPr/>
         </p:nvSpPr>
         <p:spPr>
           <a:xfrm>
-            <a:off x="7183755" y="1343025"/>
-            <a:ext cx="3637915" cy="1198880"/>
+            <a:off x="838200" y="1211580"/>
+            <a:ext cx="5181600" cy="5170805"/>
+          </a:xfrm>
+        </p:spPr>
+        <p:txBody>
+          <a:bodyPr>
+            <a:normAutofit fontScale="90000" lnSpcReduction="10000"/>
+          </a:bodyPr>
+          <a:p>
+            <a:r>
+              <a:rPr lang="en-US" altLang="zh-CN"/>
+              <a:t>Steps</a:t>
+            </a:r>
+            <a:endParaRPr lang="en-US" altLang="zh-CN"/>
+          </a:p>
+          <a:p>
+            <a:pPr lvl="1"/>
+            <a:r>
+              <a:rPr lang="en-US" altLang="zh-CN"/>
+              <a:t>Install Node.js</a:t>
+            </a:r>
+            <a:endParaRPr lang="en-US" altLang="zh-CN"/>
+          </a:p>
+          <a:p>
+            <a:pPr lvl="1"/>
+            <a:r>
+              <a:rPr lang="en-US" altLang="zh-CN"/>
+              <a:t>npm</a:t>
+            </a:r>
+            <a:endParaRPr lang="en-US" altLang="zh-CN"/>
+          </a:p>
+          <a:p>
+            <a:pPr lvl="2"/>
+            <a:r>
+              <a:rPr lang="en-US" altLang="zh-CN"/>
+              <a:t>npm install electron@6.0 -D	// electron v6.0 for Node v12</a:t>
+            </a:r>
+            <a:endParaRPr lang="en-US" altLang="zh-CN"/>
+          </a:p>
+          <a:p>
+            <a:pPr lvl="2"/>
+            <a:r>
+              <a:rPr lang="en-US" altLang="zh-CN"/>
+              <a:t>npm i -g electron-builder</a:t>
+            </a:r>
+            <a:endParaRPr lang="en-US" altLang="zh-CN"/>
+          </a:p>
+          <a:p>
+            <a:pPr lvl="2"/>
+            <a:r>
+              <a:rPr lang="en-US" altLang="zh-CN"/>
+              <a:t>npm i -g windows-build-tools</a:t>
+            </a:r>
+            <a:endParaRPr lang="en-US" altLang="zh-CN"/>
+          </a:p>
+          <a:p>
+            <a:pPr lvl="1"/>
+            <a:r>
+              <a:rPr lang="en-US" altLang="zh-CN"/>
+              <a:t>electron .</a:t>
+            </a:r>
+            <a:endParaRPr lang="en-US" altLang="zh-CN"/>
+          </a:p>
+          <a:p>
+            <a:pPr lvl="1"/>
+            <a:r>
+              <a:rPr lang="en-US" altLang="zh-CN"/>
+              <a:t>eslint</a:t>
+            </a:r>
+            <a:endParaRPr lang="en-US" altLang="zh-CN"/>
+          </a:p>
+          <a:p>
+            <a:pPr lvl="2"/>
+            <a:r>
+              <a:rPr lang="en-US" altLang="zh-CN"/>
+              <a:t>npm i -g eslint eslint-plugin-vue@latest</a:t>
+            </a:r>
+            <a:endParaRPr lang="en-US" altLang="zh-CN"/>
+          </a:p>
+          <a:p>
+            <a:pPr lvl="1"/>
+            <a:r>
+              <a:rPr lang="en-US" altLang="zh-CN" sz="2000"/>
+              <a:t>electron-rebuild</a:t>
+            </a:r>
+            <a:endParaRPr lang="en-US" altLang="zh-CN" sz="2000"/>
+          </a:p>
+          <a:p>
+            <a:pPr lvl="2"/>
+            <a:r>
+              <a:rPr lang="en-US" altLang="zh-CN"/>
+              <a:t>This executable rebuilds native Node.js modules against the version of Node.js that your Electron project is using.</a:t>
+            </a:r>
+            <a:endParaRPr lang="en-US" altLang="zh-CN"/>
+          </a:p>
+          <a:p>
+            <a:pPr lvl="2"/>
+            <a:r>
+              <a:rPr lang="en-US" altLang="zh-CN"/>
+              <a:t>npm i -S electron-rebuild</a:t>
+            </a:r>
+            <a:endParaRPr lang="en-US" altLang="zh-CN"/>
+          </a:p>
+          <a:p>
+            <a:pPr lvl="2"/>
+            <a:r>
+              <a:rPr lang="en-US" altLang="zh-CN"/>
+              <a:t>.\node_modules\.bin\electron-rebuild</a:t>
+            </a:r>
+            <a:endParaRPr lang="en-US" altLang="zh-CN"/>
+          </a:p>
+          <a:p>
+            <a:pPr lvl="0"/>
+            <a:r>
+              <a:rPr lang="en-US" altLang="zh-CN"/>
+              <a:t>References</a:t>
+            </a:r>
+            <a:endParaRPr lang="en-US" altLang="zh-CN"/>
+          </a:p>
+          <a:p>
+            <a:pPr lvl="1"/>
+            <a:r>
+              <a:rPr lang="en-US" altLang="zh-CN"/>
+              <a:t>https://github.com/nodejs/node-gyp#on-windows</a:t>
+            </a:r>
+            <a:endParaRPr lang="en-US" altLang="zh-CN"/>
+          </a:p>
+        </p:txBody>
+      </p:sp>
+      <p:sp>
+        <p:nvSpPr>
+          <p:cNvPr id="4" name="内容占位符 2"/>
+          <p:cNvSpPr>
+            <a:spLocks noGrp="1"/>
+          </p:cNvSpPr>
+          <p:nvPr/>
+        </p:nvSpPr>
+        <p:spPr>
+          <a:xfrm>
+            <a:off x="6338570" y="1211580"/>
+            <a:ext cx="5476875" cy="5170805"/>
           </a:xfrm>
           <a:prstGeom prst="rect">
             <a:avLst/>
           </a:prstGeom>
-          <a:noFill/>
-          <a:ln>
-            <a:solidFill>
-              <a:srgbClr val="FFC000"/>
-            </a:solidFill>
-          </a:ln>
         </p:spPr>
         <p:txBody>
-          <a:bodyPr wrap="square" rtlCol="0">
-            <a:spAutoFit/>
+          <a:bodyPr vert="horz" lIns="91440" tIns="45720" rIns="91440" bIns="45720" rtlCol="0">
+            <a:normAutofit/>
           </a:bodyPr>
-          <a:p>
-            <a:r>
-              <a:rPr lang="zh-CN" altLang="en-US"/>
-              <a:t>your-app/</a:t>
-            </a:r>
-            <a:endParaRPr lang="zh-CN" altLang="en-US"/>
-          </a:p>
-          <a:p>
-            <a:r>
-              <a:rPr lang="zh-CN" altLang="en-US"/>
-              <a:t>├── package.json</a:t>
-            </a:r>
-            <a:endParaRPr lang="zh-CN" altLang="en-US"/>
-          </a:p>
-          <a:p>
-            <a:r>
-              <a:rPr lang="zh-CN" altLang="en-US"/>
-              <a:t>├── main.js</a:t>
-            </a:r>
-            <a:endParaRPr lang="zh-CN" altLang="en-US"/>
-          </a:p>
-          <a:p>
-            <a:r>
-              <a:rPr lang="zh-CN" altLang="en-US"/>
-              <a:t>└── index.html</a:t>
-            </a:r>
-            <a:endParaRPr lang="zh-CN" altLang="en-US"/>
-          </a:p>
-        </p:txBody>
-      </p:sp>
-      <p:sp>
-        <p:nvSpPr>
-          <p:cNvPr id="6" name="文本框 5"/>
-          <p:cNvSpPr txBox="1"/>
-          <p:nvPr/>
-        </p:nvSpPr>
-        <p:spPr>
-          <a:xfrm>
-            <a:off x="7183755" y="2748280"/>
-            <a:ext cx="3703320" cy="2306955"/>
-          </a:xfrm>
-          <a:prstGeom prst="rect">
-            <a:avLst/>
-          </a:prstGeom>
-          <a:noFill/>
-          <a:ln>
-            <a:solidFill>
-              <a:srgbClr val="FFC000"/>
-            </a:solidFill>
-          </a:ln>
-        </p:spPr>
-        <p:txBody>
-          <a:bodyPr wrap="square" rtlCol="0">
-            <a:spAutoFit/>
-          </a:bodyPr>
-          <a:p>
-            <a:r>
-              <a:rPr lang="zh-CN" altLang="en-US"/>
-              <a:t>{</a:t>
-            </a:r>
-            <a:endParaRPr lang="zh-CN" altLang="en-US"/>
-          </a:p>
-          <a:p>
-            <a:r>
-              <a:rPr lang="zh-CN" altLang="en-US"/>
-              <a:t>  "name": "your-app",</a:t>
-            </a:r>
-            <a:endParaRPr lang="zh-CN" altLang="en-US"/>
-          </a:p>
-          <a:p>
-            <a:r>
-              <a:rPr lang="zh-CN" altLang="en-US"/>
-              <a:t>  "version": "0.1.0",</a:t>
-            </a:r>
-            <a:endParaRPr lang="zh-CN" altLang="en-US"/>
-          </a:p>
-          <a:p>
-            <a:r>
-              <a:rPr lang="zh-CN" altLang="en-US"/>
-              <a:t>  "main": "main.js"，</a:t>
-            </a:r>
-            <a:endParaRPr lang="zh-CN" altLang="en-US"/>
-          </a:p>
-          <a:p>
-            <a:r>
-              <a:rPr lang="zh-CN" altLang="en-US"/>
-              <a:t>  "scripts": {</a:t>
-            </a:r>
-            <a:endParaRPr lang="zh-CN" altLang="en-US"/>
-          </a:p>
-          <a:p>
-            <a:r>
-              <a:rPr lang="zh-CN" altLang="en-US"/>
-              <a:t>    "start": "electron ."</a:t>
-            </a:r>
-            <a:endParaRPr lang="zh-CN" altLang="en-US"/>
-          </a:p>
-          <a:p>
-            <a:r>
-              <a:rPr lang="zh-CN" altLang="en-US"/>
-              <a:t>  }</a:t>
-            </a:r>
-            <a:endParaRPr lang="zh-CN" altLang="en-US"/>
-          </a:p>
-          <a:p>
-            <a:r>
-              <a:rPr lang="zh-CN" altLang="en-US"/>
-              <a:t>}</a:t>
-            </a:r>
-            <a:endParaRPr lang="zh-CN" altLang="en-US"/>
+          <a:lstStyle>
+            <a:lvl1pPr marL="342900" indent="-342900" algn="l" defTabSz="914400" rtl="0" eaLnBrk="1" latinLnBrk="0" hangingPunct="1">
+              <a:lnSpc>
+                <a:spcPct val="90000"/>
+              </a:lnSpc>
+              <a:spcBef>
+                <a:spcPts val="1000"/>
+              </a:spcBef>
+              <a:buFont typeface="黑体" panose="02010609060101010101" pitchFamily="49" charset="-122"/>
+              <a:buChar char="〉"/>
+              <a:defRPr sz="2400" kern="1200">
+                <a:solidFill>
+                  <a:schemeClr val="tx1"/>
+                </a:solidFill>
+                <a:latin typeface="+mn-lt"/>
+                <a:ea typeface="+mn-ea"/>
+                <a:cs typeface="+mn-cs"/>
+              </a:defRPr>
+            </a:lvl1pPr>
+            <a:lvl2pPr marL="800100" indent="-342900" algn="l" defTabSz="914400" rtl="0" eaLnBrk="1" latinLnBrk="0" hangingPunct="1">
+              <a:lnSpc>
+                <a:spcPct val="90000"/>
+              </a:lnSpc>
+              <a:spcBef>
+                <a:spcPts val="500"/>
+              </a:spcBef>
+              <a:buFont typeface="Arial" panose="020B0604020202020204" pitchFamily="34" charset="0"/>
+              <a:buChar char="•"/>
+              <a:defRPr sz="2000" kern="1200">
+                <a:solidFill>
+                  <a:schemeClr val="tx1"/>
+                </a:solidFill>
+                <a:latin typeface="+mn-lt"/>
+                <a:ea typeface="+mn-ea"/>
+                <a:cs typeface="+mn-cs"/>
+              </a:defRPr>
+            </a:lvl2pPr>
+            <a:lvl3pPr marL="1257300" indent="-342900" algn="l" defTabSz="914400" rtl="0" eaLnBrk="1" latinLnBrk="0" hangingPunct="1">
+              <a:lnSpc>
+                <a:spcPct val="90000"/>
+              </a:lnSpc>
+              <a:spcBef>
+                <a:spcPts val="500"/>
+              </a:spcBef>
+              <a:buFont typeface="Arial" panose="020B0604020202020204" pitchFamily="34" charset="0"/>
+              <a:buChar char="•"/>
+              <a:defRPr sz="1800" kern="1200">
+                <a:solidFill>
+                  <a:schemeClr val="tx1"/>
+                </a:solidFill>
+                <a:latin typeface="+mn-lt"/>
+                <a:ea typeface="+mn-ea"/>
+                <a:cs typeface="+mn-cs"/>
+              </a:defRPr>
+            </a:lvl3pPr>
+            <a:lvl4pPr marL="1657350" indent="-285750" algn="l" defTabSz="914400" rtl="0" eaLnBrk="1" latinLnBrk="0" hangingPunct="1">
+              <a:lnSpc>
+                <a:spcPct val="90000"/>
+              </a:lnSpc>
+              <a:spcBef>
+                <a:spcPts val="500"/>
+              </a:spcBef>
+              <a:buFont typeface="Arial" panose="020B0604020202020204" pitchFamily="34" charset="0"/>
+              <a:buChar char="•"/>
+              <a:defRPr sz="1800" kern="1200">
+                <a:solidFill>
+                  <a:schemeClr val="tx1"/>
+                </a:solidFill>
+                <a:latin typeface="+mn-lt"/>
+                <a:ea typeface="+mn-ea"/>
+                <a:cs typeface="+mn-cs"/>
+              </a:defRPr>
+            </a:lvl4pPr>
+            <a:lvl5pPr marL="2114550" indent="-285750" algn="l" defTabSz="914400" rtl="0" eaLnBrk="1" latinLnBrk="0" hangingPunct="1">
+              <a:lnSpc>
+                <a:spcPct val="90000"/>
+              </a:lnSpc>
+              <a:spcBef>
+                <a:spcPts val="500"/>
+              </a:spcBef>
+              <a:buFont typeface="Arial" panose="020B0604020202020204" pitchFamily="34" charset="0"/>
+              <a:buChar char="•"/>
+              <a:defRPr sz="1800" kern="1200">
+                <a:solidFill>
+                  <a:schemeClr val="tx1"/>
+                </a:solidFill>
+                <a:latin typeface="+mn-lt"/>
+                <a:ea typeface="+mn-ea"/>
+                <a:cs typeface="+mn-cs"/>
+              </a:defRPr>
+            </a:lvl5pPr>
+            <a:lvl6pPr marL="2514600" indent="-228600" algn="l" defTabSz="914400" rtl="0" eaLnBrk="1" latinLnBrk="0" hangingPunct="1">
+              <a:lnSpc>
+                <a:spcPct val="90000"/>
+              </a:lnSpc>
+              <a:spcBef>
+                <a:spcPts val="500"/>
+              </a:spcBef>
+              <a:buFont typeface="Arial" panose="020B0604020202020204" pitchFamily="34" charset="0"/>
+              <a:buChar char="•"/>
+              <a:defRPr sz="1800" kern="1200">
+                <a:solidFill>
+                  <a:schemeClr val="tx1"/>
+                </a:solidFill>
+                <a:latin typeface="+mn-lt"/>
+                <a:ea typeface="+mn-ea"/>
+                <a:cs typeface="+mn-cs"/>
+              </a:defRPr>
+            </a:lvl6pPr>
+            <a:lvl7pPr marL="2971800" indent="-228600" algn="l" defTabSz="914400" rtl="0" eaLnBrk="1" latinLnBrk="0" hangingPunct="1">
+              <a:lnSpc>
+                <a:spcPct val="90000"/>
+              </a:lnSpc>
+              <a:spcBef>
+                <a:spcPts val="500"/>
+              </a:spcBef>
+              <a:buFont typeface="Arial" panose="020B0604020202020204" pitchFamily="34" charset="0"/>
+              <a:buChar char="•"/>
+              <a:defRPr sz="1800" kern="1200">
+                <a:solidFill>
+                  <a:schemeClr val="tx1"/>
+                </a:solidFill>
+                <a:latin typeface="+mn-lt"/>
+                <a:ea typeface="+mn-ea"/>
+                <a:cs typeface="+mn-cs"/>
+              </a:defRPr>
+            </a:lvl7pPr>
+            <a:lvl8pPr marL="3429000" indent="-228600" algn="l" defTabSz="914400" rtl="0" eaLnBrk="1" latinLnBrk="0" hangingPunct="1">
+              <a:lnSpc>
+                <a:spcPct val="90000"/>
+              </a:lnSpc>
+              <a:spcBef>
+                <a:spcPts val="500"/>
+              </a:spcBef>
+              <a:buFont typeface="Arial" panose="020B0604020202020204" pitchFamily="34" charset="0"/>
+              <a:buChar char="•"/>
+              <a:defRPr sz="1800" kern="1200">
+                <a:solidFill>
+                  <a:schemeClr val="tx1"/>
+                </a:solidFill>
+                <a:latin typeface="+mn-lt"/>
+                <a:ea typeface="+mn-ea"/>
+                <a:cs typeface="+mn-cs"/>
+              </a:defRPr>
+            </a:lvl8pPr>
+            <a:lvl9pPr marL="3886200" indent="-228600" algn="l" defTabSz="914400" rtl="0" eaLnBrk="1" latinLnBrk="0" hangingPunct="1">
+              <a:lnSpc>
+                <a:spcPct val="90000"/>
+              </a:lnSpc>
+              <a:spcBef>
+                <a:spcPts val="500"/>
+              </a:spcBef>
+              <a:buFont typeface="Arial" panose="020B0604020202020204" pitchFamily="34" charset="0"/>
+              <a:buChar char="•"/>
+              <a:defRPr sz="1800" kern="1200">
+                <a:solidFill>
+                  <a:schemeClr val="tx1"/>
+                </a:solidFill>
+                <a:latin typeface="+mn-lt"/>
+                <a:ea typeface="+mn-ea"/>
+                <a:cs typeface="+mn-cs"/>
+              </a:defRPr>
+            </a:lvl9pPr>
+          </a:lstStyle>
+          <a:p>
+            <a:r>
+              <a:rPr lang="en-US" altLang="zh-CN"/>
+              <a:t>Linux</a:t>
+            </a:r>
+            <a:endParaRPr lang="en-US" altLang="zh-CN"/>
+          </a:p>
+          <a:p>
+            <a:pPr lvl="1"/>
+            <a:r>
+              <a:rPr lang="en-US" altLang="zh-CN"/>
+              <a:t>curl -sL https://deb.nodesource.com/setup_16.x | sudo bash -</a:t>
+            </a:r>
+            <a:endParaRPr lang="en-US" altLang="zh-CN"/>
+          </a:p>
+          <a:p>
+            <a:pPr lvl="0"/>
+            <a:r>
+              <a:rPr lang="en-US" altLang="zh-CN"/>
+              <a:t>npm</a:t>
+            </a:r>
+            <a:endParaRPr lang="en-US" altLang="zh-CN"/>
+          </a:p>
+          <a:p>
+            <a:pPr lvl="1"/>
+            <a:r>
+              <a:rPr lang="en-US" altLang="zh-CN"/>
+              <a:t>npm config set registry https://registry.npm.taobao.org</a:t>
+            </a:r>
+            <a:endParaRPr lang="en-US" altLang="zh-CN"/>
+          </a:p>
+          <a:p>
+            <a:pPr lvl="1"/>
+            <a:r>
+              <a:rPr lang="en-US" altLang="zh-CN"/>
+              <a:t>npm config get registry</a:t>
+            </a:r>
+            <a:endParaRPr lang="en-US" altLang="zh-CN"/>
           </a:p>
         </p:txBody>
       </p:sp>
@@ -7768,271 +10307,101 @@
           <a:p>
             <a:r>
               <a:rPr lang="en-US" altLang="zh-CN"/>
-              <a:t>main.js</a:t>
-            </a:r>
-            <a:endParaRPr lang="en-US" altLang="zh-CN"/>
-          </a:p>
-        </p:txBody>
-      </p:sp>
-      <p:sp>
-        <p:nvSpPr>
-          <p:cNvPr id="4" name="文本框 3"/>
-          <p:cNvSpPr txBox="1"/>
-          <p:nvPr/>
-        </p:nvSpPr>
-        <p:spPr>
-          <a:xfrm>
-            <a:off x="838200" y="1212215"/>
-            <a:ext cx="6219825" cy="5215890"/>
-          </a:xfrm>
-          <a:prstGeom prst="rect">
-            <a:avLst/>
-          </a:prstGeom>
-          <a:noFill/>
-          <a:ln>
-            <a:solidFill>
-              <a:srgbClr val="FFC000"/>
-            </a:solidFill>
-          </a:ln>
-        </p:spPr>
-        <p:txBody>
-          <a:bodyPr wrap="square" rtlCol="0">
-            <a:spAutoFit/>
-          </a:bodyPr>
-          <a:p>
-            <a:r>
-              <a:rPr lang="zh-CN" altLang="en-US" sz="900"/>
-              <a:t>const { app, BrowserWindow } = require('electron')</a:t>
-            </a:r>
-            <a:endParaRPr lang="zh-CN" altLang="en-US" sz="900"/>
-          </a:p>
-          <a:p>
-            <a:endParaRPr lang="zh-CN" altLang="en-US" sz="900"/>
-          </a:p>
-          <a:p>
-            <a:r>
-              <a:rPr lang="zh-CN" altLang="en-US" sz="900"/>
-              <a:t>function createWindow () {   </a:t>
-            </a:r>
-            <a:endParaRPr lang="zh-CN" altLang="en-US" sz="900"/>
-          </a:p>
-          <a:p>
-            <a:r>
-              <a:rPr lang="zh-CN" altLang="en-US" sz="900"/>
-              <a:t>  // 创建浏览器窗口</a:t>
-            </a:r>
-            <a:endParaRPr lang="zh-CN" altLang="en-US" sz="900"/>
-          </a:p>
-          <a:p>
-            <a:r>
-              <a:rPr lang="zh-CN" altLang="en-US" sz="900"/>
-              <a:t>  const win = new BrowserWindow({</a:t>
-            </a:r>
-            <a:endParaRPr lang="zh-CN" altLang="en-US" sz="900"/>
-          </a:p>
-          <a:p>
-            <a:r>
-              <a:rPr lang="zh-CN" altLang="en-US" sz="900"/>
-              <a:t>    width: 800,</a:t>
-            </a:r>
-            <a:endParaRPr lang="zh-CN" altLang="en-US" sz="900"/>
-          </a:p>
-          <a:p>
-            <a:r>
-              <a:rPr lang="zh-CN" altLang="en-US" sz="900"/>
-              <a:t>    height: 600,</a:t>
-            </a:r>
-            <a:endParaRPr lang="zh-CN" altLang="en-US" sz="900"/>
-          </a:p>
-          <a:p>
-            <a:r>
-              <a:rPr lang="zh-CN" altLang="en-US" sz="900"/>
-              <a:t>    webPreferences: {</a:t>
-            </a:r>
-            <a:endParaRPr lang="zh-CN" altLang="en-US" sz="900"/>
-          </a:p>
-          <a:p>
-            <a:r>
-              <a:rPr lang="zh-CN" altLang="en-US" sz="900"/>
-              <a:t>      nodeIntegration: true</a:t>
-            </a:r>
-            <a:endParaRPr lang="zh-CN" altLang="en-US" sz="900"/>
-          </a:p>
-          <a:p>
-            <a:r>
-              <a:rPr lang="zh-CN" altLang="en-US" sz="900"/>
-              <a:t>    }</a:t>
-            </a:r>
-            <a:endParaRPr lang="zh-CN" altLang="en-US" sz="900"/>
-          </a:p>
-          <a:p>
-            <a:r>
-              <a:rPr lang="zh-CN" altLang="en-US" sz="900"/>
-              <a:t>  })</a:t>
-            </a:r>
-            <a:endParaRPr lang="zh-CN" altLang="en-US" sz="900"/>
-          </a:p>
-          <a:p>
-            <a:endParaRPr lang="zh-CN" altLang="en-US" sz="900"/>
-          </a:p>
-          <a:p>
-            <a:r>
-              <a:rPr lang="zh-CN" altLang="en-US" sz="900"/>
-              <a:t>  // 并且为你的应用加载index.html</a:t>
-            </a:r>
-            <a:endParaRPr lang="zh-CN" altLang="en-US" sz="900"/>
-          </a:p>
-          <a:p>
-            <a:r>
-              <a:rPr lang="zh-CN" altLang="en-US" sz="900"/>
-              <a:t>  win.loadFile('index.html')</a:t>
-            </a:r>
-            <a:endParaRPr lang="zh-CN" altLang="en-US" sz="900"/>
-          </a:p>
-          <a:p>
-            <a:endParaRPr lang="zh-CN" altLang="en-US" sz="900"/>
-          </a:p>
-          <a:p>
-            <a:r>
-              <a:rPr lang="zh-CN" altLang="en-US" sz="900"/>
-              <a:t>  // 打开开发者工具</a:t>
-            </a:r>
-            <a:endParaRPr lang="zh-CN" altLang="en-US" sz="900"/>
-          </a:p>
-          <a:p>
-            <a:r>
-              <a:rPr lang="zh-CN" altLang="en-US" sz="900"/>
-              <a:t>  win.webContents.openDevTools()</a:t>
-            </a:r>
-            <a:endParaRPr lang="zh-CN" altLang="en-US" sz="900"/>
-          </a:p>
-          <a:p>
-            <a:r>
-              <a:rPr lang="zh-CN" altLang="en-US" sz="900"/>
-              <a:t>}</a:t>
-            </a:r>
-            <a:endParaRPr lang="zh-CN" altLang="en-US" sz="900"/>
-          </a:p>
-          <a:p>
-            <a:endParaRPr lang="zh-CN" altLang="en-US" sz="900"/>
-          </a:p>
-          <a:p>
-            <a:r>
-              <a:rPr lang="zh-CN" altLang="en-US" sz="900"/>
-              <a:t>app.whenReady().then(createWindow)</a:t>
-            </a:r>
-            <a:endParaRPr lang="zh-CN" altLang="en-US" sz="900"/>
-          </a:p>
-          <a:p>
-            <a:endParaRPr lang="zh-CN" altLang="en-US" sz="900"/>
-          </a:p>
-          <a:p>
-            <a:r>
-              <a:rPr lang="zh-CN" altLang="en-US" sz="900"/>
-              <a:t>// Quit when all windows are closed, except on macOS. There, it's common</a:t>
-            </a:r>
-            <a:endParaRPr lang="zh-CN" altLang="en-US" sz="900"/>
-          </a:p>
-          <a:p>
-            <a:r>
-              <a:rPr lang="zh-CN" altLang="en-US" sz="900"/>
-              <a:t>// for applications and their menu bar to stay active until the user quits</a:t>
-            </a:r>
-            <a:endParaRPr lang="zh-CN" altLang="en-US" sz="900"/>
-          </a:p>
-          <a:p>
-            <a:r>
-              <a:rPr lang="zh-CN" altLang="en-US" sz="900"/>
-              <a:t>// explicitly with Cmd + Q.</a:t>
-            </a:r>
-            <a:endParaRPr lang="zh-CN" altLang="en-US" sz="900"/>
-          </a:p>
-          <a:p>
-            <a:r>
-              <a:rPr lang="zh-CN" altLang="en-US" sz="900"/>
-              <a:t>app.on('window-all-closed', () =&gt; {</a:t>
-            </a:r>
-            <a:endParaRPr lang="zh-CN" altLang="en-US" sz="900"/>
-          </a:p>
-          <a:p>
-            <a:r>
-              <a:rPr lang="zh-CN" altLang="en-US" sz="900"/>
-              <a:t>  if (process.platform !== 'darwin') {</a:t>
-            </a:r>
-            <a:endParaRPr lang="zh-CN" altLang="en-US" sz="900"/>
-          </a:p>
-          <a:p>
-            <a:r>
-              <a:rPr lang="zh-CN" altLang="en-US" sz="900"/>
-              <a:t>    app.quit()</a:t>
-            </a:r>
-            <a:endParaRPr lang="zh-CN" altLang="en-US" sz="900"/>
-          </a:p>
-          <a:p>
-            <a:r>
-              <a:rPr lang="zh-CN" altLang="en-US" sz="900"/>
-              <a:t>  }</a:t>
-            </a:r>
-            <a:endParaRPr lang="zh-CN" altLang="en-US" sz="900"/>
-          </a:p>
-          <a:p>
-            <a:r>
-              <a:rPr lang="zh-CN" altLang="en-US" sz="900"/>
-              <a:t>})</a:t>
-            </a:r>
-            <a:endParaRPr lang="zh-CN" altLang="en-US" sz="900"/>
-          </a:p>
-          <a:p>
-            <a:endParaRPr lang="zh-CN" altLang="en-US" sz="900"/>
-          </a:p>
-          <a:p>
-            <a:r>
-              <a:rPr lang="zh-CN" altLang="en-US" sz="900"/>
-              <a:t>app.on('activate', () =&gt; {</a:t>
-            </a:r>
-            <a:endParaRPr lang="zh-CN" altLang="en-US" sz="900"/>
-          </a:p>
-          <a:p>
-            <a:r>
-              <a:rPr lang="zh-CN" altLang="en-US" sz="900"/>
-              <a:t>  // On macOS it's common to re-create a window in the app when the</a:t>
-            </a:r>
-            <a:endParaRPr lang="zh-CN" altLang="en-US" sz="900"/>
-          </a:p>
-          <a:p>
-            <a:r>
-              <a:rPr lang="zh-CN" altLang="en-US" sz="900"/>
-              <a:t>  // dock icon is clicked and there are no other windows open.</a:t>
-            </a:r>
-            <a:endParaRPr lang="zh-CN" altLang="en-US" sz="900"/>
-          </a:p>
-          <a:p>
-            <a:r>
-              <a:rPr lang="zh-CN" altLang="en-US" sz="900"/>
-              <a:t>  if (BrowserWindow.getAllWindows().length === 0) {</a:t>
-            </a:r>
-            <a:endParaRPr lang="zh-CN" altLang="en-US" sz="900"/>
-          </a:p>
-          <a:p>
-            <a:r>
-              <a:rPr lang="zh-CN" altLang="en-US" sz="900"/>
-              <a:t>    createWindow()</a:t>
-            </a:r>
-            <a:endParaRPr lang="zh-CN" altLang="en-US" sz="900"/>
-          </a:p>
-          <a:p>
-            <a:r>
-              <a:rPr lang="zh-CN" altLang="en-US" sz="900"/>
-              <a:t>  }</a:t>
-            </a:r>
-            <a:endParaRPr lang="zh-CN" altLang="en-US" sz="900"/>
-          </a:p>
-          <a:p>
-            <a:r>
-              <a:rPr lang="zh-CN" altLang="en-US" sz="900"/>
-              <a:t>})</a:t>
-            </a:r>
-            <a:endParaRPr lang="zh-CN" altLang="en-US" sz="900"/>
+              <a:t>Install Using Electron Forge</a:t>
+            </a:r>
+            <a:endParaRPr lang="en-US" altLang="zh-CN"/>
+          </a:p>
+        </p:txBody>
+      </p:sp>
+      <p:sp>
+        <p:nvSpPr>
+          <p:cNvPr id="3" name="内容占位符 2"/>
+          <p:cNvSpPr>
+            <a:spLocks noGrp="1"/>
+          </p:cNvSpPr>
+          <p:nvPr>
+            <p:ph idx="1"/>
+          </p:nvPr>
+        </p:nvSpPr>
+        <p:spPr/>
+        <p:txBody>
+          <a:bodyPr/>
+          <a:p>
+            <a:r>
+              <a:rPr lang="en-US" altLang="zh-CN"/>
+              <a:t>References</a:t>
+            </a:r>
+            <a:endParaRPr lang="en-US" altLang="zh-CN"/>
+          </a:p>
+          <a:p>
+            <a:pPr lvl="1"/>
+            <a:r>
+              <a:rPr lang="en-US" altLang="zh-CN"/>
+              <a:t>https://www.electronforge.io/#getting-started</a:t>
+            </a:r>
+            <a:endParaRPr lang="en-US" altLang="zh-CN"/>
+          </a:p>
+          <a:p>
+            <a:r>
+              <a:rPr lang="en-US" altLang="zh-CN"/>
+              <a:t>Steps</a:t>
+            </a:r>
+            <a:endParaRPr lang="en-US" altLang="zh-CN"/>
+          </a:p>
+          <a:p>
+            <a:pPr lvl="1"/>
+            <a:r>
+              <a:rPr lang="en-US" altLang="zh-CN"/>
+              <a:t>yarn create electron-app my-app --template=webpack</a:t>
+            </a:r>
+            <a:endParaRPr lang="en-US" altLang="zh-CN"/>
+          </a:p>
+          <a:p>
+            <a:r>
+              <a:rPr lang="en-US" altLang="zh-CN"/>
+              <a:t>Steps 2</a:t>
+            </a:r>
+            <a:endParaRPr lang="en-US" altLang="zh-CN"/>
+          </a:p>
+          <a:p>
+            <a:pPr lvl="1"/>
+            <a:r>
+              <a:rPr lang="en-US" altLang="zh-CN"/>
+              <a:t>yarn global add @vue/cli</a:t>
+            </a:r>
+            <a:endParaRPr lang="en-US" altLang="zh-CN"/>
+          </a:p>
+          <a:p>
+            <a:pPr lvl="1"/>
+            <a:r>
+              <a:rPr lang="en-US" altLang="zh-CN"/>
+              <a:t>vue create {myproject}</a:t>
+            </a:r>
+            <a:endParaRPr lang="en-US" altLang="zh-CN"/>
+          </a:p>
+          <a:p>
+            <a:pPr lvl="1"/>
+            <a:r>
+              <a:rPr lang="en-US" altLang="zh-CN"/>
+              <a:t>cd myproject</a:t>
+            </a:r>
+            <a:endParaRPr lang="en-US" altLang="zh-CN"/>
+          </a:p>
+          <a:p>
+            <a:pPr lvl="1"/>
+            <a:r>
+              <a:rPr lang="en-US" altLang="zh-CN"/>
+              <a:t>vue add electron-builder</a:t>
+            </a:r>
+            <a:endParaRPr lang="en-US" altLang="zh-CN"/>
+          </a:p>
+          <a:p>
+            <a:pPr lvl="1"/>
+            <a:r>
+              <a:rPr lang="en-US" altLang="zh-CN"/>
+              <a:t>yarn electron:serve</a:t>
+            </a:r>
+            <a:endParaRPr lang="en-US" altLang="zh-CN"/>
           </a:p>
         </p:txBody>
       </p:sp>
@@ -8073,7 +10442,7 @@
           <a:p>
             <a:r>
               <a:rPr lang="en-US" altLang="zh-CN"/>
-              <a:t>Build On Windows</a:t>
+              <a:t>Install 2</a:t>
             </a:r>
             <a:endParaRPr lang="en-US" altLang="zh-CN"/>
           </a:p>
@@ -8094,13 +10463,58 @@
           <a:bodyPr/>
           <a:p>
             <a:r>
-              <a:rPr lang="zh-CN" altLang="en-US"/>
-              <a:t>https://www.electronjs.org/docs/development/build-instructions-windows</a:t>
-            </a:r>
-            <a:endParaRPr lang="zh-CN" altLang="en-US"/>
-          </a:p>
-          <a:p>
-            <a:endParaRPr lang="zh-CN" altLang="en-US"/>
+              <a:rPr lang="en-US" altLang="zh-CN"/>
+              <a:t>References</a:t>
+            </a:r>
+            <a:endParaRPr lang="en-US" altLang="zh-CN"/>
+          </a:p>
+          <a:p>
+            <a:pPr lvl="1"/>
+            <a:r>
+              <a:rPr lang="en-US" altLang="zh-CN"/>
+              <a:t>https://blog.logrocket.com/building-app-electron-vue/</a:t>
+            </a:r>
+            <a:endParaRPr lang="en-US" altLang="zh-CN"/>
+          </a:p>
+          <a:p>
+            <a:pPr lvl="0"/>
+            <a:r>
+              <a:rPr lang="en-US" altLang="zh-CN"/>
+              <a:t>Steps</a:t>
+            </a:r>
+            <a:endParaRPr lang="en-US" altLang="zh-CN"/>
+          </a:p>
+          <a:p>
+            <a:pPr lvl="1"/>
+            <a:r>
+              <a:rPr lang="en-US" altLang="zh-CN"/>
+              <a:t>npm install -g @vue/cli</a:t>
+            </a:r>
+            <a:endParaRPr lang="en-US" altLang="zh-CN"/>
+          </a:p>
+          <a:p>
+            <a:pPr lvl="1"/>
+            <a:r>
+              <a:rPr lang="en-US" altLang="zh-CN"/>
+              <a:t>vue create vue-desktop</a:t>
+            </a:r>
+            <a:endParaRPr lang="en-US" altLang="zh-CN"/>
+          </a:p>
+          <a:p>
+            <a:pPr lvl="1"/>
+            <a:r>
+              <a:rPr lang="en-US" altLang="zh-CN"/>
+              <a:t>vue add electron-builder</a:t>
+            </a:r>
+            <a:endParaRPr lang="en-US" altLang="zh-CN"/>
+          </a:p>
+          <a:p>
+            <a:pPr lvl="1"/>
+            <a:r>
+              <a:rPr lang="en-US" altLang="zh-CN"/>
+              <a:t>npm run electron:serve</a:t>
+            </a:r>
+            <a:endParaRPr lang="en-US" altLang="zh-CN"/>
           </a:p>
         </p:txBody>
       </p:sp>
@@ -8141,7 +10555,7 @@
           <a:p>
             <a:r>
               <a:rPr lang="en-US" altLang="zh-CN"/>
-              <a:t>Deployment</a:t>
+              <a:t>Electron Forge</a:t>
             </a:r>
             <a:endParaRPr lang="en-US" altLang="zh-CN"/>
           </a:p>
@@ -8163,58 +10577,63 @@
           <a:p>
             <a:r>
               <a:rPr lang="en-US" altLang="zh-CN"/>
-              <a:t>icon</a:t>
-            </a:r>
-            <a:endParaRPr lang="en-US" altLang="zh-CN"/>
-          </a:p>
-          <a:p>
-            <a:pPr lvl="1"/>
-            <a:r>
-              <a:rPr lang="en-US" altLang="zh-CN" sz="2000"/>
-              <a:t>Modify </a:t>
-            </a:r>
-            <a:r>
-              <a:rPr lang="en-US" altLang="zh-CN"/>
-              <a:t>package.json</a:t>
-            </a:r>
-            <a:endParaRPr lang="en-US" altLang="zh-CN"/>
-          </a:p>
-          <a:p>
-            <a:endParaRPr lang="en-US" altLang="zh-CN"/>
-          </a:p>
-        </p:txBody>
-      </p:sp>
-      <p:pic>
-        <p:nvPicPr>
-          <p:cNvPr id="4" name="图片 3"/>
-          <p:cNvPicPr>
-            <a:picLocks noChangeAspect="1"/>
-          </p:cNvPicPr>
-          <p:nvPr>
-            <p:custDataLst>
-              <p:tags r:id="rId1"/>
-            </p:custDataLst>
-          </p:nvPr>
-        </p:nvPicPr>
-        <p:blipFill>
-          <a:blip r:embed="rId2"/>
-          <a:stretch>
-            <a:fillRect/>
-          </a:stretch>
-        </p:blipFill>
-        <p:spPr>
-          <a:xfrm>
-            <a:off x="5839460" y="1211580"/>
-            <a:ext cx="3981450" cy="2190750"/>
-          </a:xfrm>
-          <a:prstGeom prst="rect">
-            <a:avLst/>
-          </a:prstGeom>
-        </p:spPr>
-      </p:pic>
+              <a:t>References</a:t>
+            </a:r>
+            <a:endParaRPr lang="en-US" altLang="zh-CN"/>
+          </a:p>
+          <a:p>
+            <a:pPr lvl="1"/>
+            <a:r>
+              <a:rPr lang="en-US" altLang="zh-CN"/>
+              <a:t>https://github.com/electron-userland/electron-forge</a:t>
+            </a:r>
+            <a:endParaRPr lang="en-US" altLang="zh-CN"/>
+          </a:p>
+          <a:p>
+            <a:pPr lvl="0"/>
+            <a:r>
+              <a:rPr lang="en-US" altLang="zh-CN"/>
+              <a:t>Steps</a:t>
+            </a:r>
+            <a:endParaRPr lang="en-US" altLang="zh-CN"/>
+          </a:p>
+          <a:p>
+            <a:pPr lvl="1"/>
+            <a:r>
+              <a:rPr lang="en-US" altLang="zh-CN"/>
+              <a:t>npm install -g electron-forge</a:t>
+            </a:r>
+            <a:endParaRPr lang="en-US" altLang="zh-CN"/>
+          </a:p>
+          <a:p>
+            <a:pPr lvl="1"/>
+            <a:r>
+              <a:rPr lang="en-US" altLang="zh-CN"/>
+              <a:t>yarn create electron-app my-new-app</a:t>
+            </a:r>
+            <a:endParaRPr lang="en-US" altLang="zh-CN"/>
+          </a:p>
+          <a:p>
+            <a:pPr lvl="1"/>
+            <a:r>
+              <a:rPr lang="en-US" altLang="zh-CN"/>
+              <a:t>cd my-new-app</a:t>
+            </a:r>
+            <a:endParaRPr lang="en-US" altLang="zh-CN"/>
+          </a:p>
+          <a:p>
+            <a:pPr lvl="1"/>
+            <a:r>
+              <a:rPr lang="en-US" altLang="zh-CN"/>
+              <a:t>npm start</a:t>
+            </a:r>
+            <a:endParaRPr lang="en-US" altLang="zh-CN"/>
+          </a:p>
+        </p:txBody>
+      </p:sp>
     </p:spTree>
     <p:custDataLst>
-      <p:tags r:id="rId3"/>
+      <p:tags r:id="rId1"/>
     </p:custDataLst>
   </p:cSld>
   <p:clrMapOvr>
@@ -8249,7 +10668,7 @@
           <a:p>
             <a:r>
               <a:rPr lang="en-US" altLang="zh-CN"/>
-              <a:t>Debug</a:t>
+              <a:t>Create Application</a:t>
             </a:r>
             <a:endParaRPr lang="en-US" altLang="zh-CN"/>
           </a:p>
@@ -8264,142 +10683,226 @@
           <p:nvPr>
             <p:ph idx="1"/>
           </p:nvPr>
+        </p:nvSpPr>
+        <p:spPr/>
+        <p:txBody>
+          <a:bodyPr/>
+          <a:p>
+            <a:r>
+              <a:rPr lang="en-US" altLang="zh-CN"/>
+              <a:t>Steps</a:t>
+            </a:r>
+            <a:endParaRPr lang="en-US" altLang="zh-CN"/>
+          </a:p>
+          <a:p>
+            <a:pPr lvl="1"/>
+            <a:r>
+              <a:rPr lang="en-US" altLang="zh-CN"/>
+              <a:t>npm init -y</a:t>
+            </a:r>
+            <a:endParaRPr lang="en-US" altLang="zh-CN"/>
+          </a:p>
+          <a:p>
+            <a:pPr lvl="2"/>
+            <a:r>
+              <a:rPr lang="en-US" altLang="zh-CN" sz="1800"/>
+              <a:t>Initialize npm</a:t>
+            </a:r>
+            <a:endParaRPr lang="en-US" altLang="zh-CN"/>
+          </a:p>
+          <a:p>
+            <a:pPr lvl="2"/>
+            <a:r>
+              <a:rPr lang="en-US" altLang="zh-CN"/>
+              <a:t>package.json was created as the result</a:t>
+            </a:r>
+            <a:endParaRPr lang="en-US" altLang="zh-CN"/>
+          </a:p>
+          <a:p>
+            <a:pPr lvl="1"/>
+            <a:r>
+              <a:rPr lang="en-US" altLang="zh-CN" sz="2000"/>
+              <a:t>npm install electron@latest --save-dev</a:t>
+            </a:r>
+            <a:endParaRPr lang="en-US" altLang="zh-CN" sz="2000"/>
+          </a:p>
+          <a:p>
+            <a:pPr lvl="2"/>
+            <a:r>
+              <a:rPr lang="en-US" altLang="zh-CN" sz="1800"/>
+              <a:t>Install electron locally</a:t>
+            </a:r>
+            <a:endParaRPr lang="en-US" altLang="zh-CN" sz="1800"/>
+          </a:p>
+          <a:p>
+            <a:pPr lvl="1"/>
+            <a:r>
+              <a:rPr lang="en-US" altLang="zh-CN" sz="2000"/>
+              <a:t>touch index.js</a:t>
+            </a:r>
+            <a:endParaRPr lang="en-US" altLang="zh-CN" sz="2000"/>
+          </a:p>
+          <a:p>
+            <a:pPr lvl="1"/>
+            <a:r>
+              <a:rPr lang="en-US" altLang="zh-CN" sz="2000"/>
+              <a:t>npx electron index.js</a:t>
+            </a:r>
+            <a:endParaRPr lang="en-US" altLang="zh-CN"/>
+          </a:p>
+          <a:p>
+            <a:pPr lvl="0"/>
+            <a:r>
+              <a:rPr lang="en-US" altLang="zh-CN"/>
+              <a:t>Launch application</a:t>
+            </a:r>
+            <a:endParaRPr lang="en-US" altLang="zh-CN"/>
+          </a:p>
+          <a:p>
+            <a:pPr lvl="1"/>
+            <a:r>
+              <a:rPr lang="en-US" altLang="zh-CN"/>
+              <a:t>npm start</a:t>
+            </a:r>
+            <a:endParaRPr lang="en-US" altLang="zh-CN"/>
+          </a:p>
+        </p:txBody>
+      </p:sp>
+      <p:sp>
+        <p:nvSpPr>
+          <p:cNvPr id="5" name="文本框 4"/>
+          <p:cNvSpPr txBox="1"/>
+          <p:nvPr/>
         </p:nvSpPr>
         <p:spPr>
           <a:xfrm>
-            <a:off x="838200" y="1211580"/>
-            <a:ext cx="10515600" cy="5043805"/>
+            <a:off x="7183755" y="1343025"/>
+            <a:ext cx="3637915" cy="1198880"/>
           </a:xfrm>
+          <a:prstGeom prst="rect">
+            <a:avLst/>
+          </a:prstGeom>
+          <a:noFill/>
+          <a:ln>
+            <a:solidFill>
+              <a:srgbClr val="FFC000"/>
+            </a:solidFill>
+          </a:ln>
         </p:spPr>
         <p:txBody>
-          <a:bodyPr>
-            <a:normAutofit fontScale="90000" lnSpcReduction="10000"/>
+          <a:bodyPr wrap="square" rtlCol="0">
+            <a:spAutoFit/>
           </a:bodyPr>
           <a:p>
             <a:r>
-              <a:rPr lang="en-US" altLang="zh-CN"/>
-              <a:t>Ctrl+Shift+i</a:t>
-            </a:r>
-            <a:endParaRPr lang="en-US" altLang="zh-CN"/>
-          </a:p>
-          <a:p>
-            <a:pPr lvl="1"/>
-            <a:r>
-              <a:rPr lang="en-US" altLang="zh-CN" sz="2000"/>
-              <a:t>toggle Chrome DevTools</a:t>
-            </a:r>
-            <a:endParaRPr lang="en-US" altLang="zh-CN" sz="2000"/>
-          </a:p>
-          <a:p>
-            <a:pPr lvl="0"/>
-            <a:r>
-              <a:rPr lang="en-US" altLang="zh-CN" sz="2400"/>
-              <a:t>Crl+r</a:t>
-            </a:r>
-            <a:endParaRPr lang="en-US" altLang="zh-CN" sz="2400"/>
-          </a:p>
-          <a:p>
-            <a:pPr lvl="1"/>
-            <a:r>
-              <a:rPr lang="en-US" altLang="zh-CN" sz="2000"/>
-              <a:t>reload window</a:t>
+              <a:rPr lang="zh-CN" altLang="en-US"/>
+              <a:t>your-app/</a:t>
             </a:r>
             <a:endParaRPr lang="zh-CN" altLang="en-US"/>
           </a:p>
           <a:p>
             <a:r>
               <a:rPr lang="zh-CN" altLang="en-US"/>
-              <a:t>https://www.npmjs.com/package/electron-log</a:t>
+              <a:t>├── package.json</a:t>
             </a:r>
             <a:endParaRPr lang="zh-CN" altLang="en-US"/>
           </a:p>
           <a:p>
-            <a:pPr lvl="1"/>
-            <a:r>
-              <a:rPr lang="en-US" altLang="zh-CN"/>
-              <a:t>npm i electron-log</a:t>
-            </a:r>
-            <a:endParaRPr lang="en-US" altLang="zh-CN"/>
-          </a:p>
-          <a:p>
-            <a:pPr lvl="1"/>
-            <a:r>
-              <a:rPr lang="en-US" altLang="zh-CN"/>
-              <a:t>log file</a:t>
-            </a:r>
-            <a:endParaRPr lang="en-US" altLang="zh-CN"/>
-          </a:p>
-          <a:p>
-            <a:pPr lvl="2"/>
-            <a:r>
-              <a:rPr lang="en-US" altLang="zh-CN" sz="1800"/>
-              <a:t>Windows: %USERPROFILE%\AppData\Roaming\{app name}\logs\{process type}.log</a:t>
-            </a:r>
-            <a:endParaRPr lang="en-US" altLang="zh-CN" sz="1800"/>
-          </a:p>
-          <a:p>
-            <a:pPr lvl="2"/>
-            <a:r>
-              <a:rPr lang="en-US" altLang="zh-CN" sz="1800"/>
-              <a:t>Linux: ~/.config/{app name}/logs/{process type}.log</a:t>
-            </a:r>
-            <a:endParaRPr lang="en-US" altLang="zh-CN" sz="1800"/>
-          </a:p>
-          <a:p>
-            <a:pPr lvl="2"/>
-            <a:r>
-              <a:rPr lang="en-US" altLang="zh-CN" sz="1800"/>
-              <a:t>Mac: ~/Library/Logs/{app name}/{process type}.log</a:t>
-            </a:r>
-            <a:endParaRPr lang="en-US" altLang="zh-CN" sz="1800"/>
-          </a:p>
-          <a:p>
-            <a:pPr lvl="1"/>
-            <a:r>
-              <a:rPr lang="en-US" altLang="zh-CN"/>
-              <a:t>log levels</a:t>
-            </a:r>
-            <a:endParaRPr lang="en-US" altLang="zh-CN"/>
-          </a:p>
-          <a:p>
-            <a:pPr lvl="2"/>
-            <a:r>
-              <a:rPr lang="en-US" altLang="zh-CN" sz="1800"/>
-              <a:t>error, warn, info, verbose, debug, silly</a:t>
-            </a:r>
-            <a:endParaRPr lang="en-US" altLang="zh-CN"/>
-          </a:p>
-          <a:p>
-            <a:pPr lvl="1"/>
-            <a:r>
-              <a:rPr lang="en-US" altLang="zh-CN"/>
-              <a:t>example</a:t>
-            </a:r>
-            <a:endParaRPr lang="en-US" altLang="zh-CN"/>
-          </a:p>
-          <a:p>
-            <a:pPr lvl="2"/>
-            <a:r>
-              <a:rPr lang="en-US" altLang="zh-CN"/>
-              <a:t>const log = require('electron-log')</a:t>
-            </a:r>
-            <a:endParaRPr lang="en-US" altLang="zh-CN"/>
-          </a:p>
-          <a:p>
-            <a:pPr lvl="2"/>
-            <a:r>
-              <a:rPr lang="en-US" altLang="zh-CN"/>
-              <a:t>log.info('Info')</a:t>
-            </a:r>
-            <a:endParaRPr lang="en-US" altLang="zh-CN"/>
-          </a:p>
-          <a:p>
-            <a:pPr lvl="2"/>
-            <a:r>
-              <a:rPr lang="en-US" altLang="zh-CN"/>
-              <a:t>log.warn('Warning')</a:t>
-            </a:r>
-            <a:endParaRPr lang="en-US" altLang="zh-CN"/>
+            <a:r>
+              <a:rPr lang="zh-CN" altLang="en-US"/>
+              <a:t>├── main.js</a:t>
+            </a:r>
+            <a:endParaRPr lang="zh-CN" altLang="en-US"/>
+          </a:p>
+          <a:p>
+            <a:r>
+              <a:rPr lang="zh-CN" altLang="en-US"/>
+              <a:t>└── index.html</a:t>
+            </a:r>
+            <a:endParaRPr lang="zh-CN" altLang="en-US"/>
+          </a:p>
+        </p:txBody>
+      </p:sp>
+      <p:sp>
+        <p:nvSpPr>
+          <p:cNvPr id="6" name="文本框 5"/>
+          <p:cNvSpPr txBox="1"/>
+          <p:nvPr/>
+        </p:nvSpPr>
+        <p:spPr>
+          <a:xfrm>
+            <a:off x="7183755" y="2748280"/>
+            <a:ext cx="3703320" cy="2306955"/>
+          </a:xfrm>
+          <a:prstGeom prst="rect">
+            <a:avLst/>
+          </a:prstGeom>
+          <a:noFill/>
+          <a:ln>
+            <a:solidFill>
+              <a:srgbClr val="FFC000"/>
+            </a:solidFill>
+          </a:ln>
+        </p:spPr>
+        <p:txBody>
+          <a:bodyPr wrap="square" rtlCol="0">
+            <a:spAutoFit/>
+          </a:bodyPr>
+          <a:p>
+            <a:r>
+              <a:rPr lang="zh-CN" altLang="en-US"/>
+              <a:t>{</a:t>
+            </a:r>
+            <a:endParaRPr lang="zh-CN" altLang="en-US"/>
+          </a:p>
+          <a:p>
+            <a:r>
+              <a:rPr lang="zh-CN" altLang="en-US"/>
+              <a:t>  "name": "your-app",</a:t>
+            </a:r>
+            <a:endParaRPr lang="zh-CN" altLang="en-US"/>
+          </a:p>
+          <a:p>
+            <a:r>
+              <a:rPr lang="zh-CN" altLang="en-US"/>
+              <a:t>  "version": "0.1.0",</a:t>
+            </a:r>
+            <a:endParaRPr lang="zh-CN" altLang="en-US"/>
+          </a:p>
+          <a:p>
+            <a:r>
+              <a:rPr lang="zh-CN" altLang="en-US"/>
+              <a:t>  "main": "main.js"，</a:t>
+            </a:r>
+            <a:endParaRPr lang="zh-CN" altLang="en-US"/>
+          </a:p>
+          <a:p>
+            <a:r>
+              <a:rPr lang="zh-CN" altLang="en-US"/>
+              <a:t>  "scripts": {</a:t>
+            </a:r>
+            <a:endParaRPr lang="zh-CN" altLang="en-US"/>
+          </a:p>
+          <a:p>
+            <a:r>
+              <a:rPr lang="zh-CN" altLang="en-US"/>
+              <a:t>    "start": "electron ."</a:t>
+            </a:r>
+            <a:endParaRPr lang="zh-CN" altLang="en-US"/>
+          </a:p>
+          <a:p>
+            <a:r>
+              <a:rPr lang="zh-CN" altLang="en-US"/>
+              <a:t>  }</a:t>
+            </a:r>
+            <a:endParaRPr lang="zh-CN" altLang="en-US"/>
+          </a:p>
+          <a:p>
+            <a:r>
+              <a:rPr lang="zh-CN" altLang="en-US"/>
+              <a:t>}</a:t>
+            </a:r>
+            <a:endParaRPr lang="zh-CN" altLang="en-US"/>
           </a:p>
         </p:txBody>
       </p:sp>
@@ -8448,7 +10951,9 @@
 
 <file path=ppt/tags/tag13.xml><?xml version="1.0" encoding="utf-8"?>
 <p:tagLst xmlns:p="http://schemas.openxmlformats.org/presentationml/2006/main">
-  <p:tag name="KSO_WM_UNIT_PLACING_PICTURE_USER_VIEWPORT" val="{&quot;height&quot;:3450,&quot;width&quot;:6270}"/>
+  <p:tag name="KSO_WM_BEAUTIFY_FLAG" val="#wm#"/>
+  <p:tag name="KSO_WM_TEMPLATE_CATEGORY" val="custom"/>
+  <p:tag name="KSO_WM_TEMPLATE_INDEX" val="160402"/>
 </p:tagLst>
 </file>
 
@@ -8478,9 +10983,7 @@
 
 <file path=ppt/tags/tag17.xml><?xml version="1.0" encoding="utf-8"?>
 <p:tagLst xmlns:p="http://schemas.openxmlformats.org/presentationml/2006/main">
-  <p:tag name="KSO_WM_BEAUTIFY_FLAG" val="#wm#"/>
-  <p:tag name="KSO_WM_TEMPLATE_CATEGORY" val="custom"/>
-  <p:tag name="KSO_WM_TEMPLATE_INDEX" val="160402"/>
+  <p:tag name="KSO_WM_UNIT_PLACING_PICTURE_USER_VIEWPORT" val="{&quot;height&quot;:3450,&quot;width&quot;:6270}"/>
 </p:tagLst>
 </file>
 
@@ -8534,7 +11037,9 @@
 
 <file path=ppt/tags/tag23.xml><?xml version="1.0" encoding="utf-8"?>
 <p:tagLst xmlns:p="http://schemas.openxmlformats.org/presentationml/2006/main">
-  <p:tag name="KSO_WM_UNIT_PLACING_PICTURE_USER_VIEWPORT" val="{&quot;height&quot;:7164,&quot;width&quot;:9554}"/>
+  <p:tag name="KSO_WM_BEAUTIFY_FLAG" val="#wm#"/>
+  <p:tag name="KSO_WM_TEMPLATE_CATEGORY" val="custom"/>
+  <p:tag name="KSO_WM_TEMPLATE_INDEX" val="160402"/>
 </p:tagLst>
 </file>
 
@@ -8564,9 +11069,7 @@
 
 <file path=ppt/tags/tag27.xml><?xml version="1.0" encoding="utf-8"?>
 <p:tagLst xmlns:p="http://schemas.openxmlformats.org/presentationml/2006/main">
-  <p:tag name="KSO_WM_BEAUTIFY_FLAG" val="#wm#"/>
-  <p:tag name="KSO_WM_TEMPLATE_CATEGORY" val="custom"/>
-  <p:tag name="KSO_WM_TEMPLATE_INDEX" val="160402"/>
+  <p:tag name="KSO_WM_UNIT_PLACING_PICTURE_USER_VIEWPORT" val="{&quot;height&quot;:7164,&quot;width&quot;:9554}"/>
 </p:tagLst>
 </file>
 
@@ -8638,60 +11141,41 @@
 
 <file path=ppt/tags/tag35.xml><?xml version="1.0" encoding="utf-8"?>
 <p:tagLst xmlns:p="http://schemas.openxmlformats.org/presentationml/2006/main">
-  <p:tag name="KSO_WM_TAG_VERSION" val="1.0"/>
   <p:tag name="KSO_WM_BEAUTIFY_FLAG" val="#wm#"/>
   <p:tag name="KSO_WM_TEMPLATE_CATEGORY" val="custom"/>
   <p:tag name="KSO_WM_TEMPLATE_INDEX" val="160402"/>
-  <p:tag name="KSO_WM_UNIT_TYPE" val="a"/>
-  <p:tag name="KSO_WM_UNIT_INDEX" val="1"/>
-  <p:tag name="KSO_WM_UNIT_ID" val="custom160402_28*a*1"/>
-  <p:tag name="KSO_WM_UNIT_CLEAR" val="1"/>
-  <p:tag name="KSO_WM_UNIT_LAYERLEVEL" val="1"/>
-  <p:tag name="KSO_WM_UNIT_VALUE" val="6"/>
-  <p:tag name="KSO_WM_UNIT_ISCONTENTSTITLE" val="0"/>
-  <p:tag name="KSO_WM_UNIT_HIGHLIGHT" val="0"/>
-  <p:tag name="KSO_WM_UNIT_COMPATIBLE" val="0"/>
-  <p:tag name="KSO_WM_UNIT_PRESET_TEXT" val="THANKS"/>
 </p:tagLst>
 </file>
 
 <file path=ppt/tags/tag36.xml><?xml version="1.0" encoding="utf-8"?>
 <p:tagLst xmlns:p="http://schemas.openxmlformats.org/presentationml/2006/main">
-  <p:tag name="KSO_WM_TAG_VERSION" val="1.0"/>
   <p:tag name="KSO_WM_BEAUTIFY_FLAG" val="#wm#"/>
   <p:tag name="KSO_WM_TEMPLATE_CATEGORY" val="custom"/>
   <p:tag name="KSO_WM_TEMPLATE_INDEX" val="160402"/>
-  <p:tag name="KSO_WM_UNIT_TYPE" val="b"/>
-  <p:tag name="KSO_WM_UNIT_INDEX" val="1"/>
-  <p:tag name="KSO_WM_UNIT_ID" val="custom160402_28*b*1"/>
-  <p:tag name="KSO_WM_UNIT_CLEAR" val="1"/>
-  <p:tag name="KSO_WM_UNIT_LAYERLEVEL" val="1"/>
-  <p:tag name="KSO_WM_UNIT_VALUE" val="28"/>
-  <p:tag name="KSO_WM_UNIT_ISCONTENTSTITLE" val="0"/>
-  <p:tag name="KSO_WM_UNIT_HIGHLIGHT" val="0"/>
-  <p:tag name="KSO_WM_UNIT_COMPATIBLE" val="0"/>
-  <p:tag name="KSO_WM_UNIT_PRESET_TEXT" val="谢谢聆听"/>
 </p:tagLst>
 </file>
 
 <file path=ppt/tags/tag37.xml><?xml version="1.0" encoding="utf-8"?>
 <p:tagLst xmlns:p="http://schemas.openxmlformats.org/presentationml/2006/main">
+  <p:tag name="KSO_WM_BEAUTIFY_FLAG" val="#wm#"/>
   <p:tag name="KSO_WM_TEMPLATE_CATEGORY" val="custom"/>
   <p:tag name="KSO_WM_TEMPLATE_INDEX" val="160402"/>
-  <p:tag name="KSO_WM_TAG_VERSION" val="1.0"/>
-  <p:tag name="KSO_WM_SLIDE_ID" val="custom160402_28"/>
-  <p:tag name="KSO_WM_SLIDE_INDEX" val="28"/>
-  <p:tag name="KSO_WM_SLIDE_ITEM_CNT" val="1"/>
-  <p:tag name="KSO_WM_SLIDE_LAYOUT" val="b_a"/>
-  <p:tag name="KSO_WM_SLIDE_LAYOUT_CNT" val="1_1"/>
-  <p:tag name="KSO_WM_SLIDE_TYPE" val="endPage"/>
-  <p:tag name="KSO_WM_BEAUTIFY_FLAG" val="#wm#"/>
 </p:tagLst>
 </file>
 
 <file path=ppt/tags/tag38.xml><?xml version="1.0" encoding="utf-8"?>
 <p:tagLst xmlns:p="http://schemas.openxmlformats.org/presentationml/2006/main">
-  <p:tag name="COMMONDATA" val="eyJoZGlkIjoiODcwZjc5M2RmYzUwOWE5MjVkODVjZGMyZDUwOTRjYmEifQ=="/>
+  <p:tag name="KSO_WM_BEAUTIFY_FLAG" val="#wm#"/>
+  <p:tag name="KSO_WM_TEMPLATE_CATEGORY" val="custom"/>
+  <p:tag name="KSO_WM_TEMPLATE_INDEX" val="160402"/>
+</p:tagLst>
+</file>
+
+<file path=ppt/tags/tag39.xml><?xml version="1.0" encoding="utf-8"?>
+<p:tagLst xmlns:p="http://schemas.openxmlformats.org/presentationml/2006/main">
+  <p:tag name="KSO_WM_BEAUTIFY_FLAG" val="#wm#"/>
+  <p:tag name="KSO_WM_TEMPLATE_CATEGORY" val="custom"/>
+  <p:tag name="KSO_WM_TEMPLATE_INDEX" val="160402"/>
 </p:tagLst>
 </file>
 
@@ -8712,6 +11196,114 @@
   <p:tag name="KSO_WM_UNIT_COMPATIBLE" val="0"/>
   <p:tag name="KSO_WM_UNIT_PRESET_TEXT_INDEX" val="3"/>
   <p:tag name="KSO_WM_UNIT_PRESET_TEXT_LEN" val="17"/>
+</p:tagLst>
+</file>
+
+<file path=ppt/tags/tag40.xml><?xml version="1.0" encoding="utf-8"?>
+<p:tagLst xmlns:p="http://schemas.openxmlformats.org/presentationml/2006/main">
+  <p:tag name="KSO_WM_BEAUTIFY_FLAG" val="#wm#"/>
+  <p:tag name="KSO_WM_TEMPLATE_CATEGORY" val="custom"/>
+  <p:tag name="KSO_WM_TEMPLATE_INDEX" val="160402"/>
+</p:tagLst>
+</file>
+
+<file path=ppt/tags/tag41.xml><?xml version="1.0" encoding="utf-8"?>
+<p:tagLst xmlns:p="http://schemas.openxmlformats.org/presentationml/2006/main">
+  <p:tag name="KSO_WM_BEAUTIFY_FLAG" val="#wm#"/>
+  <p:tag name="KSO_WM_TEMPLATE_CATEGORY" val="custom"/>
+  <p:tag name="KSO_WM_TEMPLATE_INDEX" val="160402"/>
+</p:tagLst>
+</file>
+
+<file path=ppt/tags/tag42.xml><?xml version="1.0" encoding="utf-8"?>
+<p:tagLst xmlns:p="http://schemas.openxmlformats.org/presentationml/2006/main">
+  <p:tag name="KSO_WM_BEAUTIFY_FLAG" val="#wm#"/>
+  <p:tag name="KSO_WM_TEMPLATE_CATEGORY" val="custom"/>
+  <p:tag name="KSO_WM_TEMPLATE_INDEX" val="160402"/>
+</p:tagLst>
+</file>
+
+<file path=ppt/tags/tag43.xml><?xml version="1.0" encoding="utf-8"?>
+<p:tagLst xmlns:p="http://schemas.openxmlformats.org/presentationml/2006/main">
+  <p:tag name="KSO_WM_BEAUTIFY_FLAG" val="#wm#"/>
+  <p:tag name="KSO_WM_TEMPLATE_CATEGORY" val="custom"/>
+  <p:tag name="KSO_WM_TEMPLATE_INDEX" val="160402"/>
+</p:tagLst>
+</file>
+
+<file path=ppt/tags/tag44.xml><?xml version="1.0" encoding="utf-8"?>
+<p:tagLst xmlns:p="http://schemas.openxmlformats.org/presentationml/2006/main">
+  <p:tag name="KSO_WM_BEAUTIFY_FLAG" val="#wm#"/>
+  <p:tag name="KSO_WM_TEMPLATE_CATEGORY" val="custom"/>
+  <p:tag name="KSO_WM_TEMPLATE_INDEX" val="160402"/>
+</p:tagLst>
+</file>
+
+<file path=ppt/tags/tag45.xml><?xml version="1.0" encoding="utf-8"?>
+<p:tagLst xmlns:p="http://schemas.openxmlformats.org/presentationml/2006/main">
+  <p:tag name="KSO_WM_BEAUTIFY_FLAG" val="#wm#"/>
+  <p:tag name="KSO_WM_TEMPLATE_CATEGORY" val="custom"/>
+  <p:tag name="KSO_WM_TEMPLATE_INDEX" val="160402"/>
+</p:tagLst>
+</file>
+
+<file path=ppt/tags/tag46.xml><?xml version="1.0" encoding="utf-8"?>
+<p:tagLst xmlns:p="http://schemas.openxmlformats.org/presentationml/2006/main">
+  <p:tag name="KSO_WM_TAG_VERSION" val="1.0"/>
+  <p:tag name="KSO_WM_BEAUTIFY_FLAG" val="#wm#"/>
+  <p:tag name="KSO_WM_TEMPLATE_CATEGORY" val="custom"/>
+  <p:tag name="KSO_WM_TEMPLATE_INDEX" val="160402"/>
+  <p:tag name="KSO_WM_UNIT_TYPE" val="a"/>
+  <p:tag name="KSO_WM_UNIT_INDEX" val="1"/>
+  <p:tag name="KSO_WM_UNIT_ID" val="custom160402_28*a*1"/>
+  <p:tag name="KSO_WM_UNIT_CLEAR" val="1"/>
+  <p:tag name="KSO_WM_UNIT_LAYERLEVEL" val="1"/>
+  <p:tag name="KSO_WM_UNIT_VALUE" val="6"/>
+  <p:tag name="KSO_WM_UNIT_ISCONTENTSTITLE" val="0"/>
+  <p:tag name="KSO_WM_UNIT_HIGHLIGHT" val="0"/>
+  <p:tag name="KSO_WM_UNIT_COMPATIBLE" val="0"/>
+  <p:tag name="KSO_WM_UNIT_PRESET_TEXT" val="THANKS"/>
+</p:tagLst>
+</file>
+
+<file path=ppt/tags/tag47.xml><?xml version="1.0" encoding="utf-8"?>
+<p:tagLst xmlns:p="http://schemas.openxmlformats.org/presentationml/2006/main">
+  <p:tag name="KSO_WM_TAG_VERSION" val="1.0"/>
+  <p:tag name="KSO_WM_BEAUTIFY_FLAG" val="#wm#"/>
+  <p:tag name="KSO_WM_TEMPLATE_CATEGORY" val="custom"/>
+  <p:tag name="KSO_WM_TEMPLATE_INDEX" val="160402"/>
+  <p:tag name="KSO_WM_UNIT_TYPE" val="b"/>
+  <p:tag name="KSO_WM_UNIT_INDEX" val="1"/>
+  <p:tag name="KSO_WM_UNIT_ID" val="custom160402_28*b*1"/>
+  <p:tag name="KSO_WM_UNIT_CLEAR" val="1"/>
+  <p:tag name="KSO_WM_UNIT_LAYERLEVEL" val="1"/>
+  <p:tag name="KSO_WM_UNIT_VALUE" val="28"/>
+  <p:tag name="KSO_WM_UNIT_ISCONTENTSTITLE" val="0"/>
+  <p:tag name="KSO_WM_UNIT_HIGHLIGHT" val="0"/>
+  <p:tag name="KSO_WM_UNIT_COMPATIBLE" val="0"/>
+  <p:tag name="KSO_WM_UNIT_PRESET_TEXT" val="谢谢聆听"/>
+</p:tagLst>
+</file>
+
+<file path=ppt/tags/tag48.xml><?xml version="1.0" encoding="utf-8"?>
+<p:tagLst xmlns:p="http://schemas.openxmlformats.org/presentationml/2006/main">
+  <p:tag name="KSO_WM_TEMPLATE_CATEGORY" val="custom"/>
+  <p:tag name="KSO_WM_TEMPLATE_INDEX" val="160402"/>
+  <p:tag name="KSO_WM_TAG_VERSION" val="1.0"/>
+  <p:tag name="KSO_WM_SLIDE_ID" val="custom160402_28"/>
+  <p:tag name="KSO_WM_SLIDE_INDEX" val="28"/>
+  <p:tag name="KSO_WM_SLIDE_ITEM_CNT" val="1"/>
+  <p:tag name="KSO_WM_SLIDE_LAYOUT" val="b_a"/>
+  <p:tag name="KSO_WM_SLIDE_LAYOUT_CNT" val="1_1"/>
+  <p:tag name="KSO_WM_SLIDE_TYPE" val="endPage"/>
+  <p:tag name="KSO_WM_BEAUTIFY_FLAG" val="#wm#"/>
+</p:tagLst>
+</file>
+
+<file path=ppt/tags/tag49.xml><?xml version="1.0" encoding="utf-8"?>
+<p:tagLst xmlns:p="http://schemas.openxmlformats.org/presentationml/2006/main">
+  <p:tag name="COMMONDATA" val="eyJoZGlkIjoiYjRhZjQ5NWVmZmQxNmM3NmNkNDYxNWRmNzNmMjA1ZDAifQ=="/>
+  <p:tag name="KSO_WPP_MARK_KEY" val="d226b164-9acd-42f0-89c3-4d92ea931f10"/>
 </p:tagLst>
 </file>
 

--- a/Web/Electron-Notes.pptx
+++ b/Web/Electron-Notes.pptx
@@ -5,10 +5,10 @@
     <p:sldMasterId id="2147483648" r:id="rId1"/>
   </p:sldMasterIdLst>
   <p:notesMasterIdLst>
-    <p:notesMasterId r:id="rId42"/>
+    <p:notesMasterId r:id="rId41"/>
   </p:notesMasterIdLst>
   <p:handoutMasterIdLst>
-    <p:handoutMasterId r:id="rId43"/>
+    <p:handoutMasterId r:id="rId42"/>
   </p:handoutMasterIdLst>
   <p:sldIdLst>
     <p:sldId id="256" r:id="rId3"/>
@@ -46,15 +46,14 @@
     <p:sldId id="295" r:id="rId35"/>
     <p:sldId id="297" r:id="rId36"/>
     <p:sldId id="389" r:id="rId37"/>
-    <p:sldId id="391" r:id="rId38"/>
-    <p:sldId id="393" r:id="rId39"/>
-    <p:sldId id="395" r:id="rId40"/>
-    <p:sldId id="261" r:id="rId41"/>
+    <p:sldId id="395" r:id="rId38"/>
+    <p:sldId id="473" r:id="rId39"/>
+    <p:sldId id="261" r:id="rId40"/>
   </p:sldIdLst>
   <p:sldSz cx="12192000" cy="6858000"/>
   <p:notesSz cx="6858000" cy="9144000"/>
   <p:custDataLst>
-    <p:tags r:id="rId47"/>
+    <p:tags r:id="rId46"/>
   </p:custDataLst>
   <p:defaultTextStyle>
     <a:defPPr>
@@ -4256,7 +4255,7 @@
           <a:p>
             <a:r>
               <a:rPr lang="en-US" altLang="zh-CN"/>
-              <a:t>Deployment</a:t>
+              <a:t>Package &amp; Deployment</a:t>
             </a:r>
             <a:endParaRPr lang="en-US" altLang="zh-CN"/>
           </a:p>
@@ -4272,10 +4271,31 @@
             <p:ph idx="1"/>
           </p:nvPr>
         </p:nvSpPr>
-        <p:spPr/>
+        <p:spPr>
+          <a:xfrm>
+            <a:off x="838200" y="1211580"/>
+            <a:ext cx="6081395" cy="4549140"/>
+          </a:xfrm>
+        </p:spPr>
         <p:txBody>
           <a:bodyPr/>
           <a:p>
+            <a:r>
+              <a:rPr lang="en-US" altLang="zh-CN"/>
+              <a:t>References</a:t>
+            </a:r>
+            <a:endParaRPr lang="en-US" altLang="zh-CN"/>
+          </a:p>
+          <a:p>
+            <a:pPr lvl="1"/>
+            <a:r>
+              <a:rPr lang="en-US" altLang="zh-CN"/>
+              <a:t>https://zhuanlan.zhihu.com/p/616596556</a:t>
+            </a:r>
+            <a:endParaRPr lang="en-US" altLang="zh-CN" sz="2000"/>
+          </a:p>
+          <a:p>
+            <a:pPr lvl="0"/>
             <a:r>
               <a:rPr lang="en-US" altLang="zh-CN"/>
               <a:t>icon</a:t>
@@ -4319,7 +4339,7 @@
         </p:blipFill>
         <p:spPr>
           <a:xfrm>
-            <a:off x="5839460" y="1211580"/>
+            <a:off x="7544435" y="1153795"/>
             <a:ext cx="3981450" cy="2190750"/>
           </a:xfrm>
           <a:prstGeom prst="rect">
@@ -9385,16 +9405,10 @@
         </p:nvSpPr>
         <p:spPr/>
         <p:txBody>
-          <a:bodyPr/>
-          <a:p>
-            <a:r>
-              <a:rPr lang="en-US" altLang="zh-CN"/>
-              <a:t>Error</a:t>
-            </a:r>
-            <a:endParaRPr lang="en-US" altLang="zh-CN"/>
-          </a:p>
-          <a:p>
-            <a:pPr lvl="1"/>
+          <a:bodyPr>
+            <a:normAutofit fontScale="90000" lnSpcReduction="20000"/>
+          </a:bodyPr>
+          <a:p>
             <a:r>
               <a:rPr lang="en-US" altLang="zh-CN"/>
               <a:t>RequestError: unable to verify the first certificate</a:t>
@@ -9407,6 +9421,134 @@
               <a:rPr lang="en-US" altLang="zh-CN"/>
               <a:t>set ELECTRON_MIRROR=http://npm.taobao.org/mirrors/electron/</a:t>
             </a:r>
+            <a:endParaRPr lang="en-US" altLang="zh-CN"/>
+          </a:p>
+          <a:p>
+            <a:pPr lvl="0"/>
+            <a:r>
+              <a:rPr lang="zh-CN" altLang="en-US" sz="2400">
+                <a:sym typeface="+mn-ea"/>
+              </a:rPr>
+              <a:t>Error: PostCSS received undefined instead of CSS string</a:t>
+            </a:r>
+            <a:endParaRPr lang="zh-CN" altLang="en-US" sz="2400"/>
+          </a:p>
+          <a:p>
+            <a:pPr lvl="1"/>
+            <a:r>
+              <a:rPr lang="en-US" altLang="zh-CN">
+                <a:sym typeface="+mn-ea"/>
+              </a:rPr>
+              <a:t>npm uninstall node-sass</a:t>
+            </a:r>
+            <a:endParaRPr lang="en-US" altLang="zh-CN"/>
+          </a:p>
+          <a:p>
+            <a:pPr lvl="1"/>
+            <a:r>
+              <a:rPr lang="en-US" altLang="zh-CN">
+                <a:sym typeface="+mn-ea"/>
+              </a:rPr>
+              <a:t>npm uninstall sass-loader</a:t>
+            </a:r>
+            <a:endParaRPr lang="en-US" altLang="zh-CN"/>
+          </a:p>
+          <a:p>
+            <a:pPr lvl="1"/>
+            <a:r>
+              <a:rPr lang="en-US" altLang="zh-CN">
+                <a:sym typeface="+mn-ea"/>
+              </a:rPr>
+              <a:t>npm install -S node-sass@4.14.1</a:t>
+            </a:r>
+            <a:endParaRPr lang="en-US" altLang="zh-CN"/>
+          </a:p>
+          <a:p>
+            <a:pPr lvl="1"/>
+            <a:r>
+              <a:rPr lang="en-US" altLang="zh-CN">
+                <a:sym typeface="+mn-ea"/>
+              </a:rPr>
+              <a:t>npm install -S sass-loader@8.0.0</a:t>
+            </a:r>
+            <a:endParaRPr lang="en-US" altLang="zh-CN">
+              <a:sym typeface="+mn-ea"/>
+            </a:endParaRPr>
+          </a:p>
+          <a:p>
+            <a:pPr lvl="0"/>
+            <a:r>
+              <a:rPr lang="en-US" altLang="zh-CN" sz="2400">
+                <a:sym typeface="+mn-ea"/>
+              </a:rPr>
+              <a:t>App crash when callback is invoked</a:t>
+            </a:r>
+            <a:endParaRPr lang="en-US" altLang="zh-CN" sz="2400"/>
+          </a:p>
+          <a:p>
+            <a:pPr lvl="1"/>
+            <a:r>
+              <a:rPr lang="en-US" altLang="zh-CN">
+                <a:sym typeface="+mn-ea"/>
+              </a:rPr>
+              <a:t>https://community.particle.io/t/timer-callback-method-calling-httpclient-crashes-on-electron/22373</a:t>
+            </a:r>
+            <a:endParaRPr lang="en-US" altLang="zh-CN"/>
+          </a:p>
+          <a:p>
+            <a:pPr lvl="2"/>
+            <a:r>
+              <a:rPr lang="en-US" altLang="zh-CN" sz="2000">
+                <a:sym typeface="+mn-ea"/>
+              </a:rPr>
+              <a:t>timer -&gt; change to thread</a:t>
+            </a:r>
+            <a:endParaRPr lang="en-US" altLang="zh-CN" sz="2000"/>
+          </a:p>
+          <a:p>
+            <a:pPr lvl="1"/>
+            <a:r>
+              <a:rPr lang="en-US" altLang="zh-CN">
+                <a:sym typeface="+mn-ea"/>
+              </a:rPr>
+              <a:t>https://github.com/electron/electron/issues/25397</a:t>
+            </a:r>
+            <a:endParaRPr lang="en-US" altLang="zh-CN"/>
+          </a:p>
+          <a:p>
+            <a:pPr lvl="2"/>
+            <a:r>
+              <a:rPr lang="en-US" altLang="zh-CN" sz="2000">
+                <a:sym typeface="+mn-ea"/>
+              </a:rPr>
+              <a:t>v11.0.0 or newer</a:t>
+            </a:r>
+            <a:endParaRPr lang="en-US" altLang="zh-CN" sz="2000">
+              <a:sym typeface="+mn-ea"/>
+            </a:endParaRPr>
+          </a:p>
+          <a:p>
+            <a:pPr lvl="0"/>
+            <a:r>
+              <a:rPr lang="en-US" altLang="zh-CN"/>
+              <a:t>code: 'ERR_ICON_TOO_SMALL'</a:t>
+            </a:r>
+            <a:endParaRPr lang="en-US" altLang="zh-CN"/>
+          </a:p>
+          <a:p>
+            <a:pPr lvl="1"/>
+            <a:r>
+              <a:rPr lang="en-US" altLang="zh-CN" sz="2000"/>
+              <a:t>build/icon.ico needs to be at least 256x256</a:t>
+            </a:r>
+            <a:endParaRPr lang="en-US" altLang="zh-CN"/>
+          </a:p>
+          <a:p>
+            <a:pPr lvl="0"/>
+            <a:endParaRPr lang="en-US" altLang="zh-CN"/>
+          </a:p>
+          <a:p>
+            <a:pPr lvl="0"/>
             <a:endParaRPr lang="en-US" altLang="zh-CN"/>
           </a:p>
         </p:txBody>
@@ -9447,14 +9589,8 @@
           <a:bodyPr/>
           <a:p>
             <a:r>
-              <a:rPr lang="en-US" altLang="zh-CN">
-                <a:sym typeface="+mn-ea"/>
-              </a:rPr>
-              <a:t>Issue </a:t>
-            </a:r>
-            <a:r>
-              <a:rPr lang="en-US" altLang="zh-CN"/>
-              <a:t>6</a:t>
+              <a:rPr lang="en-US" altLang="zh-CN"/>
+              <a:t>Issue 6</a:t>
             </a:r>
             <a:endParaRPr lang="en-US" altLang="zh-CN"/>
           </a:p>
@@ -9476,7 +9612,7 @@
           <a:p>
             <a:r>
               <a:rPr lang="zh-CN" altLang="en-US"/>
-              <a:t>Error: PostCSS received undefined instead of CSS string</a:t>
+              <a:t>应用白屏</a:t>
             </a:r>
             <a:endParaRPr lang="zh-CN" altLang="en-US"/>
           </a:p>
@@ -9484,31 +9620,23 @@
             <a:pPr lvl="1"/>
             <a:r>
               <a:rPr lang="en-US" altLang="zh-CN"/>
-              <a:t>npm uninstall node-sass</a:t>
-            </a:r>
-            <a:endParaRPr lang="en-US" altLang="zh-CN"/>
-          </a:p>
-          <a:p>
-            <a:pPr lvl="1"/>
-            <a:r>
-              <a:rPr lang="en-US" altLang="zh-CN"/>
-              <a:t>npm uninstall sass-loader</a:t>
-            </a:r>
-            <a:endParaRPr lang="en-US" altLang="zh-CN"/>
-          </a:p>
-          <a:p>
-            <a:pPr lvl="1"/>
-            <a:r>
-              <a:rPr lang="en-US" altLang="zh-CN"/>
-              <a:t>npm install -S node-sass@4.14.1</a:t>
-            </a:r>
-            <a:endParaRPr lang="en-US" altLang="zh-CN"/>
-          </a:p>
-          <a:p>
-            <a:pPr lvl="1"/>
-            <a:r>
-              <a:rPr lang="en-US" altLang="zh-CN"/>
-              <a:t>npm install -S sass-loader@8.0.0</a:t>
+              <a:t>references</a:t>
+            </a:r>
+            <a:endParaRPr lang="en-US" altLang="zh-CN"/>
+          </a:p>
+          <a:p>
+            <a:pPr lvl="2"/>
+            <a:r>
+              <a:rPr lang="en-US" altLang="zh-CN"/>
+              <a:t>https://juejin.cn/post/7136124646079856671</a:t>
+            </a:r>
+            <a:endParaRPr lang="en-US" altLang="zh-CN"/>
+          </a:p>
+          <a:p>
+            <a:pPr lvl="2"/>
+            <a:r>
+              <a:rPr lang="en-US" altLang="zh-CN"/>
+              <a:t>https://www.zhihu.com/question/54091307</a:t>
             </a:r>
             <a:endParaRPr lang="en-US" altLang="zh-CN"/>
           </a:p>
@@ -9550,10 +9678,8 @@
           <a:bodyPr/>
           <a:p>
             <a:r>
-              <a:rPr lang="en-US" altLang="zh-CN">
-                <a:sym typeface="+mn-ea"/>
-              </a:rPr>
-              <a:t>Issue 7</a:t>
+              <a:rPr lang="en-US" altLang="zh-CN"/>
+              <a:t>Issues in yarn install</a:t>
             </a:r>
             <a:endParaRPr lang="en-US" altLang="zh-CN"/>
           </a:p>
@@ -9574,40 +9700,24 @@
           <a:bodyPr/>
           <a:p>
             <a:r>
-              <a:rPr lang="en-US" altLang="zh-CN"/>
-              <a:t>App crash when callback is invoked</a:t>
-            </a:r>
-            <a:endParaRPr lang="en-US" altLang="zh-CN"/>
-          </a:p>
-          <a:p>
-            <a:pPr lvl="1"/>
-            <a:r>
-              <a:rPr lang="en-US" altLang="zh-CN"/>
-              <a:t>https://community.particle.io/t/timer-callback-method-calling-httpclient-crashes-on-electron/22373</a:t>
-            </a:r>
-            <a:endParaRPr lang="en-US" altLang="zh-CN"/>
-          </a:p>
-          <a:p>
-            <a:pPr lvl="2"/>
-            <a:r>
-              <a:rPr lang="en-US" altLang="zh-CN"/>
-              <a:t>timer -&gt; change to thread</a:t>
-            </a:r>
-            <a:endParaRPr lang="en-US" altLang="zh-CN"/>
-          </a:p>
-          <a:p>
-            <a:pPr lvl="1"/>
-            <a:r>
-              <a:rPr lang="en-US" altLang="zh-CN"/>
-              <a:t>https://github.com/electron/electron/issues/25397</a:t>
-            </a:r>
-            <a:endParaRPr lang="en-US" altLang="zh-CN"/>
-          </a:p>
-          <a:p>
-            <a:pPr lvl="2"/>
-            <a:r>
-              <a:rPr lang="en-US" altLang="zh-CN"/>
-              <a:t>v11.0.0 or newer</a:t>
+              <a:rPr lang="zh-CN" altLang="en-US"/>
+              <a:t>ValueError: invalid mode: 'rU' while trying to load binding.gyp</a:t>
+            </a:r>
+            <a:endParaRPr lang="zh-CN" altLang="en-US"/>
+          </a:p>
+          <a:p>
+            <a:pPr lvl="1"/>
+            <a:r>
+              <a:rPr lang="en-US" altLang="zh-CN"/>
+              <a:t>this issue happens when python version is 3.11</a:t>
+            </a:r>
+            <a:endParaRPr lang="en-US" altLang="zh-CN"/>
+          </a:p>
+          <a:p>
+            <a:pPr lvl="1"/>
+            <a:r>
+              <a:rPr lang="en-US" altLang="zh-CN"/>
+              <a:t>solution: change 3.11 back to 3.10</a:t>
             </a:r>
             <a:endParaRPr lang="en-US" altLang="zh-CN"/>
           </a:p>
@@ -9625,95 +9735,6 @@
 </file>
 
 <file path=ppt/slides/slide38.xml><?xml version="1.0" encoding="utf-8"?>
-<p:sld xmlns:a="http://schemas.openxmlformats.org/drawingml/2006/main" xmlns:r="http://schemas.openxmlformats.org/officeDocument/2006/relationships" xmlns:p="http://schemas.openxmlformats.org/presentationml/2006/main">
-  <p:cSld>
-    <p:spTree>
-      <p:nvGrpSpPr>
-        <p:cNvPr id="1" name=""/>
-        <p:cNvGrpSpPr/>
-        <p:nvPr/>
-      </p:nvGrpSpPr>
-      <p:grpSpPr/>
-      <p:sp>
-        <p:nvSpPr>
-          <p:cNvPr id="2" name="标题 1"/>
-          <p:cNvSpPr>
-            <a:spLocks noGrp="1"/>
-          </p:cNvSpPr>
-          <p:nvPr>
-            <p:ph type="title"/>
-          </p:nvPr>
-        </p:nvSpPr>
-        <p:spPr/>
-        <p:txBody>
-          <a:bodyPr/>
-          <a:p>
-            <a:r>
-              <a:rPr lang="en-US" altLang="zh-CN"/>
-              <a:t>Issue 8</a:t>
-            </a:r>
-            <a:endParaRPr lang="en-US" altLang="zh-CN"/>
-          </a:p>
-        </p:txBody>
-      </p:sp>
-      <p:sp>
-        <p:nvSpPr>
-          <p:cNvPr id="3" name="内容占位符 2"/>
-          <p:cNvSpPr>
-            <a:spLocks noGrp="1"/>
-          </p:cNvSpPr>
-          <p:nvPr>
-            <p:ph idx="1"/>
-          </p:nvPr>
-        </p:nvSpPr>
-        <p:spPr/>
-        <p:txBody>
-          <a:bodyPr/>
-          <a:p>
-            <a:r>
-              <a:rPr lang="zh-CN" altLang="en-US"/>
-              <a:t>应用白屏</a:t>
-            </a:r>
-            <a:endParaRPr lang="zh-CN" altLang="en-US"/>
-          </a:p>
-          <a:p>
-            <a:pPr lvl="1"/>
-            <a:r>
-              <a:rPr lang="en-US" altLang="zh-CN"/>
-              <a:t>references</a:t>
-            </a:r>
-            <a:endParaRPr lang="en-US" altLang="zh-CN"/>
-          </a:p>
-          <a:p>
-            <a:pPr lvl="2"/>
-            <a:r>
-              <a:rPr lang="en-US" altLang="zh-CN"/>
-              <a:t>https://juejin.cn/post/7136124646079856671</a:t>
-            </a:r>
-            <a:endParaRPr lang="en-US" altLang="zh-CN"/>
-          </a:p>
-          <a:p>
-            <a:pPr lvl="2"/>
-            <a:r>
-              <a:rPr lang="en-US" altLang="zh-CN"/>
-              <a:t>https://www.zhihu.com/question/54091307</a:t>
-            </a:r>
-            <a:endParaRPr lang="en-US" altLang="zh-CN"/>
-          </a:p>
-        </p:txBody>
-      </p:sp>
-    </p:spTree>
-    <p:custDataLst>
-      <p:tags r:id="rId1"/>
-    </p:custDataLst>
-  </p:cSld>
-  <p:clrMapOvr>
-    <a:masterClrMapping/>
-  </p:clrMapOvr>
-</p:sld>
-</file>
-
-<file path=ppt/slides/slide39.xml><?xml version="1.0" encoding="utf-8"?>
 <p:sld xmlns:a="http://schemas.openxmlformats.org/drawingml/2006/main" xmlns:r="http://schemas.openxmlformats.org/officeDocument/2006/relationships" xmlns:p="http://schemas.openxmlformats.org/presentationml/2006/main">
   <p:cSld>
     <p:spTree>
@@ -10044,235 +10065,35 @@
           </a:p>
         </p:txBody>
       </p:sp>
-      <p:sp>
-        <p:nvSpPr>
-          <p:cNvPr id="4" name="内容占位符 2"/>
-          <p:cNvSpPr>
-            <a:spLocks noGrp="1"/>
-          </p:cNvSpPr>
+      <p:pic>
+        <p:nvPicPr>
+          <p:cNvPr id="100" name="图片 99"/>
+          <p:cNvPicPr/>
           <p:nvPr/>
-        </p:nvSpPr>
+        </p:nvPicPr>
+        <p:blipFill>
+          <a:blip r:embed="rId1"/>
+          <a:stretch>
+            <a:fillRect/>
+          </a:stretch>
+        </p:blipFill>
         <p:spPr>
           <a:xfrm>
-            <a:off x="6338570" y="1211580"/>
-            <a:ext cx="5476875" cy="5170805"/>
+            <a:off x="6358255" y="808990"/>
+            <a:ext cx="5541645" cy="4679950"/>
           </a:xfrm>
           <a:prstGeom prst="rect">
             <a:avLst/>
           </a:prstGeom>
+          <a:noFill/>
+          <a:ln w="9525">
+            <a:noFill/>
+          </a:ln>
         </p:spPr>
-        <p:txBody>
-          <a:bodyPr vert="horz" lIns="91440" tIns="45720" rIns="91440" bIns="45720" rtlCol="0">
-            <a:normAutofit/>
-          </a:bodyPr>
-          <a:lstStyle>
-            <a:lvl1pPr marL="342900" indent="-342900" algn="l" defTabSz="914400" rtl="0" eaLnBrk="1" latinLnBrk="0" hangingPunct="1">
-              <a:lnSpc>
-                <a:spcPct val="90000"/>
-              </a:lnSpc>
-              <a:spcBef>
-                <a:spcPts val="1000"/>
-              </a:spcBef>
-              <a:buFont typeface="黑体" panose="02010609060101010101" pitchFamily="49" charset="-122"/>
-              <a:buChar char="〉"/>
-              <a:defRPr sz="2400" kern="1200">
-                <a:solidFill>
-                  <a:schemeClr val="tx1"/>
-                </a:solidFill>
-                <a:latin typeface="+mn-lt"/>
-                <a:ea typeface="+mn-ea"/>
-                <a:cs typeface="+mn-cs"/>
-              </a:defRPr>
-            </a:lvl1pPr>
-            <a:lvl2pPr marL="800100" indent="-342900" algn="l" defTabSz="914400" rtl="0" eaLnBrk="1" latinLnBrk="0" hangingPunct="1">
-              <a:lnSpc>
-                <a:spcPct val="90000"/>
-              </a:lnSpc>
-              <a:spcBef>
-                <a:spcPts val="500"/>
-              </a:spcBef>
-              <a:buFont typeface="Arial" panose="020B0604020202020204" pitchFamily="34" charset="0"/>
-              <a:buChar char="•"/>
-              <a:defRPr sz="2000" kern="1200">
-                <a:solidFill>
-                  <a:schemeClr val="tx1"/>
-                </a:solidFill>
-                <a:latin typeface="+mn-lt"/>
-                <a:ea typeface="+mn-ea"/>
-                <a:cs typeface="+mn-cs"/>
-              </a:defRPr>
-            </a:lvl2pPr>
-            <a:lvl3pPr marL="1257300" indent="-342900" algn="l" defTabSz="914400" rtl="0" eaLnBrk="1" latinLnBrk="0" hangingPunct="1">
-              <a:lnSpc>
-                <a:spcPct val="90000"/>
-              </a:lnSpc>
-              <a:spcBef>
-                <a:spcPts val="500"/>
-              </a:spcBef>
-              <a:buFont typeface="Arial" panose="020B0604020202020204" pitchFamily="34" charset="0"/>
-              <a:buChar char="•"/>
-              <a:defRPr sz="1800" kern="1200">
-                <a:solidFill>
-                  <a:schemeClr val="tx1"/>
-                </a:solidFill>
-                <a:latin typeface="+mn-lt"/>
-                <a:ea typeface="+mn-ea"/>
-                <a:cs typeface="+mn-cs"/>
-              </a:defRPr>
-            </a:lvl3pPr>
-            <a:lvl4pPr marL="1657350" indent="-285750" algn="l" defTabSz="914400" rtl="0" eaLnBrk="1" latinLnBrk="0" hangingPunct="1">
-              <a:lnSpc>
-                <a:spcPct val="90000"/>
-              </a:lnSpc>
-              <a:spcBef>
-                <a:spcPts val="500"/>
-              </a:spcBef>
-              <a:buFont typeface="Arial" panose="020B0604020202020204" pitchFamily="34" charset="0"/>
-              <a:buChar char="•"/>
-              <a:defRPr sz="1800" kern="1200">
-                <a:solidFill>
-                  <a:schemeClr val="tx1"/>
-                </a:solidFill>
-                <a:latin typeface="+mn-lt"/>
-                <a:ea typeface="+mn-ea"/>
-                <a:cs typeface="+mn-cs"/>
-              </a:defRPr>
-            </a:lvl4pPr>
-            <a:lvl5pPr marL="2114550" indent="-285750" algn="l" defTabSz="914400" rtl="0" eaLnBrk="1" latinLnBrk="0" hangingPunct="1">
-              <a:lnSpc>
-                <a:spcPct val="90000"/>
-              </a:lnSpc>
-              <a:spcBef>
-                <a:spcPts val="500"/>
-              </a:spcBef>
-              <a:buFont typeface="Arial" panose="020B0604020202020204" pitchFamily="34" charset="0"/>
-              <a:buChar char="•"/>
-              <a:defRPr sz="1800" kern="1200">
-                <a:solidFill>
-                  <a:schemeClr val="tx1"/>
-                </a:solidFill>
-                <a:latin typeface="+mn-lt"/>
-                <a:ea typeface="+mn-ea"/>
-                <a:cs typeface="+mn-cs"/>
-              </a:defRPr>
-            </a:lvl5pPr>
-            <a:lvl6pPr marL="2514600" indent="-228600" algn="l" defTabSz="914400" rtl="0" eaLnBrk="1" latinLnBrk="0" hangingPunct="1">
-              <a:lnSpc>
-                <a:spcPct val="90000"/>
-              </a:lnSpc>
-              <a:spcBef>
-                <a:spcPts val="500"/>
-              </a:spcBef>
-              <a:buFont typeface="Arial" panose="020B0604020202020204" pitchFamily="34" charset="0"/>
-              <a:buChar char="•"/>
-              <a:defRPr sz="1800" kern="1200">
-                <a:solidFill>
-                  <a:schemeClr val="tx1"/>
-                </a:solidFill>
-                <a:latin typeface="+mn-lt"/>
-                <a:ea typeface="+mn-ea"/>
-                <a:cs typeface="+mn-cs"/>
-              </a:defRPr>
-            </a:lvl6pPr>
-            <a:lvl7pPr marL="2971800" indent="-228600" algn="l" defTabSz="914400" rtl="0" eaLnBrk="1" latinLnBrk="0" hangingPunct="1">
-              <a:lnSpc>
-                <a:spcPct val="90000"/>
-              </a:lnSpc>
-              <a:spcBef>
-                <a:spcPts val="500"/>
-              </a:spcBef>
-              <a:buFont typeface="Arial" panose="020B0604020202020204" pitchFamily="34" charset="0"/>
-              <a:buChar char="•"/>
-              <a:defRPr sz="1800" kern="1200">
-                <a:solidFill>
-                  <a:schemeClr val="tx1"/>
-                </a:solidFill>
-                <a:latin typeface="+mn-lt"/>
-                <a:ea typeface="+mn-ea"/>
-                <a:cs typeface="+mn-cs"/>
-              </a:defRPr>
-            </a:lvl7pPr>
-            <a:lvl8pPr marL="3429000" indent="-228600" algn="l" defTabSz="914400" rtl="0" eaLnBrk="1" latinLnBrk="0" hangingPunct="1">
-              <a:lnSpc>
-                <a:spcPct val="90000"/>
-              </a:lnSpc>
-              <a:spcBef>
-                <a:spcPts val="500"/>
-              </a:spcBef>
-              <a:buFont typeface="Arial" panose="020B0604020202020204" pitchFamily="34" charset="0"/>
-              <a:buChar char="•"/>
-              <a:defRPr sz="1800" kern="1200">
-                <a:solidFill>
-                  <a:schemeClr val="tx1"/>
-                </a:solidFill>
-                <a:latin typeface="+mn-lt"/>
-                <a:ea typeface="+mn-ea"/>
-                <a:cs typeface="+mn-cs"/>
-              </a:defRPr>
-            </a:lvl8pPr>
-            <a:lvl9pPr marL="3886200" indent="-228600" algn="l" defTabSz="914400" rtl="0" eaLnBrk="1" latinLnBrk="0" hangingPunct="1">
-              <a:lnSpc>
-                <a:spcPct val="90000"/>
-              </a:lnSpc>
-              <a:spcBef>
-                <a:spcPts val="500"/>
-              </a:spcBef>
-              <a:buFont typeface="Arial" panose="020B0604020202020204" pitchFamily="34" charset="0"/>
-              <a:buChar char="•"/>
-              <a:defRPr sz="1800" kern="1200">
-                <a:solidFill>
-                  <a:schemeClr val="tx1"/>
-                </a:solidFill>
-                <a:latin typeface="+mn-lt"/>
-                <a:ea typeface="+mn-ea"/>
-                <a:cs typeface="+mn-cs"/>
-              </a:defRPr>
-            </a:lvl9pPr>
-          </a:lstStyle>
-          <a:p>
-            <a:r>
-              <a:rPr lang="en-US" altLang="zh-CN"/>
-              <a:t>Linux</a:t>
-            </a:r>
-            <a:endParaRPr lang="en-US" altLang="zh-CN"/>
-          </a:p>
-          <a:p>
-            <a:pPr lvl="1"/>
-            <a:r>
-              <a:rPr lang="en-US" altLang="zh-CN"/>
-              <a:t>curl -sL https://deb.nodesource.com/setup_16.x | sudo bash -</a:t>
-            </a:r>
-            <a:endParaRPr lang="en-US" altLang="zh-CN"/>
-          </a:p>
-          <a:p>
-            <a:pPr lvl="0"/>
-            <a:r>
-              <a:rPr lang="en-US" altLang="zh-CN"/>
-              <a:t>npm</a:t>
-            </a:r>
-            <a:endParaRPr lang="en-US" altLang="zh-CN"/>
-          </a:p>
-          <a:p>
-            <a:pPr lvl="1"/>
-            <a:r>
-              <a:rPr lang="en-US" altLang="zh-CN"/>
-              <a:t>npm config set registry https://registry.npm.taobao.org</a:t>
-            </a:r>
-            <a:endParaRPr lang="en-US" altLang="zh-CN"/>
-          </a:p>
-          <a:p>
-            <a:pPr lvl="1"/>
-            <a:r>
-              <a:rPr lang="en-US" altLang="zh-CN"/>
-              <a:t>npm config get registry</a:t>
-            </a:r>
-            <a:endParaRPr lang="en-US" altLang="zh-CN"/>
-          </a:p>
-        </p:txBody>
-      </p:sp>
+      </p:pic>
     </p:spTree>
     <p:custDataLst>
-      <p:tags r:id="rId1"/>
+      <p:tags r:id="rId2"/>
     </p:custDataLst>
   </p:cSld>
   <p:clrMapOvr>
@@ -10684,13 +10505,59 @@
             <p:ph idx="1"/>
           </p:nvPr>
         </p:nvSpPr>
-        <p:spPr/>
-        <p:txBody>
-          <a:bodyPr/>
-          <a:p>
-            <a:r>
-              <a:rPr lang="en-US" altLang="zh-CN"/>
-              <a:t>Steps</a:t>
+        <p:spPr>
+          <a:xfrm>
+            <a:off x="838200" y="1211580"/>
+            <a:ext cx="6531610" cy="4549140"/>
+          </a:xfrm>
+        </p:spPr>
+        <p:txBody>
+          <a:bodyPr>
+            <a:normAutofit lnSpcReduction="20000"/>
+          </a:bodyPr>
+          <a:p>
+            <a:r>
+              <a:rPr lang="en-US" altLang="zh-CN"/>
+              <a:t>Electron + Vue3 + Vite</a:t>
+            </a:r>
+            <a:endParaRPr lang="en-US" altLang="zh-CN"/>
+          </a:p>
+          <a:p>
+            <a:pPr lvl="1"/>
+            <a:r>
+              <a:rPr lang="en-US" altLang="zh-CN"/>
+              <a:t>https://github.com/Deluze/electron-vue-template</a:t>
+            </a:r>
+            <a:endParaRPr lang="en-US" altLang="zh-CN"/>
+          </a:p>
+          <a:p>
+            <a:pPr lvl="1"/>
+            <a:r>
+              <a:rPr lang="en-US" altLang="zh-CN"/>
+              <a:t>npm i</a:t>
+            </a:r>
+            <a:endParaRPr lang="en-US" altLang="zh-CN"/>
+          </a:p>
+          <a:p>
+            <a:pPr lvl="1"/>
+            <a:r>
+              <a:rPr lang="en-US" altLang="zh-CN"/>
+              <a:t>npm run dev</a:t>
+            </a:r>
+            <a:endParaRPr lang="en-US" altLang="zh-CN"/>
+          </a:p>
+          <a:p>
+            <a:pPr lvl="1"/>
+            <a:r>
+              <a:rPr lang="en-US" altLang="zh-CN"/>
+              <a:t>npm run build:linux</a:t>
+            </a:r>
+            <a:endParaRPr lang="en-US" altLang="zh-CN"/>
+          </a:p>
+          <a:p>
+            <a:r>
+              <a:rPr lang="en-US" altLang="zh-CN"/>
+              <a:t>Electron</a:t>
             </a:r>
             <a:endParaRPr lang="en-US" altLang="zh-CN"/>
           </a:p>
@@ -10776,7 +10643,7 @@
         </p:nvSpPr>
         <p:spPr>
           <a:xfrm>
-            <a:off x="7183755" y="1343025"/>
+            <a:off x="8007350" y="1132840"/>
             <a:ext cx="3637915" cy="1198880"/>
           </a:xfrm>
           <a:prstGeom prst="rect">
@@ -10831,7 +10698,7 @@
         </p:nvSpPr>
         <p:spPr>
           <a:xfrm>
-            <a:off x="7183755" y="2748280"/>
+            <a:off x="8007350" y="2538095"/>
             <a:ext cx="3703320" cy="2306955"/>
           </a:xfrm>
           <a:prstGeom prst="rect">
@@ -11241,14 +11108,6 @@
 
 <file path=ppt/tags/tag45.xml><?xml version="1.0" encoding="utf-8"?>
 <p:tagLst xmlns:p="http://schemas.openxmlformats.org/presentationml/2006/main">
-  <p:tag name="KSO_WM_BEAUTIFY_FLAG" val="#wm#"/>
-  <p:tag name="KSO_WM_TEMPLATE_CATEGORY" val="custom"/>
-  <p:tag name="KSO_WM_TEMPLATE_INDEX" val="160402"/>
-</p:tagLst>
-</file>
-
-<file path=ppt/tags/tag46.xml><?xml version="1.0" encoding="utf-8"?>
-<p:tagLst xmlns:p="http://schemas.openxmlformats.org/presentationml/2006/main">
   <p:tag name="KSO_WM_TAG_VERSION" val="1.0"/>
   <p:tag name="KSO_WM_BEAUTIFY_FLAG" val="#wm#"/>
   <p:tag name="KSO_WM_TEMPLATE_CATEGORY" val="custom"/>
@@ -11266,7 +11125,7 @@
 </p:tagLst>
 </file>
 
-<file path=ppt/tags/tag47.xml><?xml version="1.0" encoding="utf-8"?>
+<file path=ppt/tags/tag46.xml><?xml version="1.0" encoding="utf-8"?>
 <p:tagLst xmlns:p="http://schemas.openxmlformats.org/presentationml/2006/main">
   <p:tag name="KSO_WM_TAG_VERSION" val="1.0"/>
   <p:tag name="KSO_WM_BEAUTIFY_FLAG" val="#wm#"/>
@@ -11285,7 +11144,7 @@
 </p:tagLst>
 </file>
 
-<file path=ppt/tags/tag48.xml><?xml version="1.0" encoding="utf-8"?>
+<file path=ppt/tags/tag47.xml><?xml version="1.0" encoding="utf-8"?>
 <p:tagLst xmlns:p="http://schemas.openxmlformats.org/presentationml/2006/main">
   <p:tag name="KSO_WM_TEMPLATE_CATEGORY" val="custom"/>
   <p:tag name="KSO_WM_TEMPLATE_INDEX" val="160402"/>
@@ -11300,7 +11159,7 @@
 </p:tagLst>
 </file>
 
-<file path=ppt/tags/tag49.xml><?xml version="1.0" encoding="utf-8"?>
+<file path=ppt/tags/tag48.xml><?xml version="1.0" encoding="utf-8"?>
 <p:tagLst xmlns:p="http://schemas.openxmlformats.org/presentationml/2006/main">
   <p:tag name="COMMONDATA" val="eyJoZGlkIjoiYjRhZjQ5NWVmZmQxNmM3NmNkNDYxNWRmNzNmMjA1ZDAifQ=="/>
   <p:tag name="KSO_WPP_MARK_KEY" val="d226b164-9acd-42f0-89c3-4d92ea931f10"/>
